--- a/attachments/AnimacaoFlavioCoutinho.pptx
+++ b/attachments/AnimacaoFlavioCoutinho.pptx
@@ -5,31 +5,40 @@
     <p:sldMasterId id="2147483756" r:id="rId1"/>
   </p:sldMasterIdLst>
   <p:notesMasterIdLst>
-    <p:notesMasterId r:id="rId24"/>
+    <p:notesMasterId r:id="rId33"/>
   </p:notesMasterIdLst>
   <p:sldIdLst>
     <p:sldId id="256" r:id="rId2"/>
-    <p:sldId id="257" r:id="rId3"/>
-    <p:sldId id="258" r:id="rId4"/>
-    <p:sldId id="259" r:id="rId5"/>
-    <p:sldId id="260" r:id="rId6"/>
-    <p:sldId id="261" r:id="rId7"/>
-    <p:sldId id="263" r:id="rId8"/>
-    <p:sldId id="262" r:id="rId9"/>
-    <p:sldId id="264" r:id="rId10"/>
-    <p:sldId id="278" r:id="rId11"/>
-    <p:sldId id="265" r:id="rId12"/>
-    <p:sldId id="266" r:id="rId13"/>
-    <p:sldId id="267" r:id="rId14"/>
-    <p:sldId id="268" r:id="rId15"/>
-    <p:sldId id="269" r:id="rId16"/>
-    <p:sldId id="270" r:id="rId17"/>
-    <p:sldId id="272" r:id="rId18"/>
-    <p:sldId id="273" r:id="rId19"/>
-    <p:sldId id="274" r:id="rId20"/>
-    <p:sldId id="275" r:id="rId21"/>
-    <p:sldId id="276" r:id="rId22"/>
-    <p:sldId id="277" r:id="rId23"/>
+    <p:sldId id="279" r:id="rId3"/>
+    <p:sldId id="287" r:id="rId4"/>
+    <p:sldId id="257" r:id="rId5"/>
+    <p:sldId id="258" r:id="rId6"/>
+    <p:sldId id="259" r:id="rId7"/>
+    <p:sldId id="260" r:id="rId8"/>
+    <p:sldId id="261" r:id="rId9"/>
+    <p:sldId id="263" r:id="rId10"/>
+    <p:sldId id="285" r:id="rId11"/>
+    <p:sldId id="286" r:id="rId12"/>
+    <p:sldId id="262" r:id="rId13"/>
+    <p:sldId id="264" r:id="rId14"/>
+    <p:sldId id="278" r:id="rId15"/>
+    <p:sldId id="265" r:id="rId16"/>
+    <p:sldId id="266" r:id="rId17"/>
+    <p:sldId id="267" r:id="rId18"/>
+    <p:sldId id="268" r:id="rId19"/>
+    <p:sldId id="269" r:id="rId20"/>
+    <p:sldId id="270" r:id="rId21"/>
+    <p:sldId id="272" r:id="rId22"/>
+    <p:sldId id="273" r:id="rId23"/>
+    <p:sldId id="274" r:id="rId24"/>
+    <p:sldId id="275" r:id="rId25"/>
+    <p:sldId id="276" r:id="rId26"/>
+    <p:sldId id="277" r:id="rId27"/>
+    <p:sldId id="280" r:id="rId28"/>
+    <p:sldId id="281" r:id="rId29"/>
+    <p:sldId id="283" r:id="rId30"/>
+    <p:sldId id="284" r:id="rId31"/>
+    <p:sldId id="282" r:id="rId32"/>
   </p:sldIdLst>
   <p:sldSz cx="9144000" cy="6858000" type="screen4x3"/>
   <p:notesSz cx="6858000" cy="9144000"/>
@@ -213,7 +222,7 @@
           <a:p>
             <a:fld id="{00680337-0140-44CC-A93C-28169C4EDDC2}" type="datetimeFigureOut">
               <a:rPr lang="pt-BR" smtClean="0"/>
-              <a:t>16/12/2014</a:t>
+              <a:t>02/06/2015</a:t>
             </a:fld>
             <a:endParaRPr lang="pt-BR"/>
           </a:p>
@@ -659,7 +668,7 @@
                   <a:spcPct val="0"/>
                 </a:spcBef>
               </a:pPr>
-              <a:t>8</a:t>
+              <a:t>12</a:t>
             </a:fld>
             <a:endParaRPr lang="en-US" altLang="pt-BR" smtClean="0"/>
           </a:p>
@@ -669,7 +678,7 @@
         <p:nvSpPr>
           <p:cNvPr id="47107" name="Rectangle 2"/>
           <p:cNvSpPr>
-            <a:spLocks noChangeArrowheads="1" noTextEdit="1"/>
+            <a:spLocks noGrp="1" noRot="1" noChangeAspect="1" noChangeArrowheads="1" noTextEdit="1"/>
           </p:cNvSpPr>
           <p:nvPr>
             <p:ph type="sldImg"/>
@@ -907,7 +916,7 @@
                   <a:spcPct val="0"/>
                 </a:spcBef>
               </a:pPr>
-              <a:t>21</a:t>
+              <a:t>25</a:t>
             </a:fld>
             <a:endParaRPr lang="en-US" altLang="pt-BR" smtClean="0"/>
           </a:p>
@@ -917,7 +926,7 @@
         <p:nvSpPr>
           <p:cNvPr id="74755" name="Rectangle 2"/>
           <p:cNvSpPr>
-            <a:spLocks noChangeArrowheads="1" noTextEdit="1"/>
+            <a:spLocks noGrp="1" noRot="1" noChangeAspect="1" noChangeArrowheads="1" noTextEdit="1"/>
           </p:cNvSpPr>
           <p:nvPr>
             <p:ph type="sldImg"/>
@@ -1155,7 +1164,7 @@
                   <a:spcPct val="0"/>
                 </a:spcBef>
               </a:pPr>
-              <a:t>22</a:t>
+              <a:t>26</a:t>
             </a:fld>
             <a:endParaRPr lang="en-US" altLang="pt-BR" smtClean="0"/>
           </a:p>
@@ -1165,7 +1174,7 @@
         <p:nvSpPr>
           <p:cNvPr id="76803" name="Rectangle 2"/>
           <p:cNvSpPr>
-            <a:spLocks noChangeArrowheads="1" noTextEdit="1"/>
+            <a:spLocks noGrp="1" noRot="1" noChangeAspect="1" noChangeArrowheads="1" noTextEdit="1"/>
           </p:cNvSpPr>
           <p:nvPr>
             <p:ph type="sldImg"/>
@@ -1403,7 +1412,7 @@
                   <a:spcPct val="0"/>
                 </a:spcBef>
               </a:pPr>
-              <a:t>13</a:t>
+              <a:t>17</a:t>
             </a:fld>
             <a:endParaRPr lang="en-US" altLang="pt-BR" smtClean="0"/>
           </a:p>
@@ -1413,7 +1422,7 @@
         <p:nvSpPr>
           <p:cNvPr id="62467" name="Rectangle 2"/>
           <p:cNvSpPr>
-            <a:spLocks noChangeArrowheads="1" noTextEdit="1"/>
+            <a:spLocks noGrp="1" noRot="1" noChangeAspect="1" noChangeArrowheads="1" noTextEdit="1"/>
           </p:cNvSpPr>
           <p:nvPr>
             <p:ph type="sldImg"/>
@@ -1651,7 +1660,7 @@
                   <a:spcPct val="0"/>
                 </a:spcBef>
               </a:pPr>
-              <a:t>14</a:t>
+              <a:t>18</a:t>
             </a:fld>
             <a:endParaRPr lang="en-US" altLang="pt-BR" smtClean="0"/>
           </a:p>
@@ -1661,7 +1670,7 @@
         <p:nvSpPr>
           <p:cNvPr id="64515" name="Rectangle 2"/>
           <p:cNvSpPr>
-            <a:spLocks noChangeArrowheads="1" noTextEdit="1"/>
+            <a:spLocks noGrp="1" noRot="1" noChangeAspect="1" noChangeArrowheads="1" noTextEdit="1"/>
           </p:cNvSpPr>
           <p:nvPr>
             <p:ph type="sldImg"/>
@@ -1899,7 +1908,7 @@
                   <a:spcPct val="0"/>
                 </a:spcBef>
               </a:pPr>
-              <a:t>15</a:t>
+              <a:t>19</a:t>
             </a:fld>
             <a:endParaRPr lang="en-US" altLang="pt-BR" smtClean="0"/>
           </a:p>
@@ -1909,7 +1918,7 @@
         <p:nvSpPr>
           <p:cNvPr id="65539" name="Rectangle 2"/>
           <p:cNvSpPr>
-            <a:spLocks noChangeArrowheads="1" noTextEdit="1"/>
+            <a:spLocks noGrp="1" noRot="1" noChangeAspect="1" noChangeArrowheads="1" noTextEdit="1"/>
           </p:cNvSpPr>
           <p:nvPr>
             <p:ph type="sldImg"/>
@@ -2147,7 +2156,7 @@
                   <a:spcPct val="0"/>
                 </a:spcBef>
               </a:pPr>
-              <a:t>16</a:t>
+              <a:t>20</a:t>
             </a:fld>
             <a:endParaRPr lang="en-US" altLang="pt-BR" smtClean="0"/>
           </a:p>
@@ -2157,7 +2166,7 @@
         <p:nvSpPr>
           <p:cNvPr id="66563" name="Rectangle 2"/>
           <p:cNvSpPr>
-            <a:spLocks noChangeArrowheads="1" noTextEdit="1"/>
+            <a:spLocks noGrp="1" noRot="1" noChangeAspect="1" noChangeArrowheads="1" noTextEdit="1"/>
           </p:cNvSpPr>
           <p:nvPr>
             <p:ph type="sldImg"/>
@@ -2395,7 +2404,7 @@
                   <a:spcPct val="0"/>
                 </a:spcBef>
               </a:pPr>
-              <a:t>17</a:t>
+              <a:t>21</a:t>
             </a:fld>
             <a:endParaRPr lang="en-US" altLang="pt-BR" smtClean="0"/>
           </a:p>
@@ -2405,7 +2414,7 @@
         <p:nvSpPr>
           <p:cNvPr id="68611" name="Rectangle 2"/>
           <p:cNvSpPr>
-            <a:spLocks noChangeArrowheads="1" noTextEdit="1"/>
+            <a:spLocks noGrp="1" noRot="1" noChangeAspect="1" noChangeArrowheads="1" noTextEdit="1"/>
           </p:cNvSpPr>
           <p:nvPr>
             <p:ph type="sldImg"/>
@@ -2643,7 +2652,7 @@
                   <a:spcPct val="0"/>
                 </a:spcBef>
               </a:pPr>
-              <a:t>18</a:t>
+              <a:t>22</a:t>
             </a:fld>
             <a:endParaRPr lang="en-US" altLang="pt-BR" smtClean="0"/>
           </a:p>
@@ -2653,7 +2662,7 @@
         <p:nvSpPr>
           <p:cNvPr id="69635" name="Rectangle 2"/>
           <p:cNvSpPr>
-            <a:spLocks noChangeArrowheads="1" noTextEdit="1"/>
+            <a:spLocks noGrp="1" noRot="1" noChangeAspect="1" noChangeArrowheads="1" noTextEdit="1"/>
           </p:cNvSpPr>
           <p:nvPr>
             <p:ph type="sldImg"/>
@@ -2891,7 +2900,7 @@
                   <a:spcPct val="0"/>
                 </a:spcBef>
               </a:pPr>
-              <a:t>19</a:t>
+              <a:t>23</a:t>
             </a:fld>
             <a:endParaRPr lang="en-US" altLang="pt-BR" smtClean="0"/>
           </a:p>
@@ -2901,7 +2910,7 @@
         <p:nvSpPr>
           <p:cNvPr id="70659" name="Rectangle 2"/>
           <p:cNvSpPr>
-            <a:spLocks noChangeArrowheads="1" noTextEdit="1"/>
+            <a:spLocks noGrp="1" noRot="1" noChangeAspect="1" noChangeArrowheads="1" noTextEdit="1"/>
           </p:cNvSpPr>
           <p:nvPr>
             <p:ph type="sldImg"/>
@@ -3139,7 +3148,7 @@
                   <a:spcPct val="0"/>
                 </a:spcBef>
               </a:pPr>
-              <a:t>20</a:t>
+              <a:t>24</a:t>
             </a:fld>
             <a:endParaRPr lang="en-US" altLang="pt-BR" smtClean="0"/>
           </a:p>
@@ -3149,7 +3158,7 @@
         <p:nvSpPr>
           <p:cNvPr id="73731" name="Rectangle 2"/>
           <p:cNvSpPr>
-            <a:spLocks noChangeArrowheads="1" noTextEdit="1"/>
+            <a:spLocks noGrp="1" noRot="1" noChangeAspect="1" noChangeArrowheads="1" noTextEdit="1"/>
           </p:cNvSpPr>
           <p:nvPr>
             <p:ph type="sldImg"/>
@@ -3403,7 +3412,7 @@
           <a:p>
             <a:fld id="{DA448AAB-2691-46C1-A34D-B11F2CCF3173}" type="datetimeFigureOut">
               <a:rPr lang="pt-BR" smtClean="0"/>
-              <a:t>16/12/2014</a:t>
+              <a:t>02/06/2015</a:t>
             </a:fld>
             <a:endParaRPr lang="pt-BR"/>
           </a:p>
@@ -3568,7 +3577,7 @@
           <a:p>
             <a:fld id="{DA448AAB-2691-46C1-A34D-B11F2CCF3173}" type="datetimeFigureOut">
               <a:rPr lang="pt-BR" smtClean="0"/>
-              <a:t>16/12/2014</a:t>
+              <a:t>02/06/2015</a:t>
             </a:fld>
             <a:endParaRPr lang="pt-BR"/>
           </a:p>
@@ -3743,7 +3752,7 @@
           <a:p>
             <a:fld id="{DA448AAB-2691-46C1-A34D-B11F2CCF3173}" type="datetimeFigureOut">
               <a:rPr lang="pt-BR" smtClean="0"/>
-              <a:t>16/12/2014</a:t>
+              <a:t>02/06/2015</a:t>
             </a:fld>
             <a:endParaRPr lang="pt-BR"/>
           </a:p>
@@ -3908,7 +3917,7 @@
           <a:p>
             <a:fld id="{DA448AAB-2691-46C1-A34D-B11F2CCF3173}" type="datetimeFigureOut">
               <a:rPr lang="pt-BR" smtClean="0"/>
-              <a:t>16/12/2014</a:t>
+              <a:t>02/06/2015</a:t>
             </a:fld>
             <a:endParaRPr lang="pt-BR"/>
           </a:p>
@@ -4149,7 +4158,7 @@
           <a:p>
             <a:fld id="{DA448AAB-2691-46C1-A34D-B11F2CCF3173}" type="datetimeFigureOut">
               <a:rPr lang="pt-BR" smtClean="0"/>
-              <a:t>16/12/2014</a:t>
+              <a:t>02/06/2015</a:t>
             </a:fld>
             <a:endParaRPr lang="pt-BR"/>
           </a:p>
@@ -4432,7 +4441,7 @@
           <a:p>
             <a:fld id="{DA448AAB-2691-46C1-A34D-B11F2CCF3173}" type="datetimeFigureOut">
               <a:rPr lang="pt-BR" smtClean="0"/>
-              <a:t>16/12/2014</a:t>
+              <a:t>02/06/2015</a:t>
             </a:fld>
             <a:endParaRPr lang="pt-BR"/>
           </a:p>
@@ -4861,7 +4870,7 @@
           <a:p>
             <a:fld id="{DA448AAB-2691-46C1-A34D-B11F2CCF3173}" type="datetimeFigureOut">
               <a:rPr lang="pt-BR" smtClean="0"/>
-              <a:t>16/12/2014</a:t>
+              <a:t>02/06/2015</a:t>
             </a:fld>
             <a:endParaRPr lang="pt-BR"/>
           </a:p>
@@ -4974,7 +4983,7 @@
           <a:p>
             <a:fld id="{DA448AAB-2691-46C1-A34D-B11F2CCF3173}" type="datetimeFigureOut">
               <a:rPr lang="pt-BR" smtClean="0"/>
-              <a:t>16/12/2014</a:t>
+              <a:t>02/06/2015</a:t>
             </a:fld>
             <a:endParaRPr lang="pt-BR"/>
           </a:p>
@@ -5064,7 +5073,7 @@
           <a:p>
             <a:fld id="{DA448AAB-2691-46C1-A34D-B11F2CCF3173}" type="datetimeFigureOut">
               <a:rPr lang="pt-BR" smtClean="0"/>
-              <a:t>16/12/2014</a:t>
+              <a:t>02/06/2015</a:t>
             </a:fld>
             <a:endParaRPr lang="pt-BR"/>
           </a:p>
@@ -5253,7 +5262,7 @@
           <a:p>
             <a:fld id="{DA448AAB-2691-46C1-A34D-B11F2CCF3173}" type="datetimeFigureOut">
               <a:rPr lang="pt-BR" smtClean="0"/>
-              <a:t>16/12/2014</a:t>
+              <a:t>02/06/2015</a:t>
             </a:fld>
             <a:endParaRPr lang="pt-BR"/>
           </a:p>
@@ -5571,7 +5580,7 @@
           <a:p>
             <a:fld id="{DA448AAB-2691-46C1-A34D-B11F2CCF3173}" type="datetimeFigureOut">
               <a:rPr lang="pt-BR" smtClean="0"/>
-              <a:t>16/12/2014</a:t>
+              <a:t>02/06/2015</a:t>
             </a:fld>
             <a:endParaRPr lang="pt-BR"/>
           </a:p>
@@ -5950,7 +5959,7 @@
           <a:p>
             <a:fld id="{DA448AAB-2691-46C1-A34D-B11F2CCF3173}" type="datetimeFigureOut">
               <a:rPr lang="pt-BR" smtClean="0"/>
-              <a:t>16/12/2014</a:t>
+              <a:t>02/06/2015</a:t>
             </a:fld>
             <a:endParaRPr lang="pt-BR"/>
           </a:p>
@@ -6339,10 +6348,684 @@
   <p:clrMapOvr>
     <a:masterClrMapping/>
   </p:clrMapOvr>
+  <p:timing>
+    <p:tnLst>
+      <p:par>
+        <p:cTn id="1" dur="indefinite" restart="never" nodeType="tmRoot"/>
+      </p:par>
+    </p:tnLst>
+  </p:timing>
 </p:sld>
 </file>
 
 <file path=ppt/slides/slide10.xml><?xml version="1.0" encoding="utf-8"?>
+<p:sld xmlns:a="http://schemas.openxmlformats.org/drawingml/2006/main" xmlns:r="http://schemas.openxmlformats.org/officeDocument/2006/relationships" xmlns:p="http://schemas.openxmlformats.org/presentationml/2006/main">
+  <p:cSld>
+    <p:spTree>
+      <p:nvGrpSpPr>
+        <p:cNvPr id="1" name=""/>
+        <p:cNvGrpSpPr/>
+        <p:nvPr/>
+      </p:nvGrpSpPr>
+      <p:grpSpPr>
+        <a:xfrm>
+          <a:off x="0" y="0"/>
+          <a:ext cx="0" cy="0"/>
+          <a:chOff x="0" y="0"/>
+          <a:chExt cx="0" cy="0"/>
+        </a:xfrm>
+      </p:grpSpPr>
+      <p:sp>
+        <p:nvSpPr>
+          <p:cNvPr id="2" name="Título 1"/>
+          <p:cNvSpPr>
+            <a:spLocks noGrp="1"/>
+          </p:cNvSpPr>
+          <p:nvPr>
+            <p:ph type="title"/>
+          </p:nvPr>
+        </p:nvSpPr>
+        <p:spPr/>
+        <p:txBody>
+          <a:bodyPr/>
+          <a:lstStyle/>
+          <a:p>
+            <a:r>
+              <a:rPr lang="pt-BR" dirty="0" smtClean="0"/>
+              <a:t>O vale misterioso</a:t>
+            </a:r>
+            <a:endParaRPr lang="pt-BR" dirty="0"/>
+          </a:p>
+        </p:txBody>
+      </p:sp>
+      <p:sp>
+        <p:nvSpPr>
+          <p:cNvPr id="3" name="Espaço Reservado para Conteúdo 2"/>
+          <p:cNvSpPr>
+            <a:spLocks noGrp="1"/>
+          </p:cNvSpPr>
+          <p:nvPr>
+            <p:ph idx="1"/>
+          </p:nvPr>
+        </p:nvSpPr>
+        <p:spPr/>
+        <p:txBody>
+          <a:bodyPr/>
+          <a:lstStyle/>
+          <a:p>
+            <a:endParaRPr lang="pt-BR"/>
+          </a:p>
+        </p:txBody>
+      </p:sp>
+      <p:sp>
+        <p:nvSpPr>
+          <p:cNvPr id="4" name="Retângulo 3"/>
+          <p:cNvSpPr/>
+          <p:nvPr/>
+        </p:nvSpPr>
+        <p:spPr>
+          <a:xfrm>
+            <a:off x="2843808" y="6390620"/>
+            <a:ext cx="5256584" cy="369332"/>
+          </a:xfrm>
+          <a:prstGeom prst="rect">
+            <a:avLst/>
+          </a:prstGeom>
+        </p:spPr>
+        <p:txBody>
+          <a:bodyPr wrap="square">
+            <a:spAutoFit/>
+          </a:bodyPr>
+          <a:lstStyle/>
+          <a:p>
+            <a:r>
+              <a:rPr lang="pt-BR" dirty="0"/>
+              <a:t>https://www.youtube.com/watch?v=9K1Kd9mZL8g</a:t>
+            </a:r>
+          </a:p>
+        </p:txBody>
+      </p:sp>
+      <p:pic>
+        <p:nvPicPr>
+          <p:cNvPr id="6146" name="Picture 2"/>
+          <p:cNvPicPr>
+            <a:picLocks noChangeAspect="1" noChangeArrowheads="1"/>
+          </p:cNvPicPr>
+          <p:nvPr/>
+        </p:nvPicPr>
+        <p:blipFill>
+          <a:blip r:embed="rId2">
+            <a:extLst>
+              <a:ext uri="{28A0092B-C50C-407E-A947-70E740481C1C}">
+                <a14:useLocalDpi xmlns:a14="http://schemas.microsoft.com/office/drawing/2010/main" val="0"/>
+              </a:ext>
+            </a:extLst>
+          </a:blip>
+          <a:srcRect/>
+          <a:stretch>
+            <a:fillRect/>
+          </a:stretch>
+        </p:blipFill>
+        <p:spPr bwMode="auto">
+          <a:xfrm>
+            <a:off x="1115616" y="2132856"/>
+            <a:ext cx="5783263" cy="3267075"/>
+          </a:xfrm>
+          <a:prstGeom prst="rect">
+            <a:avLst/>
+          </a:prstGeom>
+          <a:noFill/>
+          <a:ln>
+            <a:noFill/>
+          </a:ln>
+          <a:effectLst/>
+          <a:extLst>
+            <a:ext uri="{909E8E84-426E-40DD-AFC4-6F175D3DCCD1}">
+              <a14:hiddenFill xmlns:a14="http://schemas.microsoft.com/office/drawing/2010/main">
+                <a:solidFill>
+                  <a:schemeClr val="accent1"/>
+                </a:solidFill>
+              </a14:hiddenFill>
+            </a:ext>
+            <a:ext uri="{91240B29-F687-4F45-9708-019B960494DF}">
+              <a14:hiddenLine xmlns:a14="http://schemas.microsoft.com/office/drawing/2010/main" w="9525">
+                <a:solidFill>
+                  <a:schemeClr val="tx1"/>
+                </a:solidFill>
+                <a:miter lim="800000"/>
+                <a:headEnd/>
+                <a:tailEnd/>
+              </a14:hiddenLine>
+            </a:ext>
+            <a:ext uri="{AF507438-7753-43E0-B8FC-AC1667EBCBE1}">
+              <a14:hiddenEffects xmlns:a14="http://schemas.microsoft.com/office/drawing/2010/main">
+                <a:effectLst>
+                  <a:outerShdw dist="35921" dir="2700000" algn="ctr" rotWithShape="0">
+                    <a:schemeClr val="bg2"/>
+                  </a:outerShdw>
+                </a:effectLst>
+              </a14:hiddenEffects>
+            </a:ext>
+          </a:extLst>
+        </p:spPr>
+      </p:pic>
+    </p:spTree>
+    <p:extLst>
+      <p:ext uri="{BB962C8B-B14F-4D97-AF65-F5344CB8AC3E}">
+        <p14:creationId xmlns:p14="http://schemas.microsoft.com/office/powerpoint/2010/main" val="3871506773"/>
+      </p:ext>
+    </p:extLst>
+  </p:cSld>
+  <p:clrMapOvr>
+    <a:masterClrMapping/>
+  </p:clrMapOvr>
+</p:sld>
+</file>
+
+<file path=ppt/slides/slide11.xml><?xml version="1.0" encoding="utf-8"?>
+<p:sld xmlns:a="http://schemas.openxmlformats.org/drawingml/2006/main" xmlns:r="http://schemas.openxmlformats.org/officeDocument/2006/relationships" xmlns:p="http://schemas.openxmlformats.org/presentationml/2006/main">
+  <p:cSld>
+    <p:spTree>
+      <p:nvGrpSpPr>
+        <p:cNvPr id="1" name=""/>
+        <p:cNvGrpSpPr/>
+        <p:nvPr/>
+      </p:nvGrpSpPr>
+      <p:grpSpPr>
+        <a:xfrm>
+          <a:off x="0" y="0"/>
+          <a:ext cx="0" cy="0"/>
+          <a:chOff x="0" y="0"/>
+          <a:chExt cx="0" cy="0"/>
+        </a:xfrm>
+      </p:grpSpPr>
+      <p:sp>
+        <p:nvSpPr>
+          <p:cNvPr id="4" name="Título 3"/>
+          <p:cNvSpPr>
+            <a:spLocks noGrp="1"/>
+          </p:cNvSpPr>
+          <p:nvPr>
+            <p:ph type="title"/>
+          </p:nvPr>
+        </p:nvSpPr>
+        <p:spPr/>
+        <p:txBody>
+          <a:bodyPr/>
+          <a:lstStyle/>
+          <a:p>
+            <a:r>
+              <a:rPr lang="pt-BR" dirty="0" smtClean="0"/>
+              <a:t>Tipos de Animação</a:t>
+            </a:r>
+            <a:endParaRPr lang="pt-BR" dirty="0"/>
+          </a:p>
+        </p:txBody>
+      </p:sp>
+      <p:sp>
+        <p:nvSpPr>
+          <p:cNvPr id="5" name="Espaço Reservado para Texto 4"/>
+          <p:cNvSpPr>
+            <a:spLocks noGrp="1"/>
+          </p:cNvSpPr>
+          <p:nvPr>
+            <p:ph type="body" idx="1"/>
+          </p:nvPr>
+        </p:nvSpPr>
+        <p:spPr/>
+        <p:txBody>
+          <a:bodyPr/>
+          <a:lstStyle/>
+          <a:p>
+            <a:endParaRPr lang="pt-BR"/>
+          </a:p>
+        </p:txBody>
+      </p:sp>
+    </p:spTree>
+    <p:extLst>
+      <p:ext uri="{BB962C8B-B14F-4D97-AF65-F5344CB8AC3E}">
+        <p14:creationId xmlns:p14="http://schemas.microsoft.com/office/powerpoint/2010/main" val="3707585343"/>
+      </p:ext>
+    </p:extLst>
+  </p:cSld>
+  <p:clrMapOvr>
+    <a:masterClrMapping/>
+  </p:clrMapOvr>
+</p:sld>
+</file>
+
+<file path=ppt/slides/slide12.xml><?xml version="1.0" encoding="utf-8"?>
+<p:sld xmlns:a="http://schemas.openxmlformats.org/drawingml/2006/main" xmlns:r="http://schemas.openxmlformats.org/officeDocument/2006/relationships" xmlns:p="http://schemas.openxmlformats.org/presentationml/2006/main">
+  <p:cSld>
+    <p:spTree>
+      <p:nvGrpSpPr>
+        <p:cNvPr id="1" name=""/>
+        <p:cNvGrpSpPr/>
+        <p:nvPr/>
+      </p:nvGrpSpPr>
+      <p:grpSpPr>
+        <a:xfrm>
+          <a:off x="0" y="0"/>
+          <a:ext cx="0" cy="0"/>
+          <a:chOff x="0" y="0"/>
+          <a:chExt cx="0" cy="0"/>
+        </a:xfrm>
+      </p:grpSpPr>
+      <p:sp>
+        <p:nvSpPr>
+          <p:cNvPr id="9218" name="Rectangle 2"/>
+          <p:cNvSpPr>
+            <a:spLocks noGrp="1" noRot="1" noChangeArrowheads="1"/>
+          </p:cNvSpPr>
+          <p:nvPr>
+            <p:ph type="title"/>
+          </p:nvPr>
+        </p:nvSpPr>
+        <p:spPr/>
+        <p:txBody>
+          <a:bodyPr/>
+          <a:lstStyle/>
+          <a:p>
+            <a:pPr eaLnBrk="1" hangingPunct="1">
+              <a:defRPr/>
+            </a:pPr>
+            <a:r>
+              <a:rPr lang="pt-BR" sz="4000" dirty="0" smtClean="0"/>
+              <a:t>O Processo de </a:t>
+            </a:r>
+            <a:r>
+              <a:rPr lang="pt-BR" sz="4000" dirty="0" smtClean="0">
+                <a:solidFill>
+                  <a:srgbClr val="0070C0"/>
+                </a:solidFill>
+              </a:rPr>
+              <a:t>Animação Tradicional</a:t>
+            </a:r>
+          </a:p>
+        </p:txBody>
+      </p:sp>
+      <p:sp>
+        <p:nvSpPr>
+          <p:cNvPr id="9219" name="Rectangle 3"/>
+          <p:cNvSpPr>
+            <a:spLocks noGrp="1" noChangeArrowheads="1"/>
+          </p:cNvSpPr>
+          <p:nvPr>
+            <p:ph type="body" idx="1"/>
+          </p:nvPr>
+        </p:nvSpPr>
+        <p:spPr>
+          <a:xfrm>
+            <a:off x="539552" y="1628800"/>
+            <a:ext cx="7918450" cy="4687888"/>
+          </a:xfrm>
+        </p:spPr>
+        <p:txBody>
+          <a:bodyPr>
+            <a:normAutofit/>
+          </a:bodyPr>
+          <a:lstStyle/>
+          <a:p>
+            <a:pPr eaLnBrk="1" hangingPunct="1">
+              <a:defRPr/>
+            </a:pPr>
+            <a:r>
+              <a:rPr lang="pt-BR" sz="2400" i="1" dirty="0" err="1" smtClean="0"/>
+              <a:t>Story</a:t>
+            </a:r>
+            <a:r>
+              <a:rPr lang="pt-BR" sz="2400" i="1" dirty="0" smtClean="0"/>
+              <a:t> </a:t>
+            </a:r>
+            <a:r>
+              <a:rPr lang="pt-BR" sz="2400" i="1" dirty="0" err="1" smtClean="0"/>
+              <a:t>board</a:t>
+            </a:r>
+            <a:endParaRPr lang="pt-BR" sz="2400" i="1" dirty="0" smtClean="0"/>
+          </a:p>
+          <a:p>
+            <a:pPr lvl="1" eaLnBrk="1" hangingPunct="1">
+              <a:defRPr/>
+            </a:pPr>
+            <a:r>
+              <a:rPr lang="pt-BR" sz="2200" dirty="0" err="1" smtClean="0"/>
+              <a:t>Seqüência</a:t>
+            </a:r>
+            <a:r>
+              <a:rPr lang="pt-BR" sz="2200" dirty="0" smtClean="0"/>
+              <a:t> de desenhos com descrições</a:t>
+            </a:r>
+          </a:p>
+          <a:p>
+            <a:pPr lvl="1">
+              <a:defRPr/>
+            </a:pPr>
+            <a:r>
+              <a:rPr lang="pt-BR" sz="2200" dirty="0"/>
+              <a:t>Descrição baseada em história</a:t>
+            </a:r>
+          </a:p>
+          <a:p>
+            <a:pPr eaLnBrk="1" hangingPunct="1">
+              <a:defRPr/>
+            </a:pPr>
+            <a:r>
+              <a:rPr lang="pt-BR" sz="2400" i="1" dirty="0" smtClean="0"/>
+              <a:t>Key frames </a:t>
+            </a:r>
+            <a:r>
+              <a:rPr lang="pt-BR" sz="2400" dirty="0" smtClean="0"/>
+              <a:t>(quadros chaves)</a:t>
+            </a:r>
+          </a:p>
+          <a:p>
+            <a:pPr lvl="1" eaLnBrk="1" hangingPunct="1">
+              <a:defRPr/>
+            </a:pPr>
+            <a:r>
+              <a:rPr lang="pt-BR" sz="2200" dirty="0" smtClean="0"/>
+              <a:t>Desenhar uns poucos quadros importantes</a:t>
+            </a:r>
+          </a:p>
+          <a:p>
+            <a:pPr lvl="2" eaLnBrk="1" hangingPunct="1">
+              <a:defRPr/>
+            </a:pPr>
+            <a:r>
+              <a:rPr lang="pt-BR" sz="2000" dirty="0" smtClean="0"/>
+              <a:t>Início de um movimento, final de um movimento</a:t>
+            </a:r>
+          </a:p>
+          <a:p>
+            <a:pPr eaLnBrk="1" hangingPunct="1">
+              <a:defRPr/>
+            </a:pPr>
+            <a:r>
+              <a:rPr lang="pt-BR" sz="2400" dirty="0" smtClean="0"/>
+              <a:t>Quadros intermediários</a:t>
+            </a:r>
+            <a:endParaRPr lang="pt-BR" sz="2800" dirty="0" smtClean="0"/>
+          </a:p>
+          <a:p>
+            <a:pPr lvl="1">
+              <a:defRPr/>
+            </a:pPr>
+            <a:r>
+              <a:rPr lang="pt-BR" sz="2200" dirty="0"/>
+              <a:t>Desenhar o resto dos </a:t>
+            </a:r>
+            <a:r>
+              <a:rPr lang="pt-BR" sz="2200" dirty="0" smtClean="0"/>
+              <a:t>quadros</a:t>
+            </a:r>
+          </a:p>
+        </p:txBody>
+      </p:sp>
+    </p:spTree>
+    <p:extLst>
+      <p:ext uri="{BB962C8B-B14F-4D97-AF65-F5344CB8AC3E}">
+        <p14:creationId xmlns:p14="http://schemas.microsoft.com/office/powerpoint/2010/main" val="2323373910"/>
+      </p:ext>
+    </p:extLst>
+  </p:cSld>
+  <p:clrMapOvr>
+    <a:masterClrMapping/>
+  </p:clrMapOvr>
+  <p:timing>
+    <p:tnLst>
+      <p:par>
+        <p:cTn id="1" dur="indefinite" restart="never" nodeType="tmRoot"/>
+      </p:par>
+    </p:tnLst>
+  </p:timing>
+</p:sld>
+</file>
+
+<file path=ppt/slides/slide13.xml><?xml version="1.0" encoding="utf-8"?>
+<p:sld xmlns:a="http://schemas.openxmlformats.org/drawingml/2006/main" xmlns:r="http://schemas.openxmlformats.org/officeDocument/2006/relationships" xmlns:p="http://schemas.openxmlformats.org/presentationml/2006/main">
+  <p:cSld>
+    <p:spTree>
+      <p:nvGrpSpPr>
+        <p:cNvPr id="1" name=""/>
+        <p:cNvGrpSpPr/>
+        <p:nvPr/>
+      </p:nvGrpSpPr>
+      <p:grpSpPr>
+        <a:xfrm>
+          <a:off x="0" y="0"/>
+          <a:ext cx="0" cy="0"/>
+          <a:chOff x="0" y="0"/>
+          <a:chExt cx="0" cy="0"/>
+        </a:xfrm>
+      </p:grpSpPr>
+      <p:sp>
+        <p:nvSpPr>
+          <p:cNvPr id="2" name="Título 1"/>
+          <p:cNvSpPr>
+            <a:spLocks noGrp="1"/>
+          </p:cNvSpPr>
+          <p:nvPr>
+            <p:ph type="title"/>
+          </p:nvPr>
+        </p:nvSpPr>
+        <p:spPr/>
+        <p:txBody>
+          <a:bodyPr/>
+          <a:lstStyle/>
+          <a:p>
+            <a:r>
+              <a:rPr lang="pt-BR" dirty="0" smtClean="0">
+                <a:solidFill>
+                  <a:srgbClr val="0070C0"/>
+                </a:solidFill>
+              </a:rPr>
+              <a:t>Tipos de Produção </a:t>
+            </a:r>
+            <a:r>
+              <a:rPr lang="pt-BR" dirty="0" smtClean="0"/>
+              <a:t>de Animação</a:t>
+            </a:r>
+            <a:endParaRPr lang="pt-BR" dirty="0"/>
+          </a:p>
+        </p:txBody>
+      </p:sp>
+      <p:sp>
+        <p:nvSpPr>
+          <p:cNvPr id="3" name="Espaço Reservado para Conteúdo 2"/>
+          <p:cNvSpPr>
+            <a:spLocks noGrp="1"/>
+          </p:cNvSpPr>
+          <p:nvPr>
+            <p:ph idx="1"/>
+          </p:nvPr>
+        </p:nvSpPr>
+        <p:spPr/>
+        <p:txBody>
+          <a:bodyPr/>
+          <a:lstStyle/>
+          <a:p>
+            <a:pPr marL="342900" lvl="1">
+              <a:buClr>
+                <a:schemeClr val="accent1"/>
+              </a:buClr>
+            </a:pPr>
+            <a:r>
+              <a:rPr lang="pt-BR" sz="2400" dirty="0"/>
+              <a:t>Animação tradicional (quadro a quadro, </a:t>
+            </a:r>
+            <a:r>
+              <a:rPr lang="pt-BR" sz="2400" dirty="0" smtClean="0"/>
+              <a:t>manual)</a:t>
+            </a:r>
+          </a:p>
+          <a:p>
+            <a:pPr marL="342900" lvl="1">
+              <a:buClr>
+                <a:schemeClr val="accent1"/>
+              </a:buClr>
+            </a:pPr>
+            <a:r>
+              <a:rPr lang="pt-BR" sz="2400" i="1" dirty="0" err="1" smtClean="0"/>
+              <a:t>Keyframing</a:t>
+            </a:r>
+            <a:r>
+              <a:rPr lang="pt-BR" sz="2400" dirty="0" smtClean="0"/>
+              <a:t> </a:t>
+            </a:r>
+            <a:r>
+              <a:rPr lang="pt-BR" sz="2400" dirty="0"/>
+              <a:t>(comp</a:t>
+            </a:r>
+            <a:r>
+              <a:rPr lang="pt-BR" sz="2400" dirty="0" smtClean="0"/>
+              <a:t>.)</a:t>
+            </a:r>
+          </a:p>
+          <a:p>
+            <a:pPr marL="342900" lvl="1">
+              <a:buClr>
+                <a:schemeClr val="accent1"/>
+              </a:buClr>
+            </a:pPr>
+            <a:r>
+              <a:rPr lang="pt-BR" sz="2400" dirty="0" smtClean="0"/>
+              <a:t>Procedural (comp.)</a:t>
+            </a:r>
+          </a:p>
+          <a:p>
+            <a:pPr marL="342900" lvl="1">
+              <a:buClr>
+                <a:schemeClr val="accent1"/>
+              </a:buClr>
+            </a:pPr>
+            <a:r>
+              <a:rPr lang="pt-BR" sz="2400" dirty="0" smtClean="0"/>
+              <a:t>Comportamental </a:t>
+            </a:r>
+            <a:r>
+              <a:rPr lang="pt-BR" sz="2400" dirty="0"/>
+              <a:t>(</a:t>
+            </a:r>
+            <a:r>
+              <a:rPr lang="pt-BR" sz="2400" i="1" dirty="0" err="1" smtClean="0"/>
+              <a:t>behavior-based</a:t>
+            </a:r>
+            <a:r>
+              <a:rPr lang="pt-BR" sz="2400" dirty="0"/>
+              <a:t>, comp</a:t>
+            </a:r>
+            <a:r>
+              <a:rPr lang="pt-BR" sz="2400" dirty="0" smtClean="0"/>
+              <a:t>.)</a:t>
+            </a:r>
+          </a:p>
+          <a:p>
+            <a:pPr marL="342900" lvl="1">
+              <a:buClr>
+                <a:schemeClr val="accent1"/>
+              </a:buClr>
+            </a:pPr>
+            <a:r>
+              <a:rPr lang="pt-BR" sz="2400" dirty="0" smtClean="0"/>
+              <a:t>Baseada </a:t>
+            </a:r>
+            <a:r>
+              <a:rPr lang="pt-BR" sz="2400" dirty="0"/>
+              <a:t>em performance (</a:t>
+            </a:r>
+            <a:r>
+              <a:rPr lang="pt-BR" sz="2400" i="1" dirty="0" err="1"/>
+              <a:t>motion</a:t>
+            </a:r>
+            <a:r>
+              <a:rPr lang="pt-BR" sz="2400" i="1" dirty="0"/>
+              <a:t> capture</a:t>
+            </a:r>
+            <a:r>
+              <a:rPr lang="pt-BR" sz="2400" dirty="0"/>
+              <a:t>, comp</a:t>
+            </a:r>
+            <a:r>
+              <a:rPr lang="pt-BR" sz="2400" dirty="0" smtClean="0"/>
+              <a:t>.)</a:t>
+            </a:r>
+          </a:p>
+          <a:p>
+            <a:pPr marL="342900" lvl="1">
+              <a:buClr>
+                <a:schemeClr val="accent1"/>
+              </a:buClr>
+            </a:pPr>
+            <a:r>
+              <a:rPr lang="pt-BR" sz="2400" dirty="0" smtClean="0"/>
+              <a:t>Baseada </a:t>
+            </a:r>
+            <a:r>
+              <a:rPr lang="pt-BR" sz="2400" dirty="0"/>
+              <a:t>em física (dinâmica, comp</a:t>
+            </a:r>
+            <a:r>
+              <a:rPr lang="pt-BR" sz="2400" dirty="0" smtClean="0"/>
+              <a:t>.)</a:t>
+            </a:r>
+          </a:p>
+          <a:p>
+            <a:pPr marL="342900" lvl="1">
+              <a:buClr>
+                <a:schemeClr val="accent1"/>
+              </a:buClr>
+            </a:pPr>
+            <a:r>
+              <a:rPr lang="pt-BR" sz="2400" i="1" dirty="0" smtClean="0"/>
+              <a:t>High-</a:t>
+            </a:r>
+            <a:r>
+              <a:rPr lang="pt-BR" sz="2400" i="1" dirty="0" err="1" smtClean="0"/>
+              <a:t>level</a:t>
+            </a:r>
+            <a:r>
+              <a:rPr lang="pt-BR" sz="2400" i="1" dirty="0" smtClean="0"/>
+              <a:t> </a:t>
+            </a:r>
+            <a:r>
+              <a:rPr lang="pt-BR" sz="2400" i="1" dirty="0" err="1"/>
+              <a:t>animation</a:t>
+            </a:r>
+            <a:r>
+              <a:rPr lang="pt-BR" sz="2400" i="1" dirty="0"/>
+              <a:t> </a:t>
+            </a:r>
+            <a:r>
+              <a:rPr lang="pt-BR" sz="2400" dirty="0"/>
+              <a:t>(scripts, comp.)</a:t>
+            </a:r>
+          </a:p>
+          <a:p>
+            <a:endParaRPr lang="pt-BR" dirty="0"/>
+          </a:p>
+        </p:txBody>
+      </p:sp>
+    </p:spTree>
+    <p:extLst>
+      <p:ext uri="{BB962C8B-B14F-4D97-AF65-F5344CB8AC3E}">
+        <p14:creationId xmlns:p14="http://schemas.microsoft.com/office/powerpoint/2010/main" val="1982442592"/>
+      </p:ext>
+    </p:extLst>
+  </p:cSld>
+  <p:clrMapOvr>
+    <a:masterClrMapping/>
+  </p:clrMapOvr>
+  <p:timing>
+    <p:tnLst>
+      <p:par>
+        <p:cTn id="1" dur="indefinite" restart="never" nodeType="tmRoot"/>
+      </p:par>
+    </p:tnLst>
+  </p:timing>
+</p:sld>
+</file>
+
+<file path=ppt/slides/slide14.xml><?xml version="1.0" encoding="utf-8"?>
 <p:sld xmlns:a="http://schemas.openxmlformats.org/drawingml/2006/main" xmlns:r="http://schemas.openxmlformats.org/officeDocument/2006/relationships" xmlns:p="http://schemas.openxmlformats.org/presentationml/2006/main">
   <p:cSld>
     <p:spTree>
@@ -6456,7 +7139,7 @@
 </p:sld>
 </file>
 
-<file path=ppt/slides/slide11.xml><?xml version="1.0" encoding="utf-8"?>
+<file path=ppt/slides/slide15.xml><?xml version="1.0" encoding="utf-8"?>
 <p:sld xmlns:a="http://schemas.openxmlformats.org/drawingml/2006/main" xmlns:r="http://schemas.openxmlformats.org/officeDocument/2006/relationships" xmlns:p="http://schemas.openxmlformats.org/presentationml/2006/main">
   <p:cSld>
     <p:spTree>
@@ -6558,25 +7241,22 @@
               <a:defRPr/>
             </a:pPr>
             <a:r>
-              <a:rPr lang="pt-BR" sz="2400" dirty="0" err="1" smtClean="0"/>
-              <a:t>Seqüência</a:t>
-            </a:r>
-            <a:r>
               <a:rPr lang="pt-BR" sz="2400" dirty="0" smtClean="0"/>
-              <a:t> </a:t>
+              <a:t>Sequência </a:t>
             </a:r>
             <a:r>
               <a:rPr lang="pt-BR" sz="2400" dirty="0"/>
               <a:t>de </a:t>
             </a:r>
             <a:r>
-              <a:rPr lang="pt-BR" sz="2400" dirty="0" err="1"/>
+              <a:rPr lang="pt-BR" sz="2400" i="1" dirty="0" err="1"/>
               <a:t>keyframes</a:t>
             </a:r>
             <a:r>
               <a:rPr lang="pt-BR" sz="2400" dirty="0"/>
-              <a:t> = pontos num espaço de estados de alta dimensão</a:t>
-            </a:r>
+              <a:t> = pontos num espaço de estados </a:t>
+            </a:r>
+            <a:endParaRPr lang="pt-BR" sz="2400" dirty="0" smtClean="0"/>
           </a:p>
           <a:p>
             <a:pPr>
@@ -6586,8 +7266,20 @@
               <a:defRPr/>
             </a:pPr>
             <a:r>
+              <a:rPr lang="pt-BR" sz="2400" dirty="0" smtClean="0"/>
+              <a:t>Computador </a:t>
+            </a:r>
+            <a:r>
               <a:rPr lang="pt-BR" sz="2400" dirty="0"/>
-              <a:t>Computador interpola estes pontos: intermediários</a:t>
+              <a:t>interpola </a:t>
+            </a:r>
+            <a:r>
+              <a:rPr lang="pt-BR" sz="2400" dirty="0" smtClean="0"/>
+              <a:t>os pontos </a:t>
+            </a:r>
+            <a:r>
+              <a:rPr lang="pt-BR" sz="2400" dirty="0"/>
+              <a:t>intermediários</a:t>
             </a:r>
           </a:p>
           <a:p>
@@ -6595,544 +7287,418 @@
           </a:p>
         </p:txBody>
       </p:sp>
-      <p:grpSp>
-        <p:nvGrpSpPr>
-          <p:cNvPr id="4" name="Grupo 39"/>
-          <p:cNvGrpSpPr>
-            <a:grpSpLocks/>
-          </p:cNvGrpSpPr>
+      <p:sp>
+        <p:nvSpPr>
+          <p:cNvPr id="6" name="CaixaDeTexto 14"/>
+          <p:cNvSpPr txBox="1">
+            <a:spLocks noChangeArrowheads="1"/>
+          </p:cNvSpPr>
           <p:nvPr/>
-        </p:nvGrpSpPr>
-        <p:grpSpPr bwMode="auto">
+        </p:nvSpPr>
+        <p:spPr bwMode="auto">
           <a:xfrm>
-            <a:off x="928687" y="4314031"/>
-            <a:ext cx="1643063" cy="1884363"/>
-            <a:chOff x="2571736" y="3372076"/>
-            <a:chExt cx="1643074" cy="1884044"/>
+            <a:off x="928687" y="6155949"/>
+            <a:ext cx="1643063" cy="369395"/>
           </a:xfrm>
-        </p:grpSpPr>
-        <p:sp>
-          <p:nvSpPr>
-            <p:cNvPr id="5" name="Retângulo 4"/>
-            <p:cNvSpPr/>
-            <p:nvPr/>
-          </p:nvSpPr>
-          <p:spPr>
-            <a:xfrm>
-              <a:off x="2685584" y="3372076"/>
-              <a:ext cx="1428760" cy="1428760"/>
-            </a:xfrm>
-            <a:prstGeom prst="rect">
-              <a:avLst/>
-            </a:prstGeom>
-          </p:spPr>
-          <p:style>
-            <a:lnRef idx="0">
-              <a:schemeClr val="accent2"/>
-            </a:lnRef>
-            <a:fillRef idx="3">
-              <a:schemeClr val="accent2"/>
-            </a:fillRef>
-            <a:effectRef idx="3">
-              <a:schemeClr val="accent2"/>
-            </a:effectRef>
-            <a:fontRef idx="minor">
-              <a:schemeClr val="lt1"/>
-            </a:fontRef>
-          </p:style>
-          <p:txBody>
-            <a:bodyPr anchor="ctr"/>
-            <a:lstStyle/>
-            <a:p>
-              <a:pPr algn="ctr" fontAlgn="auto">
-                <a:spcBef>
-                  <a:spcPts val="0"/>
-                </a:spcBef>
-                <a:spcAft>
-                  <a:spcPts val="0"/>
-                </a:spcAft>
-                <a:defRPr/>
-              </a:pPr>
-              <a:endParaRPr lang="pt-BR"/>
-            </a:p>
-          </p:txBody>
-        </p:sp>
-        <p:sp>
-          <p:nvSpPr>
-            <p:cNvPr id="6" name="CaixaDeTexto 14"/>
-            <p:cNvSpPr txBox="1">
-              <a:spLocks noChangeArrowheads="1"/>
-            </p:cNvSpPr>
-            <p:nvPr/>
-          </p:nvSpPr>
-          <p:spPr bwMode="auto">
-            <a:xfrm>
-              <a:off x="2571736" y="4886788"/>
-              <a:ext cx="1643074" cy="369332"/>
-            </a:xfrm>
-            <a:prstGeom prst="rect">
-              <a:avLst/>
-            </a:prstGeom>
+          <a:prstGeom prst="rect">
+            <a:avLst/>
+          </a:prstGeom>
+          <a:noFill/>
+          <a:ln>
             <a:noFill/>
-            <a:ln>
-              <a:noFill/>
-            </a:ln>
-            <a:extLst>
-              <a:ext uri="{909E8E84-426E-40DD-AFC4-6F175D3DCCD1}">
-                <a14:hiddenFill xmlns:a14="http://schemas.microsoft.com/office/drawing/2010/main">
-                  <a:solidFill>
-                    <a:srgbClr val="FFFFFF"/>
-                  </a:solidFill>
-                </a14:hiddenFill>
-              </a:ext>
-              <a:ext uri="{91240B29-F687-4F45-9708-019B960494DF}">
-                <a14:hiddenLine xmlns:a14="http://schemas.microsoft.com/office/drawing/2010/main" w="9525">
-                  <a:solidFill>
-                    <a:srgbClr val="000000"/>
-                  </a:solidFill>
-                  <a:miter lim="800000"/>
-                  <a:headEnd/>
-                  <a:tailEnd/>
-                </a14:hiddenLine>
-              </a:ext>
-            </a:extLst>
-          </p:spPr>
-          <p:txBody>
-            <a:bodyPr>
-              <a:spAutoFit/>
-            </a:bodyPr>
-            <a:lstStyle>
-              <a:lvl1pPr eaLnBrk="0" hangingPunct="0">
-                <a:spcBef>
-                  <a:spcPct val="20000"/>
-                </a:spcBef>
-                <a:buFont typeface="Arial" charset="0"/>
-                <a:buChar char="•"/>
-                <a:defRPr sz="3200">
-                  <a:solidFill>
-                    <a:schemeClr val="tx1"/>
-                  </a:solidFill>
-                  <a:latin typeface="Calibri" pitchFamily="34" charset="0"/>
-                </a:defRPr>
-              </a:lvl1pPr>
-              <a:lvl2pPr marL="742950" indent="-285750" eaLnBrk="0" hangingPunct="0">
-                <a:spcBef>
-                  <a:spcPct val="20000"/>
-                </a:spcBef>
-                <a:buFont typeface="Arial" charset="0"/>
-                <a:buChar char="–"/>
-                <a:defRPr sz="2800">
-                  <a:solidFill>
-                    <a:schemeClr val="tx1"/>
-                  </a:solidFill>
-                  <a:latin typeface="Calibri" pitchFamily="34" charset="0"/>
-                </a:defRPr>
-              </a:lvl2pPr>
-              <a:lvl3pPr marL="1143000" indent="-228600" eaLnBrk="0" hangingPunct="0">
-                <a:spcBef>
-                  <a:spcPct val="20000"/>
-                </a:spcBef>
-                <a:buFont typeface="Arial" charset="0"/>
-                <a:buChar char="•"/>
-                <a:defRPr sz="2400">
-                  <a:solidFill>
-                    <a:schemeClr val="tx1"/>
-                  </a:solidFill>
-                  <a:latin typeface="Calibri" pitchFamily="34" charset="0"/>
-                </a:defRPr>
-              </a:lvl3pPr>
-              <a:lvl4pPr marL="1600200" indent="-228600" eaLnBrk="0" hangingPunct="0">
-                <a:spcBef>
-                  <a:spcPct val="20000"/>
-                </a:spcBef>
-                <a:buFont typeface="Arial" charset="0"/>
-                <a:buChar char="–"/>
-                <a:defRPr sz="2000">
-                  <a:solidFill>
-                    <a:schemeClr val="tx1"/>
-                  </a:solidFill>
-                  <a:latin typeface="Calibri" pitchFamily="34" charset="0"/>
-                </a:defRPr>
-              </a:lvl4pPr>
-              <a:lvl5pPr marL="2057400" indent="-228600" eaLnBrk="0" hangingPunct="0">
-                <a:spcBef>
-                  <a:spcPct val="20000"/>
-                </a:spcBef>
-                <a:buFont typeface="Arial" charset="0"/>
-                <a:buChar char="»"/>
-                <a:defRPr sz="2000">
-                  <a:solidFill>
-                    <a:schemeClr val="tx1"/>
-                  </a:solidFill>
-                  <a:latin typeface="Calibri" pitchFamily="34" charset="0"/>
-                </a:defRPr>
-              </a:lvl5pPr>
-              <a:lvl6pPr marL="2514600" indent="-228600" eaLnBrk="0" fontAlgn="base" hangingPunct="0">
-                <a:spcBef>
-                  <a:spcPct val="20000"/>
-                </a:spcBef>
-                <a:spcAft>
-                  <a:spcPct val="0"/>
-                </a:spcAft>
-                <a:buFont typeface="Arial" charset="0"/>
-                <a:buChar char="»"/>
-                <a:defRPr sz="2000">
-                  <a:solidFill>
-                    <a:schemeClr val="tx1"/>
-                  </a:solidFill>
-                  <a:latin typeface="Calibri" pitchFamily="34" charset="0"/>
-                </a:defRPr>
-              </a:lvl6pPr>
-              <a:lvl7pPr marL="2971800" indent="-228600" eaLnBrk="0" fontAlgn="base" hangingPunct="0">
-                <a:spcBef>
-                  <a:spcPct val="20000"/>
-                </a:spcBef>
-                <a:spcAft>
-                  <a:spcPct val="0"/>
-                </a:spcAft>
-                <a:buFont typeface="Arial" charset="0"/>
-                <a:buChar char="»"/>
-                <a:defRPr sz="2000">
-                  <a:solidFill>
-                    <a:schemeClr val="tx1"/>
-                  </a:solidFill>
-                  <a:latin typeface="Calibri" pitchFamily="34" charset="0"/>
-                </a:defRPr>
-              </a:lvl7pPr>
-              <a:lvl8pPr marL="3429000" indent="-228600" eaLnBrk="0" fontAlgn="base" hangingPunct="0">
-                <a:spcBef>
-                  <a:spcPct val="20000"/>
-                </a:spcBef>
-                <a:spcAft>
-                  <a:spcPct val="0"/>
-                </a:spcAft>
-                <a:buFont typeface="Arial" charset="0"/>
-                <a:buChar char="»"/>
-                <a:defRPr sz="2000">
-                  <a:solidFill>
-                    <a:schemeClr val="tx1"/>
-                  </a:solidFill>
-                  <a:latin typeface="Calibri" pitchFamily="34" charset="0"/>
-                </a:defRPr>
-              </a:lvl8pPr>
-              <a:lvl9pPr marL="3886200" indent="-228600" eaLnBrk="0" fontAlgn="base" hangingPunct="0">
-                <a:spcBef>
-                  <a:spcPct val="20000"/>
-                </a:spcBef>
-                <a:spcAft>
-                  <a:spcPct val="0"/>
-                </a:spcAft>
-                <a:buFont typeface="Arial" charset="0"/>
-                <a:buChar char="»"/>
-                <a:defRPr sz="2000">
-                  <a:solidFill>
-                    <a:schemeClr val="tx1"/>
-                  </a:solidFill>
-                  <a:latin typeface="Calibri" pitchFamily="34" charset="0"/>
-                </a:defRPr>
-              </a:lvl9pPr>
-            </a:lstStyle>
-            <a:p>
-              <a:pPr algn="ctr" eaLnBrk="1" hangingPunct="1">
-                <a:spcBef>
-                  <a:spcPct val="0"/>
-                </a:spcBef>
-                <a:buFontTx/>
-                <a:buNone/>
-              </a:pPr>
-              <a:r>
-                <a:rPr lang="pt-BR" altLang="pt-BR" sz="1800" b="1" dirty="0" err="1">
-                  <a:solidFill>
-                    <a:srgbClr val="92D050"/>
-                  </a:solidFill>
-                  <a:latin typeface="Arial" charset="0"/>
-                  <a:cs typeface="Arial" charset="0"/>
-                </a:rPr>
-                <a:t>Keyframe</a:t>
-              </a:r>
-              <a:r>
-                <a:rPr lang="pt-BR" altLang="pt-BR" sz="1800" b="1" dirty="0">
-                  <a:solidFill>
-                    <a:srgbClr val="92D050"/>
-                  </a:solidFill>
-                  <a:latin typeface="Arial" charset="0"/>
-                  <a:cs typeface="Arial" charset="0"/>
-                </a:rPr>
-                <a:t> 1</a:t>
-              </a:r>
-            </a:p>
-          </p:txBody>
-        </p:sp>
-      </p:grpSp>
-      <p:grpSp>
-        <p:nvGrpSpPr>
-          <p:cNvPr id="7" name="Grupo 41"/>
-          <p:cNvGrpSpPr>
-            <a:grpSpLocks/>
-          </p:cNvGrpSpPr>
+          </a:ln>
+          <a:extLst>
+            <a:ext uri="{909E8E84-426E-40DD-AFC4-6F175D3DCCD1}">
+              <a14:hiddenFill xmlns:a14="http://schemas.microsoft.com/office/drawing/2010/main">
+                <a:solidFill>
+                  <a:srgbClr val="FFFFFF"/>
+                </a:solidFill>
+              </a14:hiddenFill>
+            </a:ext>
+            <a:ext uri="{91240B29-F687-4F45-9708-019B960494DF}">
+              <a14:hiddenLine xmlns:a14="http://schemas.microsoft.com/office/drawing/2010/main" w="9525">
+                <a:solidFill>
+                  <a:srgbClr val="000000"/>
+                </a:solidFill>
+                <a:miter lim="800000"/>
+                <a:headEnd/>
+                <a:tailEnd/>
+              </a14:hiddenLine>
+            </a:ext>
+          </a:extLst>
+        </p:spPr>
+        <p:txBody>
+          <a:bodyPr>
+            <a:spAutoFit/>
+          </a:bodyPr>
+          <a:lstStyle>
+            <a:lvl1pPr eaLnBrk="0" hangingPunct="0">
+              <a:spcBef>
+                <a:spcPct val="20000"/>
+              </a:spcBef>
+              <a:buFont typeface="Arial" charset="0"/>
+              <a:buChar char="•"/>
+              <a:defRPr sz="3200">
+                <a:solidFill>
+                  <a:schemeClr val="tx1"/>
+                </a:solidFill>
+                <a:latin typeface="Calibri" pitchFamily="34" charset="0"/>
+              </a:defRPr>
+            </a:lvl1pPr>
+            <a:lvl2pPr marL="742950" indent="-285750" eaLnBrk="0" hangingPunct="0">
+              <a:spcBef>
+                <a:spcPct val="20000"/>
+              </a:spcBef>
+              <a:buFont typeface="Arial" charset="0"/>
+              <a:buChar char="–"/>
+              <a:defRPr sz="2800">
+                <a:solidFill>
+                  <a:schemeClr val="tx1"/>
+                </a:solidFill>
+                <a:latin typeface="Calibri" pitchFamily="34" charset="0"/>
+              </a:defRPr>
+            </a:lvl2pPr>
+            <a:lvl3pPr marL="1143000" indent="-228600" eaLnBrk="0" hangingPunct="0">
+              <a:spcBef>
+                <a:spcPct val="20000"/>
+              </a:spcBef>
+              <a:buFont typeface="Arial" charset="0"/>
+              <a:buChar char="•"/>
+              <a:defRPr sz="2400">
+                <a:solidFill>
+                  <a:schemeClr val="tx1"/>
+                </a:solidFill>
+                <a:latin typeface="Calibri" pitchFamily="34" charset="0"/>
+              </a:defRPr>
+            </a:lvl3pPr>
+            <a:lvl4pPr marL="1600200" indent="-228600" eaLnBrk="0" hangingPunct="0">
+              <a:spcBef>
+                <a:spcPct val="20000"/>
+              </a:spcBef>
+              <a:buFont typeface="Arial" charset="0"/>
+              <a:buChar char="–"/>
+              <a:defRPr sz="2000">
+                <a:solidFill>
+                  <a:schemeClr val="tx1"/>
+                </a:solidFill>
+                <a:latin typeface="Calibri" pitchFamily="34" charset="0"/>
+              </a:defRPr>
+            </a:lvl4pPr>
+            <a:lvl5pPr marL="2057400" indent="-228600" eaLnBrk="0" hangingPunct="0">
+              <a:spcBef>
+                <a:spcPct val="20000"/>
+              </a:spcBef>
+              <a:buFont typeface="Arial" charset="0"/>
+              <a:buChar char="»"/>
+              <a:defRPr sz="2000">
+                <a:solidFill>
+                  <a:schemeClr val="tx1"/>
+                </a:solidFill>
+                <a:latin typeface="Calibri" pitchFamily="34" charset="0"/>
+              </a:defRPr>
+            </a:lvl5pPr>
+            <a:lvl6pPr marL="2514600" indent="-228600" eaLnBrk="0" fontAlgn="base" hangingPunct="0">
+              <a:spcBef>
+                <a:spcPct val="20000"/>
+              </a:spcBef>
+              <a:spcAft>
+                <a:spcPct val="0"/>
+              </a:spcAft>
+              <a:buFont typeface="Arial" charset="0"/>
+              <a:buChar char="»"/>
+              <a:defRPr sz="2000">
+                <a:solidFill>
+                  <a:schemeClr val="tx1"/>
+                </a:solidFill>
+                <a:latin typeface="Calibri" pitchFamily="34" charset="0"/>
+              </a:defRPr>
+            </a:lvl6pPr>
+            <a:lvl7pPr marL="2971800" indent="-228600" eaLnBrk="0" fontAlgn="base" hangingPunct="0">
+              <a:spcBef>
+                <a:spcPct val="20000"/>
+              </a:spcBef>
+              <a:spcAft>
+                <a:spcPct val="0"/>
+              </a:spcAft>
+              <a:buFont typeface="Arial" charset="0"/>
+              <a:buChar char="»"/>
+              <a:defRPr sz="2000">
+                <a:solidFill>
+                  <a:schemeClr val="tx1"/>
+                </a:solidFill>
+                <a:latin typeface="Calibri" pitchFamily="34" charset="0"/>
+              </a:defRPr>
+            </a:lvl7pPr>
+            <a:lvl8pPr marL="3429000" indent="-228600" eaLnBrk="0" fontAlgn="base" hangingPunct="0">
+              <a:spcBef>
+                <a:spcPct val="20000"/>
+              </a:spcBef>
+              <a:spcAft>
+                <a:spcPct val="0"/>
+              </a:spcAft>
+              <a:buFont typeface="Arial" charset="0"/>
+              <a:buChar char="»"/>
+              <a:defRPr sz="2000">
+                <a:solidFill>
+                  <a:schemeClr val="tx1"/>
+                </a:solidFill>
+                <a:latin typeface="Calibri" pitchFamily="34" charset="0"/>
+              </a:defRPr>
+            </a:lvl8pPr>
+            <a:lvl9pPr marL="3886200" indent="-228600" eaLnBrk="0" fontAlgn="base" hangingPunct="0">
+              <a:spcBef>
+                <a:spcPct val="20000"/>
+              </a:spcBef>
+              <a:spcAft>
+                <a:spcPct val="0"/>
+              </a:spcAft>
+              <a:buFont typeface="Arial" charset="0"/>
+              <a:buChar char="»"/>
+              <a:defRPr sz="2000">
+                <a:solidFill>
+                  <a:schemeClr val="tx1"/>
+                </a:solidFill>
+                <a:latin typeface="Calibri" pitchFamily="34" charset="0"/>
+              </a:defRPr>
+            </a:lvl9pPr>
+          </a:lstStyle>
+          <a:p>
+            <a:pPr algn="ctr" eaLnBrk="1" hangingPunct="1">
+              <a:spcBef>
+                <a:spcPct val="0"/>
+              </a:spcBef>
+              <a:buFontTx/>
+              <a:buNone/>
+            </a:pPr>
+            <a:r>
+              <a:rPr lang="pt-BR" altLang="pt-BR" sz="1800" b="1" i="1" dirty="0" err="1">
+                <a:solidFill>
+                  <a:srgbClr val="92D050"/>
+                </a:solidFill>
+                <a:latin typeface="Arial" charset="0"/>
+                <a:cs typeface="Arial" charset="0"/>
+              </a:rPr>
+              <a:t>Keyframe</a:t>
+            </a:r>
+            <a:r>
+              <a:rPr lang="pt-BR" altLang="pt-BR" sz="1800" b="1" dirty="0">
+                <a:solidFill>
+                  <a:srgbClr val="92D050"/>
+                </a:solidFill>
+                <a:latin typeface="Arial" charset="0"/>
+                <a:cs typeface="Arial" charset="0"/>
+              </a:rPr>
+              <a:t> 1</a:t>
+            </a:r>
+          </a:p>
+        </p:txBody>
+      </p:sp>
+      <p:sp>
+        <p:nvSpPr>
+          <p:cNvPr id="9" name="CaixaDeTexto 15"/>
+          <p:cNvSpPr txBox="1">
+            <a:spLocks noChangeArrowheads="1"/>
+          </p:cNvSpPr>
           <p:nvPr/>
-        </p:nvGrpSpPr>
-        <p:grpSpPr bwMode="auto">
+        </p:nvSpPr>
+        <p:spPr bwMode="auto">
           <a:xfrm>
-            <a:off x="5441950" y="4314157"/>
-            <a:ext cx="1643062" cy="1884237"/>
-            <a:chOff x="7085679" y="3372202"/>
-            <a:chExt cx="1643074" cy="1883918"/>
+            <a:off x="5441950" y="6155949"/>
+            <a:ext cx="1643062" cy="369395"/>
           </a:xfrm>
-        </p:grpSpPr>
-        <p:sp>
-          <p:nvSpPr>
-            <p:cNvPr id="8" name="Retângulo 7"/>
-            <p:cNvSpPr/>
-            <p:nvPr/>
-          </p:nvSpPr>
-          <p:spPr>
-            <a:xfrm rot="2700000">
-              <a:off x="7187436" y="3371950"/>
-              <a:ext cx="1428508" cy="1429012"/>
-            </a:xfrm>
-            <a:prstGeom prst="rect">
-              <a:avLst/>
-            </a:prstGeom>
-          </p:spPr>
-          <p:style>
-            <a:lnRef idx="0">
-              <a:schemeClr val="accent2"/>
-            </a:lnRef>
-            <a:fillRef idx="3">
-              <a:schemeClr val="accent2"/>
-            </a:fillRef>
-            <a:effectRef idx="3">
-              <a:schemeClr val="accent2"/>
-            </a:effectRef>
-            <a:fontRef idx="minor">
-              <a:schemeClr val="lt1"/>
-            </a:fontRef>
-          </p:style>
-          <p:txBody>
-            <a:bodyPr anchor="ctr"/>
-            <a:lstStyle/>
-            <a:p>
-              <a:pPr algn="ctr" fontAlgn="auto">
-                <a:spcBef>
-                  <a:spcPts val="0"/>
-                </a:spcBef>
-                <a:spcAft>
-                  <a:spcPts val="0"/>
-                </a:spcAft>
-                <a:defRPr/>
-              </a:pPr>
-              <a:endParaRPr lang="pt-BR"/>
-            </a:p>
-          </p:txBody>
-        </p:sp>
-        <p:sp>
-          <p:nvSpPr>
-            <p:cNvPr id="9" name="CaixaDeTexto 15"/>
-            <p:cNvSpPr txBox="1">
-              <a:spLocks noChangeArrowheads="1"/>
-            </p:cNvSpPr>
-            <p:nvPr/>
-          </p:nvSpPr>
-          <p:spPr bwMode="auto">
-            <a:xfrm>
-              <a:off x="7085679" y="4886788"/>
-              <a:ext cx="1643074" cy="369332"/>
-            </a:xfrm>
-            <a:prstGeom prst="rect">
-              <a:avLst/>
-            </a:prstGeom>
+          <a:prstGeom prst="rect">
+            <a:avLst/>
+          </a:prstGeom>
+          <a:noFill/>
+          <a:ln>
             <a:noFill/>
-            <a:ln>
-              <a:noFill/>
-            </a:ln>
-            <a:extLst>
-              <a:ext uri="{909E8E84-426E-40DD-AFC4-6F175D3DCCD1}">
-                <a14:hiddenFill xmlns:a14="http://schemas.microsoft.com/office/drawing/2010/main">
-                  <a:solidFill>
-                    <a:srgbClr val="FFFFFF"/>
-                  </a:solidFill>
-                </a14:hiddenFill>
-              </a:ext>
-              <a:ext uri="{91240B29-F687-4F45-9708-019B960494DF}">
-                <a14:hiddenLine xmlns:a14="http://schemas.microsoft.com/office/drawing/2010/main" w="9525">
-                  <a:solidFill>
-                    <a:srgbClr val="000000"/>
-                  </a:solidFill>
-                  <a:miter lim="800000"/>
-                  <a:headEnd/>
-                  <a:tailEnd/>
-                </a14:hiddenLine>
-              </a:ext>
-            </a:extLst>
-          </p:spPr>
-          <p:txBody>
-            <a:bodyPr>
-              <a:spAutoFit/>
-            </a:bodyPr>
-            <a:lstStyle>
-              <a:lvl1pPr eaLnBrk="0" hangingPunct="0">
-                <a:spcBef>
-                  <a:spcPct val="20000"/>
-                </a:spcBef>
-                <a:buFont typeface="Arial" charset="0"/>
-                <a:buChar char="•"/>
-                <a:defRPr sz="3200">
-                  <a:solidFill>
-                    <a:schemeClr val="tx1"/>
-                  </a:solidFill>
-                  <a:latin typeface="Calibri" pitchFamily="34" charset="0"/>
-                </a:defRPr>
-              </a:lvl1pPr>
-              <a:lvl2pPr marL="742950" indent="-285750" eaLnBrk="0" hangingPunct="0">
-                <a:spcBef>
-                  <a:spcPct val="20000"/>
-                </a:spcBef>
-                <a:buFont typeface="Arial" charset="0"/>
-                <a:buChar char="–"/>
-                <a:defRPr sz="2800">
-                  <a:solidFill>
-                    <a:schemeClr val="tx1"/>
-                  </a:solidFill>
-                  <a:latin typeface="Calibri" pitchFamily="34" charset="0"/>
-                </a:defRPr>
-              </a:lvl2pPr>
-              <a:lvl3pPr marL="1143000" indent="-228600" eaLnBrk="0" hangingPunct="0">
-                <a:spcBef>
-                  <a:spcPct val="20000"/>
-                </a:spcBef>
-                <a:buFont typeface="Arial" charset="0"/>
-                <a:buChar char="•"/>
-                <a:defRPr sz="2400">
-                  <a:solidFill>
-                    <a:schemeClr val="tx1"/>
-                  </a:solidFill>
-                  <a:latin typeface="Calibri" pitchFamily="34" charset="0"/>
-                </a:defRPr>
-              </a:lvl3pPr>
-              <a:lvl4pPr marL="1600200" indent="-228600" eaLnBrk="0" hangingPunct="0">
-                <a:spcBef>
-                  <a:spcPct val="20000"/>
-                </a:spcBef>
-                <a:buFont typeface="Arial" charset="0"/>
-                <a:buChar char="–"/>
-                <a:defRPr sz="2000">
-                  <a:solidFill>
-                    <a:schemeClr val="tx1"/>
-                  </a:solidFill>
-                  <a:latin typeface="Calibri" pitchFamily="34" charset="0"/>
-                </a:defRPr>
-              </a:lvl4pPr>
-              <a:lvl5pPr marL="2057400" indent="-228600" eaLnBrk="0" hangingPunct="0">
-                <a:spcBef>
-                  <a:spcPct val="20000"/>
-                </a:spcBef>
-                <a:buFont typeface="Arial" charset="0"/>
-                <a:buChar char="»"/>
-                <a:defRPr sz="2000">
-                  <a:solidFill>
-                    <a:schemeClr val="tx1"/>
-                  </a:solidFill>
-                  <a:latin typeface="Calibri" pitchFamily="34" charset="0"/>
-                </a:defRPr>
-              </a:lvl5pPr>
-              <a:lvl6pPr marL="2514600" indent="-228600" eaLnBrk="0" fontAlgn="base" hangingPunct="0">
-                <a:spcBef>
-                  <a:spcPct val="20000"/>
-                </a:spcBef>
-                <a:spcAft>
-                  <a:spcPct val="0"/>
-                </a:spcAft>
-                <a:buFont typeface="Arial" charset="0"/>
-                <a:buChar char="»"/>
-                <a:defRPr sz="2000">
-                  <a:solidFill>
-                    <a:schemeClr val="tx1"/>
-                  </a:solidFill>
-                  <a:latin typeface="Calibri" pitchFamily="34" charset="0"/>
-                </a:defRPr>
-              </a:lvl6pPr>
-              <a:lvl7pPr marL="2971800" indent="-228600" eaLnBrk="0" fontAlgn="base" hangingPunct="0">
-                <a:spcBef>
-                  <a:spcPct val="20000"/>
-                </a:spcBef>
-                <a:spcAft>
-                  <a:spcPct val="0"/>
-                </a:spcAft>
-                <a:buFont typeface="Arial" charset="0"/>
-                <a:buChar char="»"/>
-                <a:defRPr sz="2000">
-                  <a:solidFill>
-                    <a:schemeClr val="tx1"/>
-                  </a:solidFill>
-                  <a:latin typeface="Calibri" pitchFamily="34" charset="0"/>
-                </a:defRPr>
-              </a:lvl7pPr>
-              <a:lvl8pPr marL="3429000" indent="-228600" eaLnBrk="0" fontAlgn="base" hangingPunct="0">
-                <a:spcBef>
-                  <a:spcPct val="20000"/>
-                </a:spcBef>
-                <a:spcAft>
-                  <a:spcPct val="0"/>
-                </a:spcAft>
-                <a:buFont typeface="Arial" charset="0"/>
-                <a:buChar char="»"/>
-                <a:defRPr sz="2000">
-                  <a:solidFill>
-                    <a:schemeClr val="tx1"/>
-                  </a:solidFill>
-                  <a:latin typeface="Calibri" pitchFamily="34" charset="0"/>
-                </a:defRPr>
-              </a:lvl8pPr>
-              <a:lvl9pPr marL="3886200" indent="-228600" eaLnBrk="0" fontAlgn="base" hangingPunct="0">
-                <a:spcBef>
-                  <a:spcPct val="20000"/>
-                </a:spcBef>
-                <a:spcAft>
-                  <a:spcPct val="0"/>
-                </a:spcAft>
-                <a:buFont typeface="Arial" charset="0"/>
-                <a:buChar char="»"/>
-                <a:defRPr sz="2000">
-                  <a:solidFill>
-                    <a:schemeClr val="tx1"/>
-                  </a:solidFill>
-                  <a:latin typeface="Calibri" pitchFamily="34" charset="0"/>
-                </a:defRPr>
-              </a:lvl9pPr>
-            </a:lstStyle>
-            <a:p>
-              <a:pPr algn="ctr" eaLnBrk="1" hangingPunct="1">
-                <a:spcBef>
-                  <a:spcPct val="0"/>
-                </a:spcBef>
-                <a:buFontTx/>
-                <a:buNone/>
-              </a:pPr>
-              <a:r>
-                <a:rPr lang="pt-BR" altLang="pt-BR" sz="1800" b="1" dirty="0" err="1">
-                  <a:solidFill>
-                    <a:srgbClr val="92D050"/>
-                  </a:solidFill>
-                  <a:latin typeface="Arial" charset="0"/>
-                  <a:cs typeface="Arial" charset="0"/>
-                </a:rPr>
-                <a:t>Keyframe</a:t>
-              </a:r>
-              <a:r>
-                <a:rPr lang="pt-BR" altLang="pt-BR" sz="1800" b="1" dirty="0">
-                  <a:solidFill>
-                    <a:srgbClr val="92D050"/>
-                  </a:solidFill>
-                  <a:latin typeface="Arial" charset="0"/>
-                  <a:cs typeface="Arial" charset="0"/>
-                </a:rPr>
-                <a:t> 10</a:t>
-              </a:r>
-            </a:p>
-          </p:txBody>
-        </p:sp>
-      </p:grpSp>
+          </a:ln>
+          <a:extLst>
+            <a:ext uri="{909E8E84-426E-40DD-AFC4-6F175D3DCCD1}">
+              <a14:hiddenFill xmlns:a14="http://schemas.microsoft.com/office/drawing/2010/main">
+                <a:solidFill>
+                  <a:srgbClr val="FFFFFF"/>
+                </a:solidFill>
+              </a14:hiddenFill>
+            </a:ext>
+            <a:ext uri="{91240B29-F687-4F45-9708-019B960494DF}">
+              <a14:hiddenLine xmlns:a14="http://schemas.microsoft.com/office/drawing/2010/main" w="9525">
+                <a:solidFill>
+                  <a:srgbClr val="000000"/>
+                </a:solidFill>
+                <a:miter lim="800000"/>
+                <a:headEnd/>
+                <a:tailEnd/>
+              </a14:hiddenLine>
+            </a:ext>
+          </a:extLst>
+        </p:spPr>
+        <p:txBody>
+          <a:bodyPr>
+            <a:spAutoFit/>
+          </a:bodyPr>
+          <a:lstStyle>
+            <a:lvl1pPr eaLnBrk="0" hangingPunct="0">
+              <a:spcBef>
+                <a:spcPct val="20000"/>
+              </a:spcBef>
+              <a:buFont typeface="Arial" charset="0"/>
+              <a:buChar char="•"/>
+              <a:defRPr sz="3200">
+                <a:solidFill>
+                  <a:schemeClr val="tx1"/>
+                </a:solidFill>
+                <a:latin typeface="Calibri" pitchFamily="34" charset="0"/>
+              </a:defRPr>
+            </a:lvl1pPr>
+            <a:lvl2pPr marL="742950" indent="-285750" eaLnBrk="0" hangingPunct="0">
+              <a:spcBef>
+                <a:spcPct val="20000"/>
+              </a:spcBef>
+              <a:buFont typeface="Arial" charset="0"/>
+              <a:buChar char="–"/>
+              <a:defRPr sz="2800">
+                <a:solidFill>
+                  <a:schemeClr val="tx1"/>
+                </a:solidFill>
+                <a:latin typeface="Calibri" pitchFamily="34" charset="0"/>
+              </a:defRPr>
+            </a:lvl2pPr>
+            <a:lvl3pPr marL="1143000" indent="-228600" eaLnBrk="0" hangingPunct="0">
+              <a:spcBef>
+                <a:spcPct val="20000"/>
+              </a:spcBef>
+              <a:buFont typeface="Arial" charset="0"/>
+              <a:buChar char="•"/>
+              <a:defRPr sz="2400">
+                <a:solidFill>
+                  <a:schemeClr val="tx1"/>
+                </a:solidFill>
+                <a:latin typeface="Calibri" pitchFamily="34" charset="0"/>
+              </a:defRPr>
+            </a:lvl3pPr>
+            <a:lvl4pPr marL="1600200" indent="-228600" eaLnBrk="0" hangingPunct="0">
+              <a:spcBef>
+                <a:spcPct val="20000"/>
+              </a:spcBef>
+              <a:buFont typeface="Arial" charset="0"/>
+              <a:buChar char="–"/>
+              <a:defRPr sz="2000">
+                <a:solidFill>
+                  <a:schemeClr val="tx1"/>
+                </a:solidFill>
+                <a:latin typeface="Calibri" pitchFamily="34" charset="0"/>
+              </a:defRPr>
+            </a:lvl4pPr>
+            <a:lvl5pPr marL="2057400" indent="-228600" eaLnBrk="0" hangingPunct="0">
+              <a:spcBef>
+                <a:spcPct val="20000"/>
+              </a:spcBef>
+              <a:buFont typeface="Arial" charset="0"/>
+              <a:buChar char="»"/>
+              <a:defRPr sz="2000">
+                <a:solidFill>
+                  <a:schemeClr val="tx1"/>
+                </a:solidFill>
+                <a:latin typeface="Calibri" pitchFamily="34" charset="0"/>
+              </a:defRPr>
+            </a:lvl5pPr>
+            <a:lvl6pPr marL="2514600" indent="-228600" eaLnBrk="0" fontAlgn="base" hangingPunct="0">
+              <a:spcBef>
+                <a:spcPct val="20000"/>
+              </a:spcBef>
+              <a:spcAft>
+                <a:spcPct val="0"/>
+              </a:spcAft>
+              <a:buFont typeface="Arial" charset="0"/>
+              <a:buChar char="»"/>
+              <a:defRPr sz="2000">
+                <a:solidFill>
+                  <a:schemeClr val="tx1"/>
+                </a:solidFill>
+                <a:latin typeface="Calibri" pitchFamily="34" charset="0"/>
+              </a:defRPr>
+            </a:lvl6pPr>
+            <a:lvl7pPr marL="2971800" indent="-228600" eaLnBrk="0" fontAlgn="base" hangingPunct="0">
+              <a:spcBef>
+                <a:spcPct val="20000"/>
+              </a:spcBef>
+              <a:spcAft>
+                <a:spcPct val="0"/>
+              </a:spcAft>
+              <a:buFont typeface="Arial" charset="0"/>
+              <a:buChar char="»"/>
+              <a:defRPr sz="2000">
+                <a:solidFill>
+                  <a:schemeClr val="tx1"/>
+                </a:solidFill>
+                <a:latin typeface="Calibri" pitchFamily="34" charset="0"/>
+              </a:defRPr>
+            </a:lvl7pPr>
+            <a:lvl8pPr marL="3429000" indent="-228600" eaLnBrk="0" fontAlgn="base" hangingPunct="0">
+              <a:spcBef>
+                <a:spcPct val="20000"/>
+              </a:spcBef>
+              <a:spcAft>
+                <a:spcPct val="0"/>
+              </a:spcAft>
+              <a:buFont typeface="Arial" charset="0"/>
+              <a:buChar char="»"/>
+              <a:defRPr sz="2000">
+                <a:solidFill>
+                  <a:schemeClr val="tx1"/>
+                </a:solidFill>
+                <a:latin typeface="Calibri" pitchFamily="34" charset="0"/>
+              </a:defRPr>
+            </a:lvl8pPr>
+            <a:lvl9pPr marL="3886200" indent="-228600" eaLnBrk="0" fontAlgn="base" hangingPunct="0">
+              <a:spcBef>
+                <a:spcPct val="20000"/>
+              </a:spcBef>
+              <a:spcAft>
+                <a:spcPct val="0"/>
+              </a:spcAft>
+              <a:buFont typeface="Arial" charset="0"/>
+              <a:buChar char="»"/>
+              <a:defRPr sz="2000">
+                <a:solidFill>
+                  <a:schemeClr val="tx1"/>
+                </a:solidFill>
+                <a:latin typeface="Calibri" pitchFamily="34" charset="0"/>
+              </a:defRPr>
+            </a:lvl9pPr>
+          </a:lstStyle>
+          <a:p>
+            <a:pPr algn="ctr" eaLnBrk="1" hangingPunct="1">
+              <a:spcBef>
+                <a:spcPct val="0"/>
+              </a:spcBef>
+              <a:buFontTx/>
+              <a:buNone/>
+            </a:pPr>
+            <a:r>
+              <a:rPr lang="pt-BR" altLang="pt-BR" sz="1800" b="1" i="1" dirty="0" err="1">
+                <a:solidFill>
+                  <a:srgbClr val="92D050"/>
+                </a:solidFill>
+                <a:latin typeface="Arial" charset="0"/>
+                <a:cs typeface="Arial" charset="0"/>
+              </a:rPr>
+              <a:t>Keyframe</a:t>
+            </a:r>
+            <a:r>
+              <a:rPr lang="pt-BR" altLang="pt-BR" sz="1800" b="1" dirty="0">
+                <a:solidFill>
+                  <a:srgbClr val="92D050"/>
+                </a:solidFill>
+                <a:latin typeface="Arial" charset="0"/>
+                <a:cs typeface="Arial" charset="0"/>
+              </a:rPr>
+              <a:t> 10</a:t>
+            </a:r>
+          </a:p>
+        </p:txBody>
+      </p:sp>
       <p:grpSp>
         <p:nvGrpSpPr>
           <p:cNvPr id="10" name="Grupo 40"/>
@@ -7143,7 +7709,7 @@
         </p:nvGrpSpPr>
         <p:grpSpPr bwMode="auto">
           <a:xfrm>
-            <a:off x="2630487" y="4672806"/>
+            <a:off x="2499801" y="5829006"/>
             <a:ext cx="2728913" cy="1004888"/>
             <a:chOff x="4272866" y="3730506"/>
             <a:chExt cx="2729158" cy="1005609"/>
@@ -8842,7 +9408,7 @@
                   <a:buNone/>
                 </a:pPr>
                 <a:r>
-                  <a:rPr lang="pt-BR" altLang="pt-BR" sz="1400" b="1">
+                  <a:rPr lang="pt-BR" altLang="pt-BR" sz="1400" b="1" dirty="0">
                     <a:latin typeface="Arial" charset="0"/>
                     <a:cs typeface="Arial" charset="0"/>
                   </a:rPr>
@@ -9239,6 +9805,70 @@
           </p:sp>
         </p:grpSp>
       </p:grpSp>
+      <p:pic>
+        <p:nvPicPr>
+          <p:cNvPr id="1027" name="Picture 3"/>
+          <p:cNvPicPr>
+            <a:picLocks noChangeAspect="1" noChangeArrowheads="1"/>
+          </p:cNvPicPr>
+          <p:nvPr/>
+        </p:nvPicPr>
+        <p:blipFill>
+          <a:blip r:embed="rId2">
+            <a:extLst>
+              <a:ext uri="{28A0092B-C50C-407E-A947-70E740481C1C}">
+                <a14:useLocalDpi xmlns:a14="http://schemas.microsoft.com/office/drawing/2010/main" val="0"/>
+              </a:ext>
+            </a:extLst>
+          </a:blip>
+          <a:srcRect/>
+          <a:stretch>
+            <a:fillRect/>
+          </a:stretch>
+        </p:blipFill>
+        <p:spPr bwMode="auto">
+          <a:xfrm>
+            <a:off x="1928301" y="4143081"/>
+            <a:ext cx="3886200" cy="1685925"/>
+          </a:xfrm>
+          <a:prstGeom prst="rect">
+            <a:avLst/>
+          </a:prstGeom>
+          <a:noFill/>
+          <a:ln>
+            <a:noFill/>
+          </a:ln>
+          <a:effectLst/>
+          <a:extLst>
+            <a:ext uri="{909E8E84-426E-40DD-AFC4-6F175D3DCCD1}">
+              <a14:hiddenFill xmlns:a14="http://schemas.microsoft.com/office/drawing/2010/main">
+                <a:solidFill>
+                  <a:schemeClr val="accent1"/>
+                </a:solidFill>
+              </a14:hiddenFill>
+            </a:ext>
+            <a:ext uri="{91240B29-F687-4F45-9708-019B960494DF}">
+              <a14:hiddenLine xmlns:a14="http://schemas.microsoft.com/office/drawing/2010/main" w="9525">
+                <a:solidFill>
+                  <a:schemeClr val="tx1"/>
+                </a:solidFill>
+                <a:miter lim="800000"/>
+                <a:headEnd/>
+                <a:tailEnd/>
+              </a14:hiddenLine>
+            </a:ext>
+            <a:ext uri="{AF507438-7753-43E0-B8FC-AC1667EBCBE1}">
+              <a14:hiddenEffects xmlns:a14="http://schemas.microsoft.com/office/drawing/2010/main">
+                <a:effectLst>
+                  <a:outerShdw dist="35921" dir="2700000" algn="ctr" rotWithShape="0">
+                    <a:schemeClr val="bg2"/>
+                  </a:outerShdw>
+                </a:effectLst>
+              </a14:hiddenEffects>
+            </a:ext>
+          </a:extLst>
+        </p:spPr>
+      </p:pic>
     </p:spTree>
     <p:extLst>
       <p:ext uri="{BB962C8B-B14F-4D97-AF65-F5344CB8AC3E}">
@@ -9261,9 +9891,6 @@
                     <p:cTn id="3" fill="hold">
                       <p:stCondLst>
                         <p:cond delay="indefinite"/>
-                        <p:cond evt="onBegin" delay="0">
-                          <p:tn val="2"/>
-                        </p:cond>
                       </p:stCondLst>
                       <p:childTnLst>
                         <p:par>
@@ -9273,7 +9900,7 @@
                             </p:stCondLst>
                             <p:childTnLst>
                               <p:par>
-                                <p:cTn id="5" presetID="10" presetClass="entr" presetSubtype="0" fill="hold" nodeType="afterEffect">
+                                <p:cTn id="5" presetID="22" presetClass="entr" presetSubtype="8" fill="hold" nodeType="clickEffect">
                                   <p:stCondLst>
                                     <p:cond delay="0"/>
                                   </p:stCondLst>
@@ -9281,59 +9908,6 @@
                                     <p:set>
                                       <p:cBhvr>
                                         <p:cTn id="6" dur="1" fill="hold">
-                                          <p:stCondLst>
-                                            <p:cond delay="0"/>
-                                          </p:stCondLst>
-                                        </p:cTn>
-                                        <p:tgtEl>
-                                          <p:spTgt spid="4"/>
-                                        </p:tgtEl>
-                                        <p:attrNameLst>
-                                          <p:attrName>style.visibility</p:attrName>
-                                        </p:attrNameLst>
-                                      </p:cBhvr>
-                                      <p:to>
-                                        <p:strVal val="visible"/>
-                                      </p:to>
-                                    </p:set>
-                                    <p:animEffect transition="in" filter="fade">
-                                      <p:cBhvr>
-                                        <p:cTn id="7" dur="2000"/>
-                                        <p:tgtEl>
-                                          <p:spTgt spid="4"/>
-                                        </p:tgtEl>
-                                      </p:cBhvr>
-                                    </p:animEffect>
-                                  </p:childTnLst>
-                                </p:cTn>
-                              </p:par>
-                            </p:childTnLst>
-                          </p:cTn>
-                        </p:par>
-                      </p:childTnLst>
-                    </p:cTn>
-                  </p:par>
-                  <p:par>
-                    <p:cTn id="8" fill="hold">
-                      <p:stCondLst>
-                        <p:cond delay="indefinite"/>
-                      </p:stCondLst>
-                      <p:childTnLst>
-                        <p:par>
-                          <p:cTn id="9" fill="hold">
-                            <p:stCondLst>
-                              <p:cond delay="0"/>
-                            </p:stCondLst>
-                            <p:childTnLst>
-                              <p:par>
-                                <p:cTn id="10" presetID="22" presetClass="entr" presetSubtype="8" fill="hold" nodeType="clickEffect">
-                                  <p:stCondLst>
-                                    <p:cond delay="0"/>
-                                  </p:stCondLst>
-                                  <p:childTnLst>
-                                    <p:set>
-                                      <p:cBhvr>
-                                        <p:cTn id="11" dur="1" fill="hold">
                                           <p:stCondLst>
                                             <p:cond delay="0"/>
                                           </p:stCondLst>
@@ -9351,53 +9925,9 @@
                                     </p:set>
                                     <p:animEffect transition="in" filter="wipe(left)">
                                       <p:cBhvr>
-                                        <p:cTn id="12" dur="500"/>
+                                        <p:cTn id="7" dur="500"/>
                                         <p:tgtEl>
                                           <p:spTgt spid="10"/>
-                                        </p:tgtEl>
-                                      </p:cBhvr>
-                                    </p:animEffect>
-                                  </p:childTnLst>
-                                </p:cTn>
-                              </p:par>
-                            </p:childTnLst>
-                          </p:cTn>
-                        </p:par>
-                        <p:par>
-                          <p:cTn id="13" fill="hold">
-                            <p:stCondLst>
-                              <p:cond delay="500"/>
-                            </p:stCondLst>
-                            <p:childTnLst>
-                              <p:par>
-                                <p:cTn id="14" presetID="10" presetClass="entr" presetSubtype="0" fill="hold" nodeType="afterEffect">
-                                  <p:stCondLst>
-                                    <p:cond delay="0"/>
-                                  </p:stCondLst>
-                                  <p:childTnLst>
-                                    <p:set>
-                                      <p:cBhvr>
-                                        <p:cTn id="15" dur="1" fill="hold">
-                                          <p:stCondLst>
-                                            <p:cond delay="0"/>
-                                          </p:stCondLst>
-                                        </p:cTn>
-                                        <p:tgtEl>
-                                          <p:spTgt spid="7"/>
-                                        </p:tgtEl>
-                                        <p:attrNameLst>
-                                          <p:attrName>style.visibility</p:attrName>
-                                        </p:attrNameLst>
-                                      </p:cBhvr>
-                                      <p:to>
-                                        <p:strVal val="visible"/>
-                                      </p:to>
-                                    </p:set>
-                                    <p:animEffect transition="in" filter="fade">
-                                      <p:cBhvr>
-                                        <p:cTn id="16" dur="2000"/>
-                                        <p:tgtEl>
-                                          <p:spTgt spid="7"/>
                                         </p:tgtEl>
                                       </p:cBhvr>
                                     </p:animEffect>
@@ -9435,603 +9965,6 @@
 </p:sld>
 </file>
 
-<file path=ppt/slides/slide12.xml><?xml version="1.0" encoding="utf-8"?>
-<p:sld xmlns:a="http://schemas.openxmlformats.org/drawingml/2006/main" xmlns:r="http://schemas.openxmlformats.org/officeDocument/2006/relationships" xmlns:p="http://schemas.openxmlformats.org/presentationml/2006/main">
-  <p:cSld>
-    <p:spTree>
-      <p:nvGrpSpPr>
-        <p:cNvPr id="1" name=""/>
-        <p:cNvGrpSpPr/>
-        <p:nvPr/>
-      </p:nvGrpSpPr>
-      <p:grpSpPr>
-        <a:xfrm>
-          <a:off x="0" y="0"/>
-          <a:ext cx="0" cy="0"/>
-          <a:chOff x="0" y="0"/>
-          <a:chExt cx="0" cy="0"/>
-        </a:xfrm>
-      </p:grpSpPr>
-      <p:sp>
-        <p:nvSpPr>
-          <p:cNvPr id="2" name="Título 1"/>
-          <p:cNvSpPr>
-            <a:spLocks noGrp="1"/>
-          </p:cNvSpPr>
-          <p:nvPr>
-            <p:ph type="title"/>
-          </p:nvPr>
-        </p:nvSpPr>
-        <p:spPr/>
-        <p:txBody>
-          <a:bodyPr/>
-          <a:lstStyle/>
-          <a:p>
-            <a:r>
-              <a:rPr lang="pt-BR" i="1" dirty="0" err="1">
-                <a:solidFill>
-                  <a:srgbClr val="0070C0"/>
-                </a:solidFill>
-              </a:rPr>
-              <a:t>Keyframing</a:t>
-            </a:r>
-            <a:r>
-              <a:rPr lang="pt-BR" i="1" dirty="0">
-                <a:solidFill>
-                  <a:srgbClr val="0070C0"/>
-                </a:solidFill>
-              </a:rPr>
-              <a:t> </a:t>
-            </a:r>
-            <a:r>
-              <a:rPr lang="pt-BR" i="1" dirty="0"/>
-              <a:t>em 3D</a:t>
-            </a:r>
-            <a:endParaRPr lang="pt-BR" dirty="0"/>
-          </a:p>
-        </p:txBody>
-      </p:sp>
-      <p:sp>
-        <p:nvSpPr>
-          <p:cNvPr id="3" name="Espaço Reservado para Conteúdo 2"/>
-          <p:cNvSpPr>
-            <a:spLocks noGrp="1"/>
-          </p:cNvSpPr>
-          <p:nvPr>
-            <p:ph idx="1"/>
-          </p:nvPr>
-        </p:nvSpPr>
-        <p:spPr/>
-        <p:txBody>
-          <a:bodyPr/>
-          <a:lstStyle/>
-          <a:p>
-            <a:r>
-              <a:rPr lang="pt-BR" dirty="0" smtClean="0"/>
-              <a:t>Exemplo no </a:t>
-            </a:r>
-            <a:r>
-              <a:rPr lang="pt-BR" dirty="0" err="1" smtClean="0"/>
-              <a:t>blender</a:t>
-            </a:r>
-            <a:endParaRPr lang="pt-BR" dirty="0"/>
-          </a:p>
-        </p:txBody>
-      </p:sp>
-    </p:spTree>
-    <p:extLst>
-      <p:ext uri="{BB962C8B-B14F-4D97-AF65-F5344CB8AC3E}">
-        <p14:creationId xmlns:p14="http://schemas.microsoft.com/office/powerpoint/2010/main" val="3612842322"/>
-      </p:ext>
-    </p:extLst>
-  </p:cSld>
-  <p:clrMapOvr>
-    <a:masterClrMapping/>
-  </p:clrMapOvr>
-  <p:timing>
-    <p:tnLst>
-      <p:par>
-        <p:cTn id="1" dur="indefinite" restart="never" nodeType="tmRoot"/>
-      </p:par>
-    </p:tnLst>
-  </p:timing>
-</p:sld>
-</file>
-
-<file path=ppt/slides/slide13.xml><?xml version="1.0" encoding="utf-8"?>
-<p:sld xmlns:a="http://schemas.openxmlformats.org/drawingml/2006/main" xmlns:r="http://schemas.openxmlformats.org/officeDocument/2006/relationships" xmlns:p="http://schemas.openxmlformats.org/presentationml/2006/main">
-  <p:cSld>
-    <p:spTree>
-      <p:nvGrpSpPr>
-        <p:cNvPr id="1" name=""/>
-        <p:cNvGrpSpPr/>
-        <p:nvPr/>
-      </p:nvGrpSpPr>
-      <p:grpSpPr>
-        <a:xfrm>
-          <a:off x="0" y="0"/>
-          <a:ext cx="0" cy="0"/>
-          <a:chOff x="0" y="0"/>
-          <a:chExt cx="0" cy="0"/>
-        </a:xfrm>
-      </p:grpSpPr>
-      <p:sp>
-        <p:nvSpPr>
-          <p:cNvPr id="23554" name="Rectangle 2"/>
-          <p:cNvSpPr>
-            <a:spLocks noGrp="1" noRot="1" noChangeArrowheads="1"/>
-          </p:cNvSpPr>
-          <p:nvPr>
-            <p:ph type="title"/>
-          </p:nvPr>
-        </p:nvSpPr>
-        <p:spPr/>
-        <p:txBody>
-          <a:bodyPr/>
-          <a:lstStyle/>
-          <a:p>
-            <a:pPr eaLnBrk="1" hangingPunct="1">
-              <a:defRPr/>
-            </a:pPr>
-            <a:r>
-              <a:rPr lang="pt-BR" dirty="0" err="1" smtClean="0"/>
-              <a:t>Idéias</a:t>
-            </a:r>
-            <a:r>
-              <a:rPr lang="pt-BR" dirty="0" smtClean="0"/>
-              <a:t> básicas do </a:t>
-            </a:r>
-            <a:r>
-              <a:rPr lang="pt-BR" i="1" dirty="0" err="1" smtClean="0"/>
-              <a:t>keyframing</a:t>
-            </a:r>
-            <a:endParaRPr lang="pt-BR" i="1" dirty="0" smtClean="0"/>
-          </a:p>
-        </p:txBody>
-      </p:sp>
-      <p:sp>
-        <p:nvSpPr>
-          <p:cNvPr id="23555" name="Rectangle 3"/>
-          <p:cNvSpPr>
-            <a:spLocks noGrp="1" noChangeArrowheads="1"/>
-          </p:cNvSpPr>
-          <p:nvPr>
-            <p:ph type="body" idx="1"/>
-          </p:nvPr>
-        </p:nvSpPr>
-        <p:spPr/>
-        <p:txBody>
-          <a:bodyPr>
-            <a:normAutofit/>
-          </a:bodyPr>
-          <a:lstStyle/>
-          <a:p>
-            <a:pPr eaLnBrk="1" hangingPunct="1">
-              <a:defRPr/>
-            </a:pPr>
-            <a:r>
-              <a:rPr lang="pt-BR" sz="2400" dirty="0" smtClean="0"/>
-              <a:t>Apesar do nome, não são </a:t>
-            </a:r>
-            <a:r>
-              <a:rPr lang="pt-BR" sz="2400" i="1" dirty="0" err="1" smtClean="0"/>
-              <a:t>keyframes</a:t>
-            </a:r>
-            <a:r>
-              <a:rPr lang="pt-BR" sz="2400" dirty="0" smtClean="0"/>
-              <a:t> em </a:t>
-            </a:r>
-            <a:r>
-              <a:rPr lang="pt-BR" sz="2400" dirty="0" err="1" smtClean="0"/>
-              <a:t>sí</a:t>
-            </a:r>
-            <a:endParaRPr lang="pt-BR" sz="2400" dirty="0" smtClean="0"/>
-          </a:p>
-          <a:p>
-            <a:pPr eaLnBrk="1" hangingPunct="1">
-              <a:defRPr/>
-            </a:pPr>
-            <a:r>
-              <a:rPr lang="pt-BR" sz="2400" dirty="0" smtClean="0"/>
-              <a:t>Para cada variável, especificar seu valor em quadros realmente importantes (nem todas as variáveis têm valores importantes no mesmo quadro)</a:t>
-            </a:r>
-          </a:p>
-          <a:p>
-            <a:pPr eaLnBrk="1" hangingPunct="1">
-              <a:defRPr/>
-            </a:pPr>
-            <a:r>
-              <a:rPr lang="pt-BR" sz="2400" dirty="0" smtClean="0"/>
-              <a:t>Então, </a:t>
-            </a:r>
-            <a:r>
-              <a:rPr lang="pt-BR" sz="2400" i="1" dirty="0" err="1" smtClean="0"/>
-              <a:t>key-values</a:t>
-            </a:r>
-            <a:r>
-              <a:rPr lang="pt-BR" sz="2400" dirty="0" smtClean="0"/>
-              <a:t> ao invés de </a:t>
-            </a:r>
-            <a:r>
-              <a:rPr lang="pt-BR" sz="2400" i="1" dirty="0" err="1" smtClean="0"/>
-              <a:t>key</a:t>
-            </a:r>
-            <a:r>
-              <a:rPr lang="pt-BR" sz="2400" i="1" dirty="0" smtClean="0"/>
-              <a:t>-frames</a:t>
-            </a:r>
-          </a:p>
-          <a:p>
-            <a:pPr lvl="1" eaLnBrk="1" hangingPunct="1">
-              <a:defRPr/>
-            </a:pPr>
-            <a:r>
-              <a:rPr lang="pt-BR" sz="2200" dirty="0" smtClean="0"/>
-              <a:t>Criar caminho para cada parâmetro para interpolação desses valores</a:t>
-            </a:r>
-          </a:p>
-        </p:txBody>
-      </p:sp>
-    </p:spTree>
-    <p:extLst>
-      <p:ext uri="{BB962C8B-B14F-4D97-AF65-F5344CB8AC3E}">
-        <p14:creationId xmlns:p14="http://schemas.microsoft.com/office/powerpoint/2010/main" val="194763663"/>
-      </p:ext>
-    </p:extLst>
-  </p:cSld>
-  <p:clrMapOvr>
-    <a:masterClrMapping/>
-  </p:clrMapOvr>
-  <p:timing>
-    <p:tnLst>
-      <p:par>
-        <p:cTn id="1" dur="indefinite" restart="never" nodeType="tmRoot"/>
-      </p:par>
-    </p:tnLst>
-  </p:timing>
-</p:sld>
-</file>
-
-<file path=ppt/slides/slide14.xml><?xml version="1.0" encoding="utf-8"?>
-<p:sld xmlns:a="http://schemas.openxmlformats.org/drawingml/2006/main" xmlns:r="http://schemas.openxmlformats.org/officeDocument/2006/relationships" xmlns:p="http://schemas.openxmlformats.org/presentationml/2006/main">
-  <p:cSld>
-    <p:spTree>
-      <p:nvGrpSpPr>
-        <p:cNvPr id="1" name=""/>
-        <p:cNvGrpSpPr/>
-        <p:nvPr/>
-      </p:nvGrpSpPr>
-      <p:grpSpPr>
-        <a:xfrm>
-          <a:off x="0" y="0"/>
-          <a:ext cx="0" cy="0"/>
-          <a:chOff x="0" y="0"/>
-          <a:chExt cx="0" cy="0"/>
-        </a:xfrm>
-      </p:grpSpPr>
-      <p:sp>
-        <p:nvSpPr>
-          <p:cNvPr id="24578" name="Rectangle 2"/>
-          <p:cNvSpPr>
-            <a:spLocks noGrp="1" noRot="1" noChangeArrowheads="1"/>
-          </p:cNvSpPr>
-          <p:nvPr>
-            <p:ph type="title"/>
-          </p:nvPr>
-        </p:nvSpPr>
-        <p:spPr/>
-        <p:txBody>
-          <a:bodyPr/>
-          <a:lstStyle/>
-          <a:p>
-            <a:pPr eaLnBrk="1" hangingPunct="1">
-              <a:defRPr/>
-            </a:pPr>
-            <a:r>
-              <a:rPr lang="pt-BR" dirty="0" smtClean="0"/>
-              <a:t>Aspectos do </a:t>
-            </a:r>
-            <a:r>
-              <a:rPr lang="pt-BR" i="1" dirty="0" err="1" smtClean="0"/>
-              <a:t>keyframing</a:t>
-            </a:r>
-            <a:endParaRPr lang="pt-BR" i="1" dirty="0" smtClean="0"/>
-          </a:p>
-        </p:txBody>
-      </p:sp>
-      <p:sp>
-        <p:nvSpPr>
-          <p:cNvPr id="24579" name="Rectangle 3"/>
-          <p:cNvSpPr>
-            <a:spLocks noGrp="1" noChangeArrowheads="1"/>
-          </p:cNvSpPr>
-          <p:nvPr>
-            <p:ph type="body" idx="1"/>
-          </p:nvPr>
-        </p:nvSpPr>
-        <p:spPr/>
-        <p:txBody>
-          <a:bodyPr/>
-          <a:lstStyle/>
-          <a:p>
-            <a:pPr eaLnBrk="1" hangingPunct="1">
-              <a:defRPr/>
-            </a:pPr>
-            <a:r>
-              <a:rPr lang="pt-BR" sz="2400" dirty="0" smtClean="0"/>
-              <a:t>O que devem ser os </a:t>
-            </a:r>
-            <a:r>
-              <a:rPr lang="pt-BR" sz="2400" i="1" dirty="0" err="1" smtClean="0"/>
-              <a:t>key-values</a:t>
-            </a:r>
-            <a:r>
-              <a:rPr lang="pt-BR" sz="2400" dirty="0" smtClean="0"/>
-              <a:t>?</a:t>
-            </a:r>
-          </a:p>
-          <a:p>
-            <a:pPr eaLnBrk="1" hangingPunct="1">
-              <a:defRPr/>
-            </a:pPr>
-            <a:r>
-              <a:rPr lang="pt-BR" sz="2400" dirty="0" smtClean="0"/>
-              <a:t>Quando os </a:t>
-            </a:r>
-            <a:r>
-              <a:rPr lang="pt-BR" sz="2400" i="1" dirty="0" err="1" smtClean="0"/>
-              <a:t>key-values</a:t>
-            </a:r>
-            <a:r>
-              <a:rPr lang="pt-BR" sz="2400" dirty="0" smtClean="0"/>
-              <a:t> devem ocorrer?</a:t>
-            </a:r>
-          </a:p>
-          <a:p>
-            <a:pPr eaLnBrk="1" hangingPunct="1">
-              <a:defRPr/>
-            </a:pPr>
-            <a:r>
-              <a:rPr lang="pt-BR" sz="2400" dirty="0" smtClean="0"/>
-              <a:t>Como especificar os </a:t>
-            </a:r>
-            <a:r>
-              <a:rPr lang="pt-BR" sz="2400" i="1" dirty="0" err="1" smtClean="0"/>
-              <a:t>key-values</a:t>
-            </a:r>
-            <a:r>
-              <a:rPr lang="pt-BR" sz="2400" dirty="0" smtClean="0"/>
-              <a:t>?</a:t>
-            </a:r>
-          </a:p>
-          <a:p>
-            <a:pPr eaLnBrk="1" hangingPunct="1">
-              <a:defRPr/>
-            </a:pPr>
-            <a:r>
-              <a:rPr lang="pt-BR" sz="2400" dirty="0" smtClean="0"/>
-              <a:t>Como interpolar os </a:t>
-            </a:r>
-            <a:r>
-              <a:rPr lang="pt-BR" sz="2400" i="1" dirty="0" err="1" smtClean="0"/>
-              <a:t>key-values</a:t>
-            </a:r>
-            <a:r>
-              <a:rPr lang="pt-BR" sz="2400" dirty="0" smtClean="0"/>
-              <a:t>?</a:t>
-            </a:r>
-          </a:p>
-          <a:p>
-            <a:pPr eaLnBrk="1" hangingPunct="1">
-              <a:defRPr/>
-            </a:pPr>
-            <a:r>
-              <a:rPr lang="pt-BR" sz="2400" dirty="0" smtClean="0"/>
-              <a:t>Que tipo de </a:t>
-            </a:r>
-            <a:r>
-              <a:rPr lang="pt-BR" sz="2400" dirty="0" smtClean="0"/>
-              <a:t>erro pode </a:t>
-            </a:r>
-            <a:r>
-              <a:rPr lang="pt-BR" sz="2400" dirty="0" smtClean="0"/>
-              <a:t>ocorrer no processo de interpolação?</a:t>
-            </a:r>
-          </a:p>
-          <a:p>
-            <a:pPr lvl="1" eaLnBrk="1" hangingPunct="1">
-              <a:defRPr/>
-            </a:pPr>
-            <a:r>
-              <a:rPr lang="pt-BR" dirty="0" smtClean="0"/>
-              <a:t>Configurações inválidas (atravessar paredes)</a:t>
-            </a:r>
-          </a:p>
-          <a:p>
-            <a:pPr lvl="1" eaLnBrk="1" hangingPunct="1">
-              <a:defRPr/>
-            </a:pPr>
-            <a:r>
-              <a:rPr lang="pt-BR" dirty="0" smtClean="0"/>
-              <a:t>Movimentos não naturais</a:t>
-            </a:r>
-          </a:p>
-        </p:txBody>
-      </p:sp>
-    </p:spTree>
-    <p:extLst>
-      <p:ext uri="{BB962C8B-B14F-4D97-AF65-F5344CB8AC3E}">
-        <p14:creationId xmlns:p14="http://schemas.microsoft.com/office/powerpoint/2010/main" val="1462960432"/>
-      </p:ext>
-    </p:extLst>
-  </p:cSld>
-  <p:clrMapOvr>
-    <a:masterClrMapping/>
-  </p:clrMapOvr>
-  <p:timing>
-    <p:tnLst>
-      <p:par>
-        <p:cTn id="1" dur="indefinite" restart="never" nodeType="tmRoot"/>
-      </p:par>
-    </p:tnLst>
-  </p:timing>
-</p:sld>
-</file>
-
-<file path=ppt/slides/slide15.xml><?xml version="1.0" encoding="utf-8"?>
-<p:sld xmlns:a="http://schemas.openxmlformats.org/drawingml/2006/main" xmlns:r="http://schemas.openxmlformats.org/officeDocument/2006/relationships" xmlns:p="http://schemas.openxmlformats.org/presentationml/2006/main">
-  <p:cSld>
-    <p:spTree>
-      <p:nvGrpSpPr>
-        <p:cNvPr id="1" name=""/>
-        <p:cNvGrpSpPr/>
-        <p:nvPr/>
-      </p:nvGrpSpPr>
-      <p:grpSpPr>
-        <a:xfrm>
-          <a:off x="0" y="0"/>
-          <a:ext cx="0" cy="0"/>
-          <a:chOff x="0" y="0"/>
-          <a:chExt cx="0" cy="0"/>
-        </a:xfrm>
-      </p:grpSpPr>
-      <p:sp>
-        <p:nvSpPr>
-          <p:cNvPr id="25602" name="Rectangle 2"/>
-          <p:cNvSpPr>
-            <a:spLocks noGrp="1" noRot="1" noChangeArrowheads="1"/>
-          </p:cNvSpPr>
-          <p:nvPr>
-            <p:ph type="title"/>
-          </p:nvPr>
-        </p:nvSpPr>
-        <p:spPr/>
-        <p:txBody>
-          <a:bodyPr/>
-          <a:lstStyle/>
-          <a:p>
-            <a:pPr eaLnBrk="1" hangingPunct="1">
-              <a:defRPr/>
-            </a:pPr>
-            <a:r>
-              <a:rPr lang="pt-BR" sz="4000" i="1" dirty="0" err="1" smtClean="0"/>
-              <a:t>Keyframing</a:t>
-            </a:r>
-            <a:r>
-              <a:rPr lang="pt-BR" sz="4000" dirty="0" smtClean="0"/>
-              <a:t>: </a:t>
-            </a:r>
-            <a:r>
-              <a:rPr lang="pt-BR" sz="4000" dirty="0" smtClean="0">
-                <a:solidFill>
-                  <a:srgbClr val="0070C0"/>
-                </a:solidFill>
-              </a:rPr>
-              <a:t>aspectos de produção</a:t>
-            </a:r>
-          </a:p>
-        </p:txBody>
-      </p:sp>
-      <p:sp>
-        <p:nvSpPr>
-          <p:cNvPr id="25603" name="Rectangle 3"/>
-          <p:cNvSpPr>
-            <a:spLocks noGrp="1" noChangeArrowheads="1"/>
-          </p:cNvSpPr>
-          <p:nvPr>
-            <p:ph type="body" idx="1"/>
-          </p:nvPr>
-        </p:nvSpPr>
-        <p:spPr/>
-        <p:txBody>
-          <a:bodyPr/>
-          <a:lstStyle/>
-          <a:p>
-            <a:pPr eaLnBrk="1" hangingPunct="1">
-              <a:defRPr/>
-            </a:pPr>
-            <a:r>
-              <a:rPr lang="pt-BR" sz="2400" dirty="0" smtClean="0"/>
-              <a:t>Como aprender a fazer</a:t>
-            </a:r>
-          </a:p>
-          <a:p>
-            <a:pPr lvl="1" eaLnBrk="1" hangingPunct="1">
-              <a:defRPr/>
-            </a:pPr>
-            <a:r>
-              <a:rPr lang="pt-BR" dirty="0" smtClean="0"/>
-              <a:t>Aprender com um animador</a:t>
-            </a:r>
-          </a:p>
-          <a:p>
-            <a:pPr lvl="1" eaLnBrk="1" hangingPunct="1">
-              <a:defRPr/>
-            </a:pPr>
-            <a:r>
-              <a:rPr lang="pt-BR" dirty="0" smtClean="0"/>
-              <a:t>Praticar muito</a:t>
-            </a:r>
-          </a:p>
-          <a:p>
-            <a:pPr eaLnBrk="1" hangingPunct="1">
-              <a:defRPr/>
-            </a:pPr>
-            <a:r>
-              <a:rPr lang="pt-BR" sz="2400" dirty="0" smtClean="0"/>
-              <a:t>Dá um bom controle ao longo do movimento</a:t>
-            </a:r>
-          </a:p>
-          <a:p>
-            <a:pPr eaLnBrk="1" hangingPunct="1">
-              <a:defRPr/>
-            </a:pPr>
-            <a:r>
-              <a:rPr lang="pt-BR" sz="2400" dirty="0" smtClean="0"/>
-              <a:t>Elimina metade do trabalho no tradicional</a:t>
-            </a:r>
-            <a:endParaRPr lang="pt-BR" dirty="0" smtClean="0"/>
-          </a:p>
-          <a:p>
-            <a:pPr lvl="1" eaLnBrk="1" hangingPunct="1">
-              <a:defRPr/>
-            </a:pPr>
-            <a:r>
-              <a:rPr lang="pt-BR" dirty="0" smtClean="0"/>
-              <a:t>Ainda é trabalhoso (mesmo para computadores)</a:t>
-            </a:r>
-          </a:p>
-          <a:p>
-            <a:pPr eaLnBrk="1" hangingPunct="1">
-              <a:defRPr/>
-            </a:pPr>
-            <a:r>
-              <a:rPr lang="pt-BR" sz="2400" dirty="0" smtClean="0"/>
-              <a:t>Impraticável para cenas muito complexas, com todas as coisas se movendo </a:t>
-            </a:r>
-          </a:p>
-        </p:txBody>
-      </p:sp>
-    </p:spTree>
-    <p:extLst>
-      <p:ext uri="{BB962C8B-B14F-4D97-AF65-F5344CB8AC3E}">
-        <p14:creationId xmlns:p14="http://schemas.microsoft.com/office/powerpoint/2010/main" val="1118128073"/>
-      </p:ext>
-    </p:extLst>
-  </p:cSld>
-  <p:clrMapOvr>
-    <a:masterClrMapping/>
-  </p:clrMapOvr>
-  <p:timing>
-    <p:tnLst>
-      <p:par>
-        <p:cTn id="1" dur="indefinite" restart="never" nodeType="tmRoot"/>
-      </p:par>
-    </p:tnLst>
-  </p:timing>
-</p:sld>
-</file>
-
 <file path=ppt/slides/slide16.xml><?xml version="1.0" encoding="utf-8"?>
 <p:sld xmlns:a="http://schemas.openxmlformats.org/drawingml/2006/main" xmlns:r="http://schemas.openxmlformats.org/officeDocument/2006/relationships" xmlns:p="http://schemas.openxmlformats.org/presentationml/2006/main">
   <p:cSld>
@@ -10051,9 +9984,9 @@
       </p:grpSpPr>
       <p:sp>
         <p:nvSpPr>
-          <p:cNvPr id="28674" name="Rectangle 2"/>
-          <p:cNvSpPr>
-            <a:spLocks noGrp="1" noRot="1" noChangeArrowheads="1"/>
+          <p:cNvPr id="2" name="Título 1"/>
+          <p:cNvSpPr>
+            <a:spLocks noGrp="1"/>
           </p:cNvSpPr>
           <p:nvPr>
             <p:ph type="title"/>
@@ -10064,159 +9997,65 @@
           <a:bodyPr/>
           <a:lstStyle/>
           <a:p>
-            <a:pPr eaLnBrk="1" hangingPunct="1">
-              <a:defRPr/>
-            </a:pPr>
-            <a:r>
-              <a:rPr lang="pt-BR" smtClean="0"/>
-              <a:t>Problemas com interpolação</a:t>
-            </a:r>
+            <a:r>
+              <a:rPr lang="pt-BR" i="1" dirty="0" err="1">
+                <a:solidFill>
+                  <a:srgbClr val="0070C0"/>
+                </a:solidFill>
+              </a:rPr>
+              <a:t>Keyframing</a:t>
+            </a:r>
+            <a:r>
+              <a:rPr lang="pt-BR" i="1" dirty="0">
+                <a:solidFill>
+                  <a:srgbClr val="0070C0"/>
+                </a:solidFill>
+              </a:rPr>
+              <a:t> </a:t>
+            </a:r>
+            <a:r>
+              <a:rPr lang="pt-BR" i="1" dirty="0"/>
+              <a:t>em 3D</a:t>
+            </a:r>
+            <a:endParaRPr lang="pt-BR" dirty="0"/>
           </a:p>
         </p:txBody>
       </p:sp>
       <p:sp>
         <p:nvSpPr>
-          <p:cNvPr id="28675" name="Rectangle 3"/>
-          <p:cNvSpPr>
-            <a:spLocks noGrp="1" noChangeArrowheads="1"/>
-          </p:cNvSpPr>
-          <p:nvPr>
-            <p:ph type="body" idx="1"/>
-          </p:nvPr>
-        </p:nvSpPr>
-        <p:spPr>
-          <a:xfrm>
-            <a:off x="467544" y="1556792"/>
-            <a:ext cx="7773988" cy="4616450"/>
-          </a:xfrm>
-        </p:spPr>
+          <p:cNvPr id="3" name="Espaço Reservado para Conteúdo 2"/>
+          <p:cNvSpPr>
+            <a:spLocks noGrp="1"/>
+          </p:cNvSpPr>
+          <p:nvPr>
+            <p:ph idx="1"/>
+          </p:nvPr>
+        </p:nvSpPr>
+        <p:spPr/>
         <p:txBody>
           <a:bodyPr/>
           <a:lstStyle/>
           <a:p>
-            <a:pPr eaLnBrk="1" hangingPunct="1">
-              <a:defRPr/>
-            </a:pPr>
-            <a:r>
-              <a:rPr lang="pt-BR" sz="2400" dirty="0" smtClean="0"/>
-              <a:t>Interpoladores não fazem sempre a coisa certa</a:t>
-            </a:r>
-          </a:p>
-          <a:p>
-            <a:pPr eaLnBrk="1" hangingPunct="1">
-              <a:defRPr/>
-            </a:pPr>
-            <a:r>
-              <a:rPr lang="pt-BR" sz="2400" dirty="0" smtClean="0"/>
-              <a:t>Problemas clássicos:</a:t>
-            </a:r>
-          </a:p>
-          <a:p>
-            <a:pPr lvl="1" eaLnBrk="1" hangingPunct="1">
-              <a:defRPr/>
-            </a:pPr>
-            <a:r>
-              <a:rPr lang="pt-BR" sz="2200" dirty="0" smtClean="0"/>
-              <a:t>Restrições</a:t>
-            </a:r>
-            <a:r>
-              <a:rPr lang="pt-BR" sz="2400" dirty="0" smtClean="0"/>
-              <a:t> </a:t>
-            </a:r>
-            <a:r>
-              <a:rPr lang="pt-BR" sz="2200" dirty="0" smtClean="0"/>
-              <a:t>importantes quebradas entre quadros</a:t>
-            </a:r>
-          </a:p>
-          <a:p>
-            <a:pPr lvl="2" eaLnBrk="1" hangingPunct="1">
-              <a:defRPr/>
-            </a:pPr>
-            <a:r>
-              <a:rPr lang="pt-BR" sz="2000" dirty="0" smtClean="0"/>
-              <a:t>Pés entram no solo</a:t>
-            </a:r>
-          </a:p>
-          <a:p>
-            <a:pPr lvl="2" eaLnBrk="1" hangingPunct="1">
-              <a:defRPr/>
-            </a:pPr>
-            <a:r>
-              <a:rPr lang="pt-BR" sz="2000" dirty="0" smtClean="0"/>
-              <a:t>Mãos entram em paredes</a:t>
-            </a:r>
-          </a:p>
-          <a:p>
-            <a:pPr lvl="1" eaLnBrk="1" hangingPunct="1">
-              <a:defRPr/>
-            </a:pPr>
-            <a:r>
-              <a:rPr lang="pt-BR" sz="2200" dirty="0" smtClean="0"/>
-              <a:t>Rotações 3D</a:t>
-            </a:r>
-          </a:p>
-          <a:p>
-            <a:pPr lvl="2" eaLnBrk="1" hangingPunct="1">
-              <a:defRPr/>
-            </a:pPr>
-            <a:r>
-              <a:rPr lang="pt-BR" sz="2000" dirty="0" smtClean="0"/>
-              <a:t>Ângulos de Euler não interpolam naturalmente</a:t>
-            </a:r>
-          </a:p>
-          <a:p>
-            <a:pPr eaLnBrk="1" hangingPunct="1">
-              <a:defRPr/>
-            </a:pPr>
-            <a:r>
-              <a:rPr lang="pt-BR" sz="2400" dirty="0" smtClean="0"/>
-              <a:t>Soluções</a:t>
-            </a:r>
-            <a:endParaRPr lang="pt-BR" sz="2800" dirty="0" smtClean="0"/>
-          </a:p>
-          <a:p>
-            <a:pPr lvl="1" eaLnBrk="1" hangingPunct="1">
-              <a:defRPr/>
-            </a:pPr>
-            <a:r>
-              <a:rPr lang="pt-BR" sz="2200" dirty="0" smtClean="0"/>
-              <a:t>Mais </a:t>
-            </a:r>
-            <a:r>
-              <a:rPr lang="pt-BR" sz="2200" i="1" dirty="0" err="1" smtClean="0"/>
-              <a:t>keyframes</a:t>
-            </a:r>
-            <a:endParaRPr lang="pt-BR" sz="2200" i="1" dirty="0" smtClean="0"/>
-          </a:p>
-          <a:p>
-            <a:pPr lvl="1" eaLnBrk="1" hangingPunct="1">
-              <a:defRPr/>
-            </a:pPr>
-            <a:r>
-              <a:rPr lang="pt-BR" sz="2200" dirty="0" smtClean="0"/>
-              <a:t>Uso de </a:t>
-            </a:r>
-            <a:r>
-              <a:rPr lang="pt-BR" sz="2200" i="1" dirty="0" err="1" smtClean="0"/>
-              <a:t>quaternions</a:t>
-            </a:r>
-            <a:r>
-              <a:rPr lang="pt-BR" sz="2200" dirty="0" smtClean="0"/>
-              <a:t> ajuda melhorar rotações</a:t>
-            </a:r>
-          </a:p>
-          <a:p>
-            <a:pPr lvl="1" eaLnBrk="1" hangingPunct="1">
-              <a:defRPr/>
-            </a:pPr>
-            <a:endParaRPr lang="pt-BR" sz="2400" dirty="0" smtClean="0"/>
+            <a:r>
+              <a:rPr lang="pt-BR" dirty="0" smtClean="0"/>
+              <a:t>Exemplo no </a:t>
+            </a:r>
+            <a:r>
+              <a:rPr lang="pt-BR" dirty="0" smtClean="0"/>
+              <a:t>3d </a:t>
+            </a:r>
+            <a:r>
+              <a:rPr lang="pt-BR" dirty="0" err="1" smtClean="0"/>
+              <a:t>studio</a:t>
+            </a:r>
+            <a:endParaRPr lang="pt-BR" dirty="0"/>
           </a:p>
         </p:txBody>
       </p:sp>
     </p:spTree>
     <p:extLst>
       <p:ext uri="{BB962C8B-B14F-4D97-AF65-F5344CB8AC3E}">
-        <p14:creationId xmlns:p14="http://schemas.microsoft.com/office/powerpoint/2010/main" val="4260725649"/>
+        <p14:creationId xmlns:p14="http://schemas.microsoft.com/office/powerpoint/2010/main" val="3612842322"/>
       </p:ext>
     </p:extLst>
   </p:cSld>
@@ -10252,7 +10091,7 @@
       </p:grpSpPr>
       <p:sp>
         <p:nvSpPr>
-          <p:cNvPr id="38914" name="Rectangle 2"/>
+          <p:cNvPr id="23554" name="Rectangle 2"/>
           <p:cNvSpPr>
             <a:spLocks noGrp="1" noRot="1" noChangeArrowheads="1"/>
           </p:cNvSpPr>
@@ -10269,32 +10108,24 @@
               <a:defRPr/>
             </a:pPr>
             <a:r>
-              <a:rPr lang="pt-BR" dirty="0" smtClean="0">
-                <a:solidFill>
-                  <a:srgbClr val="0070C0"/>
-                </a:solidFill>
-              </a:rPr>
-              <a:t>Animação </a:t>
-            </a:r>
-            <a:r>
-              <a:rPr lang="pt-BR" dirty="0" smtClean="0">
-                <a:solidFill>
-                  <a:srgbClr val="0070C0"/>
-                </a:solidFill>
-              </a:rPr>
-              <a:t>Procedural</a:t>
-            </a:r>
-            <a:endParaRPr lang="pt-BR" dirty="0" smtClean="0">
-              <a:solidFill>
-                <a:srgbClr val="0070C0"/>
-              </a:solidFill>
-            </a:endParaRPr>
+              <a:rPr lang="pt-BR" dirty="0" err="1" smtClean="0"/>
+              <a:t>Idéias</a:t>
+            </a:r>
+            <a:r>
+              <a:rPr lang="pt-BR" dirty="0" smtClean="0"/>
+              <a:t> básicas do </a:t>
+            </a:r>
+            <a:r>
+              <a:rPr lang="pt-BR" i="1" dirty="0" err="1" smtClean="0"/>
+              <a:t>keyframing</a:t>
+            </a:r>
+            <a:endParaRPr lang="pt-BR" i="1" dirty="0" smtClean="0"/>
           </a:p>
         </p:txBody>
       </p:sp>
       <p:sp>
         <p:nvSpPr>
-          <p:cNvPr id="38915" name="Rectangle 3"/>
+          <p:cNvPr id="23555" name="Rectangle 3"/>
           <p:cNvSpPr>
             <a:spLocks noGrp="1" noChangeArrowheads="1"/>
           </p:cNvSpPr>
@@ -10304,7 +10135,9 @@
         </p:nvSpPr>
         <p:spPr/>
         <p:txBody>
-          <a:bodyPr/>
+          <a:bodyPr>
+            <a:normAutofit/>
+          </a:bodyPr>
           <a:lstStyle/>
           <a:p>
             <a:pPr eaLnBrk="1" hangingPunct="1">
@@ -10312,7 +10145,54 @@
             </a:pPr>
             <a:r>
               <a:rPr lang="pt-BR" sz="2400" dirty="0" smtClean="0"/>
-              <a:t>Define movimento usando funções (fórmulas)</a:t>
+              <a:t>Apesar do nome, não são </a:t>
+            </a:r>
+            <a:r>
+              <a:rPr lang="pt-BR" sz="2400" i="1" dirty="0" err="1" smtClean="0"/>
+              <a:t>keyframes</a:t>
+            </a:r>
+            <a:r>
+              <a:rPr lang="pt-BR" sz="2400" dirty="0" smtClean="0"/>
+              <a:t> em </a:t>
+            </a:r>
+            <a:r>
+              <a:rPr lang="pt-BR" sz="2400" dirty="0" smtClean="0"/>
+              <a:t>si</a:t>
+            </a:r>
+            <a:endParaRPr lang="pt-BR" sz="2400" dirty="0" smtClean="0"/>
+          </a:p>
+          <a:p>
+            <a:pPr eaLnBrk="1" hangingPunct="1">
+              <a:defRPr/>
+            </a:pPr>
+            <a:r>
+              <a:rPr lang="pt-BR" sz="2400" dirty="0" smtClean="0"/>
+              <a:t>Para cada variável, especificar seu valor em quadros realmente importantes (nem todas as variáveis têm valores importantes no mesmo quadro)</a:t>
+            </a:r>
+          </a:p>
+          <a:p>
+            <a:pPr eaLnBrk="1" hangingPunct="1">
+              <a:defRPr/>
+            </a:pPr>
+            <a:r>
+              <a:rPr lang="pt-BR" sz="2400" dirty="0" smtClean="0"/>
+              <a:t>Então, </a:t>
+            </a:r>
+            <a:r>
+              <a:rPr lang="pt-BR" sz="2400" i="1" dirty="0" err="1" smtClean="0"/>
+              <a:t>key-values</a:t>
+            </a:r>
+            <a:r>
+              <a:rPr lang="pt-BR" sz="2400" dirty="0" smtClean="0"/>
+              <a:t> ao invés de </a:t>
+            </a:r>
+            <a:r>
+              <a:rPr lang="pt-BR" sz="2400" i="1" dirty="0" err="1" smtClean="0"/>
+              <a:t>key</a:t>
+            </a:r>
+            <a:r>
+              <a:rPr lang="pt-BR" sz="2400" i="1" dirty="0" smtClean="0"/>
+              <a:t>-frames</a:t>
             </a:r>
           </a:p>
           <a:p>
@@ -10320,64 +10200,80 @@
               <a:defRPr/>
             </a:pPr>
             <a:r>
-              <a:rPr lang="pt-BR" dirty="0" smtClean="0"/>
-              <a:t>Funções feitas (implementadas) manualmente</a:t>
-            </a:r>
-          </a:p>
-          <a:p>
-            <a:pPr lvl="1" eaLnBrk="1" hangingPunct="1">
-              <a:defRPr/>
-            </a:pPr>
-            <a:r>
-              <a:rPr lang="pt-BR" dirty="0" smtClean="0"/>
-              <a:t>Funções podem seguir leis da Física ou outras artísticas</a:t>
-            </a:r>
-          </a:p>
-          <a:p>
-            <a:pPr eaLnBrk="1" hangingPunct="1">
-              <a:defRPr/>
-            </a:pPr>
-            <a:r>
-              <a:rPr lang="pt-BR" sz="2400" dirty="0" smtClean="0"/>
-              <a:t>Animador deve ser um programador</a:t>
-            </a:r>
-          </a:p>
-          <a:p>
-            <a:pPr eaLnBrk="1" hangingPunct="1">
-              <a:defRPr/>
-            </a:pPr>
-            <a:r>
-              <a:rPr lang="pt-BR" sz="2400" i="1" dirty="0" err="1" smtClean="0"/>
-              <a:t>Keyframing</a:t>
-            </a:r>
-            <a:r>
-              <a:rPr lang="pt-BR" sz="2400" dirty="0" smtClean="0"/>
-              <a:t> torna-se procedimental se expressões são adicionadas</a:t>
-            </a:r>
-          </a:p>
-          <a:p>
-            <a:pPr eaLnBrk="1" hangingPunct="1">
-              <a:defRPr/>
-            </a:pPr>
-            <a:r>
-              <a:rPr lang="pt-BR" sz="2400" dirty="0" smtClean="0"/>
-              <a:t>Em algum nível de complexidade, melhor e mais eficiente que </a:t>
-            </a:r>
-            <a:r>
-              <a:rPr lang="pt-BR" sz="2400" i="1" dirty="0" err="1" smtClean="0"/>
-              <a:t>keyframing</a:t>
-            </a:r>
-            <a:r>
-              <a:rPr lang="pt-BR" sz="2400" dirty="0" smtClean="0"/>
-              <a:t>.</a:t>
+              <a:rPr lang="pt-BR" sz="2200" dirty="0" smtClean="0"/>
+              <a:t>Criar caminho para cada parâmetro para interpolação desses valores</a:t>
             </a:r>
           </a:p>
         </p:txBody>
       </p:sp>
+      <p:pic>
+        <p:nvPicPr>
+          <p:cNvPr id="2050" name="Picture 2"/>
+          <p:cNvPicPr>
+            <a:picLocks noChangeAspect="1" noChangeArrowheads="1"/>
+          </p:cNvPicPr>
+          <p:nvPr/>
+        </p:nvPicPr>
+        <p:blipFill>
+          <a:blip r:embed="rId3">
+            <a:extLst>
+              <a:ext uri="{28A0092B-C50C-407E-A947-70E740481C1C}">
+                <a14:useLocalDpi xmlns:a14="http://schemas.microsoft.com/office/drawing/2010/main" val="0"/>
+              </a:ext>
+            </a:extLst>
+          </a:blip>
+          <a:srcRect/>
+          <a:stretch>
+            <a:fillRect/>
+          </a:stretch>
+        </p:blipFill>
+        <p:spPr bwMode="auto">
+          <a:xfrm>
+            <a:off x="1259632" y="4725144"/>
+            <a:ext cx="5716587" cy="1543050"/>
+          </a:xfrm>
+          <a:prstGeom prst="rect">
+            <a:avLst/>
+          </a:prstGeom>
+          <a:noFill/>
+          <a:ln>
+            <a:noFill/>
+          </a:ln>
+          <a:effectLst/>
+          <a:extLst>
+            <a:ext uri="{909E8E84-426E-40DD-AFC4-6F175D3DCCD1}">
+              <a14:hiddenFill xmlns:a14="http://schemas.microsoft.com/office/drawing/2010/main">
+                <a:solidFill>
+                  <a:schemeClr val="accent1"/>
+                </a:solidFill>
+              </a14:hiddenFill>
+            </a:ext>
+            <a:ext uri="{91240B29-F687-4F45-9708-019B960494DF}">
+              <a14:hiddenLine xmlns:a14="http://schemas.microsoft.com/office/drawing/2010/main" w="9525">
+                <a:solidFill>
+                  <a:schemeClr val="tx1"/>
+                </a:solidFill>
+                <a:miter lim="800000"/>
+                <a:headEnd/>
+                <a:tailEnd/>
+              </a14:hiddenLine>
+            </a:ext>
+            <a:ext uri="{AF507438-7753-43E0-B8FC-AC1667EBCBE1}">
+              <a14:hiddenEffects xmlns:a14="http://schemas.microsoft.com/office/drawing/2010/main">
+                <a:effectLst>
+                  <a:outerShdw dist="35921" dir="2700000" algn="ctr" rotWithShape="0">
+                    <a:schemeClr val="bg2"/>
+                  </a:outerShdw>
+                </a:effectLst>
+              </a14:hiddenEffects>
+            </a:ext>
+          </a:extLst>
+        </p:spPr>
+      </p:pic>
     </p:spTree>
     <p:extLst>
       <p:ext uri="{BB962C8B-B14F-4D97-AF65-F5344CB8AC3E}">
-        <p14:creationId xmlns:p14="http://schemas.microsoft.com/office/powerpoint/2010/main" val="1916517553"/>
+        <p14:creationId xmlns:p14="http://schemas.microsoft.com/office/powerpoint/2010/main" val="194763663"/>
       </p:ext>
     </p:extLst>
   </p:cSld>
@@ -10413,7 +10309,7 @@
       </p:grpSpPr>
       <p:sp>
         <p:nvSpPr>
-          <p:cNvPr id="39938" name="Rectangle 2"/>
+          <p:cNvPr id="24578" name="Rectangle 2"/>
           <p:cNvSpPr>
             <a:spLocks noGrp="1" noRot="1" noChangeArrowheads="1"/>
           </p:cNvSpPr>
@@ -10430,23 +10326,20 @@
               <a:defRPr/>
             </a:pPr>
             <a:r>
-              <a:rPr lang="pt-BR" dirty="0" smtClean="0">
-                <a:solidFill>
-                  <a:srgbClr val="0070C0"/>
-                </a:solidFill>
-              </a:rPr>
-              <a:t>Animação Física </a:t>
-            </a:r>
-            <a:r>
               <a:rPr lang="pt-BR" dirty="0" smtClean="0"/>
-              <a:t>(dinâmica)</a:t>
-            </a:r>
+              <a:t>Aspectos do </a:t>
+            </a:r>
+            <a:r>
+              <a:rPr lang="pt-BR" i="1" dirty="0" err="1" smtClean="0"/>
+              <a:t>keyframing</a:t>
+            </a:r>
+            <a:endParaRPr lang="pt-BR" i="1" dirty="0" smtClean="0"/>
           </a:p>
         </p:txBody>
       </p:sp>
       <p:sp>
         <p:nvSpPr>
-          <p:cNvPr id="39939" name="Rectangle 3"/>
+          <p:cNvPr id="24579" name="Rectangle 3"/>
           <p:cNvSpPr>
             <a:spLocks noGrp="1" noChangeArrowheads="1"/>
           </p:cNvSpPr>
@@ -10460,114 +10353,197 @@
           <a:lstStyle/>
           <a:p>
             <a:pPr eaLnBrk="1" hangingPunct="1">
-              <a:lnSpc>
-                <a:spcPct val="90000"/>
-              </a:lnSpc>
               <a:defRPr/>
             </a:pPr>
             <a:r>
               <a:rPr lang="pt-BR" sz="2400" dirty="0" smtClean="0"/>
-              <a:t>Gerar movimento definindo massa e força e restrições da Física (Newton, </a:t>
-            </a:r>
-            <a:r>
-              <a:rPr lang="pt-BR" sz="2400" dirty="0" err="1" smtClean="0"/>
-              <a:t>Euler</a:t>
+              <a:t>O que devem ser os </a:t>
+            </a:r>
+            <a:r>
+              <a:rPr lang="pt-BR" sz="2400" i="1" dirty="0" err="1" smtClean="0"/>
+              <a:t>key-values</a:t>
             </a:r>
             <a:r>
               <a:rPr lang="pt-BR" sz="2400" dirty="0" smtClean="0"/>
-              <a:t>)</a:t>
-            </a:r>
-          </a:p>
-          <a:p>
-            <a:pPr lvl="1" eaLnBrk="1" hangingPunct="1">
-              <a:lnSpc>
-                <a:spcPct val="90000"/>
-              </a:lnSpc>
+              <a:t>?</a:t>
+            </a:r>
+          </a:p>
+          <a:p>
+            <a:pPr eaLnBrk="1" hangingPunct="1">
               <a:defRPr/>
             </a:pPr>
             <a:r>
-              <a:rPr lang="pt-BR" sz="2200" dirty="0" smtClean="0"/>
-              <a:t>Gravidade</a:t>
-            </a:r>
-          </a:p>
-          <a:p>
-            <a:pPr lvl="1" eaLnBrk="1" hangingPunct="1">
-              <a:lnSpc>
-                <a:spcPct val="90000"/>
-              </a:lnSpc>
+              <a:rPr lang="pt-BR" sz="2400" dirty="0" smtClean="0"/>
+              <a:t>Quando os </a:t>
+            </a:r>
+            <a:r>
+              <a:rPr lang="pt-BR" sz="2400" i="1" dirty="0" err="1" smtClean="0"/>
+              <a:t>key-values</a:t>
+            </a:r>
+            <a:r>
+              <a:rPr lang="pt-BR" sz="2400" dirty="0" smtClean="0"/>
+              <a:t> devem ocorrer?</a:t>
+            </a:r>
+          </a:p>
+          <a:p>
+            <a:pPr eaLnBrk="1" hangingPunct="1">
               <a:defRPr/>
             </a:pPr>
             <a:r>
-              <a:rPr lang="pt-BR" sz="2200" dirty="0" smtClean="0"/>
-              <a:t>Momento (inércia)</a:t>
-            </a:r>
-          </a:p>
-          <a:p>
-            <a:pPr lvl="1" eaLnBrk="1" hangingPunct="1">
-              <a:lnSpc>
-                <a:spcPct val="90000"/>
-              </a:lnSpc>
+              <a:rPr lang="pt-BR" sz="2400" dirty="0" smtClean="0"/>
+              <a:t>Como especificar os </a:t>
+            </a:r>
+            <a:r>
+              <a:rPr lang="pt-BR" sz="2400" i="1" dirty="0" err="1" smtClean="0"/>
+              <a:t>key-values</a:t>
+            </a:r>
+            <a:r>
+              <a:rPr lang="pt-BR" sz="2400" dirty="0" smtClean="0"/>
+              <a:t>?</a:t>
+            </a:r>
+          </a:p>
+          <a:p>
+            <a:pPr eaLnBrk="1" hangingPunct="1">
               <a:defRPr/>
             </a:pPr>
             <a:r>
-              <a:rPr lang="pt-BR" sz="2200" dirty="0" smtClean="0"/>
-              <a:t>Colisões</a:t>
-            </a:r>
-          </a:p>
-          <a:p>
-            <a:pPr lvl="1" eaLnBrk="1" hangingPunct="1">
-              <a:lnSpc>
-                <a:spcPct val="90000"/>
-              </a:lnSpc>
+              <a:rPr lang="pt-BR" sz="2400" dirty="0" smtClean="0"/>
+              <a:t>Como interpolar os </a:t>
+            </a:r>
+            <a:r>
+              <a:rPr lang="pt-BR" sz="2400" i="1" dirty="0" err="1" smtClean="0"/>
+              <a:t>key-values</a:t>
+            </a:r>
+            <a:r>
+              <a:rPr lang="pt-BR" sz="2400" dirty="0" smtClean="0"/>
+              <a:t>?</a:t>
+            </a:r>
+          </a:p>
+          <a:p>
+            <a:pPr eaLnBrk="1" hangingPunct="1">
               <a:defRPr/>
             </a:pPr>
             <a:r>
-              <a:rPr lang="pt-BR" sz="2200" dirty="0" smtClean="0"/>
-              <a:t>Fricção</a:t>
+              <a:rPr lang="pt-BR" sz="2400" dirty="0" smtClean="0"/>
+              <a:t>Que tipo de erro pode ocorrer no processo de interpolação?</a:t>
             </a:r>
           </a:p>
           <a:p>
             <a:pPr lvl="1" eaLnBrk="1" hangingPunct="1">
-              <a:lnSpc>
-                <a:spcPct val="90000"/>
-              </a:lnSpc>
               <a:defRPr/>
             </a:pPr>
             <a:r>
-              <a:rPr lang="pt-BR" sz="2200" dirty="0" smtClean="0"/>
-              <a:t>Fluxo de fluídos (turbulência, na água)</a:t>
+              <a:rPr lang="pt-BR" dirty="0" smtClean="0"/>
+              <a:t>Configurações inválidas (atravessar paredes)</a:t>
             </a:r>
           </a:p>
           <a:p>
             <a:pPr lvl="1" eaLnBrk="1" hangingPunct="1">
-              <a:lnSpc>
-                <a:spcPct val="90000"/>
-              </a:lnSpc>
               <a:defRPr/>
             </a:pPr>
             <a:r>
-              <a:rPr lang="pt-BR" sz="2200" dirty="0" smtClean="0"/>
-              <a:t>Solidez, flexibilidade, elasticidade</a:t>
-            </a:r>
-          </a:p>
-          <a:p>
-            <a:pPr lvl="1" eaLnBrk="1" hangingPunct="1">
-              <a:lnSpc>
-                <a:spcPct val="90000"/>
-              </a:lnSpc>
-              <a:defRPr/>
-            </a:pPr>
-            <a:r>
-              <a:rPr lang="pt-BR" sz="2200" dirty="0" smtClean="0"/>
-              <a:t>Fratura</a:t>
+              <a:rPr lang="pt-BR" dirty="0" smtClean="0"/>
+              <a:t>Movimentos não naturais</a:t>
             </a:r>
           </a:p>
         </p:txBody>
       </p:sp>
+      <p:sp>
+        <p:nvSpPr>
+          <p:cNvPr id="2" name="Retângulo 1"/>
+          <p:cNvSpPr/>
+          <p:nvPr/>
+        </p:nvSpPr>
+        <p:spPr>
+          <a:xfrm>
+            <a:off x="3347864" y="6488668"/>
+            <a:ext cx="5004048" cy="369332"/>
+          </a:xfrm>
+          <a:prstGeom prst="rect">
+            <a:avLst/>
+          </a:prstGeom>
+        </p:spPr>
+        <p:txBody>
+          <a:bodyPr wrap="square">
+            <a:spAutoFit/>
+          </a:bodyPr>
+          <a:lstStyle/>
+          <a:p>
+            <a:r>
+              <a:rPr lang="pt-BR" dirty="0"/>
+              <a:t>https://www.youtube.com/watch?v=dGh1sWEcl8s</a:t>
+            </a:r>
+          </a:p>
+        </p:txBody>
+      </p:sp>
+      <p:pic>
+        <p:nvPicPr>
+          <p:cNvPr id="3074" name="Picture 2"/>
+          <p:cNvPicPr>
+            <a:picLocks noChangeAspect="1" noChangeArrowheads="1"/>
+          </p:cNvPicPr>
+          <p:nvPr/>
+        </p:nvPicPr>
+        <p:blipFill>
+          <a:blip r:embed="rId3">
+            <a:extLst>
+              <a:ext uri="{28A0092B-C50C-407E-A947-70E740481C1C}">
+                <a14:useLocalDpi xmlns:a14="http://schemas.microsoft.com/office/drawing/2010/main" val="0"/>
+              </a:ext>
+            </a:extLst>
+          </a:blip>
+          <a:srcRect/>
+          <a:stretch>
+            <a:fillRect/>
+          </a:stretch>
+        </p:blipFill>
+        <p:spPr bwMode="auto">
+          <a:xfrm>
+            <a:off x="6205674" y="4149080"/>
+            <a:ext cx="2052083" cy="2189855"/>
+          </a:xfrm>
+          <a:prstGeom prst="rect">
+            <a:avLst/>
+          </a:prstGeom>
+          <a:noFill/>
+          <a:ln>
+            <a:noFill/>
+          </a:ln>
+          <a:effectLst/>
+          <a:extLst>
+            <a:ext uri="{909E8E84-426E-40DD-AFC4-6F175D3DCCD1}">
+              <a14:hiddenFill xmlns:a14="http://schemas.microsoft.com/office/drawing/2010/main">
+                <a:solidFill>
+                  <a:schemeClr val="accent1"/>
+                </a:solidFill>
+              </a14:hiddenFill>
+            </a:ext>
+            <a:ext uri="{91240B29-F687-4F45-9708-019B960494DF}">
+              <a14:hiddenLine xmlns:a14="http://schemas.microsoft.com/office/drawing/2010/main" w="9525">
+                <a:solidFill>
+                  <a:schemeClr val="tx1"/>
+                </a:solidFill>
+                <a:miter lim="800000"/>
+                <a:headEnd/>
+                <a:tailEnd/>
+              </a14:hiddenLine>
+            </a:ext>
+            <a:ext uri="{AF507438-7753-43E0-B8FC-AC1667EBCBE1}">
+              <a14:hiddenEffects xmlns:a14="http://schemas.microsoft.com/office/drawing/2010/main">
+                <a:effectLst>
+                  <a:outerShdw dist="35921" dir="2700000" algn="ctr" rotWithShape="0">
+                    <a:schemeClr val="bg2"/>
+                  </a:outerShdw>
+                </a:effectLst>
+              </a14:hiddenEffects>
+            </a:ext>
+          </a:extLst>
+        </p:spPr>
+      </p:pic>
     </p:spTree>
     <p:extLst>
       <p:ext uri="{BB962C8B-B14F-4D97-AF65-F5344CB8AC3E}">
-        <p14:creationId xmlns:p14="http://schemas.microsoft.com/office/powerpoint/2010/main" val="1594194668"/>
+        <p14:creationId xmlns:p14="http://schemas.microsoft.com/office/powerpoint/2010/main" val="1462960432"/>
       </p:ext>
     </p:extLst>
   </p:cSld>
@@ -10603,7 +10579,7 @@
       </p:grpSpPr>
       <p:sp>
         <p:nvSpPr>
-          <p:cNvPr id="40962" name="Rectangle 2"/>
+          <p:cNvPr id="25602" name="Rectangle 2"/>
           <p:cNvSpPr>
             <a:spLocks noGrp="1" noRot="1" noChangeArrowheads="1"/>
           </p:cNvSpPr>
@@ -10620,23 +10596,27 @@
               <a:defRPr/>
             </a:pPr>
             <a:r>
-              <a:rPr lang="pt-BR" dirty="0" smtClean="0"/>
-              <a:t>Exemplo simples de </a:t>
-            </a:r>
-            <a:r>
-              <a:rPr lang="pt-BR" dirty="0" smtClean="0">
+              <a:rPr lang="pt-BR" sz="4000" i="1" dirty="0" err="1" smtClean="0"/>
+              <a:t>Keyframing</a:t>
+            </a:r>
+            <a:r>
+              <a:rPr lang="pt-BR" sz="4000" dirty="0" smtClean="0"/>
+              <a:t>: </a:t>
+            </a:r>
+            <a:r>
+              <a:rPr lang="pt-BR" sz="4000" dirty="0" smtClean="0">
                 <a:solidFill>
                   <a:srgbClr val="0070C0"/>
                 </a:solidFill>
               </a:rPr>
-              <a:t>dinâmica</a:t>
+              <a:t>aspectos de produção</a:t>
             </a:r>
           </a:p>
         </p:txBody>
       </p:sp>
       <p:sp>
         <p:nvSpPr>
-          <p:cNvPr id="40963" name="Rectangle 3"/>
+          <p:cNvPr id="25603" name="Rectangle 3"/>
           <p:cNvSpPr>
             <a:spLocks noGrp="1" noChangeArrowheads="1"/>
           </p:cNvSpPr>
@@ -10644,250 +10624,80 @@
             <p:ph type="body" idx="1"/>
           </p:nvPr>
         </p:nvSpPr>
-        <p:spPr>
-          <a:xfrm>
-            <a:off x="457200" y="1600200"/>
-            <a:ext cx="8003232" cy="4800600"/>
-          </a:xfrm>
-        </p:spPr>
+        <p:spPr/>
         <p:txBody>
-          <a:bodyPr>
-            <a:normAutofit/>
-          </a:bodyPr>
+          <a:bodyPr/>
           <a:lstStyle/>
           <a:p>
-            <a:pPr marL="533400" indent="-533400" eaLnBrk="1" hangingPunct="1">
+            <a:pPr eaLnBrk="1" hangingPunct="1">
               <a:defRPr/>
             </a:pPr>
             <a:r>
               <a:rPr lang="pt-BR" sz="2400" dirty="0" smtClean="0"/>
-              <a:t>Solução numérica para equação diferencial</a:t>
-            </a:r>
-          </a:p>
-          <a:p>
-            <a:pPr marL="533400" indent="-533400" eaLnBrk="1" hangingPunct="1">
+              <a:t>Como aprender a fazer</a:t>
+            </a:r>
+          </a:p>
+          <a:p>
+            <a:pPr lvl="1" eaLnBrk="1" hangingPunct="1">
               <a:defRPr/>
             </a:pPr>
             <a:r>
-              <a:rPr lang="pt-BR" sz="2400" dirty="0" smtClean="0"/>
-              <a:t>Exemplo de algoritmo usando </a:t>
-            </a:r>
-            <a:r>
-              <a:rPr lang="pt-BR" sz="2400" dirty="0" err="1" smtClean="0"/>
-              <a:t>Euler</a:t>
-            </a:r>
-            <a:r>
-              <a:rPr lang="pt-BR" sz="2400" dirty="0" smtClean="0"/>
-              <a:t> para </a:t>
-            </a:r>
-            <a:r>
-              <a:rPr lang="pt-BR" sz="2400" i="1" dirty="0" smtClean="0"/>
-              <a:t>f = ma</a:t>
-            </a:r>
-            <a:r>
-              <a:rPr lang="pt-BR" sz="2400" dirty="0" smtClean="0"/>
-              <a:t>:</a:t>
-            </a:r>
-          </a:p>
-          <a:p>
-            <a:pPr marL="914400" lvl="1" indent="-457200" eaLnBrk="1" hangingPunct="1">
-              <a:buFont typeface="Wingdings" pitchFamily="2" charset="2"/>
-              <a:buNone/>
+              <a:rPr lang="pt-BR" dirty="0" smtClean="0"/>
+              <a:t>Aprender com um animador</a:t>
+            </a:r>
+          </a:p>
+          <a:p>
+            <a:pPr lvl="1" eaLnBrk="1" hangingPunct="1">
               <a:defRPr/>
             </a:pPr>
             <a:r>
-              <a:rPr lang="pt-BR" sz="2200" dirty="0" smtClean="0"/>
-              <a:t>Inicialize </a:t>
-            </a:r>
-            <a:r>
-              <a:rPr lang="pt-BR" sz="2200" i="1" dirty="0" smtClean="0"/>
-              <a:t>dx</a:t>
-            </a:r>
-            <a:r>
-              <a:rPr lang="pt-BR" sz="2200" dirty="0" smtClean="0"/>
-              <a:t> e </a:t>
-            </a:r>
-            <a:r>
-              <a:rPr lang="pt-BR" sz="2200" i="1" dirty="0" smtClean="0"/>
-              <a:t>x</a:t>
-            </a:r>
-            <a:r>
-              <a:rPr lang="pt-BR" sz="2200" dirty="0" smtClean="0"/>
-              <a:t> (posição e velocidade)</a:t>
-            </a:r>
-          </a:p>
-          <a:p>
-            <a:pPr marL="914400" lvl="1" indent="-457200" eaLnBrk="1" hangingPunct="1">
-              <a:buFont typeface="Wingdings" pitchFamily="2" charset="2"/>
-              <a:buNone/>
+              <a:rPr lang="pt-BR" dirty="0" smtClean="0"/>
+              <a:t>Praticar muito</a:t>
+            </a:r>
+          </a:p>
+          <a:p>
+            <a:pPr eaLnBrk="1" hangingPunct="1">
               <a:defRPr/>
             </a:pPr>
             <a:r>
-              <a:rPr lang="pt-BR" sz="2200" dirty="0" smtClean="0"/>
-              <a:t>loop eterno (integrador de </a:t>
-            </a:r>
-            <a:r>
-              <a:rPr lang="pt-BR" sz="2200" dirty="0" err="1" smtClean="0"/>
-              <a:t>Euler</a:t>
-            </a:r>
-            <a:r>
-              <a:rPr lang="pt-BR" sz="2200" dirty="0" smtClean="0"/>
-              <a:t>):</a:t>
-            </a:r>
-          </a:p>
-          <a:p>
-            <a:pPr marL="1295400" lvl="2" indent="-381000" eaLnBrk="1" hangingPunct="1">
-              <a:buFont typeface="Wingdings" pitchFamily="2" charset="2"/>
-              <a:buNone/>
+              <a:rPr lang="pt-BR" sz="2400" dirty="0" smtClean="0"/>
+              <a:t>Dá um bom controle ao longo do movimento</a:t>
+            </a:r>
+          </a:p>
+          <a:p>
+            <a:pPr eaLnBrk="1" hangingPunct="1">
               <a:defRPr/>
             </a:pPr>
             <a:r>
-              <a:rPr lang="pt-BR" sz="2000" i="1" dirty="0" err="1" smtClean="0"/>
-              <a:t>ddx</a:t>
-            </a:r>
-            <a:r>
-              <a:rPr lang="pt-BR" sz="2000" i="1" dirty="0" smtClean="0"/>
-              <a:t> = f</a:t>
-            </a:r>
-            <a:r>
-              <a:rPr lang="pt-BR" sz="2000" dirty="0" smtClean="0"/>
-              <a:t>()</a:t>
-            </a:r>
-            <a:r>
-              <a:rPr lang="pt-BR" sz="2000" i="1" dirty="0" smtClean="0"/>
-              <a:t>/m </a:t>
-            </a:r>
-            <a:r>
-              <a:rPr lang="pt-BR" sz="2000" dirty="0" smtClean="0"/>
-              <a:t>      (</a:t>
-            </a:r>
-            <a:r>
-              <a:rPr lang="pt-BR" sz="2000" i="1" dirty="0" err="1" smtClean="0"/>
-              <a:t>ddx</a:t>
-            </a:r>
-            <a:r>
-              <a:rPr lang="pt-BR" sz="2000" dirty="0" smtClean="0"/>
-              <a:t> é aceleração, </a:t>
-            </a:r>
-            <a:r>
-              <a:rPr lang="pt-BR" sz="2000" i="1" dirty="0" smtClean="0"/>
-              <a:t>f</a:t>
-            </a:r>
-            <a:r>
-              <a:rPr lang="pt-BR" sz="2000" dirty="0" smtClean="0"/>
-              <a:t>() é uma função, atualiza força)</a:t>
-            </a:r>
-          </a:p>
-          <a:p>
-            <a:pPr marL="1295400" lvl="2" indent="-381000" eaLnBrk="1" hangingPunct="1">
-              <a:buFont typeface="Wingdings" pitchFamily="2" charset="2"/>
-              <a:buNone/>
+              <a:rPr lang="pt-BR" sz="2400" dirty="0" smtClean="0"/>
+              <a:t>Elimina metade do trabalho no tradicional</a:t>
+            </a:r>
+            <a:endParaRPr lang="pt-BR" dirty="0" smtClean="0"/>
+          </a:p>
+          <a:p>
+            <a:pPr lvl="1" eaLnBrk="1" hangingPunct="1">
               <a:defRPr/>
             </a:pPr>
             <a:r>
-              <a:rPr lang="pt-BR" sz="2000" i="1" dirty="0" smtClean="0"/>
-              <a:t>dx  += </a:t>
-            </a:r>
-            <a:r>
-              <a:rPr lang="pt-BR" sz="2000" i="1" dirty="0" err="1" smtClean="0"/>
-              <a:t>ddx</a:t>
-            </a:r>
-            <a:r>
-              <a:rPr lang="pt-BR" sz="2000" i="1" dirty="0" smtClean="0"/>
-              <a:t>*</a:t>
-            </a:r>
-            <a:r>
-              <a:rPr lang="pt-BR" sz="2000" i="1" dirty="0" err="1" smtClean="0"/>
-              <a:t>dt</a:t>
-            </a:r>
-            <a:r>
-              <a:rPr lang="pt-BR" sz="2000" dirty="0" smtClean="0"/>
-              <a:t>   (</a:t>
-            </a:r>
-            <a:r>
-              <a:rPr lang="pt-BR" sz="2000" i="1" dirty="0" smtClean="0"/>
-              <a:t>dx</a:t>
-            </a:r>
-            <a:r>
-              <a:rPr lang="pt-BR" sz="2000" dirty="0" smtClean="0"/>
-              <a:t> = velocidade)</a:t>
-            </a:r>
-          </a:p>
-          <a:p>
-            <a:pPr marL="1295400" lvl="2" indent="-381000" eaLnBrk="1" hangingPunct="1">
-              <a:buFont typeface="Wingdings" pitchFamily="2" charset="2"/>
-              <a:buNone/>
+              <a:rPr lang="pt-BR" dirty="0" smtClean="0"/>
+              <a:t>Ainda é trabalhoso (mesmo para computadores)</a:t>
+            </a:r>
+          </a:p>
+          <a:p>
+            <a:pPr eaLnBrk="1" hangingPunct="1">
               <a:defRPr/>
             </a:pPr>
             <a:r>
-              <a:rPr lang="pt-BR" sz="2000" i="1" dirty="0" smtClean="0"/>
-              <a:t>x += dx*</a:t>
-            </a:r>
-            <a:r>
-              <a:rPr lang="pt-BR" sz="2000" i="1" dirty="0" err="1" smtClean="0"/>
-              <a:t>dt</a:t>
-            </a:r>
-            <a:r>
-              <a:rPr lang="pt-BR" sz="2000" dirty="0" smtClean="0"/>
-              <a:t>       (</a:t>
-            </a:r>
-            <a:r>
-              <a:rPr lang="pt-BR" sz="2000" i="1" dirty="0" smtClean="0"/>
-              <a:t>x</a:t>
-            </a:r>
-            <a:r>
-              <a:rPr lang="pt-BR" sz="2000" dirty="0" smtClean="0"/>
-              <a:t> = posição)</a:t>
-            </a:r>
-          </a:p>
-          <a:p>
-            <a:pPr marL="1295400" lvl="2" indent="-381000" eaLnBrk="1" hangingPunct="1">
-              <a:buFont typeface="Wingdings" pitchFamily="2" charset="2"/>
-              <a:buNone/>
-              <a:defRPr/>
-            </a:pPr>
-            <a:r>
-              <a:rPr lang="pt-BR" sz="2000" i="1" dirty="0" smtClean="0"/>
-              <a:t>t += </a:t>
-            </a:r>
-            <a:r>
-              <a:rPr lang="pt-BR" sz="2000" i="1" dirty="0" err="1" smtClean="0"/>
-              <a:t>dt</a:t>
-            </a:r>
-            <a:endParaRPr lang="pt-BR" sz="2000" i="1" dirty="0" smtClean="0"/>
-          </a:p>
-          <a:p>
-            <a:pPr marL="533400" indent="-533400" eaLnBrk="1" hangingPunct="1">
-              <a:defRPr/>
-            </a:pPr>
-            <a:r>
-              <a:rPr lang="pt-BR" sz="2400" i="1" dirty="0" smtClean="0"/>
-              <a:t>f</a:t>
-            </a:r>
-            <a:r>
               <a:rPr lang="pt-BR" sz="2400" dirty="0" smtClean="0"/>
-              <a:t>() pode ser gravidade ou </a:t>
-            </a:r>
-            <a:r>
-              <a:rPr lang="pt-BR" sz="2400" dirty="0" smtClean="0"/>
-              <a:t>outra </a:t>
-            </a:r>
-            <a:r>
-              <a:rPr lang="pt-BR" sz="2400" dirty="0" smtClean="0"/>
-              <a:t>função que atualiza força em função de tempo, posição, </a:t>
-            </a:r>
-            <a:r>
-              <a:rPr lang="pt-BR" sz="2400" dirty="0" smtClean="0"/>
-              <a:t>etc.</a:t>
-            </a:r>
-            <a:endParaRPr lang="pt-BR" sz="2400" dirty="0" smtClean="0"/>
+              <a:t>Impraticável para cenas muito complexas, com todas as coisas se movendo </a:t>
+            </a:r>
           </a:p>
         </p:txBody>
       </p:sp>
     </p:spTree>
     <p:extLst>
       <p:ext uri="{BB962C8B-B14F-4D97-AF65-F5344CB8AC3E}">
-        <p14:creationId xmlns:p14="http://schemas.microsoft.com/office/powerpoint/2010/main" val="213521539"/>
+        <p14:creationId xmlns:p14="http://schemas.microsoft.com/office/powerpoint/2010/main" val="1118128073"/>
       </p:ext>
     </p:extLst>
   </p:cSld>
@@ -10937,16 +10747,8 @@
           <a:lstStyle/>
           <a:p>
             <a:r>
-              <a:rPr lang="pt-BR" dirty="0" smtClean="0">
-                <a:solidFill>
-                  <a:srgbClr val="0070C0"/>
-                </a:solidFill>
-              </a:rPr>
-              <a:t>Princípios</a:t>
-            </a:r>
-            <a:r>
               <a:rPr lang="pt-BR" dirty="0" smtClean="0"/>
-              <a:t> de Animação</a:t>
+              <a:t>Agenda</a:t>
             </a:r>
             <a:endParaRPr lang="pt-BR" dirty="0"/>
           </a:p>
@@ -10969,133 +10771,30 @@
           </a:bodyPr>
           <a:lstStyle/>
           <a:p>
-            <a:pPr>
-              <a:lnSpc>
-                <a:spcPct val="90000"/>
-              </a:lnSpc>
-              <a:defRPr/>
-            </a:pPr>
-            <a:r>
-              <a:rPr lang="pt-BR" sz="2400" dirty="0"/>
-              <a:t>Encolhe-estica – representar personalidade</a:t>
-            </a:r>
-          </a:p>
-          <a:p>
-            <a:pPr>
-              <a:lnSpc>
-                <a:spcPct val="90000"/>
-              </a:lnSpc>
-              <a:defRPr/>
-            </a:pPr>
-            <a:r>
-              <a:rPr lang="pt-BR" sz="2400" dirty="0"/>
-              <a:t>Temporização – velocidade representa massa, personalidade</a:t>
-            </a:r>
-          </a:p>
-          <a:p>
-            <a:pPr>
-              <a:lnSpc>
-                <a:spcPct val="90000"/>
-              </a:lnSpc>
-              <a:defRPr/>
-            </a:pPr>
-            <a:r>
-              <a:rPr lang="pt-BR" sz="2400" dirty="0"/>
-              <a:t>Antecipação – prepara a </a:t>
-            </a:r>
-            <a:r>
-              <a:rPr lang="pt-BR" sz="2400" dirty="0" err="1"/>
-              <a:t>platéia</a:t>
-            </a:r>
-            <a:endParaRPr lang="pt-BR" sz="2400" dirty="0"/>
-          </a:p>
-          <a:p>
-            <a:pPr>
-              <a:lnSpc>
-                <a:spcPct val="90000"/>
-              </a:lnSpc>
-              <a:defRPr/>
-            </a:pPr>
-            <a:r>
-              <a:rPr lang="pt-BR" sz="2400" dirty="0"/>
-              <a:t>Prosseguimento (</a:t>
-            </a:r>
-            <a:r>
-              <a:rPr lang="pt-BR" sz="2400" i="1" dirty="0" err="1" smtClean="0"/>
-              <a:t>follow-through</a:t>
-            </a:r>
-            <a:r>
-              <a:rPr lang="pt-BR" sz="2400" dirty="0"/>
-              <a:t>) e </a:t>
-            </a:r>
-            <a:r>
-              <a:rPr lang="pt-BR" sz="2400" i="1" dirty="0" err="1"/>
-              <a:t>overlap</a:t>
-            </a:r>
-            <a:r>
-              <a:rPr lang="pt-BR" sz="2400" dirty="0"/>
-              <a:t> – continuidade com próxima ação</a:t>
-            </a:r>
-          </a:p>
-          <a:p>
-            <a:pPr>
-              <a:lnSpc>
-                <a:spcPct val="90000"/>
-              </a:lnSpc>
-              <a:defRPr/>
-            </a:pPr>
-            <a:r>
-              <a:rPr lang="pt-BR" sz="2400" dirty="0"/>
-              <a:t>Câmera lenta e rápida – velocidade de transição representa momentos importantes</a:t>
-            </a:r>
-          </a:p>
-          <a:p>
-            <a:pPr>
-              <a:lnSpc>
-                <a:spcPct val="90000"/>
-              </a:lnSpc>
-              <a:defRPr/>
-            </a:pPr>
-            <a:r>
-              <a:rPr lang="pt-BR" sz="2400" dirty="0"/>
-              <a:t>Arcos – movimento é geralmente curvo</a:t>
-            </a:r>
-          </a:p>
-          <a:p>
-            <a:pPr>
-              <a:lnSpc>
-                <a:spcPct val="90000"/>
-              </a:lnSpc>
-              <a:defRPr/>
-            </a:pPr>
-            <a:r>
-              <a:rPr lang="pt-BR" sz="2400" dirty="0"/>
-              <a:t>Exageração -  enfatiza conteúdo emocional</a:t>
-            </a:r>
-          </a:p>
-          <a:p>
-            <a:pPr>
-              <a:lnSpc>
-                <a:spcPct val="90000"/>
-              </a:lnSpc>
-              <a:defRPr/>
-            </a:pPr>
-            <a:r>
-              <a:rPr lang="pt-BR" sz="2400" dirty="0"/>
-              <a:t>Ação secundária – movimento como </a:t>
-            </a:r>
-            <a:r>
-              <a:rPr lang="pt-BR" sz="2400" dirty="0" err="1" smtClean="0"/>
-              <a:t>conseqüência</a:t>
-            </a:r>
-            <a:endParaRPr lang="pt-BR" sz="2400" dirty="0"/>
+            <a:r>
+              <a:rPr lang="pt-BR" sz="3200" dirty="0" smtClean="0"/>
+              <a:t>Princípios de Animação</a:t>
+            </a:r>
+          </a:p>
+          <a:p>
+            <a:r>
+              <a:rPr lang="pt-BR" sz="3200" dirty="0" smtClean="0"/>
+              <a:t>Tipos de criação de Animação</a:t>
+            </a:r>
+          </a:p>
+          <a:p>
+            <a:r>
+              <a:rPr lang="pt-BR" sz="3200" dirty="0" smtClean="0"/>
+              <a:t>Técnicas de Animação</a:t>
+            </a:r>
+            <a:endParaRPr lang="pt-BR" sz="3200" dirty="0"/>
           </a:p>
         </p:txBody>
       </p:sp>
     </p:spTree>
     <p:extLst>
       <p:ext uri="{BB962C8B-B14F-4D97-AF65-F5344CB8AC3E}">
-        <p14:creationId xmlns:p14="http://schemas.microsoft.com/office/powerpoint/2010/main" val="1749709992"/>
+        <p14:creationId xmlns:p14="http://schemas.microsoft.com/office/powerpoint/2010/main" val="1634103679"/>
       </p:ext>
     </p:extLst>
   </p:cSld>
@@ -11124,7 +10823,7 @@
       </p:grpSpPr>
       <p:sp>
         <p:nvSpPr>
-          <p:cNvPr id="43010" name="Rectangle 2"/>
+          <p:cNvPr id="28674" name="Rectangle 2"/>
           <p:cNvSpPr>
             <a:spLocks noGrp="1" noRot="1" noChangeArrowheads="1"/>
           </p:cNvSpPr>
@@ -11141,32 +10840,15 @@
               <a:defRPr/>
             </a:pPr>
             <a:r>
-              <a:rPr lang="pt-BR" dirty="0" smtClean="0">
-                <a:solidFill>
-                  <a:srgbClr val="0070C0"/>
-                </a:solidFill>
-              </a:rPr>
-              <a:t>Animação </a:t>
-            </a:r>
-            <a:r>
-              <a:rPr lang="pt-BR" dirty="0" smtClean="0">
-                <a:solidFill>
-                  <a:srgbClr val="0070C0"/>
-                </a:solidFill>
-              </a:rPr>
-              <a:t>Comportamental</a:t>
-            </a:r>
-            <a:endParaRPr lang="pt-BR" dirty="0" smtClean="0">
-              <a:solidFill>
-                <a:srgbClr val="0070C0"/>
-              </a:solidFill>
-            </a:endParaRPr>
+              <a:rPr lang="pt-BR" smtClean="0"/>
+              <a:t>Problemas com interpolação</a:t>
+            </a:r>
           </a:p>
         </p:txBody>
       </p:sp>
       <p:sp>
         <p:nvSpPr>
-          <p:cNvPr id="43011" name="Rectangle 3"/>
+          <p:cNvPr id="28675" name="Rectangle 3"/>
           <p:cNvSpPr>
             <a:spLocks noGrp="1" noChangeArrowheads="1"/>
           </p:cNvSpPr>
@@ -11176,195 +10858,137 @@
         </p:nvSpPr>
         <p:spPr>
           <a:xfrm>
-            <a:off x="685800" y="1981200"/>
-            <a:ext cx="7630616" cy="4876800"/>
+            <a:off x="467544" y="1556792"/>
+            <a:ext cx="7773988" cy="4616450"/>
           </a:xfrm>
         </p:spPr>
         <p:txBody>
-          <a:bodyPr>
-            <a:normAutofit/>
-          </a:bodyPr>
+          <a:bodyPr/>
           <a:lstStyle/>
           <a:p>
             <a:pPr eaLnBrk="1" hangingPunct="1">
-              <a:lnSpc>
-                <a:spcPct val="90000"/>
-              </a:lnSpc>
               <a:defRPr/>
             </a:pPr>
             <a:r>
               <a:rPr lang="pt-BR" sz="2400" dirty="0" smtClean="0"/>
-              <a:t>Define regras p/ comportamento dos objetos </a:t>
-            </a:r>
-          </a:p>
-          <a:p>
-            <a:pPr lvl="1" eaLnBrk="1" hangingPunct="1">
-              <a:lnSpc>
-                <a:spcPct val="90000"/>
-              </a:lnSpc>
+              <a:t>Interpoladores não fazem sempre a coisa certa</a:t>
+            </a:r>
+          </a:p>
+          <a:p>
+            <a:pPr eaLnBrk="1" hangingPunct="1">
               <a:defRPr/>
             </a:pPr>
             <a:r>
-              <a:rPr lang="pt-BR" dirty="0" smtClean="0"/>
-              <a:t>Modelos respondem à mudanças no ambiente</a:t>
+              <a:rPr lang="pt-BR" sz="2400" dirty="0" smtClean="0"/>
+              <a:t>Problemas clássicos:</a:t>
             </a:r>
           </a:p>
           <a:p>
             <a:pPr lvl="1" eaLnBrk="1" hangingPunct="1">
-              <a:lnSpc>
-                <a:spcPct val="90000"/>
-              </a:lnSpc>
               <a:defRPr/>
             </a:pPr>
             <a:r>
-              <a:rPr lang="pt-BR" dirty="0" smtClean="0"/>
-              <a:t>Programas implementam as regras</a:t>
-            </a:r>
-          </a:p>
-          <a:p>
-            <a:pPr eaLnBrk="1" hangingPunct="1">
-              <a:lnSpc>
-                <a:spcPct val="90000"/>
-              </a:lnSpc>
+              <a:rPr lang="pt-BR" sz="2200" dirty="0" smtClean="0"/>
+              <a:t>Restrições</a:t>
+            </a:r>
+            <a:r>
+              <a:rPr lang="pt-BR" sz="2400" dirty="0" smtClean="0"/>
+              <a:t> </a:t>
+            </a:r>
+            <a:r>
+              <a:rPr lang="pt-BR" sz="2200" dirty="0" smtClean="0"/>
+              <a:t>importantes quebradas entre quadros</a:t>
+            </a:r>
+          </a:p>
+          <a:p>
+            <a:pPr lvl="2" eaLnBrk="1" hangingPunct="1">
               <a:defRPr/>
             </a:pPr>
             <a:r>
-              <a:rPr lang="pt-BR" sz="2400" dirty="0" smtClean="0"/>
-              <a:t>Exemplo </a:t>
-            </a:r>
-            <a:r>
-              <a:rPr lang="pt-BR" sz="2400" dirty="0" smtClean="0"/>
-              <a:t>clássico: </a:t>
-            </a:r>
-            <a:r>
-              <a:rPr lang="pt-BR" sz="2400" dirty="0" smtClean="0"/>
-              <a:t>“</a:t>
-            </a:r>
-            <a:r>
-              <a:rPr lang="pt-BR" sz="2400" dirty="0" err="1" smtClean="0"/>
-              <a:t>boids</a:t>
-            </a:r>
-            <a:r>
-              <a:rPr lang="pt-BR" sz="2400" dirty="0" smtClean="0"/>
-              <a:t>” (Craig Reynolds)</a:t>
-            </a:r>
-          </a:p>
-          <a:p>
-            <a:pPr lvl="1" eaLnBrk="1" hangingPunct="1">
-              <a:lnSpc>
-                <a:spcPct val="90000"/>
-              </a:lnSpc>
+              <a:rPr lang="pt-BR" sz="2000" dirty="0" smtClean="0"/>
+              <a:t>Pés entram no solo</a:t>
+            </a:r>
+          </a:p>
+          <a:p>
+            <a:pPr lvl="2" eaLnBrk="1" hangingPunct="1">
               <a:defRPr/>
             </a:pPr>
             <a:r>
-              <a:rPr lang="pt-BR" dirty="0" smtClean="0"/>
-              <a:t>Movimento é função dos objetos ao redor</a:t>
+              <a:rPr lang="pt-BR" sz="2000" dirty="0" smtClean="0"/>
+              <a:t>Mãos entram em paredes</a:t>
             </a:r>
           </a:p>
           <a:p>
             <a:pPr lvl="1" eaLnBrk="1" hangingPunct="1">
-              <a:lnSpc>
-                <a:spcPct val="90000"/>
-              </a:lnSpc>
               <a:defRPr/>
             </a:pPr>
             <a:r>
-              <a:rPr lang="pt-BR" dirty="0" smtClean="0"/>
-              <a:t>Comportamento emergente: </a:t>
-            </a:r>
-            <a:r>
-              <a:rPr lang="pt-BR" dirty="0" smtClean="0"/>
-              <a:t>bandos, cardumes etc.</a:t>
-            </a:r>
-            <a:endParaRPr lang="pt-BR" dirty="0" smtClean="0"/>
-          </a:p>
-          <a:p>
-            <a:pPr lvl="1" eaLnBrk="1" hangingPunct="1">
-              <a:lnSpc>
-                <a:spcPct val="90000"/>
-              </a:lnSpc>
+              <a:rPr lang="pt-BR" sz="2200" dirty="0" smtClean="0"/>
+              <a:t>Rotações 3D</a:t>
+            </a:r>
+          </a:p>
+          <a:p>
+            <a:pPr lvl="2" eaLnBrk="1" hangingPunct="1">
               <a:defRPr/>
             </a:pPr>
             <a:r>
-              <a:rPr lang="pt-BR" dirty="0" smtClean="0"/>
-              <a:t>Rei Leão: estourada de animais foi feita assim</a:t>
+              <a:rPr lang="pt-BR" sz="2000" dirty="0" smtClean="0"/>
+              <a:t>Ângulos de Euler não interpolam naturalmente</a:t>
             </a:r>
           </a:p>
           <a:p>
             <a:pPr eaLnBrk="1" hangingPunct="1">
-              <a:lnSpc>
-                <a:spcPct val="90000"/>
-              </a:lnSpc>
               <a:defRPr/>
             </a:pPr>
             <a:r>
               <a:rPr lang="pt-BR" sz="2400" dirty="0" smtClean="0"/>
-              <a:t>Sistema de </a:t>
-            </a:r>
-            <a:r>
-              <a:rPr lang="pt-BR" sz="2400" dirty="0" smtClean="0"/>
-              <a:t>partículas</a:t>
-            </a:r>
-          </a:p>
-          <a:p>
-            <a:pPr lvl="1">
-              <a:lnSpc>
-                <a:spcPct val="90000"/>
-              </a:lnSpc>
+              <a:t>Soluções</a:t>
+            </a:r>
+            <a:endParaRPr lang="pt-BR" sz="2800" dirty="0" smtClean="0"/>
+          </a:p>
+          <a:p>
+            <a:pPr lvl="1" eaLnBrk="1" hangingPunct="1">
               <a:defRPr/>
             </a:pPr>
             <a:r>
-              <a:rPr lang="pt-BR" dirty="0" smtClean="0"/>
-              <a:t>Usualmente </a:t>
-            </a:r>
-            <a:r>
-              <a:rPr lang="pt-BR" dirty="0" smtClean="0"/>
-              <a:t>comportamentos simples</a:t>
-            </a:r>
-          </a:p>
-          <a:p>
-            <a:pPr eaLnBrk="1" hangingPunct="1">
-              <a:lnSpc>
-                <a:spcPct val="90000"/>
-              </a:lnSpc>
+              <a:rPr lang="pt-BR" sz="2200" dirty="0" smtClean="0"/>
+              <a:t>Mais </a:t>
+            </a:r>
+            <a:r>
+              <a:rPr lang="pt-BR" sz="2200" i="1" dirty="0" err="1" smtClean="0"/>
+              <a:t>keyframes</a:t>
+            </a:r>
+            <a:endParaRPr lang="pt-BR" sz="2200" i="1" dirty="0" smtClean="0"/>
+          </a:p>
+          <a:p>
+            <a:pPr lvl="1" eaLnBrk="1" hangingPunct="1">
               <a:defRPr/>
             </a:pPr>
             <a:r>
-              <a:rPr lang="pt-BR" sz="2400" i="1" dirty="0" err="1" smtClean="0"/>
-              <a:t>Smart</a:t>
-            </a:r>
-            <a:r>
-              <a:rPr lang="pt-BR" sz="2400" i="1" dirty="0" smtClean="0"/>
-              <a:t> </a:t>
-            </a:r>
-            <a:r>
-              <a:rPr lang="pt-BR" sz="2400" i="1" dirty="0" err="1" smtClean="0"/>
-              <a:t>Objects</a:t>
-            </a:r>
-            <a:endParaRPr lang="pt-BR" sz="2400" i="1" dirty="0" smtClean="0"/>
-          </a:p>
-          <a:p>
-            <a:pPr lvl="1">
-              <a:lnSpc>
-                <a:spcPct val="90000"/>
-              </a:lnSpc>
+              <a:rPr lang="pt-BR" sz="2200" dirty="0" smtClean="0"/>
+              <a:t>Uso de </a:t>
+            </a:r>
+            <a:r>
+              <a:rPr lang="pt-BR" sz="2200" i="1" dirty="0" err="1" smtClean="0"/>
+              <a:t>quaternions</a:t>
+            </a:r>
+            <a:r>
+              <a:rPr lang="pt-BR" sz="2200" dirty="0" smtClean="0"/>
+              <a:t> ajuda melhorar rotações</a:t>
+            </a:r>
+          </a:p>
+          <a:p>
+            <a:pPr lvl="1" eaLnBrk="1" hangingPunct="1">
               <a:defRPr/>
             </a:pPr>
-            <a:r>
-              <a:rPr lang="pt-BR" dirty="0" smtClean="0"/>
-              <a:t>Agentes </a:t>
-            </a:r>
-            <a:r>
-              <a:rPr lang="pt-BR" dirty="0" smtClean="0"/>
-              <a:t>autônomos (comportamentos sofisticados) </a:t>
-            </a:r>
+            <a:endParaRPr lang="pt-BR" sz="2400" dirty="0" smtClean="0"/>
           </a:p>
         </p:txBody>
       </p:sp>
     </p:spTree>
     <p:extLst>
       <p:ext uri="{BB962C8B-B14F-4D97-AF65-F5344CB8AC3E}">
-        <p14:creationId xmlns:p14="http://schemas.microsoft.com/office/powerpoint/2010/main" val="2317765130"/>
+        <p14:creationId xmlns:p14="http://schemas.microsoft.com/office/powerpoint/2010/main" val="4260725649"/>
       </p:ext>
     </p:extLst>
   </p:cSld>
@@ -11400,7 +11024,7 @@
       </p:grpSpPr>
       <p:sp>
         <p:nvSpPr>
-          <p:cNvPr id="44034" name="Rectangle 2"/>
+          <p:cNvPr id="38914" name="Rectangle 2"/>
           <p:cNvSpPr>
             <a:spLocks noGrp="1" noRot="1" noChangeArrowheads="1"/>
           </p:cNvSpPr>
@@ -11417,28 +11041,19 @@
               <a:defRPr/>
             </a:pPr>
             <a:r>
-              <a:rPr lang="pt-BR" dirty="0" smtClean="0"/>
-              <a:t>Baseada em </a:t>
-            </a:r>
-            <a:r>
               <a:rPr lang="pt-BR" dirty="0" smtClean="0">
                 <a:solidFill>
                   <a:srgbClr val="0070C0"/>
                 </a:solidFill>
               </a:rPr>
-              <a:t>Performance</a:t>
-            </a:r>
-            <a:endParaRPr lang="pt-BR" dirty="0" smtClean="0">
-              <a:solidFill>
-                <a:srgbClr val="0070C0"/>
-              </a:solidFill>
-            </a:endParaRPr>
+              <a:t>Animação Procedural</a:t>
+            </a:r>
           </a:p>
         </p:txBody>
       </p:sp>
       <p:sp>
         <p:nvSpPr>
-          <p:cNvPr id="44035" name="Rectangle 3"/>
+          <p:cNvPr id="38915" name="Rectangle 3"/>
           <p:cNvSpPr>
             <a:spLocks noGrp="1" noChangeArrowheads="1"/>
           </p:cNvSpPr>
@@ -11456,7 +11071,7 @@
             </a:pPr>
             <a:r>
               <a:rPr lang="pt-BR" sz="2400" dirty="0" smtClean="0"/>
-              <a:t>Grava animação de ações da vida real</a:t>
+              <a:t>Define movimento usando funções (fórmulas)</a:t>
             </a:r>
           </a:p>
           <a:p>
@@ -11464,8 +11079,8 @@
               <a:defRPr/>
             </a:pPr>
             <a:r>
-              <a:rPr lang="pt-BR" sz="2200" dirty="0" smtClean="0"/>
-              <a:t>Usa vídeos reais e tira movimento de objetos</a:t>
+              <a:rPr lang="pt-BR" dirty="0" smtClean="0"/>
+              <a:t>Funções feitas (implementadas) manualmente</a:t>
             </a:r>
           </a:p>
           <a:p>
@@ -11473,8 +11088,8 @@
               <a:defRPr/>
             </a:pPr>
             <a:r>
-              <a:rPr lang="pt-BR" sz="2200" dirty="0" smtClean="0"/>
-              <a:t>Usa dispositivos que pegam posição/orientação</a:t>
+              <a:rPr lang="pt-BR" dirty="0" smtClean="0"/>
+              <a:t>Funções podem seguir leis da Física ou outras artísticas</a:t>
             </a:r>
           </a:p>
           <a:p>
@@ -11482,82 +11097,46 @@
               <a:defRPr/>
             </a:pPr>
             <a:r>
-              <a:rPr lang="pt-BR" sz="2400" i="1" dirty="0" smtClean="0"/>
-              <a:t>Motion </a:t>
-            </a:r>
-            <a:r>
-              <a:rPr lang="pt-BR" sz="2400" i="1" dirty="0" smtClean="0"/>
-              <a:t>capture</a:t>
-            </a:r>
-            <a:endParaRPr lang="pt-BR" sz="2800" i="1" dirty="0" smtClean="0"/>
-          </a:p>
-          <a:p>
-            <a:pPr lvl="1" eaLnBrk="1" hangingPunct="1">
+              <a:rPr lang="pt-BR" sz="2400" dirty="0" smtClean="0"/>
+              <a:t>Animador deve ser um programador</a:t>
+            </a:r>
+          </a:p>
+          <a:p>
+            <a:pPr eaLnBrk="1" hangingPunct="1">
               <a:defRPr/>
             </a:pPr>
             <a:r>
-              <a:rPr lang="pt-BR" sz="2200" dirty="0" smtClean="0"/>
-              <a:t>Acompanha movimento de pontos no espaço, por meio magnético, ótico, </a:t>
-            </a:r>
-            <a:r>
-              <a:rPr lang="pt-BR" sz="2200" dirty="0" err="1" smtClean="0"/>
-              <a:t>etc</a:t>
-            </a:r>
-            <a:r>
-              <a:rPr lang="pt-BR" sz="2200" dirty="0" smtClean="0"/>
-              <a:t> (</a:t>
-            </a:r>
-            <a:r>
-              <a:rPr lang="pt-BR" sz="2200" dirty="0" err="1" smtClean="0"/>
-              <a:t>exo-esqueletos</a:t>
-            </a:r>
-            <a:r>
-              <a:rPr lang="pt-BR" sz="2200" dirty="0" smtClean="0"/>
-              <a:t>, face ou rosto)</a:t>
-            </a:r>
-          </a:p>
-          <a:p>
-            <a:pPr lvl="1" eaLnBrk="1" hangingPunct="1">
+              <a:rPr lang="pt-BR" sz="2400" i="1" dirty="0" err="1" smtClean="0"/>
+              <a:t>Keyframing</a:t>
+            </a:r>
+            <a:r>
+              <a:rPr lang="pt-BR" sz="2400" dirty="0" smtClean="0"/>
+              <a:t> torna-se procedimental se expressões são adicionadas</a:t>
+            </a:r>
+          </a:p>
+          <a:p>
+            <a:pPr eaLnBrk="1" hangingPunct="1">
               <a:defRPr/>
             </a:pPr>
             <a:r>
-              <a:rPr lang="pt-BR" sz="2200" dirty="0" smtClean="0"/>
-              <a:t>Converte </a:t>
-            </a:r>
-            <a:r>
-              <a:rPr lang="pt-BR" sz="2200" dirty="0" smtClean="0"/>
-              <a:t>para espaço ângulo-juntas</a:t>
-            </a:r>
-          </a:p>
-          <a:p>
-            <a:pPr lvl="1" eaLnBrk="1" hangingPunct="1">
-              <a:defRPr/>
-            </a:pPr>
-            <a:r>
-              <a:rPr lang="pt-BR" sz="2200" dirty="0" smtClean="0"/>
-              <a:t>Usa ângulos para derivar modelo 3D articulado</a:t>
-            </a:r>
-          </a:p>
-          <a:p>
-            <a:pPr lvl="1" eaLnBrk="1" hangingPunct="1">
-              <a:defRPr/>
-            </a:pPr>
-            <a:r>
-              <a:rPr lang="pt-BR" sz="2200" dirty="0" smtClean="0"/>
-              <a:t>Caminhos do movimento podem ser </a:t>
-            </a:r>
-            <a:r>
-              <a:rPr lang="pt-BR" sz="2200" dirty="0" smtClean="0"/>
-              <a:t>modificados</a:t>
-            </a:r>
-            <a:endParaRPr lang="pt-BR" sz="2200" dirty="0" smtClean="0"/>
+              <a:rPr lang="pt-BR" sz="2400" dirty="0" smtClean="0"/>
+              <a:t>Em algum nível de complexidade, melhor e mais eficiente que </a:t>
+            </a:r>
+            <a:r>
+              <a:rPr lang="pt-BR" sz="2400" i="1" dirty="0" err="1" smtClean="0"/>
+              <a:t>keyframing</a:t>
+            </a:r>
+            <a:r>
+              <a:rPr lang="pt-BR" sz="2400" dirty="0" smtClean="0"/>
+              <a:t>.</a:t>
+            </a:r>
           </a:p>
         </p:txBody>
       </p:sp>
     </p:spTree>
     <p:extLst>
       <p:ext uri="{BB962C8B-B14F-4D97-AF65-F5344CB8AC3E}">
-        <p14:creationId xmlns:p14="http://schemas.microsoft.com/office/powerpoint/2010/main" val="3891102901"/>
+        <p14:creationId xmlns:p14="http://schemas.microsoft.com/office/powerpoint/2010/main" val="1916517553"/>
       </p:ext>
     </p:extLst>
   </p:cSld>
@@ -11593,6 +11172,916 @@
       </p:grpSpPr>
       <p:sp>
         <p:nvSpPr>
+          <p:cNvPr id="39938" name="Rectangle 2"/>
+          <p:cNvSpPr>
+            <a:spLocks noGrp="1" noRot="1" noChangeArrowheads="1"/>
+          </p:cNvSpPr>
+          <p:nvPr>
+            <p:ph type="title"/>
+          </p:nvPr>
+        </p:nvSpPr>
+        <p:spPr/>
+        <p:txBody>
+          <a:bodyPr/>
+          <a:lstStyle/>
+          <a:p>
+            <a:pPr eaLnBrk="1" hangingPunct="1">
+              <a:defRPr/>
+            </a:pPr>
+            <a:r>
+              <a:rPr lang="pt-BR" dirty="0" smtClean="0">
+                <a:solidFill>
+                  <a:srgbClr val="0070C0"/>
+                </a:solidFill>
+              </a:rPr>
+              <a:t>Animação Física </a:t>
+            </a:r>
+            <a:r>
+              <a:rPr lang="pt-BR" dirty="0" smtClean="0"/>
+              <a:t>(dinâmica)</a:t>
+            </a:r>
+          </a:p>
+        </p:txBody>
+      </p:sp>
+      <p:sp>
+        <p:nvSpPr>
+          <p:cNvPr id="39939" name="Rectangle 3"/>
+          <p:cNvSpPr>
+            <a:spLocks noGrp="1" noChangeArrowheads="1"/>
+          </p:cNvSpPr>
+          <p:nvPr>
+            <p:ph type="body" idx="1"/>
+          </p:nvPr>
+        </p:nvSpPr>
+        <p:spPr/>
+        <p:txBody>
+          <a:bodyPr/>
+          <a:lstStyle/>
+          <a:p>
+            <a:pPr eaLnBrk="1" hangingPunct="1">
+              <a:lnSpc>
+                <a:spcPct val="90000"/>
+              </a:lnSpc>
+              <a:defRPr/>
+            </a:pPr>
+            <a:r>
+              <a:rPr lang="pt-BR" sz="2400" dirty="0" smtClean="0"/>
+              <a:t>Gerar movimento definindo massa e força e restrições da Física (Newton, </a:t>
+            </a:r>
+            <a:r>
+              <a:rPr lang="pt-BR" sz="2400" dirty="0" err="1" smtClean="0"/>
+              <a:t>Euler</a:t>
+            </a:r>
+            <a:r>
+              <a:rPr lang="pt-BR" sz="2400" dirty="0" smtClean="0"/>
+              <a:t>)</a:t>
+            </a:r>
+          </a:p>
+          <a:p>
+            <a:pPr lvl="1" eaLnBrk="1" hangingPunct="1">
+              <a:lnSpc>
+                <a:spcPct val="90000"/>
+              </a:lnSpc>
+              <a:defRPr/>
+            </a:pPr>
+            <a:r>
+              <a:rPr lang="pt-BR" sz="2200" dirty="0" smtClean="0"/>
+              <a:t>Gravidade</a:t>
+            </a:r>
+          </a:p>
+          <a:p>
+            <a:pPr lvl="1" eaLnBrk="1" hangingPunct="1">
+              <a:lnSpc>
+                <a:spcPct val="90000"/>
+              </a:lnSpc>
+              <a:defRPr/>
+            </a:pPr>
+            <a:r>
+              <a:rPr lang="pt-BR" sz="2200" dirty="0" smtClean="0"/>
+              <a:t>Momento (inércia)</a:t>
+            </a:r>
+          </a:p>
+          <a:p>
+            <a:pPr lvl="1" eaLnBrk="1" hangingPunct="1">
+              <a:lnSpc>
+                <a:spcPct val="90000"/>
+              </a:lnSpc>
+              <a:defRPr/>
+            </a:pPr>
+            <a:r>
+              <a:rPr lang="pt-BR" sz="2200" dirty="0" smtClean="0"/>
+              <a:t>Colisões</a:t>
+            </a:r>
+          </a:p>
+          <a:p>
+            <a:pPr lvl="1" eaLnBrk="1" hangingPunct="1">
+              <a:lnSpc>
+                <a:spcPct val="90000"/>
+              </a:lnSpc>
+              <a:defRPr/>
+            </a:pPr>
+            <a:r>
+              <a:rPr lang="pt-BR" sz="2200" dirty="0" smtClean="0"/>
+              <a:t>Fricção</a:t>
+            </a:r>
+          </a:p>
+          <a:p>
+            <a:pPr lvl="1" eaLnBrk="1" hangingPunct="1">
+              <a:lnSpc>
+                <a:spcPct val="90000"/>
+              </a:lnSpc>
+              <a:defRPr/>
+            </a:pPr>
+            <a:r>
+              <a:rPr lang="pt-BR" sz="2200" dirty="0" smtClean="0"/>
+              <a:t>Fluxo de fluídos (turbulência, na água)</a:t>
+            </a:r>
+          </a:p>
+          <a:p>
+            <a:pPr lvl="1" eaLnBrk="1" hangingPunct="1">
+              <a:lnSpc>
+                <a:spcPct val="90000"/>
+              </a:lnSpc>
+              <a:defRPr/>
+            </a:pPr>
+            <a:r>
+              <a:rPr lang="pt-BR" sz="2200" dirty="0" smtClean="0"/>
+              <a:t>Solidez, flexibilidade, elasticidade</a:t>
+            </a:r>
+          </a:p>
+          <a:p>
+            <a:pPr lvl="1" eaLnBrk="1" hangingPunct="1">
+              <a:lnSpc>
+                <a:spcPct val="90000"/>
+              </a:lnSpc>
+              <a:defRPr/>
+            </a:pPr>
+            <a:r>
+              <a:rPr lang="pt-BR" sz="2200" dirty="0" smtClean="0"/>
+              <a:t>Fratura</a:t>
+            </a:r>
+          </a:p>
+        </p:txBody>
+      </p:sp>
+    </p:spTree>
+    <p:extLst>
+      <p:ext uri="{BB962C8B-B14F-4D97-AF65-F5344CB8AC3E}">
+        <p14:creationId xmlns:p14="http://schemas.microsoft.com/office/powerpoint/2010/main" val="1594194668"/>
+      </p:ext>
+    </p:extLst>
+  </p:cSld>
+  <p:clrMapOvr>
+    <a:masterClrMapping/>
+  </p:clrMapOvr>
+  <p:timing>
+    <p:tnLst>
+      <p:par>
+        <p:cTn id="1" dur="indefinite" restart="never" nodeType="tmRoot"/>
+      </p:par>
+    </p:tnLst>
+  </p:timing>
+</p:sld>
+</file>
+
+<file path=ppt/slides/slide23.xml><?xml version="1.0" encoding="utf-8"?>
+<p:sld xmlns:a="http://schemas.openxmlformats.org/drawingml/2006/main" xmlns:r="http://schemas.openxmlformats.org/officeDocument/2006/relationships" xmlns:p="http://schemas.openxmlformats.org/presentationml/2006/main">
+  <p:cSld>
+    <p:spTree>
+      <p:nvGrpSpPr>
+        <p:cNvPr id="1" name=""/>
+        <p:cNvGrpSpPr/>
+        <p:nvPr/>
+      </p:nvGrpSpPr>
+      <p:grpSpPr>
+        <a:xfrm>
+          <a:off x="0" y="0"/>
+          <a:ext cx="0" cy="0"/>
+          <a:chOff x="0" y="0"/>
+          <a:chExt cx="0" cy="0"/>
+        </a:xfrm>
+      </p:grpSpPr>
+      <p:sp>
+        <p:nvSpPr>
+          <p:cNvPr id="40962" name="Rectangle 2"/>
+          <p:cNvSpPr>
+            <a:spLocks noGrp="1" noRot="1" noChangeArrowheads="1"/>
+          </p:cNvSpPr>
+          <p:nvPr>
+            <p:ph type="title"/>
+          </p:nvPr>
+        </p:nvSpPr>
+        <p:spPr/>
+        <p:txBody>
+          <a:bodyPr/>
+          <a:lstStyle/>
+          <a:p>
+            <a:pPr eaLnBrk="1" hangingPunct="1">
+              <a:defRPr/>
+            </a:pPr>
+            <a:r>
+              <a:rPr lang="pt-BR" dirty="0" smtClean="0"/>
+              <a:t>Exemplo simples de </a:t>
+            </a:r>
+            <a:r>
+              <a:rPr lang="pt-BR" dirty="0" smtClean="0">
+                <a:solidFill>
+                  <a:srgbClr val="0070C0"/>
+                </a:solidFill>
+              </a:rPr>
+              <a:t>dinâmica</a:t>
+            </a:r>
+          </a:p>
+        </p:txBody>
+      </p:sp>
+      <p:sp>
+        <p:nvSpPr>
+          <p:cNvPr id="40963" name="Rectangle 3"/>
+          <p:cNvSpPr>
+            <a:spLocks noGrp="1" noChangeArrowheads="1"/>
+          </p:cNvSpPr>
+          <p:nvPr>
+            <p:ph type="body" idx="1"/>
+          </p:nvPr>
+        </p:nvSpPr>
+        <p:spPr>
+          <a:xfrm>
+            <a:off x="457200" y="1600200"/>
+            <a:ext cx="8003232" cy="4800600"/>
+          </a:xfrm>
+        </p:spPr>
+        <p:txBody>
+          <a:bodyPr>
+            <a:normAutofit/>
+          </a:bodyPr>
+          <a:lstStyle/>
+          <a:p>
+            <a:pPr marL="533400" indent="-533400" eaLnBrk="1" hangingPunct="1">
+              <a:defRPr/>
+            </a:pPr>
+            <a:r>
+              <a:rPr lang="pt-BR" sz="2400" dirty="0" smtClean="0"/>
+              <a:t>Solução numérica para equação diferencial</a:t>
+            </a:r>
+          </a:p>
+          <a:p>
+            <a:pPr marL="533400" indent="-533400" eaLnBrk="1" hangingPunct="1">
+              <a:defRPr/>
+            </a:pPr>
+            <a:r>
+              <a:rPr lang="pt-BR" sz="2400" dirty="0" smtClean="0"/>
+              <a:t>Exemplo de algoritmo usando </a:t>
+            </a:r>
+            <a:r>
+              <a:rPr lang="pt-BR" sz="2400" dirty="0" err="1" smtClean="0"/>
+              <a:t>Euler</a:t>
+            </a:r>
+            <a:r>
+              <a:rPr lang="pt-BR" sz="2400" dirty="0" smtClean="0"/>
+              <a:t> para </a:t>
+            </a:r>
+            <a:r>
+              <a:rPr lang="pt-BR" sz="2400" i="1" dirty="0" smtClean="0"/>
+              <a:t>f = ma</a:t>
+            </a:r>
+            <a:r>
+              <a:rPr lang="pt-BR" sz="2400" dirty="0" smtClean="0"/>
+              <a:t>:</a:t>
+            </a:r>
+          </a:p>
+          <a:p>
+            <a:pPr marL="914400" lvl="1" indent="-457200" eaLnBrk="1" hangingPunct="1">
+              <a:buFont typeface="Wingdings" pitchFamily="2" charset="2"/>
+              <a:buNone/>
+              <a:defRPr/>
+            </a:pPr>
+            <a:r>
+              <a:rPr lang="pt-BR" sz="2200" dirty="0" smtClean="0"/>
+              <a:t>Inicialize </a:t>
+            </a:r>
+            <a:r>
+              <a:rPr lang="pt-BR" sz="2200" i="1" dirty="0" smtClean="0"/>
+              <a:t>dx</a:t>
+            </a:r>
+            <a:r>
+              <a:rPr lang="pt-BR" sz="2200" dirty="0" smtClean="0"/>
+              <a:t> e </a:t>
+            </a:r>
+            <a:r>
+              <a:rPr lang="pt-BR" sz="2200" i="1" dirty="0" smtClean="0"/>
+              <a:t>x</a:t>
+            </a:r>
+            <a:r>
+              <a:rPr lang="pt-BR" sz="2200" dirty="0" smtClean="0"/>
+              <a:t> (posição e velocidade)</a:t>
+            </a:r>
+          </a:p>
+          <a:p>
+            <a:pPr marL="914400" lvl="1" indent="-457200" eaLnBrk="1" hangingPunct="1">
+              <a:buFont typeface="Wingdings" pitchFamily="2" charset="2"/>
+              <a:buNone/>
+              <a:defRPr/>
+            </a:pPr>
+            <a:r>
+              <a:rPr lang="pt-BR" sz="2200" dirty="0" smtClean="0"/>
+              <a:t>loop eterno (integrador de </a:t>
+            </a:r>
+            <a:r>
+              <a:rPr lang="pt-BR" sz="2200" dirty="0" err="1" smtClean="0"/>
+              <a:t>Euler</a:t>
+            </a:r>
+            <a:r>
+              <a:rPr lang="pt-BR" sz="2200" dirty="0" smtClean="0"/>
+              <a:t>):</a:t>
+            </a:r>
+          </a:p>
+          <a:p>
+            <a:pPr marL="1295400" lvl="2" indent="-381000" eaLnBrk="1" hangingPunct="1">
+              <a:buFont typeface="Wingdings" pitchFamily="2" charset="2"/>
+              <a:buNone/>
+              <a:defRPr/>
+            </a:pPr>
+            <a:r>
+              <a:rPr lang="pt-BR" sz="2000" i="1" dirty="0" err="1" smtClean="0"/>
+              <a:t>ddx</a:t>
+            </a:r>
+            <a:r>
+              <a:rPr lang="pt-BR" sz="2000" i="1" dirty="0" smtClean="0"/>
+              <a:t> = f</a:t>
+            </a:r>
+            <a:r>
+              <a:rPr lang="pt-BR" sz="2000" dirty="0" smtClean="0"/>
+              <a:t>()</a:t>
+            </a:r>
+            <a:r>
+              <a:rPr lang="pt-BR" sz="2000" i="1" dirty="0" smtClean="0"/>
+              <a:t>/m </a:t>
+            </a:r>
+            <a:r>
+              <a:rPr lang="pt-BR" sz="2000" dirty="0" smtClean="0"/>
+              <a:t>      (</a:t>
+            </a:r>
+            <a:r>
+              <a:rPr lang="pt-BR" sz="2000" i="1" dirty="0" err="1" smtClean="0"/>
+              <a:t>ddx</a:t>
+            </a:r>
+            <a:r>
+              <a:rPr lang="pt-BR" sz="2000" dirty="0" smtClean="0"/>
+              <a:t> é aceleração, </a:t>
+            </a:r>
+            <a:r>
+              <a:rPr lang="pt-BR" sz="2000" i="1" dirty="0" smtClean="0"/>
+              <a:t>f</a:t>
+            </a:r>
+            <a:r>
+              <a:rPr lang="pt-BR" sz="2000" dirty="0" smtClean="0"/>
+              <a:t>() é uma função, atualiza força)</a:t>
+            </a:r>
+          </a:p>
+          <a:p>
+            <a:pPr marL="1295400" lvl="2" indent="-381000" eaLnBrk="1" hangingPunct="1">
+              <a:buFont typeface="Wingdings" pitchFamily="2" charset="2"/>
+              <a:buNone/>
+              <a:defRPr/>
+            </a:pPr>
+            <a:r>
+              <a:rPr lang="pt-BR" sz="2000" i="1" dirty="0" smtClean="0"/>
+              <a:t>dx  += </a:t>
+            </a:r>
+            <a:r>
+              <a:rPr lang="pt-BR" sz="2000" i="1" dirty="0" err="1" smtClean="0"/>
+              <a:t>ddx</a:t>
+            </a:r>
+            <a:r>
+              <a:rPr lang="pt-BR" sz="2000" i="1" dirty="0" smtClean="0"/>
+              <a:t>*</a:t>
+            </a:r>
+            <a:r>
+              <a:rPr lang="pt-BR" sz="2000" i="1" dirty="0" err="1" smtClean="0"/>
+              <a:t>dt</a:t>
+            </a:r>
+            <a:r>
+              <a:rPr lang="pt-BR" sz="2000" dirty="0" smtClean="0"/>
+              <a:t>   (</a:t>
+            </a:r>
+            <a:r>
+              <a:rPr lang="pt-BR" sz="2000" i="1" dirty="0" smtClean="0"/>
+              <a:t>dx</a:t>
+            </a:r>
+            <a:r>
+              <a:rPr lang="pt-BR" sz="2000" dirty="0" smtClean="0"/>
+              <a:t> = velocidade)</a:t>
+            </a:r>
+          </a:p>
+          <a:p>
+            <a:pPr marL="1295400" lvl="2" indent="-381000" eaLnBrk="1" hangingPunct="1">
+              <a:buFont typeface="Wingdings" pitchFamily="2" charset="2"/>
+              <a:buNone/>
+              <a:defRPr/>
+            </a:pPr>
+            <a:r>
+              <a:rPr lang="pt-BR" sz="2000" i="1" dirty="0" smtClean="0"/>
+              <a:t>x += dx*</a:t>
+            </a:r>
+            <a:r>
+              <a:rPr lang="pt-BR" sz="2000" i="1" dirty="0" err="1" smtClean="0"/>
+              <a:t>dt</a:t>
+            </a:r>
+            <a:r>
+              <a:rPr lang="pt-BR" sz="2000" dirty="0" smtClean="0"/>
+              <a:t>       (</a:t>
+            </a:r>
+            <a:r>
+              <a:rPr lang="pt-BR" sz="2000" i="1" dirty="0" smtClean="0"/>
+              <a:t>x</a:t>
+            </a:r>
+            <a:r>
+              <a:rPr lang="pt-BR" sz="2000" dirty="0" smtClean="0"/>
+              <a:t> = posição)</a:t>
+            </a:r>
+          </a:p>
+          <a:p>
+            <a:pPr marL="1295400" lvl="2" indent="-381000" eaLnBrk="1" hangingPunct="1">
+              <a:buFont typeface="Wingdings" pitchFamily="2" charset="2"/>
+              <a:buNone/>
+              <a:defRPr/>
+            </a:pPr>
+            <a:r>
+              <a:rPr lang="pt-BR" sz="2000" i="1" dirty="0" smtClean="0"/>
+              <a:t>t += </a:t>
+            </a:r>
+            <a:r>
+              <a:rPr lang="pt-BR" sz="2000" i="1" dirty="0" err="1" smtClean="0"/>
+              <a:t>dt</a:t>
+            </a:r>
+            <a:endParaRPr lang="pt-BR" sz="2000" i="1" dirty="0" smtClean="0"/>
+          </a:p>
+          <a:p>
+            <a:pPr marL="533400" indent="-533400" eaLnBrk="1" hangingPunct="1">
+              <a:defRPr/>
+            </a:pPr>
+            <a:r>
+              <a:rPr lang="pt-BR" sz="2400" i="1" dirty="0" smtClean="0"/>
+              <a:t>f</a:t>
+            </a:r>
+            <a:r>
+              <a:rPr lang="pt-BR" sz="2400" dirty="0" smtClean="0"/>
+              <a:t>() pode ser gravidade ou outra função que atualiza força em função de tempo, posição, etc.</a:t>
+            </a:r>
+          </a:p>
+        </p:txBody>
+      </p:sp>
+    </p:spTree>
+    <p:extLst>
+      <p:ext uri="{BB962C8B-B14F-4D97-AF65-F5344CB8AC3E}">
+        <p14:creationId xmlns:p14="http://schemas.microsoft.com/office/powerpoint/2010/main" val="213521539"/>
+      </p:ext>
+    </p:extLst>
+  </p:cSld>
+  <p:clrMapOvr>
+    <a:masterClrMapping/>
+  </p:clrMapOvr>
+  <p:timing>
+    <p:tnLst>
+      <p:par>
+        <p:cTn id="1" dur="indefinite" restart="never" nodeType="tmRoot"/>
+      </p:par>
+    </p:tnLst>
+  </p:timing>
+</p:sld>
+</file>
+
+<file path=ppt/slides/slide24.xml><?xml version="1.0" encoding="utf-8"?>
+<p:sld xmlns:a="http://schemas.openxmlformats.org/drawingml/2006/main" xmlns:r="http://schemas.openxmlformats.org/officeDocument/2006/relationships" xmlns:p="http://schemas.openxmlformats.org/presentationml/2006/main">
+  <p:cSld>
+    <p:spTree>
+      <p:nvGrpSpPr>
+        <p:cNvPr id="1" name=""/>
+        <p:cNvGrpSpPr/>
+        <p:nvPr/>
+      </p:nvGrpSpPr>
+      <p:grpSpPr>
+        <a:xfrm>
+          <a:off x="0" y="0"/>
+          <a:ext cx="0" cy="0"/>
+          <a:chOff x="0" y="0"/>
+          <a:chExt cx="0" cy="0"/>
+        </a:xfrm>
+      </p:grpSpPr>
+      <p:sp>
+        <p:nvSpPr>
+          <p:cNvPr id="43010" name="Rectangle 2"/>
+          <p:cNvSpPr>
+            <a:spLocks noGrp="1" noRot="1" noChangeArrowheads="1"/>
+          </p:cNvSpPr>
+          <p:nvPr>
+            <p:ph type="title"/>
+          </p:nvPr>
+        </p:nvSpPr>
+        <p:spPr/>
+        <p:txBody>
+          <a:bodyPr/>
+          <a:lstStyle/>
+          <a:p>
+            <a:pPr eaLnBrk="1" hangingPunct="1">
+              <a:defRPr/>
+            </a:pPr>
+            <a:r>
+              <a:rPr lang="pt-BR" dirty="0" smtClean="0">
+                <a:solidFill>
+                  <a:srgbClr val="0070C0"/>
+                </a:solidFill>
+              </a:rPr>
+              <a:t>Animação Comportamental</a:t>
+            </a:r>
+          </a:p>
+        </p:txBody>
+      </p:sp>
+      <p:sp>
+        <p:nvSpPr>
+          <p:cNvPr id="43011" name="Rectangle 3"/>
+          <p:cNvSpPr>
+            <a:spLocks noGrp="1" noChangeArrowheads="1"/>
+          </p:cNvSpPr>
+          <p:nvPr>
+            <p:ph type="body" idx="1"/>
+          </p:nvPr>
+        </p:nvSpPr>
+        <p:spPr>
+          <a:xfrm>
+            <a:off x="685800" y="1981200"/>
+            <a:ext cx="7630616" cy="4876800"/>
+          </a:xfrm>
+        </p:spPr>
+        <p:txBody>
+          <a:bodyPr>
+            <a:normAutofit/>
+          </a:bodyPr>
+          <a:lstStyle/>
+          <a:p>
+            <a:pPr eaLnBrk="1" hangingPunct="1">
+              <a:lnSpc>
+                <a:spcPct val="90000"/>
+              </a:lnSpc>
+              <a:defRPr/>
+            </a:pPr>
+            <a:r>
+              <a:rPr lang="pt-BR" sz="2400" dirty="0" smtClean="0"/>
+              <a:t>Define regras p/ comportamento dos objetos </a:t>
+            </a:r>
+          </a:p>
+          <a:p>
+            <a:pPr lvl="1" eaLnBrk="1" hangingPunct="1">
+              <a:lnSpc>
+                <a:spcPct val="90000"/>
+              </a:lnSpc>
+              <a:defRPr/>
+            </a:pPr>
+            <a:r>
+              <a:rPr lang="pt-BR" dirty="0" smtClean="0"/>
+              <a:t>Modelos respondem à mudanças no ambiente</a:t>
+            </a:r>
+          </a:p>
+          <a:p>
+            <a:pPr lvl="1" eaLnBrk="1" hangingPunct="1">
+              <a:lnSpc>
+                <a:spcPct val="90000"/>
+              </a:lnSpc>
+              <a:defRPr/>
+            </a:pPr>
+            <a:r>
+              <a:rPr lang="pt-BR" dirty="0" smtClean="0"/>
+              <a:t>Programas implementam as regras</a:t>
+            </a:r>
+          </a:p>
+          <a:p>
+            <a:pPr eaLnBrk="1" hangingPunct="1">
+              <a:lnSpc>
+                <a:spcPct val="90000"/>
+              </a:lnSpc>
+              <a:defRPr/>
+            </a:pPr>
+            <a:r>
+              <a:rPr lang="pt-BR" sz="2400" dirty="0" smtClean="0"/>
+              <a:t>Exemplo clássico: “</a:t>
+            </a:r>
+            <a:r>
+              <a:rPr lang="pt-BR" sz="2400" dirty="0" err="1" smtClean="0"/>
+              <a:t>boids</a:t>
+            </a:r>
+            <a:r>
+              <a:rPr lang="pt-BR" sz="2400" dirty="0" smtClean="0"/>
+              <a:t>” (Craig Reynolds)</a:t>
+            </a:r>
+          </a:p>
+          <a:p>
+            <a:pPr lvl="1" eaLnBrk="1" hangingPunct="1">
+              <a:lnSpc>
+                <a:spcPct val="90000"/>
+              </a:lnSpc>
+              <a:defRPr/>
+            </a:pPr>
+            <a:r>
+              <a:rPr lang="pt-BR" dirty="0" smtClean="0"/>
+              <a:t>Movimento é função dos objetos ao redor</a:t>
+            </a:r>
+          </a:p>
+          <a:p>
+            <a:pPr lvl="1" eaLnBrk="1" hangingPunct="1">
+              <a:lnSpc>
+                <a:spcPct val="90000"/>
+              </a:lnSpc>
+              <a:defRPr/>
+            </a:pPr>
+            <a:r>
+              <a:rPr lang="pt-BR" dirty="0" smtClean="0"/>
+              <a:t>Comportamento emergente: bandos, cardumes etc.</a:t>
+            </a:r>
+          </a:p>
+          <a:p>
+            <a:pPr lvl="1" eaLnBrk="1" hangingPunct="1">
+              <a:lnSpc>
+                <a:spcPct val="90000"/>
+              </a:lnSpc>
+              <a:defRPr/>
+            </a:pPr>
+            <a:r>
+              <a:rPr lang="pt-BR" dirty="0" smtClean="0"/>
+              <a:t>Rei Leão: estourada de animais foi feita assim</a:t>
+            </a:r>
+          </a:p>
+          <a:p>
+            <a:pPr eaLnBrk="1" hangingPunct="1">
+              <a:lnSpc>
+                <a:spcPct val="90000"/>
+              </a:lnSpc>
+              <a:defRPr/>
+            </a:pPr>
+            <a:r>
+              <a:rPr lang="pt-BR" sz="2400" dirty="0" smtClean="0"/>
+              <a:t>Sistema de partículas</a:t>
+            </a:r>
+          </a:p>
+          <a:p>
+            <a:pPr lvl="1">
+              <a:lnSpc>
+                <a:spcPct val="90000"/>
+              </a:lnSpc>
+              <a:defRPr/>
+            </a:pPr>
+            <a:r>
+              <a:rPr lang="pt-BR" dirty="0" smtClean="0"/>
+              <a:t>Usualmente comportamentos simples</a:t>
+            </a:r>
+          </a:p>
+          <a:p>
+            <a:pPr eaLnBrk="1" hangingPunct="1">
+              <a:lnSpc>
+                <a:spcPct val="90000"/>
+              </a:lnSpc>
+              <a:defRPr/>
+            </a:pPr>
+            <a:r>
+              <a:rPr lang="pt-BR" sz="2400" i="1" dirty="0" err="1" smtClean="0"/>
+              <a:t>Smart</a:t>
+            </a:r>
+            <a:r>
+              <a:rPr lang="pt-BR" sz="2400" i="1" dirty="0" smtClean="0"/>
+              <a:t> </a:t>
+            </a:r>
+            <a:r>
+              <a:rPr lang="pt-BR" sz="2400" i="1" dirty="0" err="1" smtClean="0"/>
+              <a:t>Objects</a:t>
+            </a:r>
+            <a:endParaRPr lang="pt-BR" sz="2400" i="1" dirty="0" smtClean="0"/>
+          </a:p>
+          <a:p>
+            <a:pPr lvl="1">
+              <a:lnSpc>
+                <a:spcPct val="90000"/>
+              </a:lnSpc>
+              <a:defRPr/>
+            </a:pPr>
+            <a:r>
+              <a:rPr lang="pt-BR" dirty="0" smtClean="0"/>
+              <a:t>Agentes autônomos (comportamentos sofisticados) </a:t>
+            </a:r>
+          </a:p>
+        </p:txBody>
+      </p:sp>
+    </p:spTree>
+    <p:extLst>
+      <p:ext uri="{BB962C8B-B14F-4D97-AF65-F5344CB8AC3E}">
+        <p14:creationId xmlns:p14="http://schemas.microsoft.com/office/powerpoint/2010/main" val="2317765130"/>
+      </p:ext>
+    </p:extLst>
+  </p:cSld>
+  <p:clrMapOvr>
+    <a:masterClrMapping/>
+  </p:clrMapOvr>
+  <p:timing>
+    <p:tnLst>
+      <p:par>
+        <p:cTn id="1" dur="indefinite" restart="never" nodeType="tmRoot"/>
+      </p:par>
+    </p:tnLst>
+  </p:timing>
+</p:sld>
+</file>
+
+<file path=ppt/slides/slide25.xml><?xml version="1.0" encoding="utf-8"?>
+<p:sld xmlns:a="http://schemas.openxmlformats.org/drawingml/2006/main" xmlns:r="http://schemas.openxmlformats.org/officeDocument/2006/relationships" xmlns:p="http://schemas.openxmlformats.org/presentationml/2006/main">
+  <p:cSld>
+    <p:spTree>
+      <p:nvGrpSpPr>
+        <p:cNvPr id="1" name=""/>
+        <p:cNvGrpSpPr/>
+        <p:nvPr/>
+      </p:nvGrpSpPr>
+      <p:grpSpPr>
+        <a:xfrm>
+          <a:off x="0" y="0"/>
+          <a:ext cx="0" cy="0"/>
+          <a:chOff x="0" y="0"/>
+          <a:chExt cx="0" cy="0"/>
+        </a:xfrm>
+      </p:grpSpPr>
+      <p:sp>
+        <p:nvSpPr>
+          <p:cNvPr id="44034" name="Rectangle 2"/>
+          <p:cNvSpPr>
+            <a:spLocks noGrp="1" noRot="1" noChangeArrowheads="1"/>
+          </p:cNvSpPr>
+          <p:nvPr>
+            <p:ph type="title"/>
+          </p:nvPr>
+        </p:nvSpPr>
+        <p:spPr/>
+        <p:txBody>
+          <a:bodyPr/>
+          <a:lstStyle/>
+          <a:p>
+            <a:pPr eaLnBrk="1" hangingPunct="1">
+              <a:defRPr/>
+            </a:pPr>
+            <a:r>
+              <a:rPr lang="pt-BR" dirty="0" smtClean="0"/>
+              <a:t>Baseada em </a:t>
+            </a:r>
+            <a:r>
+              <a:rPr lang="pt-BR" dirty="0" smtClean="0">
+                <a:solidFill>
+                  <a:srgbClr val="0070C0"/>
+                </a:solidFill>
+              </a:rPr>
+              <a:t>Performance</a:t>
+            </a:r>
+          </a:p>
+        </p:txBody>
+      </p:sp>
+      <p:sp>
+        <p:nvSpPr>
+          <p:cNvPr id="44035" name="Rectangle 3"/>
+          <p:cNvSpPr>
+            <a:spLocks noGrp="1" noChangeArrowheads="1"/>
+          </p:cNvSpPr>
+          <p:nvPr>
+            <p:ph type="body" idx="1"/>
+          </p:nvPr>
+        </p:nvSpPr>
+        <p:spPr/>
+        <p:txBody>
+          <a:bodyPr/>
+          <a:lstStyle/>
+          <a:p>
+            <a:pPr eaLnBrk="1" hangingPunct="1">
+              <a:defRPr/>
+            </a:pPr>
+            <a:r>
+              <a:rPr lang="pt-BR" sz="2400" dirty="0" smtClean="0"/>
+              <a:t>Grava animação de ações da vida real</a:t>
+            </a:r>
+          </a:p>
+          <a:p>
+            <a:pPr lvl="1" eaLnBrk="1" hangingPunct="1">
+              <a:defRPr/>
+            </a:pPr>
+            <a:r>
+              <a:rPr lang="pt-BR" sz="2200" dirty="0" smtClean="0"/>
+              <a:t>Usa vídeos reais e tira movimento de objetos</a:t>
+            </a:r>
+          </a:p>
+          <a:p>
+            <a:pPr lvl="1" eaLnBrk="1" hangingPunct="1">
+              <a:defRPr/>
+            </a:pPr>
+            <a:r>
+              <a:rPr lang="pt-BR" sz="2200" dirty="0" smtClean="0"/>
+              <a:t>Usa dispositivos que pegam posição/orientação</a:t>
+            </a:r>
+          </a:p>
+          <a:p>
+            <a:pPr eaLnBrk="1" hangingPunct="1">
+              <a:defRPr/>
+            </a:pPr>
+            <a:r>
+              <a:rPr lang="pt-BR" sz="2400" i="1" dirty="0" smtClean="0"/>
+              <a:t>Motion capture</a:t>
+            </a:r>
+            <a:endParaRPr lang="pt-BR" sz="2800" i="1" dirty="0" smtClean="0"/>
+          </a:p>
+          <a:p>
+            <a:pPr lvl="1" eaLnBrk="1" hangingPunct="1">
+              <a:defRPr/>
+            </a:pPr>
+            <a:r>
+              <a:rPr lang="pt-BR" sz="2200" dirty="0" smtClean="0"/>
+              <a:t>Acompanha movimento de pontos no espaço, por meio magnético, ótico, </a:t>
+            </a:r>
+            <a:r>
+              <a:rPr lang="pt-BR" sz="2200" dirty="0" err="1" smtClean="0"/>
+              <a:t>etc</a:t>
+            </a:r>
+            <a:r>
+              <a:rPr lang="pt-BR" sz="2200" dirty="0" smtClean="0"/>
+              <a:t> (</a:t>
+            </a:r>
+            <a:r>
+              <a:rPr lang="pt-BR" sz="2200" dirty="0" err="1" smtClean="0"/>
+              <a:t>exo-esqueletos</a:t>
+            </a:r>
+            <a:r>
+              <a:rPr lang="pt-BR" sz="2200" dirty="0" smtClean="0"/>
+              <a:t>, face ou rosto)</a:t>
+            </a:r>
+          </a:p>
+          <a:p>
+            <a:pPr lvl="1" eaLnBrk="1" hangingPunct="1">
+              <a:defRPr/>
+            </a:pPr>
+            <a:r>
+              <a:rPr lang="pt-BR" sz="2200" dirty="0" smtClean="0"/>
+              <a:t>Converte para espaço ângulo-juntas</a:t>
+            </a:r>
+          </a:p>
+          <a:p>
+            <a:pPr lvl="1" eaLnBrk="1" hangingPunct="1">
+              <a:defRPr/>
+            </a:pPr>
+            <a:r>
+              <a:rPr lang="pt-BR" sz="2200" dirty="0" smtClean="0"/>
+              <a:t>Usa ângulos para derivar modelo 3D articulado</a:t>
+            </a:r>
+          </a:p>
+          <a:p>
+            <a:pPr lvl="1" eaLnBrk="1" hangingPunct="1">
+              <a:defRPr/>
+            </a:pPr>
+            <a:r>
+              <a:rPr lang="pt-BR" sz="2200" dirty="0" smtClean="0"/>
+              <a:t>Caminhos do movimento podem ser modificados</a:t>
+            </a:r>
+          </a:p>
+        </p:txBody>
+      </p:sp>
+    </p:spTree>
+    <p:extLst>
+      <p:ext uri="{BB962C8B-B14F-4D97-AF65-F5344CB8AC3E}">
+        <p14:creationId xmlns:p14="http://schemas.microsoft.com/office/powerpoint/2010/main" val="3891102901"/>
+      </p:ext>
+    </p:extLst>
+  </p:cSld>
+  <p:clrMapOvr>
+    <a:masterClrMapping/>
+  </p:clrMapOvr>
+  <p:timing>
+    <p:tnLst>
+      <p:par>
+        <p:cTn id="1" dur="indefinite" restart="never" nodeType="tmRoot"/>
+      </p:par>
+    </p:tnLst>
+  </p:timing>
+</p:sld>
+</file>
+
+<file path=ppt/slides/slide26.xml><?xml version="1.0" encoding="utf-8"?>
+<p:sld xmlns:a="http://schemas.openxmlformats.org/drawingml/2006/main" xmlns:r="http://schemas.openxmlformats.org/officeDocument/2006/relationships" xmlns:p="http://schemas.openxmlformats.org/presentationml/2006/main">
+  <p:cSld>
+    <p:spTree>
+      <p:nvGrpSpPr>
+        <p:cNvPr id="1" name=""/>
+        <p:cNvGrpSpPr/>
+        <p:nvPr/>
+      </p:nvGrpSpPr>
+      <p:grpSpPr>
+        <a:xfrm>
+          <a:off x="0" y="0"/>
+          <a:ext cx="0" cy="0"/>
+          <a:chOff x="0" y="0"/>
+          <a:chExt cx="0" cy="0"/>
+        </a:xfrm>
+      </p:grpSpPr>
+      <p:sp>
+        <p:nvSpPr>
           <p:cNvPr id="46082" name="Rectangle 2"/>
           <p:cNvSpPr>
             <a:spLocks noGrp="1" noRot="1" noChangeArrowheads="1"/>
@@ -11693,13 +12182,8 @@
             </a:pPr>
             <a:r>
               <a:rPr lang="pt-BR" dirty="0" smtClean="0"/>
-              <a:t>Descreve suas </a:t>
-            </a:r>
-            <a:r>
-              <a:rPr lang="pt-BR" dirty="0" smtClean="0"/>
-              <a:t>sequências</a:t>
-            </a:r>
-            <a:endParaRPr lang="pt-BR" dirty="0" smtClean="0"/>
+              <a:t>Descreve suas sequências</a:t>
+            </a:r>
           </a:p>
           <a:p>
             <a:pPr eaLnBrk="1" hangingPunct="1">
@@ -11735,17 +12219,8 @@
             </a:pPr>
             <a:r>
               <a:rPr lang="pt-BR" sz="2400" dirty="0" smtClean="0"/>
-              <a:t>Juntar </a:t>
-            </a:r>
-            <a:r>
-              <a:rPr lang="pt-BR" sz="2400" dirty="0" smtClean="0"/>
-              <a:t>IA com animação </a:t>
-            </a:r>
-            <a:r>
-              <a:rPr lang="pt-BR" sz="2400" dirty="0" smtClean="0"/>
-              <a:t>comportamental</a:t>
-            </a:r>
-            <a:endParaRPr lang="pt-BR" sz="2400" dirty="0" smtClean="0"/>
+              <a:t>Juntar IA com animação comportamental</a:t>
+            </a:r>
           </a:p>
         </p:txBody>
       </p:sp>
@@ -11769,7 +12244,2332 @@
 </p:sld>
 </file>
 
+<file path=ppt/slides/slide27.xml><?xml version="1.0" encoding="utf-8"?>
+<p:sld xmlns:a="http://schemas.openxmlformats.org/drawingml/2006/main" xmlns:r="http://schemas.openxmlformats.org/officeDocument/2006/relationships" xmlns:p="http://schemas.openxmlformats.org/presentationml/2006/main">
+  <p:cSld>
+    <p:spTree>
+      <p:nvGrpSpPr>
+        <p:cNvPr id="1" name=""/>
+        <p:cNvGrpSpPr/>
+        <p:nvPr/>
+      </p:nvGrpSpPr>
+      <p:grpSpPr>
+        <a:xfrm>
+          <a:off x="0" y="0"/>
+          <a:ext cx="0" cy="0"/>
+          <a:chOff x="0" y="0"/>
+          <a:chExt cx="0" cy="0"/>
+        </a:xfrm>
+      </p:grpSpPr>
+      <p:sp>
+        <p:nvSpPr>
+          <p:cNvPr id="4" name="Título 3"/>
+          <p:cNvSpPr>
+            <a:spLocks noGrp="1"/>
+          </p:cNvSpPr>
+          <p:nvPr>
+            <p:ph type="title"/>
+          </p:nvPr>
+        </p:nvSpPr>
+        <p:spPr/>
+        <p:txBody>
+          <a:bodyPr/>
+          <a:lstStyle/>
+          <a:p>
+            <a:r>
+              <a:rPr lang="pt-BR" dirty="0" smtClean="0"/>
+              <a:t>Técnicas de Animação</a:t>
+            </a:r>
+            <a:endParaRPr lang="pt-BR" dirty="0"/>
+          </a:p>
+        </p:txBody>
+      </p:sp>
+      <p:sp>
+        <p:nvSpPr>
+          <p:cNvPr id="5" name="Espaço Reservado para Texto 4"/>
+          <p:cNvSpPr>
+            <a:spLocks noGrp="1"/>
+          </p:cNvSpPr>
+          <p:nvPr>
+            <p:ph type="body" idx="1"/>
+          </p:nvPr>
+        </p:nvSpPr>
+        <p:spPr/>
+        <p:txBody>
+          <a:bodyPr/>
+          <a:lstStyle/>
+          <a:p>
+            <a:endParaRPr lang="pt-BR" dirty="0"/>
+          </a:p>
+        </p:txBody>
+      </p:sp>
+    </p:spTree>
+    <p:extLst>
+      <p:ext uri="{BB962C8B-B14F-4D97-AF65-F5344CB8AC3E}">
+        <p14:creationId xmlns:p14="http://schemas.microsoft.com/office/powerpoint/2010/main" val="1199425444"/>
+      </p:ext>
+    </p:extLst>
+  </p:cSld>
+  <p:clrMapOvr>
+    <a:masterClrMapping/>
+  </p:clrMapOvr>
+</p:sld>
+</file>
+
+<file path=ppt/slides/slide28.xml><?xml version="1.0" encoding="utf-8"?>
+<p:sld xmlns:a="http://schemas.openxmlformats.org/drawingml/2006/main" xmlns:r="http://schemas.openxmlformats.org/officeDocument/2006/relationships" xmlns:p="http://schemas.openxmlformats.org/presentationml/2006/main">
+  <p:cSld>
+    <p:spTree>
+      <p:nvGrpSpPr>
+        <p:cNvPr id="1" name=""/>
+        <p:cNvGrpSpPr/>
+        <p:nvPr/>
+      </p:nvGrpSpPr>
+      <p:grpSpPr>
+        <a:xfrm>
+          <a:off x="0" y="0"/>
+          <a:ext cx="0" cy="0"/>
+          <a:chOff x="0" y="0"/>
+          <a:chExt cx="0" cy="0"/>
+        </a:xfrm>
+      </p:grpSpPr>
+      <p:sp>
+        <p:nvSpPr>
+          <p:cNvPr id="4" name="Título 3"/>
+          <p:cNvSpPr>
+            <a:spLocks noGrp="1"/>
+          </p:cNvSpPr>
+          <p:nvPr>
+            <p:ph type="title"/>
+          </p:nvPr>
+        </p:nvSpPr>
+        <p:spPr/>
+        <p:txBody>
+          <a:bodyPr/>
+          <a:lstStyle/>
+          <a:p>
+            <a:r>
+              <a:rPr lang="pt-BR" dirty="0" smtClean="0"/>
+              <a:t>Hierarquias e Articulações</a:t>
+            </a:r>
+            <a:endParaRPr lang="pt-BR" dirty="0"/>
+          </a:p>
+        </p:txBody>
+      </p:sp>
+      <p:sp>
+        <p:nvSpPr>
+          <p:cNvPr id="5" name="Espaço Reservado para Conteúdo 4"/>
+          <p:cNvSpPr>
+            <a:spLocks noGrp="1"/>
+          </p:cNvSpPr>
+          <p:nvPr>
+            <p:ph idx="1"/>
+          </p:nvPr>
+        </p:nvSpPr>
+        <p:spPr/>
+        <p:txBody>
+          <a:bodyPr/>
+          <a:lstStyle/>
+          <a:p>
+            <a:r>
+              <a:rPr lang="pt-BR" dirty="0" smtClean="0"/>
+              <a:t>Uso de ossos/articulações</a:t>
+            </a:r>
+          </a:p>
+          <a:p>
+            <a:pPr lvl="1"/>
+            <a:r>
+              <a:rPr lang="pt-BR" dirty="0" smtClean="0"/>
+              <a:t>Um número pequeno de “controladores de animação” controlam muitas transformações</a:t>
+            </a:r>
+          </a:p>
+          <a:p>
+            <a:pPr lvl="1"/>
+            <a:r>
+              <a:rPr lang="pt-BR" dirty="0" smtClean="0"/>
+              <a:t>Articulações se mantêm unidas</a:t>
+            </a:r>
+          </a:p>
+          <a:p>
+            <a:r>
+              <a:rPr lang="pt-BR" dirty="0" smtClean="0"/>
+              <a:t>Métodos</a:t>
+            </a:r>
+          </a:p>
+          <a:p>
+            <a:pPr lvl="1"/>
+            <a:r>
+              <a:rPr lang="pt-BR" dirty="0" smtClean="0"/>
+              <a:t>Cinemática tradicional (</a:t>
+            </a:r>
+            <a:r>
+              <a:rPr lang="pt-BR" i="1" dirty="0" err="1" smtClean="0"/>
+              <a:t>forward</a:t>
+            </a:r>
+            <a:r>
+              <a:rPr lang="pt-BR" i="1" dirty="0" smtClean="0"/>
+              <a:t> </a:t>
+            </a:r>
+            <a:r>
+              <a:rPr lang="pt-BR" i="1" dirty="0" err="1" smtClean="0"/>
+              <a:t>kinematics</a:t>
+            </a:r>
+            <a:r>
+              <a:rPr lang="pt-BR" dirty="0" smtClean="0"/>
+              <a:t>)</a:t>
+            </a:r>
+          </a:p>
+          <a:p>
+            <a:pPr lvl="1"/>
+            <a:r>
+              <a:rPr lang="pt-BR" dirty="0" smtClean="0"/>
+              <a:t>Cinemática inversa (</a:t>
+            </a:r>
+            <a:r>
+              <a:rPr lang="pt-BR" i="1" dirty="0" err="1" smtClean="0"/>
+              <a:t>inverse</a:t>
+            </a:r>
+            <a:r>
+              <a:rPr lang="pt-BR" i="1" dirty="0" smtClean="0"/>
+              <a:t> </a:t>
+            </a:r>
+            <a:r>
+              <a:rPr lang="pt-BR" i="1" dirty="0" err="1" smtClean="0"/>
+              <a:t>kinematics</a:t>
+            </a:r>
+            <a:r>
+              <a:rPr lang="pt-BR" dirty="0" smtClean="0"/>
+              <a:t>)</a:t>
+            </a:r>
+            <a:endParaRPr lang="pt-BR" dirty="0"/>
+          </a:p>
+        </p:txBody>
+      </p:sp>
+    </p:spTree>
+    <p:extLst>
+      <p:ext uri="{BB962C8B-B14F-4D97-AF65-F5344CB8AC3E}">
+        <p14:creationId xmlns:p14="http://schemas.microsoft.com/office/powerpoint/2010/main" val="3038327869"/>
+      </p:ext>
+    </p:extLst>
+  </p:cSld>
+  <p:clrMapOvr>
+    <a:masterClrMapping/>
+  </p:clrMapOvr>
+</p:sld>
+</file>
+
+<file path=ppt/slides/slide29.xml><?xml version="1.0" encoding="utf-8"?>
+<p:sld xmlns:a="http://schemas.openxmlformats.org/drawingml/2006/main" xmlns:r="http://schemas.openxmlformats.org/officeDocument/2006/relationships" xmlns:p="http://schemas.openxmlformats.org/presentationml/2006/main">
+  <p:cSld>
+    <p:spTree>
+      <p:nvGrpSpPr>
+        <p:cNvPr id="1" name=""/>
+        <p:cNvGrpSpPr/>
+        <p:nvPr/>
+      </p:nvGrpSpPr>
+      <p:grpSpPr>
+        <a:xfrm>
+          <a:off x="0" y="0"/>
+          <a:ext cx="0" cy="0"/>
+          <a:chOff x="0" y="0"/>
+          <a:chExt cx="0" cy="0"/>
+        </a:xfrm>
+      </p:grpSpPr>
+      <p:sp>
+        <p:nvSpPr>
+          <p:cNvPr id="2" name="Título 1"/>
+          <p:cNvSpPr>
+            <a:spLocks noGrp="1"/>
+          </p:cNvSpPr>
+          <p:nvPr>
+            <p:ph type="title"/>
+          </p:nvPr>
+        </p:nvSpPr>
+        <p:spPr/>
+        <p:txBody>
+          <a:bodyPr/>
+          <a:lstStyle/>
+          <a:p>
+            <a:r>
+              <a:rPr lang="pt-BR" dirty="0" smtClean="0"/>
+              <a:t>Exemplo de hierarquia</a:t>
+            </a:r>
+            <a:endParaRPr lang="pt-BR" dirty="0"/>
+          </a:p>
+        </p:txBody>
+      </p:sp>
+      <p:sp>
+        <p:nvSpPr>
+          <p:cNvPr id="3" name="Espaço Reservado para Conteúdo 2"/>
+          <p:cNvSpPr>
+            <a:spLocks noGrp="1"/>
+          </p:cNvSpPr>
+          <p:nvPr>
+            <p:ph idx="1"/>
+          </p:nvPr>
+        </p:nvSpPr>
+        <p:spPr/>
+        <p:txBody>
+          <a:bodyPr/>
+          <a:lstStyle/>
+          <a:p>
+            <a:r>
+              <a:rPr lang="pt-BR" dirty="0" smtClean="0"/>
+              <a:t>Articulações de um </a:t>
+            </a:r>
+            <a:r>
+              <a:rPr lang="pt-BR" dirty="0" err="1" smtClean="0"/>
+              <a:t>humanóide</a:t>
+            </a:r>
+            <a:r>
+              <a:rPr lang="pt-BR" dirty="0" smtClean="0"/>
+              <a:t>:</a:t>
+            </a:r>
+            <a:endParaRPr lang="pt-BR" dirty="0"/>
+          </a:p>
+        </p:txBody>
+      </p:sp>
+      <p:pic>
+        <p:nvPicPr>
+          <p:cNvPr id="5122" name="Picture 2" descr="http://graphics.ucsd.edu/courses/cse169_w05/2-Skeleton_files/image020.gif"/>
+          <p:cNvPicPr>
+            <a:picLocks noChangeAspect="1" noChangeArrowheads="1"/>
+          </p:cNvPicPr>
+          <p:nvPr/>
+        </p:nvPicPr>
+        <p:blipFill>
+          <a:blip r:embed="rId2">
+            <a:extLst>
+              <a:ext uri="{28A0092B-C50C-407E-A947-70E740481C1C}">
+                <a14:useLocalDpi xmlns:a14="http://schemas.microsoft.com/office/drawing/2010/main" val="0"/>
+              </a:ext>
+            </a:extLst>
+          </a:blip>
+          <a:srcRect/>
+          <a:stretch>
+            <a:fillRect/>
+          </a:stretch>
+        </p:blipFill>
+        <p:spPr bwMode="auto">
+          <a:xfrm>
+            <a:off x="1547664" y="3278510"/>
+            <a:ext cx="1057275" cy="2219326"/>
+          </a:xfrm>
+          <a:prstGeom prst="rect">
+            <a:avLst/>
+          </a:prstGeom>
+          <a:noFill/>
+          <a:extLst>
+            <a:ext uri="{909E8E84-426E-40DD-AFC4-6F175D3DCCD1}">
+              <a14:hiddenFill xmlns:a14="http://schemas.microsoft.com/office/drawing/2010/main">
+                <a:solidFill>
+                  <a:srgbClr val="FFFFFF"/>
+                </a:solidFill>
+              </a14:hiddenFill>
+            </a:ext>
+          </a:extLst>
+        </p:spPr>
+      </p:pic>
+      <p:pic>
+        <p:nvPicPr>
+          <p:cNvPr id="5124" name="Picture 4" descr="http://graphics.ucsd.edu/courses/cse169_w05/2-Skeleton_files/image022.gif"/>
+          <p:cNvPicPr>
+            <a:picLocks noChangeAspect="1" noChangeArrowheads="1"/>
+          </p:cNvPicPr>
+          <p:nvPr/>
+        </p:nvPicPr>
+        <p:blipFill>
+          <a:blip r:embed="rId3">
+            <a:extLst>
+              <a:ext uri="{28A0092B-C50C-407E-A947-70E740481C1C}">
+                <a14:useLocalDpi xmlns:a14="http://schemas.microsoft.com/office/drawing/2010/main" val="0"/>
+              </a:ext>
+            </a:extLst>
+          </a:blip>
+          <a:srcRect/>
+          <a:stretch>
+            <a:fillRect/>
+          </a:stretch>
+        </p:blipFill>
+        <p:spPr bwMode="auto">
+          <a:xfrm>
+            <a:off x="3635896" y="3068960"/>
+            <a:ext cx="4105275" cy="2638426"/>
+          </a:xfrm>
+          <a:prstGeom prst="rect">
+            <a:avLst/>
+          </a:prstGeom>
+          <a:noFill/>
+          <a:extLst>
+            <a:ext uri="{909E8E84-426E-40DD-AFC4-6F175D3DCCD1}">
+              <a14:hiddenFill xmlns:a14="http://schemas.microsoft.com/office/drawing/2010/main">
+                <a:solidFill>
+                  <a:srgbClr val="FFFFFF"/>
+                </a:solidFill>
+              </a14:hiddenFill>
+            </a:ext>
+          </a:extLst>
+        </p:spPr>
+      </p:pic>
+    </p:spTree>
+    <p:extLst>
+      <p:ext uri="{BB962C8B-B14F-4D97-AF65-F5344CB8AC3E}">
+        <p14:creationId xmlns:p14="http://schemas.microsoft.com/office/powerpoint/2010/main" val="3255845036"/>
+      </p:ext>
+    </p:extLst>
+  </p:cSld>
+  <p:clrMapOvr>
+    <a:masterClrMapping/>
+  </p:clrMapOvr>
+</p:sld>
+</file>
+
 <file path=ppt/slides/slide3.xml><?xml version="1.0" encoding="utf-8"?>
+<p:sld xmlns:a="http://schemas.openxmlformats.org/drawingml/2006/main" xmlns:r="http://schemas.openxmlformats.org/officeDocument/2006/relationships" xmlns:p="http://schemas.openxmlformats.org/presentationml/2006/main">
+  <p:cSld>
+    <p:spTree>
+      <p:nvGrpSpPr>
+        <p:cNvPr id="1" name=""/>
+        <p:cNvGrpSpPr/>
+        <p:nvPr/>
+      </p:nvGrpSpPr>
+      <p:grpSpPr>
+        <a:xfrm>
+          <a:off x="0" y="0"/>
+          <a:ext cx="0" cy="0"/>
+          <a:chOff x="0" y="0"/>
+          <a:chExt cx="0" cy="0"/>
+        </a:xfrm>
+      </p:grpSpPr>
+      <p:sp>
+        <p:nvSpPr>
+          <p:cNvPr id="4" name="Título 3"/>
+          <p:cNvSpPr>
+            <a:spLocks noGrp="1"/>
+          </p:cNvSpPr>
+          <p:nvPr>
+            <p:ph type="title"/>
+          </p:nvPr>
+        </p:nvSpPr>
+        <p:spPr/>
+        <p:txBody>
+          <a:bodyPr/>
+          <a:lstStyle/>
+          <a:p>
+            <a:r>
+              <a:rPr lang="pt-BR" dirty="0" smtClean="0"/>
+              <a:t>Princípios da Animação</a:t>
+            </a:r>
+            <a:endParaRPr lang="pt-BR" dirty="0"/>
+          </a:p>
+        </p:txBody>
+      </p:sp>
+      <p:sp>
+        <p:nvSpPr>
+          <p:cNvPr id="5" name="Espaço Reservado para Texto 4"/>
+          <p:cNvSpPr>
+            <a:spLocks noGrp="1"/>
+          </p:cNvSpPr>
+          <p:nvPr>
+            <p:ph type="body" idx="1"/>
+          </p:nvPr>
+        </p:nvSpPr>
+        <p:spPr/>
+        <p:txBody>
+          <a:bodyPr/>
+          <a:lstStyle/>
+          <a:p>
+            <a:endParaRPr lang="pt-BR"/>
+          </a:p>
+        </p:txBody>
+      </p:sp>
+    </p:spTree>
+    <p:extLst>
+      <p:ext uri="{BB962C8B-B14F-4D97-AF65-F5344CB8AC3E}">
+        <p14:creationId xmlns:p14="http://schemas.microsoft.com/office/powerpoint/2010/main" val="2992118986"/>
+      </p:ext>
+    </p:extLst>
+  </p:cSld>
+  <p:clrMapOvr>
+    <a:masterClrMapping/>
+  </p:clrMapOvr>
+</p:sld>
+</file>
+
+<file path=ppt/slides/slide30.xml><?xml version="1.0" encoding="utf-8"?>
+<p:sld xmlns:a="http://schemas.openxmlformats.org/drawingml/2006/main" xmlns:r="http://schemas.openxmlformats.org/officeDocument/2006/relationships" xmlns:p="http://schemas.openxmlformats.org/presentationml/2006/main">
+  <p:cSld>
+    <p:spTree>
+      <p:nvGrpSpPr>
+        <p:cNvPr id="1" name=""/>
+        <p:cNvGrpSpPr/>
+        <p:nvPr/>
+      </p:nvGrpSpPr>
+      <p:grpSpPr>
+        <a:xfrm>
+          <a:off x="0" y="0"/>
+          <a:ext cx="0" cy="0"/>
+          <a:chOff x="0" y="0"/>
+          <a:chExt cx="0" cy="0"/>
+        </a:xfrm>
+      </p:grpSpPr>
+      <p:sp>
+        <p:nvSpPr>
+          <p:cNvPr id="2" name="Título 1"/>
+          <p:cNvSpPr>
+            <a:spLocks noGrp="1"/>
+          </p:cNvSpPr>
+          <p:nvPr>
+            <p:ph type="title"/>
+          </p:nvPr>
+        </p:nvSpPr>
+        <p:spPr/>
+        <p:txBody>
+          <a:bodyPr/>
+          <a:lstStyle/>
+          <a:p>
+            <a:r>
+              <a:rPr lang="pt-BR" dirty="0" smtClean="0"/>
+              <a:t>As cinemáticas</a:t>
+            </a:r>
+            <a:endParaRPr lang="pt-BR" dirty="0"/>
+          </a:p>
+        </p:txBody>
+      </p:sp>
+      <p:sp>
+        <p:nvSpPr>
+          <p:cNvPr id="3" name="Espaço Reservado para Conteúdo 2"/>
+          <p:cNvSpPr>
+            <a:spLocks noGrp="1"/>
+          </p:cNvSpPr>
+          <p:nvPr>
+            <p:ph idx="1"/>
+          </p:nvPr>
+        </p:nvSpPr>
+        <p:spPr>
+          <a:xfrm>
+            <a:off x="457200" y="1600200"/>
+            <a:ext cx="3826768" cy="4800600"/>
+          </a:xfrm>
+        </p:spPr>
+        <p:txBody>
+          <a:bodyPr/>
+          <a:lstStyle/>
+          <a:p>
+            <a:r>
+              <a:rPr lang="pt-BR" dirty="0" smtClean="0"/>
+              <a:t>Tradicional</a:t>
+            </a:r>
+          </a:p>
+          <a:p>
+            <a:pPr lvl="1"/>
+            <a:r>
+              <a:rPr lang="pt-BR" b="1" dirty="0" smtClean="0"/>
+              <a:t>Eu sei </a:t>
+            </a:r>
+            <a:r>
+              <a:rPr lang="pt-BR" dirty="0" smtClean="0"/>
+              <a:t>qual é a posição/velocidade de um objeto</a:t>
+            </a:r>
+          </a:p>
+          <a:p>
+            <a:pPr lvl="1"/>
+            <a:r>
+              <a:rPr lang="pt-BR" b="1" dirty="0" smtClean="0"/>
+              <a:t>Quero saber </a:t>
+            </a:r>
+            <a:r>
+              <a:rPr lang="pt-BR" dirty="0" smtClean="0"/>
+              <a:t>qual a posição/velocidade final</a:t>
+            </a:r>
+            <a:endParaRPr lang="pt-BR" dirty="0"/>
+          </a:p>
+        </p:txBody>
+      </p:sp>
+      <p:sp>
+        <p:nvSpPr>
+          <p:cNvPr id="4" name="Espaço Reservado para Conteúdo 2"/>
+          <p:cNvSpPr txBox="1">
+            <a:spLocks/>
+          </p:cNvSpPr>
+          <p:nvPr/>
+        </p:nvSpPr>
+        <p:spPr>
+          <a:xfrm>
+            <a:off x="4436368" y="1556792"/>
+            <a:ext cx="3826768" cy="4800600"/>
+          </a:xfrm>
+          <a:prstGeom prst="rect">
+            <a:avLst/>
+          </a:prstGeom>
+        </p:spPr>
+        <p:txBody>
+          <a:bodyPr vert="horz" lIns="91440" tIns="45720" rIns="91440" bIns="45720" rtlCol="0">
+            <a:normAutofit/>
+          </a:bodyPr>
+          <a:lstStyle>
+            <a:lvl1pPr marL="342900" indent="-228600" algn="l" defTabSz="914400" rtl="0" eaLnBrk="1" latinLnBrk="0" hangingPunct="1">
+              <a:spcBef>
+                <a:spcPct val="20000"/>
+              </a:spcBef>
+              <a:buClr>
+                <a:schemeClr val="accent1"/>
+              </a:buClr>
+              <a:buFont typeface="Arial" pitchFamily="34" charset="0"/>
+              <a:buChar char="•"/>
+              <a:defRPr sz="2200" kern="1200">
+                <a:solidFill>
+                  <a:schemeClr val="tx1"/>
+                </a:solidFill>
+                <a:latin typeface="+mn-lt"/>
+                <a:ea typeface="+mn-ea"/>
+                <a:cs typeface="+mn-cs"/>
+              </a:defRPr>
+            </a:lvl1pPr>
+            <a:lvl2pPr marL="640080" indent="-228600" algn="l" defTabSz="914400" rtl="0" eaLnBrk="1" latinLnBrk="0" hangingPunct="1">
+              <a:spcBef>
+                <a:spcPct val="20000"/>
+              </a:spcBef>
+              <a:buClr>
+                <a:schemeClr val="accent2"/>
+              </a:buClr>
+              <a:buFont typeface="Arial" pitchFamily="34" charset="0"/>
+              <a:buChar char="•"/>
+              <a:defRPr sz="2000" kern="1200">
+                <a:solidFill>
+                  <a:schemeClr val="tx1"/>
+                </a:solidFill>
+                <a:latin typeface="+mn-lt"/>
+                <a:ea typeface="+mn-ea"/>
+                <a:cs typeface="+mn-cs"/>
+              </a:defRPr>
+            </a:lvl2pPr>
+            <a:lvl3pPr marL="1005840" indent="-228600" algn="l" defTabSz="914400" rtl="0" eaLnBrk="1" latinLnBrk="0" hangingPunct="1">
+              <a:spcBef>
+                <a:spcPct val="20000"/>
+              </a:spcBef>
+              <a:buClr>
+                <a:schemeClr val="accent3"/>
+              </a:buClr>
+              <a:buFont typeface="Arial" pitchFamily="34" charset="0"/>
+              <a:buChar char="•"/>
+              <a:defRPr sz="1800" kern="1200">
+                <a:solidFill>
+                  <a:schemeClr val="tx1"/>
+                </a:solidFill>
+                <a:latin typeface="+mn-lt"/>
+                <a:ea typeface="+mn-ea"/>
+                <a:cs typeface="+mn-cs"/>
+              </a:defRPr>
+            </a:lvl3pPr>
+            <a:lvl4pPr marL="1280160" indent="-228600" algn="l" defTabSz="914400" rtl="0" eaLnBrk="1" latinLnBrk="0" hangingPunct="1">
+              <a:spcBef>
+                <a:spcPct val="20000"/>
+              </a:spcBef>
+              <a:buClr>
+                <a:schemeClr val="accent4"/>
+              </a:buClr>
+              <a:buFont typeface="Arial" pitchFamily="34" charset="0"/>
+              <a:buChar char="•"/>
+              <a:defRPr sz="1600" kern="1200">
+                <a:solidFill>
+                  <a:schemeClr val="tx1"/>
+                </a:solidFill>
+                <a:latin typeface="+mn-lt"/>
+                <a:ea typeface="+mn-ea"/>
+                <a:cs typeface="+mn-cs"/>
+              </a:defRPr>
+            </a:lvl4pPr>
+            <a:lvl5pPr marL="1554480" indent="-228600" algn="l" defTabSz="914400" rtl="0" eaLnBrk="1" latinLnBrk="0" hangingPunct="1">
+              <a:spcBef>
+                <a:spcPct val="20000"/>
+              </a:spcBef>
+              <a:buClr>
+                <a:schemeClr val="accent5"/>
+              </a:buClr>
+              <a:buFont typeface="Arial" pitchFamily="34" charset="0"/>
+              <a:buChar char="•"/>
+              <a:defRPr sz="1400" kern="1200" baseline="0">
+                <a:solidFill>
+                  <a:schemeClr val="tx1"/>
+                </a:solidFill>
+                <a:latin typeface="+mn-lt"/>
+                <a:ea typeface="+mn-ea"/>
+                <a:cs typeface="+mn-cs"/>
+              </a:defRPr>
+            </a:lvl5pPr>
+            <a:lvl6pPr marL="1737360" indent="-182880" algn="l" defTabSz="914400" rtl="0" eaLnBrk="1" latinLnBrk="0" hangingPunct="1">
+              <a:spcBef>
+                <a:spcPct val="20000"/>
+              </a:spcBef>
+              <a:buClr>
+                <a:schemeClr val="accent1"/>
+              </a:buClr>
+              <a:buFont typeface="Arial" pitchFamily="34" charset="0"/>
+              <a:buChar char="•"/>
+              <a:defRPr sz="1400" kern="1200" baseline="0">
+                <a:solidFill>
+                  <a:schemeClr val="tx1"/>
+                </a:solidFill>
+                <a:latin typeface="+mn-lt"/>
+                <a:ea typeface="+mn-ea"/>
+                <a:cs typeface="+mn-cs"/>
+              </a:defRPr>
+            </a:lvl6pPr>
+            <a:lvl7pPr marL="1920240" indent="-182880" algn="l" defTabSz="914400" rtl="0" eaLnBrk="1" latinLnBrk="0" hangingPunct="1">
+              <a:spcBef>
+                <a:spcPct val="20000"/>
+              </a:spcBef>
+              <a:buClr>
+                <a:schemeClr val="accent2"/>
+              </a:buClr>
+              <a:buFont typeface="Arial" pitchFamily="34" charset="0"/>
+              <a:buChar char="•"/>
+              <a:defRPr sz="1400" kern="1200">
+                <a:solidFill>
+                  <a:schemeClr val="tx1"/>
+                </a:solidFill>
+                <a:latin typeface="+mn-lt"/>
+                <a:ea typeface="+mn-ea"/>
+                <a:cs typeface="+mn-cs"/>
+              </a:defRPr>
+            </a:lvl7pPr>
+            <a:lvl8pPr marL="2103120" indent="-182880" algn="l" defTabSz="914400" rtl="0" eaLnBrk="1" latinLnBrk="0" hangingPunct="1">
+              <a:spcBef>
+                <a:spcPct val="20000"/>
+              </a:spcBef>
+              <a:buClr>
+                <a:schemeClr val="accent3"/>
+              </a:buClr>
+              <a:buFont typeface="Arial" pitchFamily="34" charset="0"/>
+              <a:buChar char="•"/>
+              <a:defRPr sz="1400" kern="1200">
+                <a:solidFill>
+                  <a:schemeClr val="tx1"/>
+                </a:solidFill>
+                <a:latin typeface="+mn-lt"/>
+                <a:ea typeface="+mn-ea"/>
+                <a:cs typeface="+mn-cs"/>
+              </a:defRPr>
+            </a:lvl8pPr>
+            <a:lvl9pPr marL="2286000" indent="-182880" algn="l" defTabSz="914400" rtl="0" eaLnBrk="1" latinLnBrk="0" hangingPunct="1">
+              <a:spcBef>
+                <a:spcPct val="20000"/>
+              </a:spcBef>
+              <a:buClr>
+                <a:schemeClr val="accent4"/>
+              </a:buClr>
+              <a:buFont typeface="Arial" pitchFamily="34" charset="0"/>
+              <a:buChar char="•"/>
+              <a:defRPr sz="1400" kern="1200">
+                <a:solidFill>
+                  <a:schemeClr val="tx1"/>
+                </a:solidFill>
+                <a:latin typeface="+mn-lt"/>
+                <a:ea typeface="+mn-ea"/>
+                <a:cs typeface="+mn-cs"/>
+              </a:defRPr>
+            </a:lvl9pPr>
+          </a:lstStyle>
+          <a:p>
+            <a:r>
+              <a:rPr lang="pt-BR" dirty="0" smtClean="0"/>
+              <a:t>Inversa</a:t>
+            </a:r>
+          </a:p>
+          <a:p>
+            <a:pPr lvl="1"/>
+            <a:r>
+              <a:rPr lang="pt-BR" b="1" dirty="0" smtClean="0"/>
+              <a:t>Eu sei </a:t>
+            </a:r>
+            <a:r>
+              <a:rPr lang="pt-BR" dirty="0" smtClean="0"/>
+              <a:t>a posição/velocidade final que eu quero</a:t>
+            </a:r>
+          </a:p>
+          <a:p>
+            <a:pPr lvl="1"/>
+            <a:r>
+              <a:rPr lang="pt-BR" b="1" dirty="0" smtClean="0"/>
+              <a:t>Quero saber </a:t>
+            </a:r>
+            <a:r>
+              <a:rPr lang="pt-BR" dirty="0" smtClean="0"/>
+              <a:t>quais as posições/velocidades devo aplicar para chegar lá</a:t>
+            </a:r>
+            <a:endParaRPr lang="pt-BR" dirty="0"/>
+          </a:p>
+        </p:txBody>
+      </p:sp>
+      <p:pic>
+        <p:nvPicPr>
+          <p:cNvPr id="7170" name="Picture 2" descr="https://software.intel.com/sites/default/files/m/d/4/1/d/8/18143_skeleton_skinned.gif"/>
+          <p:cNvPicPr>
+            <a:picLocks noChangeAspect="1" noChangeArrowheads="1"/>
+          </p:cNvPicPr>
+          <p:nvPr/>
+        </p:nvPicPr>
+        <p:blipFill>
+          <a:blip r:embed="rId2">
+            <a:extLst>
+              <a:ext uri="{28A0092B-C50C-407E-A947-70E740481C1C}">
+                <a14:useLocalDpi xmlns:a14="http://schemas.microsoft.com/office/drawing/2010/main" val="0"/>
+              </a:ext>
+            </a:extLst>
+          </a:blip>
+          <a:srcRect/>
+          <a:stretch>
+            <a:fillRect/>
+          </a:stretch>
+        </p:blipFill>
+        <p:spPr bwMode="auto">
+          <a:xfrm>
+            <a:off x="5017604" y="4432061"/>
+            <a:ext cx="2664296" cy="1925331"/>
+          </a:xfrm>
+          <a:prstGeom prst="rect">
+            <a:avLst/>
+          </a:prstGeom>
+          <a:noFill/>
+          <a:extLst>
+            <a:ext uri="{909E8E84-426E-40DD-AFC4-6F175D3DCCD1}">
+              <a14:hiddenFill xmlns:a14="http://schemas.microsoft.com/office/drawing/2010/main">
+                <a:solidFill>
+                  <a:srgbClr val="FFFFFF"/>
+                </a:solidFill>
+              </a14:hiddenFill>
+            </a:ext>
+          </a:extLst>
+        </p:spPr>
+      </p:pic>
+      <p:pic>
+        <p:nvPicPr>
+          <p:cNvPr id="7172" name="Picture 4" descr="https://software.intel.com/sites/default/files/m/d/4/1/d/8/18139_skeleton_forward.gif"/>
+          <p:cNvPicPr>
+            <a:picLocks noChangeAspect="1" noChangeArrowheads="1"/>
+          </p:cNvPicPr>
+          <p:nvPr/>
+        </p:nvPicPr>
+        <p:blipFill>
+          <a:blip r:embed="rId3">
+            <a:extLst>
+              <a:ext uri="{28A0092B-C50C-407E-A947-70E740481C1C}">
+                <a14:useLocalDpi xmlns:a14="http://schemas.microsoft.com/office/drawing/2010/main" val="0"/>
+              </a:ext>
+            </a:extLst>
+          </a:blip>
+          <a:srcRect/>
+          <a:stretch>
+            <a:fillRect/>
+          </a:stretch>
+        </p:blipFill>
+        <p:spPr bwMode="auto">
+          <a:xfrm>
+            <a:off x="539552" y="4464999"/>
+            <a:ext cx="4040832" cy="1898429"/>
+          </a:xfrm>
+          <a:prstGeom prst="rect">
+            <a:avLst/>
+          </a:prstGeom>
+          <a:noFill/>
+          <a:extLst>
+            <a:ext uri="{909E8E84-426E-40DD-AFC4-6F175D3DCCD1}">
+              <a14:hiddenFill xmlns:a14="http://schemas.microsoft.com/office/drawing/2010/main">
+                <a:solidFill>
+                  <a:srgbClr val="FFFFFF"/>
+                </a:solidFill>
+              </a14:hiddenFill>
+            </a:ext>
+          </a:extLst>
+        </p:spPr>
+      </p:pic>
+    </p:spTree>
+    <p:extLst>
+      <p:ext uri="{BB962C8B-B14F-4D97-AF65-F5344CB8AC3E}">
+        <p14:creationId xmlns:p14="http://schemas.microsoft.com/office/powerpoint/2010/main" val="3107572018"/>
+      </p:ext>
+    </p:extLst>
+  </p:cSld>
+  <p:clrMapOvr>
+    <a:masterClrMapping/>
+  </p:clrMapOvr>
+</p:sld>
+</file>
+
+<file path=ppt/slides/slide31.xml><?xml version="1.0" encoding="utf-8"?>
+<p:sld xmlns:a="http://schemas.openxmlformats.org/drawingml/2006/main" xmlns:r="http://schemas.openxmlformats.org/officeDocument/2006/relationships" xmlns:p="http://schemas.openxmlformats.org/presentationml/2006/main">
+  <p:cSld>
+    <p:spTree>
+      <p:nvGrpSpPr>
+        <p:cNvPr id="1" name=""/>
+        <p:cNvGrpSpPr/>
+        <p:nvPr/>
+      </p:nvGrpSpPr>
+      <p:grpSpPr>
+        <a:xfrm>
+          <a:off x="0" y="0"/>
+          <a:ext cx="0" cy="0"/>
+          <a:chOff x="0" y="0"/>
+          <a:chExt cx="0" cy="0"/>
+        </a:xfrm>
+      </p:grpSpPr>
+      <p:sp>
+        <p:nvSpPr>
+          <p:cNvPr id="2" name="Título 1"/>
+          <p:cNvSpPr>
+            <a:spLocks noGrp="1"/>
+          </p:cNvSpPr>
+          <p:nvPr>
+            <p:ph type="title"/>
+          </p:nvPr>
+        </p:nvSpPr>
+        <p:spPr/>
+        <p:txBody>
+          <a:bodyPr/>
+          <a:lstStyle/>
+          <a:p>
+            <a:r>
+              <a:rPr lang="pt-BR" dirty="0" smtClean="0"/>
+              <a:t>Em </a:t>
+            </a:r>
+            <a:r>
+              <a:rPr lang="pt-BR" dirty="0" err="1" smtClean="0"/>
+              <a:t>OpenGL</a:t>
+            </a:r>
+            <a:endParaRPr lang="pt-BR" dirty="0"/>
+          </a:p>
+        </p:txBody>
+      </p:sp>
+      <p:sp>
+        <p:nvSpPr>
+          <p:cNvPr id="3" name="Espaço Reservado para Conteúdo 2"/>
+          <p:cNvSpPr>
+            <a:spLocks noGrp="1"/>
+          </p:cNvSpPr>
+          <p:nvPr>
+            <p:ph idx="1"/>
+          </p:nvPr>
+        </p:nvSpPr>
+        <p:spPr>
+          <a:xfrm>
+            <a:off x="457200" y="1600200"/>
+            <a:ext cx="7620000" cy="5257800"/>
+          </a:xfrm>
+        </p:spPr>
+        <p:txBody>
+          <a:bodyPr>
+            <a:normAutofit/>
+          </a:bodyPr>
+          <a:lstStyle/>
+          <a:p>
+            <a:pPr marL="114300" indent="0">
+              <a:buNone/>
+            </a:pPr>
+            <a:endParaRPr lang="pt-BR" dirty="0"/>
+          </a:p>
+          <a:p>
+            <a:pPr marL="114300" indent="0">
+              <a:buNone/>
+            </a:pPr>
+            <a:endParaRPr lang="pt-BR" dirty="0" smtClean="0"/>
+          </a:p>
+          <a:p>
+            <a:pPr marL="114300" indent="0">
+              <a:buNone/>
+            </a:pPr>
+            <a:endParaRPr lang="pt-BR" dirty="0"/>
+          </a:p>
+          <a:p>
+            <a:pPr marL="114300" indent="0">
+              <a:buNone/>
+            </a:pPr>
+            <a:endParaRPr lang="pt-BR" dirty="0" smtClean="0"/>
+          </a:p>
+          <a:p>
+            <a:pPr marL="114300" indent="0">
+              <a:buNone/>
+            </a:pPr>
+            <a:endParaRPr lang="pt-BR" dirty="0"/>
+          </a:p>
+          <a:p>
+            <a:pPr marL="114300" indent="0">
+              <a:buNone/>
+            </a:pPr>
+            <a:endParaRPr lang="pt-BR" dirty="0" smtClean="0"/>
+          </a:p>
+          <a:p>
+            <a:pPr marL="114300" indent="0">
+              <a:buNone/>
+            </a:pPr>
+            <a:endParaRPr lang="pt-BR" dirty="0"/>
+          </a:p>
+          <a:p>
+            <a:pPr marL="114300" indent="0">
+              <a:buNone/>
+            </a:pPr>
+            <a:endParaRPr lang="pt-BR" dirty="0" smtClean="0"/>
+          </a:p>
+          <a:p>
+            <a:pPr marL="114300" indent="0">
+              <a:buNone/>
+            </a:pPr>
+            <a:endParaRPr lang="pt-BR" dirty="0"/>
+          </a:p>
+          <a:p>
+            <a:r>
+              <a:rPr lang="pt-BR" dirty="0" smtClean="0"/>
+              <a:t>http://content.gpwiki.org/index.php/OpenGL:Tutorials:Basic_Bones_System</a:t>
+            </a:r>
+            <a:endParaRPr lang="pt-BR" dirty="0"/>
+          </a:p>
+        </p:txBody>
+      </p:sp>
+      <p:sp>
+        <p:nvSpPr>
+          <p:cNvPr id="13" name="Retângulo 12"/>
+          <p:cNvSpPr/>
+          <p:nvPr/>
+        </p:nvSpPr>
+        <p:spPr>
+          <a:xfrm>
+            <a:off x="482824" y="1916832"/>
+            <a:ext cx="7848872" cy="2851037"/>
+          </a:xfrm>
+          <a:prstGeom prst="rect">
+            <a:avLst/>
+          </a:prstGeom>
+        </p:spPr>
+        <p:txBody>
+          <a:bodyPr wrap="square">
+            <a:spAutoFit/>
+          </a:bodyPr>
+          <a:lstStyle/>
+          <a:p>
+            <a:pPr fontAlgn="t">
+              <a:lnSpc>
+                <a:spcPts val="1440"/>
+              </a:lnSpc>
+              <a:spcAft>
+                <a:spcPts val="0"/>
+              </a:spcAft>
+              <a:tabLst>
+                <a:tab pos="581660" algn="l"/>
+                <a:tab pos="1163320" algn="l"/>
+                <a:tab pos="1744980" algn="l"/>
+                <a:tab pos="2326640" algn="l"/>
+                <a:tab pos="2908300" algn="l"/>
+                <a:tab pos="3489960" algn="l"/>
+                <a:tab pos="4071620" algn="l"/>
+                <a:tab pos="4653280" algn="l"/>
+                <a:tab pos="5234940" algn="l"/>
+                <a:tab pos="5816600" algn="l"/>
+                <a:tab pos="6398260" algn="l"/>
+                <a:tab pos="6979920" algn="l"/>
+                <a:tab pos="7561580" algn="l"/>
+                <a:tab pos="8143240" algn="l"/>
+                <a:tab pos="8724900" algn="l"/>
+                <a:tab pos="9306560" algn="l"/>
+              </a:tabLst>
+            </a:pPr>
+            <a:r>
+              <a:rPr lang="en-US" dirty="0" err="1" smtClean="0">
+                <a:solidFill>
+                  <a:srgbClr val="993333"/>
+                </a:solidFill>
+                <a:latin typeface="Courier New"/>
+                <a:ea typeface="Times New Roman"/>
+                <a:cs typeface="Times New Roman"/>
+              </a:rPr>
+              <a:t>struct</a:t>
+            </a:r>
+            <a:r>
+              <a:rPr lang="en-US" dirty="0" smtClean="0">
+                <a:solidFill>
+                  <a:srgbClr val="000000"/>
+                </a:solidFill>
+                <a:latin typeface="Courier New"/>
+                <a:ea typeface="Times New Roman"/>
+                <a:cs typeface="Times New Roman"/>
+              </a:rPr>
+              <a:t> Bone {</a:t>
+            </a:r>
+            <a:endParaRPr lang="pt-BR" sz="2400" dirty="0">
+              <a:ea typeface="Calibri"/>
+              <a:cs typeface="Times New Roman"/>
+            </a:endParaRPr>
+          </a:p>
+          <a:p>
+            <a:pPr fontAlgn="t">
+              <a:lnSpc>
+                <a:spcPts val="1440"/>
+              </a:lnSpc>
+              <a:spcAft>
+                <a:spcPts val="0"/>
+              </a:spcAft>
+              <a:tabLst>
+                <a:tab pos="581660" algn="l"/>
+                <a:tab pos="1163320" algn="l"/>
+                <a:tab pos="1744980" algn="l"/>
+                <a:tab pos="2326640" algn="l"/>
+                <a:tab pos="2908300" algn="l"/>
+                <a:tab pos="3489960" algn="l"/>
+                <a:tab pos="4071620" algn="l"/>
+                <a:tab pos="4653280" algn="l"/>
+                <a:tab pos="5234940" algn="l"/>
+                <a:tab pos="5816600" algn="l"/>
+                <a:tab pos="6398260" algn="l"/>
+                <a:tab pos="6979920" algn="l"/>
+                <a:tab pos="7561580" algn="l"/>
+                <a:tab pos="8143240" algn="l"/>
+                <a:tab pos="8724900" algn="l"/>
+                <a:tab pos="9306560" algn="l"/>
+              </a:tabLst>
+            </a:pPr>
+            <a:r>
+              <a:rPr lang="en-US" dirty="0">
+                <a:solidFill>
+                  <a:srgbClr val="000000"/>
+                </a:solidFill>
+                <a:latin typeface="Courier New"/>
+                <a:ea typeface="Times New Roman"/>
+                <a:cs typeface="Times New Roman"/>
+              </a:rPr>
+              <a:t> </a:t>
+            </a:r>
+            <a:endParaRPr lang="pt-BR" sz="2400" dirty="0">
+              <a:ea typeface="Calibri"/>
+              <a:cs typeface="Times New Roman"/>
+            </a:endParaRPr>
+          </a:p>
+          <a:p>
+            <a:pPr fontAlgn="t">
+              <a:lnSpc>
+                <a:spcPts val="1440"/>
+              </a:lnSpc>
+              <a:spcAft>
+                <a:spcPts val="0"/>
+              </a:spcAft>
+              <a:tabLst>
+                <a:tab pos="581660" algn="l"/>
+                <a:tab pos="1163320" algn="l"/>
+                <a:tab pos="1744980" algn="l"/>
+                <a:tab pos="2326640" algn="l"/>
+                <a:tab pos="2908300" algn="l"/>
+                <a:tab pos="3489960" algn="l"/>
+                <a:tab pos="4071620" algn="l"/>
+                <a:tab pos="4653280" algn="l"/>
+                <a:tab pos="5234940" algn="l"/>
+                <a:tab pos="5816600" algn="l"/>
+                <a:tab pos="6398260" algn="l"/>
+                <a:tab pos="6979920" algn="l"/>
+                <a:tab pos="7561580" algn="l"/>
+                <a:tab pos="8143240" algn="l"/>
+                <a:tab pos="8724900" algn="l"/>
+                <a:tab pos="9306560" algn="l"/>
+              </a:tabLst>
+            </a:pPr>
+            <a:r>
+              <a:rPr lang="en-US" dirty="0">
+                <a:solidFill>
+                  <a:srgbClr val="000000"/>
+                </a:solidFill>
+                <a:latin typeface="Courier New"/>
+                <a:ea typeface="Times New Roman"/>
+                <a:cs typeface="Times New Roman"/>
+              </a:rPr>
+              <a:t> 	</a:t>
+            </a:r>
+            <a:r>
+              <a:rPr lang="en-US" dirty="0">
+                <a:solidFill>
+                  <a:srgbClr val="993333"/>
+                </a:solidFill>
+                <a:latin typeface="Courier New"/>
+                <a:ea typeface="Times New Roman"/>
+                <a:cs typeface="Times New Roman"/>
+              </a:rPr>
+              <a:t>char</a:t>
+            </a:r>
+            <a:r>
+              <a:rPr lang="en-US" dirty="0">
+                <a:solidFill>
+                  <a:srgbClr val="000000"/>
+                </a:solidFill>
+                <a:latin typeface="Courier New"/>
+                <a:ea typeface="Times New Roman"/>
+                <a:cs typeface="Times New Roman"/>
+              </a:rPr>
+              <a:t> name</a:t>
+            </a:r>
+            <a:r>
+              <a:rPr lang="en-US" dirty="0">
+                <a:solidFill>
+                  <a:srgbClr val="009900"/>
+                </a:solidFill>
+                <a:latin typeface="Courier New"/>
+                <a:ea typeface="Times New Roman"/>
+                <a:cs typeface="Times New Roman"/>
+              </a:rPr>
+              <a:t>[</a:t>
+            </a:r>
+            <a:r>
+              <a:rPr lang="en-US" dirty="0">
+                <a:solidFill>
+                  <a:srgbClr val="0000DD"/>
+                </a:solidFill>
+                <a:latin typeface="Courier New"/>
+                <a:ea typeface="Times New Roman"/>
+                <a:cs typeface="Times New Roman"/>
+              </a:rPr>
+              <a:t>20</a:t>
+            </a:r>
+            <a:r>
+              <a:rPr lang="en-US" dirty="0">
+                <a:solidFill>
+                  <a:srgbClr val="009900"/>
+                </a:solidFill>
+                <a:latin typeface="Courier New"/>
+                <a:ea typeface="Times New Roman"/>
+                <a:cs typeface="Times New Roman"/>
+              </a:rPr>
+              <a:t>]</a:t>
+            </a:r>
+            <a:r>
+              <a:rPr lang="en-US" dirty="0">
+                <a:solidFill>
+                  <a:srgbClr val="339933"/>
+                </a:solidFill>
+                <a:latin typeface="Courier New"/>
+                <a:ea typeface="Times New Roman"/>
+                <a:cs typeface="Times New Roman"/>
+              </a:rPr>
+              <a:t>;</a:t>
+            </a:r>
+            <a:r>
+              <a:rPr lang="en-US" dirty="0">
+                <a:solidFill>
+                  <a:srgbClr val="000000"/>
+                </a:solidFill>
+                <a:latin typeface="Courier New"/>
+                <a:ea typeface="Times New Roman"/>
+                <a:cs typeface="Times New Roman"/>
+              </a:rPr>
+              <a:t>				</a:t>
+            </a:r>
+            <a:endParaRPr lang="pt-BR" sz="2400" dirty="0">
+              <a:ea typeface="Calibri"/>
+              <a:cs typeface="Times New Roman"/>
+            </a:endParaRPr>
+          </a:p>
+          <a:p>
+            <a:pPr fontAlgn="t">
+              <a:lnSpc>
+                <a:spcPts val="1440"/>
+              </a:lnSpc>
+              <a:spcAft>
+                <a:spcPts val="0"/>
+              </a:spcAft>
+              <a:tabLst>
+                <a:tab pos="581660" algn="l"/>
+                <a:tab pos="1163320" algn="l"/>
+                <a:tab pos="1744980" algn="l"/>
+                <a:tab pos="2326640" algn="l"/>
+                <a:tab pos="2908300" algn="l"/>
+                <a:tab pos="3489960" algn="l"/>
+                <a:tab pos="4071620" algn="l"/>
+                <a:tab pos="4653280" algn="l"/>
+                <a:tab pos="5234940" algn="l"/>
+                <a:tab pos="5816600" algn="l"/>
+                <a:tab pos="6398260" algn="l"/>
+                <a:tab pos="6979920" algn="l"/>
+                <a:tab pos="7561580" algn="l"/>
+                <a:tab pos="8143240" algn="l"/>
+                <a:tab pos="8724900" algn="l"/>
+                <a:tab pos="9306560" algn="l"/>
+              </a:tabLst>
+            </a:pPr>
+            <a:r>
+              <a:rPr lang="en-US" dirty="0">
+                <a:solidFill>
+                  <a:srgbClr val="000000"/>
+                </a:solidFill>
+                <a:latin typeface="Courier New"/>
+                <a:ea typeface="Times New Roman"/>
+                <a:cs typeface="Times New Roman"/>
+              </a:rPr>
+              <a:t> 	</a:t>
+            </a:r>
+            <a:r>
+              <a:rPr lang="en-US" dirty="0">
+                <a:solidFill>
+                  <a:srgbClr val="993333"/>
+                </a:solidFill>
+                <a:latin typeface="Courier New"/>
+                <a:ea typeface="Times New Roman"/>
+                <a:cs typeface="Times New Roman"/>
+              </a:rPr>
+              <a:t>float</a:t>
+            </a:r>
+            <a:r>
+              <a:rPr lang="en-US" dirty="0">
+                <a:solidFill>
+                  <a:srgbClr val="000000"/>
+                </a:solidFill>
+                <a:latin typeface="Courier New"/>
+                <a:ea typeface="Times New Roman"/>
+                <a:cs typeface="Times New Roman"/>
+              </a:rPr>
+              <a:t> x</a:t>
+            </a:r>
+            <a:r>
+              <a:rPr lang="en-US" dirty="0">
+                <a:solidFill>
+                  <a:srgbClr val="339933"/>
+                </a:solidFill>
+                <a:latin typeface="Courier New"/>
+                <a:ea typeface="Times New Roman"/>
+                <a:cs typeface="Times New Roman"/>
+              </a:rPr>
+              <a:t>,</a:t>
+            </a:r>
+            <a:r>
+              <a:rPr lang="en-US" dirty="0">
+                <a:solidFill>
+                  <a:srgbClr val="000000"/>
+                </a:solidFill>
+                <a:latin typeface="Courier New"/>
+                <a:ea typeface="Times New Roman"/>
+                <a:cs typeface="Times New Roman"/>
+              </a:rPr>
+              <a:t>				</a:t>
+            </a:r>
+            <a:r>
+              <a:rPr lang="en-US" i="1" dirty="0">
+                <a:solidFill>
+                  <a:srgbClr val="808080"/>
+                </a:solidFill>
+                <a:latin typeface="Courier New"/>
+                <a:ea typeface="Times New Roman"/>
+                <a:cs typeface="Times New Roman"/>
+              </a:rPr>
+              <a:t>/* Starting point x */</a:t>
+            </a:r>
+            <a:endParaRPr lang="pt-BR" sz="2400" dirty="0">
+              <a:ea typeface="Calibri"/>
+              <a:cs typeface="Times New Roman"/>
+            </a:endParaRPr>
+          </a:p>
+          <a:p>
+            <a:pPr fontAlgn="t">
+              <a:lnSpc>
+                <a:spcPts val="1440"/>
+              </a:lnSpc>
+              <a:spcAft>
+                <a:spcPts val="0"/>
+              </a:spcAft>
+              <a:tabLst>
+                <a:tab pos="581660" algn="l"/>
+                <a:tab pos="1163320" algn="l"/>
+                <a:tab pos="1744980" algn="l"/>
+                <a:tab pos="2326640" algn="l"/>
+                <a:tab pos="2908300" algn="l"/>
+                <a:tab pos="3489960" algn="l"/>
+                <a:tab pos="4071620" algn="l"/>
+                <a:tab pos="4653280" algn="l"/>
+                <a:tab pos="5234940" algn="l"/>
+                <a:tab pos="5816600" algn="l"/>
+                <a:tab pos="6398260" algn="l"/>
+                <a:tab pos="6979920" algn="l"/>
+                <a:tab pos="7561580" algn="l"/>
+                <a:tab pos="8143240" algn="l"/>
+                <a:tab pos="8724900" algn="l"/>
+                <a:tab pos="9306560" algn="l"/>
+              </a:tabLst>
+            </a:pPr>
+            <a:r>
+              <a:rPr lang="en-US" dirty="0">
+                <a:solidFill>
+                  <a:srgbClr val="000000"/>
+                </a:solidFill>
+                <a:latin typeface="Courier New"/>
+                <a:ea typeface="Times New Roman"/>
+                <a:cs typeface="Times New Roman"/>
+              </a:rPr>
+              <a:t> 	      y</a:t>
+            </a:r>
+            <a:r>
+              <a:rPr lang="en-US" dirty="0">
+                <a:solidFill>
+                  <a:srgbClr val="339933"/>
+                </a:solidFill>
+                <a:latin typeface="Courier New"/>
+                <a:ea typeface="Times New Roman"/>
+                <a:cs typeface="Times New Roman"/>
+              </a:rPr>
+              <a:t>,</a:t>
+            </a:r>
+            <a:r>
+              <a:rPr lang="en-US" dirty="0">
+                <a:solidFill>
+                  <a:srgbClr val="000000"/>
+                </a:solidFill>
+                <a:latin typeface="Courier New"/>
+                <a:ea typeface="Times New Roman"/>
+                <a:cs typeface="Times New Roman"/>
+              </a:rPr>
+              <a:t>				</a:t>
+            </a:r>
+            <a:r>
+              <a:rPr lang="en-US" i="1" dirty="0">
+                <a:solidFill>
+                  <a:srgbClr val="808080"/>
+                </a:solidFill>
+                <a:latin typeface="Courier New"/>
+                <a:ea typeface="Times New Roman"/>
+                <a:cs typeface="Times New Roman"/>
+              </a:rPr>
+              <a:t>/* Starting point y */</a:t>
+            </a:r>
+            <a:endParaRPr lang="pt-BR" sz="2400" dirty="0">
+              <a:ea typeface="Calibri"/>
+              <a:cs typeface="Times New Roman"/>
+            </a:endParaRPr>
+          </a:p>
+          <a:p>
+            <a:pPr fontAlgn="t">
+              <a:lnSpc>
+                <a:spcPts val="1440"/>
+              </a:lnSpc>
+              <a:spcAft>
+                <a:spcPts val="0"/>
+              </a:spcAft>
+              <a:tabLst>
+                <a:tab pos="581660" algn="l"/>
+                <a:tab pos="1163320" algn="l"/>
+                <a:tab pos="1744980" algn="l"/>
+                <a:tab pos="2326640" algn="l"/>
+                <a:tab pos="2908300" algn="l"/>
+                <a:tab pos="3489960" algn="l"/>
+                <a:tab pos="4071620" algn="l"/>
+                <a:tab pos="4653280" algn="l"/>
+                <a:tab pos="5234940" algn="l"/>
+                <a:tab pos="5816600" algn="l"/>
+                <a:tab pos="6398260" algn="l"/>
+                <a:tab pos="6979920" algn="l"/>
+                <a:tab pos="7561580" algn="l"/>
+                <a:tab pos="8143240" algn="l"/>
+                <a:tab pos="8724900" algn="l"/>
+                <a:tab pos="9306560" algn="l"/>
+              </a:tabLst>
+            </a:pPr>
+            <a:r>
+              <a:rPr lang="en-US" dirty="0">
+                <a:solidFill>
+                  <a:srgbClr val="000000"/>
+                </a:solidFill>
+                <a:latin typeface="Courier New"/>
+                <a:ea typeface="Times New Roman"/>
+                <a:cs typeface="Times New Roman"/>
+              </a:rPr>
+              <a:t> 	      a</a:t>
+            </a:r>
+            <a:r>
+              <a:rPr lang="en-US" dirty="0">
+                <a:solidFill>
+                  <a:srgbClr val="339933"/>
+                </a:solidFill>
+                <a:latin typeface="Courier New"/>
+                <a:ea typeface="Times New Roman"/>
+                <a:cs typeface="Times New Roman"/>
+              </a:rPr>
+              <a:t>,</a:t>
+            </a:r>
+            <a:r>
+              <a:rPr lang="en-US" dirty="0">
+                <a:solidFill>
+                  <a:srgbClr val="000000"/>
+                </a:solidFill>
+                <a:latin typeface="Courier New"/>
+                <a:ea typeface="Times New Roman"/>
+                <a:cs typeface="Times New Roman"/>
+              </a:rPr>
+              <a:t>				</a:t>
+            </a:r>
+            <a:r>
+              <a:rPr lang="en-US" i="1" dirty="0">
+                <a:solidFill>
+                  <a:srgbClr val="808080"/>
+                </a:solidFill>
+                <a:latin typeface="Courier New"/>
+                <a:ea typeface="Times New Roman"/>
+                <a:cs typeface="Times New Roman"/>
+              </a:rPr>
+              <a:t>/* Angle, in radians */</a:t>
+            </a:r>
+            <a:endParaRPr lang="pt-BR" sz="2400" dirty="0">
+              <a:ea typeface="Calibri"/>
+              <a:cs typeface="Times New Roman"/>
+            </a:endParaRPr>
+          </a:p>
+          <a:p>
+            <a:pPr fontAlgn="t">
+              <a:lnSpc>
+                <a:spcPts val="1440"/>
+              </a:lnSpc>
+              <a:spcAft>
+                <a:spcPts val="0"/>
+              </a:spcAft>
+              <a:tabLst>
+                <a:tab pos="581660" algn="l"/>
+                <a:tab pos="1163320" algn="l"/>
+                <a:tab pos="1744980" algn="l"/>
+                <a:tab pos="2326640" algn="l"/>
+                <a:tab pos="2908300" algn="l"/>
+                <a:tab pos="3489960" algn="l"/>
+                <a:tab pos="4071620" algn="l"/>
+                <a:tab pos="4653280" algn="l"/>
+                <a:tab pos="5234940" algn="l"/>
+                <a:tab pos="5816600" algn="l"/>
+                <a:tab pos="6398260" algn="l"/>
+                <a:tab pos="6979920" algn="l"/>
+                <a:tab pos="7561580" algn="l"/>
+                <a:tab pos="8143240" algn="l"/>
+                <a:tab pos="8724900" algn="l"/>
+                <a:tab pos="9306560" algn="l"/>
+              </a:tabLst>
+            </a:pPr>
+            <a:r>
+              <a:rPr lang="en-US" dirty="0">
+                <a:solidFill>
+                  <a:srgbClr val="000000"/>
+                </a:solidFill>
+                <a:latin typeface="Courier New"/>
+                <a:ea typeface="Times New Roman"/>
+                <a:cs typeface="Times New Roman"/>
+              </a:rPr>
+              <a:t> 	      l</a:t>
+            </a:r>
+            <a:r>
+              <a:rPr lang="en-US" dirty="0">
+                <a:solidFill>
+                  <a:srgbClr val="339933"/>
+                </a:solidFill>
+                <a:latin typeface="Courier New"/>
+                <a:ea typeface="Times New Roman"/>
+                <a:cs typeface="Times New Roman"/>
+              </a:rPr>
+              <a:t>;</a:t>
+            </a:r>
+            <a:r>
+              <a:rPr lang="en-US" dirty="0">
+                <a:solidFill>
+                  <a:srgbClr val="000000"/>
+                </a:solidFill>
+                <a:latin typeface="Courier New"/>
+                <a:ea typeface="Times New Roman"/>
+                <a:cs typeface="Times New Roman"/>
+              </a:rPr>
+              <a:t>				</a:t>
+            </a:r>
+            <a:r>
+              <a:rPr lang="en-US" i="1" dirty="0">
+                <a:solidFill>
+                  <a:srgbClr val="808080"/>
+                </a:solidFill>
+                <a:latin typeface="Courier New"/>
+                <a:ea typeface="Times New Roman"/>
+                <a:cs typeface="Times New Roman"/>
+              </a:rPr>
+              <a:t>/* Length of the bone */</a:t>
+            </a:r>
+            <a:endParaRPr lang="pt-BR" sz="2400" dirty="0">
+              <a:ea typeface="Calibri"/>
+              <a:cs typeface="Times New Roman"/>
+            </a:endParaRPr>
+          </a:p>
+          <a:p>
+            <a:pPr fontAlgn="t">
+              <a:lnSpc>
+                <a:spcPts val="1440"/>
+              </a:lnSpc>
+              <a:spcAft>
+                <a:spcPts val="0"/>
+              </a:spcAft>
+              <a:tabLst>
+                <a:tab pos="581660" algn="l"/>
+                <a:tab pos="1163320" algn="l"/>
+                <a:tab pos="1744980" algn="l"/>
+                <a:tab pos="2326640" algn="l"/>
+                <a:tab pos="2908300" algn="l"/>
+                <a:tab pos="3489960" algn="l"/>
+                <a:tab pos="4071620" algn="l"/>
+                <a:tab pos="4653280" algn="l"/>
+                <a:tab pos="5234940" algn="l"/>
+                <a:tab pos="5816600" algn="l"/>
+                <a:tab pos="6398260" algn="l"/>
+                <a:tab pos="6979920" algn="l"/>
+                <a:tab pos="7561580" algn="l"/>
+                <a:tab pos="8143240" algn="l"/>
+                <a:tab pos="8724900" algn="l"/>
+                <a:tab pos="9306560" algn="l"/>
+              </a:tabLst>
+            </a:pPr>
+            <a:r>
+              <a:rPr lang="en-US" dirty="0">
+                <a:solidFill>
+                  <a:srgbClr val="000000"/>
+                </a:solidFill>
+                <a:latin typeface="Courier New"/>
+                <a:ea typeface="Times New Roman"/>
+                <a:cs typeface="Times New Roman"/>
+              </a:rPr>
+              <a:t> </a:t>
+            </a:r>
+            <a:endParaRPr lang="pt-BR" sz="2400" dirty="0">
+              <a:ea typeface="Calibri"/>
+              <a:cs typeface="Times New Roman"/>
+            </a:endParaRPr>
+          </a:p>
+          <a:p>
+            <a:pPr fontAlgn="t">
+              <a:lnSpc>
+                <a:spcPts val="1440"/>
+              </a:lnSpc>
+              <a:spcAft>
+                <a:spcPts val="0"/>
+              </a:spcAft>
+              <a:tabLst>
+                <a:tab pos="581660" algn="l"/>
+                <a:tab pos="1163320" algn="l"/>
+                <a:tab pos="1744980" algn="l"/>
+                <a:tab pos="2326640" algn="l"/>
+                <a:tab pos="2908300" algn="l"/>
+                <a:tab pos="3489960" algn="l"/>
+                <a:tab pos="4071620" algn="l"/>
+                <a:tab pos="4653280" algn="l"/>
+                <a:tab pos="5234940" algn="l"/>
+                <a:tab pos="5816600" algn="l"/>
+                <a:tab pos="6398260" algn="l"/>
+                <a:tab pos="6979920" algn="l"/>
+                <a:tab pos="7561580" algn="l"/>
+                <a:tab pos="8143240" algn="l"/>
+                <a:tab pos="8724900" algn="l"/>
+                <a:tab pos="9306560" algn="l"/>
+              </a:tabLst>
+            </a:pPr>
+            <a:r>
+              <a:rPr lang="en-US" dirty="0">
+                <a:solidFill>
+                  <a:srgbClr val="000000"/>
+                </a:solidFill>
+                <a:latin typeface="Courier New"/>
+                <a:ea typeface="Times New Roman"/>
+                <a:cs typeface="Times New Roman"/>
+              </a:rPr>
+              <a:t> 	</a:t>
+            </a:r>
+            <a:r>
+              <a:rPr lang="en-US" dirty="0">
+                <a:solidFill>
+                  <a:srgbClr val="993333"/>
+                </a:solidFill>
+                <a:latin typeface="Courier New"/>
+                <a:ea typeface="Times New Roman"/>
+                <a:cs typeface="Times New Roman"/>
+              </a:rPr>
+              <a:t>uint8_t</a:t>
+            </a:r>
+            <a:r>
+              <a:rPr lang="en-US" dirty="0">
+                <a:solidFill>
+                  <a:srgbClr val="000000"/>
+                </a:solidFill>
+                <a:latin typeface="Courier New"/>
+                <a:ea typeface="Times New Roman"/>
+                <a:cs typeface="Times New Roman"/>
+              </a:rPr>
+              <a:t> flags</a:t>
+            </a:r>
+            <a:r>
+              <a:rPr lang="en-US" dirty="0">
+                <a:solidFill>
+                  <a:srgbClr val="339933"/>
+                </a:solidFill>
+                <a:latin typeface="Courier New"/>
+                <a:ea typeface="Times New Roman"/>
+                <a:cs typeface="Times New Roman"/>
+              </a:rPr>
+              <a:t>;</a:t>
+            </a:r>
+            <a:r>
+              <a:rPr lang="en-US" dirty="0">
+                <a:solidFill>
+                  <a:srgbClr val="000000"/>
+                </a:solidFill>
+                <a:latin typeface="Courier New"/>
+                <a:ea typeface="Times New Roman"/>
+                <a:cs typeface="Times New Roman"/>
+              </a:rPr>
+              <a:t>				</a:t>
+            </a:r>
+            <a:endParaRPr lang="en-US" dirty="0" smtClean="0">
+              <a:solidFill>
+                <a:srgbClr val="000000"/>
+              </a:solidFill>
+              <a:latin typeface="Courier New"/>
+              <a:ea typeface="Times New Roman"/>
+              <a:cs typeface="Times New Roman"/>
+            </a:endParaRPr>
+          </a:p>
+          <a:p>
+            <a:pPr fontAlgn="t">
+              <a:lnSpc>
+                <a:spcPts val="1440"/>
+              </a:lnSpc>
+              <a:spcAft>
+                <a:spcPts val="0"/>
+              </a:spcAft>
+              <a:tabLst>
+                <a:tab pos="581660" algn="l"/>
+                <a:tab pos="1163320" algn="l"/>
+                <a:tab pos="1744980" algn="l"/>
+                <a:tab pos="2326640" algn="l"/>
+                <a:tab pos="2908300" algn="l"/>
+                <a:tab pos="3489960" algn="l"/>
+                <a:tab pos="4071620" algn="l"/>
+                <a:tab pos="4653280" algn="l"/>
+                <a:tab pos="5234940" algn="l"/>
+                <a:tab pos="5816600" algn="l"/>
+                <a:tab pos="6398260" algn="l"/>
+                <a:tab pos="6979920" algn="l"/>
+                <a:tab pos="7561580" algn="l"/>
+                <a:tab pos="8143240" algn="l"/>
+                <a:tab pos="8724900" algn="l"/>
+                <a:tab pos="9306560" algn="l"/>
+              </a:tabLst>
+            </a:pPr>
+            <a:r>
+              <a:rPr lang="en-US" dirty="0" smtClean="0">
+                <a:solidFill>
+                  <a:srgbClr val="000000"/>
+                </a:solidFill>
+                <a:latin typeface="Courier New"/>
+                <a:ea typeface="Times New Roman"/>
+                <a:cs typeface="Times New Roman"/>
+              </a:rPr>
+              <a:t> </a:t>
+            </a:r>
+            <a:r>
+              <a:rPr lang="en-US" dirty="0">
+                <a:solidFill>
+                  <a:srgbClr val="000000"/>
+                </a:solidFill>
+                <a:latin typeface="Courier New"/>
+                <a:ea typeface="Times New Roman"/>
+                <a:cs typeface="Times New Roman"/>
+              </a:rPr>
+              <a:t>	</a:t>
+            </a:r>
+            <a:r>
+              <a:rPr lang="en-US" dirty="0">
+                <a:solidFill>
+                  <a:srgbClr val="993333"/>
+                </a:solidFill>
+                <a:latin typeface="Courier New"/>
+                <a:ea typeface="Times New Roman"/>
+                <a:cs typeface="Times New Roman"/>
+              </a:rPr>
+              <a:t>uint8_t</a:t>
+            </a:r>
+            <a:r>
+              <a:rPr lang="en-US" dirty="0">
+                <a:solidFill>
+                  <a:srgbClr val="000000"/>
+                </a:solidFill>
+                <a:latin typeface="Courier New"/>
+                <a:ea typeface="Times New Roman"/>
+                <a:cs typeface="Times New Roman"/>
+              </a:rPr>
+              <a:t> </a:t>
+            </a:r>
+            <a:r>
+              <a:rPr lang="en-US" dirty="0" err="1">
+                <a:solidFill>
+                  <a:srgbClr val="000000"/>
+                </a:solidFill>
+                <a:latin typeface="Courier New"/>
+                <a:ea typeface="Times New Roman"/>
+                <a:cs typeface="Times New Roman"/>
+              </a:rPr>
+              <a:t>childCount</a:t>
+            </a:r>
+            <a:r>
+              <a:rPr lang="en-US" dirty="0" smtClean="0">
+                <a:solidFill>
+                  <a:srgbClr val="339933"/>
+                </a:solidFill>
+                <a:latin typeface="Courier New"/>
+                <a:ea typeface="Times New Roman"/>
+                <a:cs typeface="Times New Roman"/>
+              </a:rPr>
+              <a:t>;</a:t>
+            </a:r>
+            <a:r>
+              <a:rPr lang="en-US" dirty="0" smtClean="0">
+                <a:solidFill>
+                  <a:srgbClr val="000000"/>
+                </a:solidFill>
+                <a:latin typeface="Courier New"/>
+                <a:ea typeface="Times New Roman"/>
+                <a:cs typeface="Times New Roman"/>
+              </a:rPr>
+              <a:t> </a:t>
+            </a:r>
+            <a:r>
+              <a:rPr lang="en-US" dirty="0">
+                <a:solidFill>
+                  <a:srgbClr val="000000"/>
+                </a:solidFill>
+                <a:latin typeface="Courier New"/>
+                <a:ea typeface="Times New Roman"/>
+                <a:cs typeface="Times New Roman"/>
+              </a:rPr>
+              <a:t> </a:t>
+            </a:r>
+            <a:endParaRPr lang="pt-BR" sz="2400" dirty="0">
+              <a:ea typeface="Calibri"/>
+              <a:cs typeface="Times New Roman"/>
+            </a:endParaRPr>
+          </a:p>
+          <a:p>
+            <a:pPr fontAlgn="t">
+              <a:lnSpc>
+                <a:spcPts val="1440"/>
+              </a:lnSpc>
+              <a:spcAft>
+                <a:spcPts val="0"/>
+              </a:spcAft>
+              <a:tabLst>
+                <a:tab pos="581660" algn="l"/>
+                <a:tab pos="1163320" algn="l"/>
+                <a:tab pos="1744980" algn="l"/>
+                <a:tab pos="2326640" algn="l"/>
+                <a:tab pos="2908300" algn="l"/>
+                <a:tab pos="3489960" algn="l"/>
+                <a:tab pos="4071620" algn="l"/>
+                <a:tab pos="4653280" algn="l"/>
+                <a:tab pos="5234940" algn="l"/>
+                <a:tab pos="5816600" algn="l"/>
+                <a:tab pos="6398260" algn="l"/>
+                <a:tab pos="6979920" algn="l"/>
+                <a:tab pos="7561580" algn="l"/>
+                <a:tab pos="8143240" algn="l"/>
+                <a:tab pos="8724900" algn="l"/>
+                <a:tab pos="9306560" algn="l"/>
+              </a:tabLst>
+            </a:pPr>
+            <a:r>
+              <a:rPr lang="en-US" dirty="0">
+                <a:solidFill>
+                  <a:srgbClr val="000000"/>
+                </a:solidFill>
+                <a:latin typeface="Courier New"/>
+                <a:ea typeface="Times New Roman"/>
+                <a:cs typeface="Times New Roman"/>
+              </a:rPr>
+              <a:t> 	</a:t>
+            </a:r>
+            <a:r>
+              <a:rPr lang="en-US" dirty="0" err="1">
+                <a:solidFill>
+                  <a:srgbClr val="993333"/>
+                </a:solidFill>
+                <a:latin typeface="Courier New"/>
+                <a:ea typeface="Times New Roman"/>
+                <a:cs typeface="Times New Roman"/>
+              </a:rPr>
+              <a:t>struct</a:t>
+            </a:r>
+            <a:r>
+              <a:rPr lang="en-US" dirty="0">
+                <a:solidFill>
+                  <a:srgbClr val="000000"/>
+                </a:solidFill>
+                <a:latin typeface="Courier New"/>
+                <a:ea typeface="Times New Roman"/>
+                <a:cs typeface="Times New Roman"/>
+              </a:rPr>
+              <a:t> _Bone </a:t>
+            </a:r>
+            <a:r>
+              <a:rPr lang="en-US" dirty="0">
+                <a:solidFill>
+                  <a:srgbClr val="339933"/>
+                </a:solidFill>
+                <a:latin typeface="Courier New"/>
+                <a:ea typeface="Times New Roman"/>
+                <a:cs typeface="Times New Roman"/>
+              </a:rPr>
+              <a:t>*</a:t>
+            </a:r>
+            <a:r>
+              <a:rPr lang="en-US" dirty="0">
+                <a:solidFill>
+                  <a:srgbClr val="000000"/>
+                </a:solidFill>
+                <a:latin typeface="Courier New"/>
+                <a:ea typeface="Times New Roman"/>
+                <a:cs typeface="Times New Roman"/>
+              </a:rPr>
+              <a:t>child</a:t>
+            </a:r>
+            <a:r>
+              <a:rPr lang="en-US" dirty="0">
+                <a:solidFill>
+                  <a:srgbClr val="009900"/>
+                </a:solidFill>
+                <a:latin typeface="Courier New"/>
+                <a:ea typeface="Times New Roman"/>
+                <a:cs typeface="Times New Roman"/>
+              </a:rPr>
+              <a:t>[</a:t>
+            </a:r>
+            <a:r>
+              <a:rPr lang="en-US" dirty="0">
+                <a:solidFill>
+                  <a:srgbClr val="000000"/>
+                </a:solidFill>
+                <a:latin typeface="Courier New"/>
+                <a:ea typeface="Times New Roman"/>
+                <a:cs typeface="Times New Roman"/>
+              </a:rPr>
+              <a:t>MAX_CHCOUNT</a:t>
+            </a:r>
+            <a:r>
+              <a:rPr lang="en-US" dirty="0">
+                <a:solidFill>
+                  <a:srgbClr val="009900"/>
+                </a:solidFill>
+                <a:latin typeface="Courier New"/>
+                <a:ea typeface="Times New Roman"/>
+                <a:cs typeface="Times New Roman"/>
+              </a:rPr>
+              <a:t>]</a:t>
+            </a:r>
+            <a:r>
+              <a:rPr lang="en-US" dirty="0">
+                <a:solidFill>
+                  <a:srgbClr val="339933"/>
+                </a:solidFill>
+                <a:latin typeface="Courier New"/>
+                <a:ea typeface="Times New Roman"/>
+                <a:cs typeface="Times New Roman"/>
+              </a:rPr>
+              <a:t>,</a:t>
+            </a:r>
+            <a:r>
+              <a:rPr lang="en-US" dirty="0">
+                <a:solidFill>
+                  <a:srgbClr val="000000"/>
+                </a:solidFill>
+                <a:latin typeface="Courier New"/>
+                <a:ea typeface="Times New Roman"/>
+                <a:cs typeface="Times New Roman"/>
+              </a:rPr>
+              <a:t>	</a:t>
+            </a:r>
+            <a:endParaRPr lang="pt-BR" sz="2400" dirty="0">
+              <a:ea typeface="Calibri"/>
+              <a:cs typeface="Times New Roman"/>
+            </a:endParaRPr>
+          </a:p>
+          <a:p>
+            <a:pPr fontAlgn="t">
+              <a:lnSpc>
+                <a:spcPts val="1440"/>
+              </a:lnSpc>
+              <a:spcAft>
+                <a:spcPts val="0"/>
+              </a:spcAft>
+              <a:tabLst>
+                <a:tab pos="581660" algn="l"/>
+                <a:tab pos="1163320" algn="l"/>
+                <a:tab pos="1744980" algn="l"/>
+                <a:tab pos="2326640" algn="l"/>
+                <a:tab pos="2908300" algn="l"/>
+                <a:tab pos="3489960" algn="l"/>
+                <a:tab pos="4071620" algn="l"/>
+                <a:tab pos="4653280" algn="l"/>
+                <a:tab pos="5234940" algn="l"/>
+                <a:tab pos="5816600" algn="l"/>
+                <a:tab pos="6398260" algn="l"/>
+                <a:tab pos="6979920" algn="l"/>
+                <a:tab pos="7561580" algn="l"/>
+                <a:tab pos="8143240" algn="l"/>
+                <a:tab pos="8724900" algn="l"/>
+                <a:tab pos="9306560" algn="l"/>
+              </a:tabLst>
+            </a:pPr>
+            <a:r>
+              <a:rPr lang="en-US" dirty="0">
+                <a:solidFill>
+                  <a:srgbClr val="000000"/>
+                </a:solidFill>
+                <a:latin typeface="Courier New"/>
+                <a:ea typeface="Times New Roman"/>
+                <a:cs typeface="Times New Roman"/>
+              </a:rPr>
+              <a:t> 		     </a:t>
+            </a:r>
+            <a:r>
+              <a:rPr lang="pt-BR" dirty="0">
+                <a:solidFill>
+                  <a:srgbClr val="339933"/>
+                </a:solidFill>
+                <a:latin typeface="Courier New"/>
+                <a:ea typeface="Times New Roman"/>
+                <a:cs typeface="Times New Roman"/>
+              </a:rPr>
+              <a:t>*</a:t>
+            </a:r>
+            <a:r>
+              <a:rPr lang="pt-BR" dirty="0" err="1">
+                <a:solidFill>
+                  <a:srgbClr val="000000"/>
+                </a:solidFill>
+                <a:latin typeface="Courier New"/>
+                <a:ea typeface="Times New Roman"/>
+                <a:cs typeface="Times New Roman"/>
+              </a:rPr>
+              <a:t>parent</a:t>
+            </a:r>
+            <a:r>
+              <a:rPr lang="pt-BR" dirty="0">
+                <a:solidFill>
+                  <a:srgbClr val="339933"/>
+                </a:solidFill>
+                <a:latin typeface="Courier New"/>
+                <a:ea typeface="Times New Roman"/>
+                <a:cs typeface="Times New Roman"/>
+              </a:rPr>
+              <a:t>;</a:t>
+            </a:r>
+            <a:r>
+              <a:rPr lang="pt-BR" dirty="0">
+                <a:solidFill>
+                  <a:srgbClr val="000000"/>
+                </a:solidFill>
+                <a:latin typeface="Courier New"/>
+                <a:ea typeface="Times New Roman"/>
+                <a:cs typeface="Times New Roman"/>
+              </a:rPr>
+              <a:t>			</a:t>
+            </a:r>
+            <a:endParaRPr lang="pt-BR" dirty="0" smtClean="0">
+              <a:solidFill>
+                <a:srgbClr val="000000"/>
+              </a:solidFill>
+              <a:latin typeface="Courier New"/>
+              <a:ea typeface="Times New Roman"/>
+              <a:cs typeface="Times New Roman"/>
+            </a:endParaRPr>
+          </a:p>
+          <a:p>
+            <a:pPr fontAlgn="t">
+              <a:lnSpc>
+                <a:spcPts val="1440"/>
+              </a:lnSpc>
+              <a:spcAft>
+                <a:spcPts val="0"/>
+              </a:spcAft>
+              <a:tabLst>
+                <a:tab pos="581660" algn="l"/>
+                <a:tab pos="1163320" algn="l"/>
+                <a:tab pos="1744980" algn="l"/>
+                <a:tab pos="2326640" algn="l"/>
+                <a:tab pos="2908300" algn="l"/>
+                <a:tab pos="3489960" algn="l"/>
+                <a:tab pos="4071620" algn="l"/>
+                <a:tab pos="4653280" algn="l"/>
+                <a:tab pos="5234940" algn="l"/>
+                <a:tab pos="5816600" algn="l"/>
+                <a:tab pos="6398260" algn="l"/>
+                <a:tab pos="6979920" algn="l"/>
+                <a:tab pos="7561580" algn="l"/>
+                <a:tab pos="8143240" algn="l"/>
+                <a:tab pos="8724900" algn="l"/>
+                <a:tab pos="9306560" algn="l"/>
+              </a:tabLst>
+            </a:pPr>
+            <a:r>
+              <a:rPr lang="pt-BR" dirty="0" smtClean="0">
+                <a:solidFill>
+                  <a:srgbClr val="009900"/>
+                </a:solidFill>
+                <a:latin typeface="Courier New"/>
+                <a:ea typeface="Times New Roman"/>
+                <a:cs typeface="Times New Roman"/>
+              </a:rPr>
+              <a:t>}</a:t>
+            </a:r>
+            <a:r>
+              <a:rPr lang="pt-BR" dirty="0" smtClean="0">
+                <a:solidFill>
+                  <a:srgbClr val="339933"/>
+                </a:solidFill>
+                <a:latin typeface="Courier New"/>
+                <a:ea typeface="Times New Roman"/>
+                <a:cs typeface="Times New Roman"/>
+              </a:rPr>
+              <a:t>;</a:t>
+            </a:r>
+            <a:endParaRPr lang="pt-BR" sz="2400" dirty="0">
+              <a:ea typeface="Calibri"/>
+              <a:cs typeface="Times New Roman"/>
+            </a:endParaRPr>
+          </a:p>
+          <a:p>
+            <a:pPr>
+              <a:lnSpc>
+                <a:spcPct val="115000"/>
+              </a:lnSpc>
+              <a:spcAft>
+                <a:spcPts val="1000"/>
+              </a:spcAft>
+            </a:pPr>
+            <a:r>
+              <a:rPr lang="pt-BR" sz="2400" dirty="0">
+                <a:ea typeface="Calibri"/>
+                <a:cs typeface="Times New Roman"/>
+              </a:rPr>
+              <a:t> </a:t>
+            </a:r>
+          </a:p>
+        </p:txBody>
+      </p:sp>
+    </p:spTree>
+    <p:extLst>
+      <p:ext uri="{BB962C8B-B14F-4D97-AF65-F5344CB8AC3E}">
+        <p14:creationId xmlns:p14="http://schemas.microsoft.com/office/powerpoint/2010/main" val="2101881874"/>
+      </p:ext>
+    </p:extLst>
+  </p:cSld>
+  <p:clrMapOvr>
+    <a:masterClrMapping/>
+  </p:clrMapOvr>
+</p:sld>
+</file>
+
+<file path=ppt/slides/slide4.xml><?xml version="1.0" encoding="utf-8"?>
+<p:sld xmlns:a="http://schemas.openxmlformats.org/drawingml/2006/main" xmlns:r="http://schemas.openxmlformats.org/officeDocument/2006/relationships" xmlns:p="http://schemas.openxmlformats.org/presentationml/2006/main">
+  <p:cSld>
+    <p:spTree>
+      <p:nvGrpSpPr>
+        <p:cNvPr id="1" name=""/>
+        <p:cNvGrpSpPr/>
+        <p:nvPr/>
+      </p:nvGrpSpPr>
+      <p:grpSpPr>
+        <a:xfrm>
+          <a:off x="0" y="0"/>
+          <a:ext cx="0" cy="0"/>
+          <a:chOff x="0" y="0"/>
+          <a:chExt cx="0" cy="0"/>
+        </a:xfrm>
+      </p:grpSpPr>
+      <p:sp>
+        <p:nvSpPr>
+          <p:cNvPr id="2" name="Título 1"/>
+          <p:cNvSpPr>
+            <a:spLocks noGrp="1"/>
+          </p:cNvSpPr>
+          <p:nvPr>
+            <p:ph type="title"/>
+          </p:nvPr>
+        </p:nvSpPr>
+        <p:spPr/>
+        <p:txBody>
+          <a:bodyPr/>
+          <a:lstStyle/>
+          <a:p>
+            <a:r>
+              <a:rPr lang="pt-BR" dirty="0" smtClean="0">
+                <a:solidFill>
+                  <a:srgbClr val="0070C0"/>
+                </a:solidFill>
+              </a:rPr>
+              <a:t>Princípios</a:t>
+            </a:r>
+            <a:r>
+              <a:rPr lang="pt-BR" dirty="0" smtClean="0"/>
+              <a:t> de Animação</a:t>
+            </a:r>
+            <a:endParaRPr lang="pt-BR" dirty="0"/>
+          </a:p>
+        </p:txBody>
+      </p:sp>
+      <p:sp>
+        <p:nvSpPr>
+          <p:cNvPr id="3" name="Espaço Reservado para Conteúdo 2"/>
+          <p:cNvSpPr>
+            <a:spLocks noGrp="1"/>
+          </p:cNvSpPr>
+          <p:nvPr>
+            <p:ph idx="1"/>
+          </p:nvPr>
+        </p:nvSpPr>
+        <p:spPr/>
+        <p:txBody>
+          <a:bodyPr>
+            <a:normAutofit/>
+          </a:bodyPr>
+          <a:lstStyle/>
+          <a:p>
+            <a:pPr>
+              <a:lnSpc>
+                <a:spcPct val="90000"/>
+              </a:lnSpc>
+              <a:defRPr/>
+            </a:pPr>
+            <a:r>
+              <a:rPr lang="pt-BR" sz="2400" dirty="0"/>
+              <a:t>Encolhe-estica – representar personalidade</a:t>
+            </a:r>
+          </a:p>
+          <a:p>
+            <a:pPr>
+              <a:lnSpc>
+                <a:spcPct val="90000"/>
+              </a:lnSpc>
+              <a:defRPr/>
+            </a:pPr>
+            <a:r>
+              <a:rPr lang="pt-BR" sz="2400" dirty="0"/>
+              <a:t>Temporização – velocidade representa massa, personalidade</a:t>
+            </a:r>
+          </a:p>
+          <a:p>
+            <a:pPr>
+              <a:lnSpc>
+                <a:spcPct val="90000"/>
+              </a:lnSpc>
+              <a:defRPr/>
+            </a:pPr>
+            <a:r>
+              <a:rPr lang="pt-BR" sz="2400" dirty="0"/>
+              <a:t>Antecipação – prepara a </a:t>
+            </a:r>
+            <a:r>
+              <a:rPr lang="pt-BR" sz="2400" dirty="0" err="1"/>
+              <a:t>platéia</a:t>
+            </a:r>
+            <a:endParaRPr lang="pt-BR" sz="2400" dirty="0"/>
+          </a:p>
+          <a:p>
+            <a:pPr>
+              <a:lnSpc>
+                <a:spcPct val="90000"/>
+              </a:lnSpc>
+              <a:defRPr/>
+            </a:pPr>
+            <a:r>
+              <a:rPr lang="pt-BR" sz="2400" dirty="0"/>
+              <a:t>Prosseguimento (</a:t>
+            </a:r>
+            <a:r>
+              <a:rPr lang="pt-BR" sz="2400" i="1" dirty="0" err="1" smtClean="0"/>
+              <a:t>follow-through</a:t>
+            </a:r>
+            <a:r>
+              <a:rPr lang="pt-BR" sz="2400" dirty="0"/>
+              <a:t>) e </a:t>
+            </a:r>
+            <a:r>
+              <a:rPr lang="pt-BR" sz="2400" i="1" dirty="0" err="1"/>
+              <a:t>overlap</a:t>
+            </a:r>
+            <a:r>
+              <a:rPr lang="pt-BR" sz="2400" dirty="0"/>
+              <a:t> – continuidade com próxima ação</a:t>
+            </a:r>
+          </a:p>
+          <a:p>
+            <a:pPr>
+              <a:lnSpc>
+                <a:spcPct val="90000"/>
+              </a:lnSpc>
+              <a:defRPr/>
+            </a:pPr>
+            <a:r>
+              <a:rPr lang="pt-BR" sz="2400" dirty="0"/>
+              <a:t>Câmera lenta e rápida – velocidade de transição representa momentos importantes</a:t>
+            </a:r>
+          </a:p>
+          <a:p>
+            <a:pPr>
+              <a:lnSpc>
+                <a:spcPct val="90000"/>
+              </a:lnSpc>
+              <a:defRPr/>
+            </a:pPr>
+            <a:r>
+              <a:rPr lang="pt-BR" sz="2400" dirty="0"/>
+              <a:t>Arcos – movimento é geralmente curvo</a:t>
+            </a:r>
+          </a:p>
+          <a:p>
+            <a:pPr>
+              <a:lnSpc>
+                <a:spcPct val="90000"/>
+              </a:lnSpc>
+              <a:defRPr/>
+            </a:pPr>
+            <a:r>
+              <a:rPr lang="pt-BR" sz="2400" dirty="0"/>
+              <a:t>Exageração -  enfatiza conteúdo emocional</a:t>
+            </a:r>
+          </a:p>
+          <a:p>
+            <a:pPr>
+              <a:lnSpc>
+                <a:spcPct val="90000"/>
+              </a:lnSpc>
+              <a:defRPr/>
+            </a:pPr>
+            <a:r>
+              <a:rPr lang="pt-BR" sz="2400" dirty="0"/>
+              <a:t>Ação secundária – movimento como </a:t>
+            </a:r>
+            <a:r>
+              <a:rPr lang="pt-BR" sz="2400" dirty="0" err="1" smtClean="0"/>
+              <a:t>conseqüência</a:t>
+            </a:r>
+            <a:endParaRPr lang="pt-BR" sz="2400" dirty="0"/>
+          </a:p>
+        </p:txBody>
+      </p:sp>
+    </p:spTree>
+    <p:extLst>
+      <p:ext uri="{BB962C8B-B14F-4D97-AF65-F5344CB8AC3E}">
+        <p14:creationId xmlns:p14="http://schemas.microsoft.com/office/powerpoint/2010/main" val="1749709992"/>
+      </p:ext>
+    </p:extLst>
+  </p:cSld>
+  <p:clrMapOvr>
+    <a:masterClrMapping/>
+  </p:clrMapOvr>
+  <p:timing>
+    <p:tnLst>
+      <p:par>
+        <p:cTn id="1" dur="indefinite" restart="never" nodeType="tmRoot"/>
+      </p:par>
+    </p:tnLst>
+  </p:timing>
+</p:sld>
+</file>
+
+<file path=ppt/slides/slide5.xml><?xml version="1.0" encoding="utf-8"?>
 <p:sld xmlns:a="http://schemas.openxmlformats.org/drawingml/2006/main" xmlns:r="http://schemas.openxmlformats.org/officeDocument/2006/relationships" xmlns:p="http://schemas.openxmlformats.org/presentationml/2006/main">
   <p:cSld>
     <p:spTree>
@@ -12110,10 +14910,17 @@
   <p:clrMapOvr>
     <a:masterClrMapping/>
   </p:clrMapOvr>
+  <p:timing>
+    <p:tnLst>
+      <p:par>
+        <p:cTn id="1" dur="indefinite" restart="never" nodeType="tmRoot"/>
+      </p:par>
+    </p:tnLst>
+  </p:timing>
 </p:sld>
 </file>
 
-<file path=ppt/slides/slide4.xml><?xml version="1.0" encoding="utf-8"?>
+<file path=ppt/slides/slide6.xml><?xml version="1.0" encoding="utf-8"?>
 <p:sld xmlns:a="http://schemas.openxmlformats.org/drawingml/2006/main" xmlns:r="http://schemas.openxmlformats.org/officeDocument/2006/relationships" xmlns:p="http://schemas.openxmlformats.org/presentationml/2006/main">
   <p:cSld>
     <p:spTree>
@@ -12275,10 +15082,17 @@
   <p:clrMapOvr>
     <a:masterClrMapping/>
   </p:clrMapOvr>
+  <p:timing>
+    <p:tnLst>
+      <p:par>
+        <p:cTn id="1" dur="indefinite" restart="never" nodeType="tmRoot"/>
+      </p:par>
+    </p:tnLst>
+  </p:timing>
 </p:sld>
 </file>
 
-<file path=ppt/slides/slide5.xml><?xml version="1.0" encoding="utf-8"?>
+<file path=ppt/slides/slide7.xml><?xml version="1.0" encoding="utf-8"?>
 <p:sld xmlns:a="http://schemas.openxmlformats.org/drawingml/2006/main" xmlns:r="http://schemas.openxmlformats.org/officeDocument/2006/relationships" xmlns:p="http://schemas.openxmlformats.org/presentationml/2006/main">
   <p:cSld>
     <p:spTree>
@@ -12415,10 +15229,17 @@
   <p:clrMapOvr>
     <a:masterClrMapping/>
   </p:clrMapOvr>
+  <p:timing>
+    <p:tnLst>
+      <p:par>
+        <p:cTn id="1" dur="indefinite" restart="never" nodeType="tmRoot"/>
+      </p:par>
+    </p:tnLst>
+  </p:timing>
 </p:sld>
 </file>
 
-<file path=ppt/slides/slide6.xml><?xml version="1.0" encoding="utf-8"?>
+<file path=ppt/slides/slide8.xml><?xml version="1.0" encoding="utf-8"?>
 <p:sld xmlns:a="http://schemas.openxmlformats.org/drawingml/2006/main" xmlns:r="http://schemas.openxmlformats.org/officeDocument/2006/relationships" xmlns:p="http://schemas.openxmlformats.org/presentationml/2006/main">
   <p:cSld>
     <p:spTree>
@@ -12554,10 +15375,17 @@
   <p:clrMapOvr>
     <a:masterClrMapping/>
   </p:clrMapOvr>
+  <p:timing>
+    <p:tnLst>
+      <p:par>
+        <p:cTn id="1" dur="indefinite" restart="never" nodeType="tmRoot"/>
+      </p:par>
+    </p:tnLst>
+  </p:timing>
 </p:sld>
 </file>
 
-<file path=ppt/slides/slide7.xml><?xml version="1.0" encoding="utf-8"?>
+<file path=ppt/slides/slide9.xml><?xml version="1.0" encoding="utf-8"?>
 <p:sld xmlns:a="http://schemas.openxmlformats.org/drawingml/2006/main" xmlns:r="http://schemas.openxmlformats.org/officeDocument/2006/relationships" xmlns:p="http://schemas.openxmlformats.org/presentationml/2006/main">
   <p:cSld>
     <p:spTree>
@@ -12691,451 +15519,6 @@
     <p:extLst>
       <p:ext uri="{BB962C8B-B14F-4D97-AF65-F5344CB8AC3E}">
         <p14:creationId xmlns:p14="http://schemas.microsoft.com/office/powerpoint/2010/main" val="2677030365"/>
-      </p:ext>
-    </p:extLst>
-  </p:cSld>
-  <p:clrMapOvr>
-    <a:masterClrMapping/>
-  </p:clrMapOvr>
-</p:sld>
-</file>
-
-<file path=ppt/slides/slide8.xml><?xml version="1.0" encoding="utf-8"?>
-<p:sld xmlns:a="http://schemas.openxmlformats.org/drawingml/2006/main" xmlns:r="http://schemas.openxmlformats.org/officeDocument/2006/relationships" xmlns:p="http://schemas.openxmlformats.org/presentationml/2006/main">
-  <p:cSld>
-    <p:spTree>
-      <p:nvGrpSpPr>
-        <p:cNvPr id="1" name=""/>
-        <p:cNvGrpSpPr/>
-        <p:nvPr/>
-      </p:nvGrpSpPr>
-      <p:grpSpPr>
-        <a:xfrm>
-          <a:off x="0" y="0"/>
-          <a:ext cx="0" cy="0"/>
-          <a:chOff x="0" y="0"/>
-          <a:chExt cx="0" cy="0"/>
-        </a:xfrm>
-      </p:grpSpPr>
-      <p:sp>
-        <p:nvSpPr>
-          <p:cNvPr id="9218" name="Rectangle 2"/>
-          <p:cNvSpPr>
-            <a:spLocks noGrp="1" noRot="1" noChangeArrowheads="1"/>
-          </p:cNvSpPr>
-          <p:nvPr>
-            <p:ph type="title"/>
-          </p:nvPr>
-        </p:nvSpPr>
-        <p:spPr/>
-        <p:txBody>
-          <a:bodyPr/>
-          <a:lstStyle/>
-          <a:p>
-            <a:pPr eaLnBrk="1" hangingPunct="1">
-              <a:defRPr/>
-            </a:pPr>
-            <a:r>
-              <a:rPr lang="pt-BR" sz="4000" dirty="0" smtClean="0"/>
-              <a:t>O </a:t>
-            </a:r>
-            <a:r>
-              <a:rPr lang="pt-BR" sz="4000" dirty="0" smtClean="0"/>
-              <a:t>Processo </a:t>
-            </a:r>
-            <a:r>
-              <a:rPr lang="pt-BR" sz="4000" dirty="0" smtClean="0"/>
-              <a:t>de </a:t>
-            </a:r>
-            <a:r>
-              <a:rPr lang="pt-BR" sz="4000" dirty="0" smtClean="0">
-                <a:solidFill>
-                  <a:srgbClr val="0070C0"/>
-                </a:solidFill>
-              </a:rPr>
-              <a:t>Animação Tradicional</a:t>
-            </a:r>
-            <a:endParaRPr lang="pt-BR" sz="4000" dirty="0" smtClean="0">
-              <a:solidFill>
-                <a:srgbClr val="0070C0"/>
-              </a:solidFill>
-            </a:endParaRPr>
-          </a:p>
-        </p:txBody>
-      </p:sp>
-      <p:sp>
-        <p:nvSpPr>
-          <p:cNvPr id="9219" name="Rectangle 3"/>
-          <p:cNvSpPr>
-            <a:spLocks noGrp="1" noChangeArrowheads="1"/>
-          </p:cNvSpPr>
-          <p:nvPr>
-            <p:ph type="body" idx="1"/>
-          </p:nvPr>
-        </p:nvSpPr>
-        <p:spPr>
-          <a:xfrm>
-            <a:off x="539552" y="1628800"/>
-            <a:ext cx="7918450" cy="4687888"/>
-          </a:xfrm>
-        </p:spPr>
-        <p:txBody>
-          <a:bodyPr>
-            <a:normAutofit/>
-          </a:bodyPr>
-          <a:lstStyle/>
-          <a:p>
-            <a:pPr eaLnBrk="1" hangingPunct="1">
-              <a:defRPr/>
-            </a:pPr>
-            <a:r>
-              <a:rPr lang="pt-BR" sz="2400" i="1" dirty="0" err="1" smtClean="0"/>
-              <a:t>Story</a:t>
-            </a:r>
-            <a:r>
-              <a:rPr lang="pt-BR" sz="2400" i="1" dirty="0" smtClean="0"/>
-              <a:t> </a:t>
-            </a:r>
-            <a:r>
-              <a:rPr lang="pt-BR" sz="2400" i="1" dirty="0" err="1" smtClean="0"/>
-              <a:t>board</a:t>
-            </a:r>
-            <a:endParaRPr lang="pt-BR" sz="2400" i="1" dirty="0" smtClean="0"/>
-          </a:p>
-          <a:p>
-            <a:pPr lvl="1" eaLnBrk="1" hangingPunct="1">
-              <a:defRPr/>
-            </a:pPr>
-            <a:r>
-              <a:rPr lang="pt-BR" sz="2200" dirty="0" err="1" smtClean="0"/>
-              <a:t>Seqüência</a:t>
-            </a:r>
-            <a:r>
-              <a:rPr lang="pt-BR" sz="2200" dirty="0" smtClean="0"/>
-              <a:t> de desenhos com descrições</a:t>
-            </a:r>
-          </a:p>
-          <a:p>
-            <a:pPr lvl="1">
-              <a:defRPr/>
-            </a:pPr>
-            <a:r>
-              <a:rPr lang="pt-BR" sz="2200" dirty="0"/>
-              <a:t>Descrição</a:t>
-            </a:r>
-            <a:r>
-              <a:rPr lang="pt-BR" sz="2200" dirty="0"/>
-              <a:t> baseada em história</a:t>
-            </a:r>
-          </a:p>
-          <a:p>
-            <a:pPr eaLnBrk="1" hangingPunct="1">
-              <a:defRPr/>
-            </a:pPr>
-            <a:r>
-              <a:rPr lang="pt-BR" sz="2400" i="1" dirty="0" smtClean="0"/>
-              <a:t>Key frames </a:t>
-            </a:r>
-            <a:r>
-              <a:rPr lang="pt-BR" sz="2400" dirty="0" smtClean="0"/>
-              <a:t>(quadros chaves)</a:t>
-            </a:r>
-          </a:p>
-          <a:p>
-            <a:pPr lvl="1" eaLnBrk="1" hangingPunct="1">
-              <a:defRPr/>
-            </a:pPr>
-            <a:r>
-              <a:rPr lang="pt-BR" sz="2200" dirty="0" smtClean="0"/>
-              <a:t>Desenhar uns poucos quadros importantes</a:t>
-            </a:r>
-          </a:p>
-          <a:p>
-            <a:pPr lvl="2" eaLnBrk="1" hangingPunct="1">
-              <a:defRPr/>
-            </a:pPr>
-            <a:r>
-              <a:rPr lang="pt-BR" sz="2000" dirty="0" smtClean="0"/>
-              <a:t>Início de um movimento, final de um movimento</a:t>
-            </a:r>
-          </a:p>
-          <a:p>
-            <a:pPr eaLnBrk="1" hangingPunct="1">
-              <a:defRPr/>
-            </a:pPr>
-            <a:r>
-              <a:rPr lang="pt-BR" sz="2400" dirty="0" smtClean="0"/>
-              <a:t>Quadros intermediários</a:t>
-            </a:r>
-            <a:endParaRPr lang="pt-BR" sz="2800" dirty="0" smtClean="0"/>
-          </a:p>
-          <a:p>
-            <a:pPr lvl="1">
-              <a:defRPr/>
-            </a:pPr>
-            <a:r>
-              <a:rPr lang="pt-BR" sz="2200" dirty="0"/>
-              <a:t>Desenhar</a:t>
-            </a:r>
-            <a:r>
-              <a:rPr lang="pt-BR" sz="2200" dirty="0"/>
-              <a:t> o resto dos </a:t>
-            </a:r>
-            <a:r>
-              <a:rPr lang="pt-BR" sz="2200" dirty="0" smtClean="0"/>
-              <a:t>quadros</a:t>
-            </a:r>
-          </a:p>
-        </p:txBody>
-      </p:sp>
-    </p:spTree>
-    <p:extLst>
-      <p:ext uri="{BB962C8B-B14F-4D97-AF65-F5344CB8AC3E}">
-        <p14:creationId xmlns:p14="http://schemas.microsoft.com/office/powerpoint/2010/main" val="2323373910"/>
-      </p:ext>
-    </p:extLst>
-  </p:cSld>
-  <p:clrMapOvr>
-    <a:masterClrMapping/>
-  </p:clrMapOvr>
-  <p:timing>
-    <p:tnLst>
-      <p:par>
-        <p:cTn id="1" dur="indefinite" restart="never" nodeType="tmRoot"/>
-      </p:par>
-    </p:tnLst>
-  </p:timing>
-</p:sld>
-</file>
-
-<file path=ppt/slides/slide9.xml><?xml version="1.0" encoding="utf-8"?>
-<p:sld xmlns:a="http://schemas.openxmlformats.org/drawingml/2006/main" xmlns:r="http://schemas.openxmlformats.org/officeDocument/2006/relationships" xmlns:p="http://schemas.openxmlformats.org/presentationml/2006/main">
-  <p:cSld>
-    <p:spTree>
-      <p:nvGrpSpPr>
-        <p:cNvPr id="1" name=""/>
-        <p:cNvGrpSpPr/>
-        <p:nvPr/>
-      </p:nvGrpSpPr>
-      <p:grpSpPr>
-        <a:xfrm>
-          <a:off x="0" y="0"/>
-          <a:ext cx="0" cy="0"/>
-          <a:chOff x="0" y="0"/>
-          <a:chExt cx="0" cy="0"/>
-        </a:xfrm>
-      </p:grpSpPr>
-      <p:sp>
-        <p:nvSpPr>
-          <p:cNvPr id="2" name="Título 1"/>
-          <p:cNvSpPr>
-            <a:spLocks noGrp="1"/>
-          </p:cNvSpPr>
-          <p:nvPr>
-            <p:ph type="title"/>
-          </p:nvPr>
-        </p:nvSpPr>
-        <p:spPr/>
-        <p:txBody>
-          <a:bodyPr/>
-          <a:lstStyle/>
-          <a:p>
-            <a:r>
-              <a:rPr lang="pt-BR" dirty="0" smtClean="0">
-                <a:solidFill>
-                  <a:srgbClr val="0070C0"/>
-                </a:solidFill>
-              </a:rPr>
-              <a:t>Tipos de Produção </a:t>
-            </a:r>
-            <a:r>
-              <a:rPr lang="pt-BR" dirty="0" smtClean="0"/>
-              <a:t>de Animação</a:t>
-            </a:r>
-            <a:endParaRPr lang="pt-BR" dirty="0"/>
-          </a:p>
-        </p:txBody>
-      </p:sp>
-      <p:sp>
-        <p:nvSpPr>
-          <p:cNvPr id="3" name="Espaço Reservado para Conteúdo 2"/>
-          <p:cNvSpPr>
-            <a:spLocks noGrp="1"/>
-          </p:cNvSpPr>
-          <p:nvPr>
-            <p:ph idx="1"/>
-          </p:nvPr>
-        </p:nvSpPr>
-        <p:spPr/>
-        <p:txBody>
-          <a:bodyPr/>
-          <a:lstStyle/>
-          <a:p>
-            <a:pPr marL="342900" lvl="1">
-              <a:buClr>
-                <a:schemeClr val="accent1"/>
-              </a:buClr>
-            </a:pPr>
-            <a:r>
-              <a:rPr lang="pt-BR" sz="2400" dirty="0"/>
-              <a:t>Animação tradicional (quadro a quadro, </a:t>
-            </a:r>
-            <a:r>
-              <a:rPr lang="pt-BR" sz="2400" dirty="0" smtClean="0"/>
-              <a:t>manual)</a:t>
-            </a:r>
-          </a:p>
-          <a:p>
-            <a:pPr marL="342900" lvl="1">
-              <a:buClr>
-                <a:schemeClr val="accent1"/>
-              </a:buClr>
-            </a:pPr>
-            <a:r>
-              <a:rPr lang="pt-BR" sz="2400" i="1" dirty="0" err="1" smtClean="0"/>
-              <a:t>Keyframing</a:t>
-            </a:r>
-            <a:r>
-              <a:rPr lang="pt-BR" sz="2400" dirty="0" smtClean="0"/>
-              <a:t> </a:t>
-            </a:r>
-            <a:r>
-              <a:rPr lang="pt-BR" sz="2400" dirty="0"/>
-              <a:t>(comp</a:t>
-            </a:r>
-            <a:r>
-              <a:rPr lang="pt-BR" sz="2400" dirty="0" smtClean="0"/>
-              <a:t>.)</a:t>
-            </a:r>
-          </a:p>
-          <a:p>
-            <a:pPr marL="342900" lvl="1">
-              <a:buClr>
-                <a:schemeClr val="accent1"/>
-              </a:buClr>
-            </a:pPr>
-            <a:r>
-              <a:rPr lang="pt-BR" sz="2400" dirty="0" smtClean="0"/>
-              <a:t>Procedural (comp.)</a:t>
-            </a:r>
-          </a:p>
-          <a:p>
-            <a:pPr marL="342900" lvl="1">
-              <a:buClr>
-                <a:schemeClr val="accent1"/>
-              </a:buClr>
-            </a:pPr>
-            <a:r>
-              <a:rPr lang="pt-BR" sz="2400" dirty="0" smtClean="0"/>
-              <a:t>Comportamental </a:t>
-            </a:r>
-            <a:r>
-              <a:rPr lang="pt-BR" sz="2400" dirty="0"/>
-              <a:t>(</a:t>
-            </a:r>
-            <a:r>
-              <a:rPr lang="pt-BR" sz="2400" i="1" dirty="0" err="1" smtClean="0"/>
-              <a:t>behavior-based</a:t>
-            </a:r>
-            <a:r>
-              <a:rPr lang="pt-BR" sz="2400" dirty="0"/>
-              <a:t>, comp</a:t>
-            </a:r>
-            <a:r>
-              <a:rPr lang="pt-BR" sz="2400" dirty="0" smtClean="0"/>
-              <a:t>.)</a:t>
-            </a:r>
-          </a:p>
-          <a:p>
-            <a:pPr marL="342900" lvl="1">
-              <a:buClr>
-                <a:schemeClr val="accent1"/>
-              </a:buClr>
-            </a:pPr>
-            <a:r>
-              <a:rPr lang="pt-BR" sz="2400" dirty="0" smtClean="0"/>
-              <a:t>Baseada </a:t>
-            </a:r>
-            <a:r>
-              <a:rPr lang="pt-BR" sz="2400" dirty="0"/>
-              <a:t>em performance (</a:t>
-            </a:r>
-            <a:r>
-              <a:rPr lang="pt-BR" sz="2400" i="1" dirty="0" err="1"/>
-              <a:t>motion</a:t>
-            </a:r>
-            <a:r>
-              <a:rPr lang="pt-BR" sz="2400" i="1" dirty="0"/>
-              <a:t> capture</a:t>
-            </a:r>
-            <a:r>
-              <a:rPr lang="pt-BR" sz="2400" dirty="0"/>
-              <a:t>, comp</a:t>
-            </a:r>
-            <a:r>
-              <a:rPr lang="pt-BR" sz="2400" dirty="0" smtClean="0"/>
-              <a:t>.)</a:t>
-            </a:r>
-          </a:p>
-          <a:p>
-            <a:pPr marL="342900" lvl="1">
-              <a:buClr>
-                <a:schemeClr val="accent1"/>
-              </a:buClr>
-            </a:pPr>
-            <a:r>
-              <a:rPr lang="pt-BR" sz="2400" dirty="0" smtClean="0"/>
-              <a:t>Baseada </a:t>
-            </a:r>
-            <a:r>
-              <a:rPr lang="pt-BR" sz="2400" dirty="0"/>
-              <a:t>em física (dinâmica, comp</a:t>
-            </a:r>
-            <a:r>
-              <a:rPr lang="pt-BR" sz="2400" dirty="0" smtClean="0"/>
-              <a:t>.)</a:t>
-            </a:r>
-          </a:p>
-          <a:p>
-            <a:pPr marL="342900" lvl="1">
-              <a:buClr>
-                <a:schemeClr val="accent1"/>
-              </a:buClr>
-            </a:pPr>
-            <a:r>
-              <a:rPr lang="pt-BR" sz="2400" i="1" dirty="0" smtClean="0"/>
-              <a:t>High-</a:t>
-            </a:r>
-            <a:r>
-              <a:rPr lang="pt-BR" sz="2400" i="1" dirty="0" err="1" smtClean="0"/>
-              <a:t>level</a:t>
-            </a:r>
-            <a:r>
-              <a:rPr lang="pt-BR" sz="2400" i="1" dirty="0" smtClean="0"/>
-              <a:t> </a:t>
-            </a:r>
-            <a:r>
-              <a:rPr lang="pt-BR" sz="2400" i="1" dirty="0" err="1"/>
-              <a:t>animation</a:t>
-            </a:r>
-            <a:r>
-              <a:rPr lang="pt-BR" sz="2400" i="1" dirty="0"/>
-              <a:t> </a:t>
-            </a:r>
-            <a:r>
-              <a:rPr lang="pt-BR" sz="2400" dirty="0"/>
-              <a:t>(scripts, comp.)</a:t>
-            </a:r>
-          </a:p>
-          <a:p>
-            <a:endParaRPr lang="pt-BR" dirty="0"/>
-          </a:p>
-        </p:txBody>
-      </p:sp>
-    </p:spTree>
-    <p:extLst>
-      <p:ext uri="{BB962C8B-B14F-4D97-AF65-F5344CB8AC3E}">
-        <p14:creationId xmlns:p14="http://schemas.microsoft.com/office/powerpoint/2010/main" val="1982442592"/>
       </p:ext>
     </p:extLst>
   </p:cSld>

--- a/attachments/AnimacaoFlavioCoutinho.pptx
+++ b/attachments/AnimacaoFlavioCoutinho.pptx
@@ -5,7 +5,7 @@
     <p:sldMasterId id="2147483756" r:id="rId1"/>
   </p:sldMasterIdLst>
   <p:notesMasterIdLst>
-    <p:notesMasterId r:id="rId33"/>
+    <p:notesMasterId r:id="rId34"/>
   </p:notesMasterIdLst>
   <p:sldIdLst>
     <p:sldId id="256" r:id="rId2"/>
@@ -32,13 +32,14 @@
     <p:sldId id="273" r:id="rId23"/>
     <p:sldId id="274" r:id="rId24"/>
     <p:sldId id="275" r:id="rId25"/>
-    <p:sldId id="276" r:id="rId26"/>
-    <p:sldId id="277" r:id="rId27"/>
-    <p:sldId id="280" r:id="rId28"/>
-    <p:sldId id="281" r:id="rId29"/>
-    <p:sldId id="283" r:id="rId30"/>
-    <p:sldId id="284" r:id="rId31"/>
-    <p:sldId id="282" r:id="rId32"/>
+    <p:sldId id="288" r:id="rId26"/>
+    <p:sldId id="276" r:id="rId27"/>
+    <p:sldId id="277" r:id="rId28"/>
+    <p:sldId id="280" r:id="rId29"/>
+    <p:sldId id="281" r:id="rId30"/>
+    <p:sldId id="283" r:id="rId31"/>
+    <p:sldId id="284" r:id="rId32"/>
+    <p:sldId id="282" r:id="rId33"/>
   </p:sldIdLst>
   <p:sldSz cx="9144000" cy="6858000" type="screen4x3"/>
   <p:notesSz cx="6858000" cy="9144000"/>
@@ -222,7 +223,7 @@
           <a:p>
             <a:fld id="{00680337-0140-44CC-A93C-28169C4EDDC2}" type="datetimeFigureOut">
               <a:rPr lang="pt-BR" smtClean="0"/>
-              <a:t>02/06/2015</a:t>
+              <a:t>03/11/2015</a:t>
             </a:fld>
             <a:endParaRPr lang="pt-BR"/>
           </a:p>
@@ -757,7 +758,7 @@
       </p:grpSpPr>
       <p:sp>
         <p:nvSpPr>
-          <p:cNvPr id="74754" name="Rectangle 7"/>
+          <p:cNvPr id="73730" name="Rectangle 7"/>
           <p:cNvSpPr>
             <a:spLocks noGrp="1" noChangeArrowheads="1"/>
           </p:cNvSpPr>
@@ -909,7 +910,7 @@
                 <a:spcPct val="0"/>
               </a:spcBef>
             </a:pPr>
-            <a:fld id="{AF85E477-3222-48A5-85DD-C355E5036DFA}" type="slidenum">
+            <a:fld id="{0A27D13E-DE02-431C-971A-95C7289AC552}" type="slidenum">
               <a:rPr lang="en-US" altLang="pt-BR" smtClean="0"/>
               <a:pPr>
                 <a:spcBef>
@@ -924,7 +925,7 @@
       </p:sp>
       <p:sp>
         <p:nvSpPr>
-          <p:cNvPr id="74755" name="Rectangle 2"/>
+          <p:cNvPr id="73731" name="Rectangle 2"/>
           <p:cNvSpPr>
             <a:spLocks noGrp="1" noRot="1" noChangeAspect="1" noChangeArrowheads="1" noTextEdit="1"/>
           </p:cNvSpPr>
@@ -938,7 +939,7 @@
       </p:sp>
       <p:sp>
         <p:nvSpPr>
-          <p:cNvPr id="74756" name="Rectangle 3"/>
+          <p:cNvPr id="73732" name="Rectangle 3"/>
           <p:cNvSpPr>
             <a:spLocks noGrp="1" noChangeArrowheads="1"/>
           </p:cNvSpPr>
@@ -1005,7 +1006,7 @@
       </p:grpSpPr>
       <p:sp>
         <p:nvSpPr>
-          <p:cNvPr id="76802" name="Rectangle 7"/>
+          <p:cNvPr id="74754" name="Rectangle 7"/>
           <p:cNvSpPr>
             <a:spLocks noGrp="1" noChangeArrowheads="1"/>
           </p:cNvSpPr>
@@ -1157,6 +1158,254 @@
                 <a:spcPct val="0"/>
               </a:spcBef>
             </a:pPr>
+            <a:fld id="{AF85E477-3222-48A5-85DD-C355E5036DFA}" type="slidenum">
+              <a:rPr lang="en-US" altLang="pt-BR" smtClean="0"/>
+              <a:pPr>
+                <a:spcBef>
+                  <a:spcPct val="0"/>
+                </a:spcBef>
+              </a:pPr>
+              <a:t>26</a:t>
+            </a:fld>
+            <a:endParaRPr lang="en-US" altLang="pt-BR" smtClean="0"/>
+          </a:p>
+        </p:txBody>
+      </p:sp>
+      <p:sp>
+        <p:nvSpPr>
+          <p:cNvPr id="74755" name="Rectangle 2"/>
+          <p:cNvSpPr>
+            <a:spLocks noGrp="1" noRot="1" noChangeAspect="1" noChangeArrowheads="1" noTextEdit="1"/>
+          </p:cNvSpPr>
+          <p:nvPr>
+            <p:ph type="sldImg"/>
+          </p:nvPr>
+        </p:nvSpPr>
+        <p:spPr>
+          <a:ln/>
+        </p:spPr>
+      </p:sp>
+      <p:sp>
+        <p:nvSpPr>
+          <p:cNvPr id="74756" name="Rectangle 3"/>
+          <p:cNvSpPr>
+            <a:spLocks noGrp="1" noChangeArrowheads="1"/>
+          </p:cNvSpPr>
+          <p:nvPr>
+            <p:ph type="body" idx="1"/>
+          </p:nvPr>
+        </p:nvSpPr>
+        <p:spPr>
+          <a:noFill/>
+          <a:ln/>
+          <a:extLst>
+            <a:ext uri="{909E8E84-426E-40DD-AFC4-6F175D3DCCD1}">
+              <a14:hiddenFill xmlns:a14="http://schemas.microsoft.com/office/drawing/2010/main">
+                <a:solidFill>
+                  <a:srgbClr val="FFFFFF"/>
+                </a:solidFill>
+              </a14:hiddenFill>
+            </a:ext>
+            <a:ext uri="{91240B29-F687-4F45-9708-019B960494DF}">
+              <a14:hiddenLine xmlns:a14="http://schemas.microsoft.com/office/drawing/2010/main" w="9525">
+                <a:solidFill>
+                  <a:srgbClr val="000000"/>
+                </a:solidFill>
+                <a:miter lim="800000"/>
+                <a:headEnd/>
+                <a:tailEnd/>
+              </a14:hiddenLine>
+            </a:ext>
+          </a:extLst>
+        </p:spPr>
+        <p:txBody>
+          <a:bodyPr/>
+          <a:lstStyle/>
+          <a:p>
+            <a:pPr eaLnBrk="1" hangingPunct="1"/>
+            <a:endParaRPr lang="pt-BR" altLang="pt-BR" smtClean="0"/>
+          </a:p>
+        </p:txBody>
+      </p:sp>
+    </p:spTree>
+  </p:cSld>
+  <p:clrMapOvr>
+    <a:masterClrMapping/>
+  </p:clrMapOvr>
+</p:notes>
+</file>
+
+<file path=ppt/notesSlides/notesSlide12.xml><?xml version="1.0" encoding="utf-8"?>
+<p:notes xmlns:a="http://schemas.openxmlformats.org/drawingml/2006/main" xmlns:r="http://schemas.openxmlformats.org/officeDocument/2006/relationships" xmlns:p="http://schemas.openxmlformats.org/presentationml/2006/main">
+  <p:cSld>
+    <p:spTree>
+      <p:nvGrpSpPr>
+        <p:cNvPr id="1" name=""/>
+        <p:cNvGrpSpPr/>
+        <p:nvPr/>
+      </p:nvGrpSpPr>
+      <p:grpSpPr>
+        <a:xfrm>
+          <a:off x="0" y="0"/>
+          <a:ext cx="0" cy="0"/>
+          <a:chOff x="0" y="0"/>
+          <a:chExt cx="0" cy="0"/>
+        </a:xfrm>
+      </p:grpSpPr>
+      <p:sp>
+        <p:nvSpPr>
+          <p:cNvPr id="76802" name="Rectangle 7"/>
+          <p:cNvSpPr>
+            <a:spLocks noGrp="1" noChangeArrowheads="1"/>
+          </p:cNvSpPr>
+          <p:nvPr>
+            <p:ph type="sldNum" sz="quarter" idx="5"/>
+          </p:nvPr>
+        </p:nvSpPr>
+        <p:spPr>
+          <a:noFill/>
+          <a:ln/>
+          <a:extLst>
+            <a:ext uri="{909E8E84-426E-40DD-AFC4-6F175D3DCCD1}">
+              <a14:hiddenFill xmlns:a14="http://schemas.microsoft.com/office/drawing/2010/main">
+                <a:solidFill>
+                  <a:srgbClr val="FFFFFF"/>
+                </a:solidFill>
+              </a14:hiddenFill>
+            </a:ext>
+            <a:ext uri="{91240B29-F687-4F45-9708-019B960494DF}">
+              <a14:hiddenLine xmlns:a14="http://schemas.microsoft.com/office/drawing/2010/main" w="9525">
+                <a:solidFill>
+                  <a:srgbClr val="000000"/>
+                </a:solidFill>
+                <a:miter lim="800000"/>
+                <a:headEnd/>
+                <a:tailEnd/>
+              </a14:hiddenLine>
+            </a:ext>
+          </a:extLst>
+        </p:spPr>
+        <p:txBody>
+          <a:bodyPr/>
+          <a:lstStyle>
+            <a:lvl1pPr eaLnBrk="0" hangingPunct="0">
+              <a:spcBef>
+                <a:spcPct val="30000"/>
+              </a:spcBef>
+              <a:defRPr sz="1200">
+                <a:solidFill>
+                  <a:schemeClr val="tx1"/>
+                </a:solidFill>
+                <a:latin typeface="Times New Roman" pitchFamily="18" charset="0"/>
+              </a:defRPr>
+            </a:lvl1pPr>
+            <a:lvl2pPr marL="742950" indent="-285750" eaLnBrk="0" hangingPunct="0">
+              <a:spcBef>
+                <a:spcPct val="30000"/>
+              </a:spcBef>
+              <a:defRPr sz="1200">
+                <a:solidFill>
+                  <a:schemeClr val="tx1"/>
+                </a:solidFill>
+                <a:latin typeface="Times New Roman" pitchFamily="18" charset="0"/>
+              </a:defRPr>
+            </a:lvl2pPr>
+            <a:lvl3pPr marL="1143000" indent="-228600" eaLnBrk="0" hangingPunct="0">
+              <a:spcBef>
+                <a:spcPct val="30000"/>
+              </a:spcBef>
+              <a:defRPr sz="1200">
+                <a:solidFill>
+                  <a:schemeClr val="tx1"/>
+                </a:solidFill>
+                <a:latin typeface="Times New Roman" pitchFamily="18" charset="0"/>
+              </a:defRPr>
+            </a:lvl3pPr>
+            <a:lvl4pPr marL="1600200" indent="-228600" eaLnBrk="0" hangingPunct="0">
+              <a:spcBef>
+                <a:spcPct val="30000"/>
+              </a:spcBef>
+              <a:defRPr sz="1200">
+                <a:solidFill>
+                  <a:schemeClr val="tx1"/>
+                </a:solidFill>
+                <a:latin typeface="Times New Roman" pitchFamily="18" charset="0"/>
+              </a:defRPr>
+            </a:lvl4pPr>
+            <a:lvl5pPr marL="2057400" indent="-228600" eaLnBrk="0" hangingPunct="0">
+              <a:spcBef>
+                <a:spcPct val="30000"/>
+              </a:spcBef>
+              <a:defRPr sz="1200">
+                <a:solidFill>
+                  <a:schemeClr val="tx1"/>
+                </a:solidFill>
+                <a:latin typeface="Times New Roman" pitchFamily="18" charset="0"/>
+              </a:defRPr>
+            </a:lvl5pPr>
+            <a:lvl6pPr marL="2514600" indent="-228600" eaLnBrk="0" fontAlgn="base" hangingPunct="0">
+              <a:spcBef>
+                <a:spcPct val="30000"/>
+              </a:spcBef>
+              <a:spcAft>
+                <a:spcPct val="0"/>
+              </a:spcAft>
+              <a:defRPr sz="1200">
+                <a:solidFill>
+                  <a:schemeClr val="tx1"/>
+                </a:solidFill>
+                <a:latin typeface="Times New Roman" pitchFamily="18" charset="0"/>
+              </a:defRPr>
+            </a:lvl6pPr>
+            <a:lvl7pPr marL="2971800" indent="-228600" eaLnBrk="0" fontAlgn="base" hangingPunct="0">
+              <a:spcBef>
+                <a:spcPct val="30000"/>
+              </a:spcBef>
+              <a:spcAft>
+                <a:spcPct val="0"/>
+              </a:spcAft>
+              <a:defRPr sz="1200">
+                <a:solidFill>
+                  <a:schemeClr val="tx1"/>
+                </a:solidFill>
+                <a:latin typeface="Times New Roman" pitchFamily="18" charset="0"/>
+              </a:defRPr>
+            </a:lvl7pPr>
+            <a:lvl8pPr marL="3429000" indent="-228600" eaLnBrk="0" fontAlgn="base" hangingPunct="0">
+              <a:spcBef>
+                <a:spcPct val="30000"/>
+              </a:spcBef>
+              <a:spcAft>
+                <a:spcPct val="0"/>
+              </a:spcAft>
+              <a:defRPr sz="1200">
+                <a:solidFill>
+                  <a:schemeClr val="tx1"/>
+                </a:solidFill>
+                <a:latin typeface="Times New Roman" pitchFamily="18" charset="0"/>
+              </a:defRPr>
+            </a:lvl8pPr>
+            <a:lvl9pPr marL="3886200" indent="-228600" eaLnBrk="0" fontAlgn="base" hangingPunct="0">
+              <a:spcBef>
+                <a:spcPct val="30000"/>
+              </a:spcBef>
+              <a:spcAft>
+                <a:spcPct val="0"/>
+              </a:spcAft>
+              <a:defRPr sz="1200">
+                <a:solidFill>
+                  <a:schemeClr val="tx1"/>
+                </a:solidFill>
+                <a:latin typeface="Times New Roman" pitchFamily="18" charset="0"/>
+              </a:defRPr>
+            </a:lvl9pPr>
+          </a:lstStyle>
+          <a:p>
+            <a:pPr>
+              <a:spcBef>
+                <a:spcPct val="0"/>
+              </a:spcBef>
+            </a:pPr>
             <a:fld id="{D5532B8E-4F65-4CEE-8E07-1C80F31859B5}" type="slidenum">
               <a:rPr lang="en-US" altLang="pt-BR" smtClean="0"/>
               <a:pPr>
@@ -1164,7 +1413,7 @@
                   <a:spcPct val="0"/>
                 </a:spcBef>
               </a:pPr>
-              <a:t>26</a:t>
+              <a:t>27</a:t>
             </a:fld>
             <a:endParaRPr lang="en-US" altLang="pt-BR" smtClean="0"/>
           </a:p>
@@ -3412,7 +3661,7 @@
           <a:p>
             <a:fld id="{DA448AAB-2691-46C1-A34D-B11F2CCF3173}" type="datetimeFigureOut">
               <a:rPr lang="pt-BR" smtClean="0"/>
-              <a:t>02/06/2015</a:t>
+              <a:t>03/11/2015</a:t>
             </a:fld>
             <a:endParaRPr lang="pt-BR"/>
           </a:p>
@@ -3577,7 +3826,7 @@
           <a:p>
             <a:fld id="{DA448AAB-2691-46C1-A34D-B11F2CCF3173}" type="datetimeFigureOut">
               <a:rPr lang="pt-BR" smtClean="0"/>
-              <a:t>02/06/2015</a:t>
+              <a:t>03/11/2015</a:t>
             </a:fld>
             <a:endParaRPr lang="pt-BR"/>
           </a:p>
@@ -3752,7 +4001,7 @@
           <a:p>
             <a:fld id="{DA448AAB-2691-46C1-A34D-B11F2CCF3173}" type="datetimeFigureOut">
               <a:rPr lang="pt-BR" smtClean="0"/>
-              <a:t>02/06/2015</a:t>
+              <a:t>03/11/2015</a:t>
             </a:fld>
             <a:endParaRPr lang="pt-BR"/>
           </a:p>
@@ -3917,7 +4166,7 @@
           <a:p>
             <a:fld id="{DA448AAB-2691-46C1-A34D-B11F2CCF3173}" type="datetimeFigureOut">
               <a:rPr lang="pt-BR" smtClean="0"/>
-              <a:t>02/06/2015</a:t>
+              <a:t>03/11/2015</a:t>
             </a:fld>
             <a:endParaRPr lang="pt-BR"/>
           </a:p>
@@ -4158,7 +4407,7 @@
           <a:p>
             <a:fld id="{DA448AAB-2691-46C1-A34D-B11F2CCF3173}" type="datetimeFigureOut">
               <a:rPr lang="pt-BR" smtClean="0"/>
-              <a:t>02/06/2015</a:t>
+              <a:t>03/11/2015</a:t>
             </a:fld>
             <a:endParaRPr lang="pt-BR"/>
           </a:p>
@@ -4441,7 +4690,7 @@
           <a:p>
             <a:fld id="{DA448AAB-2691-46C1-A34D-B11F2CCF3173}" type="datetimeFigureOut">
               <a:rPr lang="pt-BR" smtClean="0"/>
-              <a:t>02/06/2015</a:t>
+              <a:t>03/11/2015</a:t>
             </a:fld>
             <a:endParaRPr lang="pt-BR"/>
           </a:p>
@@ -4870,7 +5119,7 @@
           <a:p>
             <a:fld id="{DA448AAB-2691-46C1-A34D-B11F2CCF3173}" type="datetimeFigureOut">
               <a:rPr lang="pt-BR" smtClean="0"/>
-              <a:t>02/06/2015</a:t>
+              <a:t>03/11/2015</a:t>
             </a:fld>
             <a:endParaRPr lang="pt-BR"/>
           </a:p>
@@ -4983,7 +5232,7 @@
           <a:p>
             <a:fld id="{DA448AAB-2691-46C1-A34D-B11F2CCF3173}" type="datetimeFigureOut">
               <a:rPr lang="pt-BR" smtClean="0"/>
-              <a:t>02/06/2015</a:t>
+              <a:t>03/11/2015</a:t>
             </a:fld>
             <a:endParaRPr lang="pt-BR"/>
           </a:p>
@@ -5073,7 +5322,7 @@
           <a:p>
             <a:fld id="{DA448AAB-2691-46C1-A34D-B11F2CCF3173}" type="datetimeFigureOut">
               <a:rPr lang="pt-BR" smtClean="0"/>
-              <a:t>02/06/2015</a:t>
+              <a:t>03/11/2015</a:t>
             </a:fld>
             <a:endParaRPr lang="pt-BR"/>
           </a:p>
@@ -5262,7 +5511,7 @@
           <a:p>
             <a:fld id="{DA448AAB-2691-46C1-A34D-B11F2CCF3173}" type="datetimeFigureOut">
               <a:rPr lang="pt-BR" smtClean="0"/>
-              <a:t>02/06/2015</a:t>
+              <a:t>03/11/2015</a:t>
             </a:fld>
             <a:endParaRPr lang="pt-BR"/>
           </a:p>
@@ -5580,7 +5829,7 @@
           <a:p>
             <a:fld id="{DA448AAB-2691-46C1-A34D-B11F2CCF3173}" type="datetimeFigureOut">
               <a:rPr lang="pt-BR" smtClean="0"/>
-              <a:t>02/06/2015</a:t>
+              <a:t>03/11/2015</a:t>
             </a:fld>
             <a:endParaRPr lang="pt-BR"/>
           </a:p>
@@ -5959,7 +6208,7 @@
           <a:p>
             <a:fld id="{DA448AAB-2691-46C1-A34D-B11F2CCF3173}" type="datetimeFigureOut">
               <a:rPr lang="pt-BR" smtClean="0"/>
-              <a:t>02/06/2015</a:t>
+              <a:t>03/11/2015</a:t>
             </a:fld>
             <a:endParaRPr lang="pt-BR"/>
           </a:p>
@@ -6299,7 +6548,7 @@
           <a:p>
             <a:r>
               <a:rPr lang="pt-BR" dirty="0" smtClean="0"/>
-              <a:t>Animação em</a:t>
+              <a:t>Animação</a:t>
             </a:r>
             <a:endParaRPr lang="pt-BR" dirty="0"/>
           </a:p>
@@ -6327,7 +6576,11 @@
           <a:p>
             <a:r>
               <a:rPr lang="pt-BR" dirty="0" smtClean="0"/>
-              <a:t>Computação Gráfica</a:t>
+              <a:t>em Computação </a:t>
+            </a:r>
+            <a:r>
+              <a:rPr lang="pt-BR" dirty="0" smtClean="0"/>
+              <a:t>Gráfica</a:t>
             </a:r>
           </a:p>
           <a:p>
@@ -7156,6 +7409,67 @@
           <a:chExt cx="0" cy="0"/>
         </a:xfrm>
       </p:grpSpPr>
+      <p:pic>
+        <p:nvPicPr>
+          <p:cNvPr id="31" name="Picture 5"/>
+          <p:cNvPicPr>
+            <a:picLocks noChangeAspect="1" noChangeArrowheads="1"/>
+          </p:cNvPicPr>
+          <p:nvPr/>
+        </p:nvPicPr>
+        <p:blipFill>
+          <a:blip r:embed="rId2">
+            <a:duotone>
+              <a:schemeClr val="bg2">
+                <a:shade val="45000"/>
+                <a:satMod val="135000"/>
+              </a:schemeClr>
+              <a:prstClr val="white"/>
+            </a:duotone>
+            <a:extLst>
+              <a:ext uri="{28A0092B-C50C-407E-A947-70E740481C1C}">
+                <a14:useLocalDpi xmlns:a14="http://schemas.microsoft.com/office/drawing/2010/main" val="0"/>
+              </a:ext>
+            </a:extLst>
+          </a:blip>
+          <a:srcRect/>
+          <a:stretch>
+            <a:fillRect/>
+          </a:stretch>
+        </p:blipFill>
+        <p:spPr bwMode="auto">
+          <a:xfrm>
+            <a:off x="6263481" y="30783"/>
+            <a:ext cx="2161327" cy="1550186"/>
+          </a:xfrm>
+          <a:prstGeom prst="rect">
+            <a:avLst/>
+          </a:prstGeom>
+          <a:noFill/>
+          <a:ln>
+            <a:noFill/>
+          </a:ln>
+          <a:extLst>
+            <a:ext uri="{909E8E84-426E-40DD-AFC4-6F175D3DCCD1}">
+              <a14:hiddenFill xmlns:a14="http://schemas.microsoft.com/office/drawing/2010/main">
+                <a:solidFill>
+                  <a:srgbClr val="FFFFFF"/>
+                </a:solidFill>
+              </a14:hiddenFill>
+            </a:ext>
+            <a:ext uri="{91240B29-F687-4F45-9708-019B960494DF}">
+              <a14:hiddenLine xmlns:a14="http://schemas.microsoft.com/office/drawing/2010/main" w="9525">
+                <a:solidFill>
+                  <a:srgbClr val="000000"/>
+                </a:solidFill>
+                <a:miter lim="800000"/>
+                <a:headEnd/>
+                <a:tailEnd/>
+              </a14:hiddenLine>
+            </a:ext>
+          </a:extLst>
+        </p:spPr>
+      </p:pic>
       <p:sp>
         <p:nvSpPr>
           <p:cNvPr id="2" name="Título 1"/>
@@ -9814,7 +10128,7 @@
           <p:nvPr/>
         </p:nvPicPr>
         <p:blipFill>
-          <a:blip r:embed="rId2">
+          <a:blip r:embed="rId3">
             <a:extLst>
               <a:ext uri="{28A0092B-C50C-407E-A947-70E740481C1C}">
                 <a14:useLocalDpi xmlns:a14="http://schemas.microsoft.com/office/drawing/2010/main" val="0"/>
@@ -9869,6 +10183,50 @@
           </a:extLst>
         </p:spPr>
       </p:pic>
+      <p:sp>
+        <p:nvSpPr>
+          <p:cNvPr id="4" name="Retângulo 3"/>
+          <p:cNvSpPr/>
+          <p:nvPr/>
+        </p:nvSpPr>
+        <p:spPr>
+          <a:xfrm>
+            <a:off x="7020272" y="1124744"/>
+            <a:ext cx="511324" cy="144016"/>
+          </a:xfrm>
+          <a:prstGeom prst="rect">
+            <a:avLst/>
+          </a:prstGeom>
+          <a:noFill/>
+          <a:ln w="57150">
+            <a:solidFill>
+              <a:srgbClr val="0070C0"/>
+            </a:solidFill>
+          </a:ln>
+        </p:spPr>
+        <p:style>
+          <a:lnRef idx="2">
+            <a:schemeClr val="accent6"/>
+          </a:lnRef>
+          <a:fillRef idx="1">
+            <a:schemeClr val="lt1"/>
+          </a:fillRef>
+          <a:effectRef idx="0">
+            <a:schemeClr val="accent6"/>
+          </a:effectRef>
+          <a:fontRef idx="minor">
+            <a:schemeClr val="dk1"/>
+          </a:fontRef>
+        </p:style>
+        <p:txBody>
+          <a:bodyPr rtlCol="0" anchor="ctr"/>
+          <a:lstStyle/>
+          <a:p>
+            <a:pPr algn="ctr"/>
+            <a:endParaRPr lang="pt-BR"/>
+          </a:p>
+        </p:txBody>
+      </p:sp>
     </p:spTree>
     <p:extLst>
       <p:ext uri="{BB962C8B-B14F-4D97-AF65-F5344CB8AC3E}">
@@ -9966,7 +10324,7 @@
 </file>
 
 <file path=ppt/slides/slide16.xml><?xml version="1.0" encoding="utf-8"?>
-<p:sld xmlns:a="http://schemas.openxmlformats.org/drawingml/2006/main" xmlns:r="http://schemas.openxmlformats.org/officeDocument/2006/relationships" xmlns:p="http://schemas.openxmlformats.org/presentationml/2006/main">
+<p:sld xmlns:a="http://schemas.openxmlformats.org/drawingml/2006/main" xmlns:r="http://schemas.openxmlformats.org/officeDocument/2006/relationships" xmlns:p="http://schemas.openxmlformats.org/presentationml/2006/main" show="0">
   <p:cSld>
     <p:spTree>
       <p:nvGrpSpPr>
@@ -10038,11 +10396,7 @@
           <a:p>
             <a:r>
               <a:rPr lang="pt-BR" dirty="0" smtClean="0"/>
-              <a:t>Exemplo no </a:t>
-            </a:r>
-            <a:r>
-              <a:rPr lang="pt-BR" dirty="0" smtClean="0"/>
-              <a:t>3d </a:t>
+              <a:t>Exemplo no 3d </a:t>
             </a:r>
             <a:r>
               <a:rPr lang="pt-BR" dirty="0" err="1" smtClean="0"/>
@@ -10062,6 +10416,14 @@
   <p:clrMapOvr>
     <a:masterClrMapping/>
   </p:clrMapOvr>
+  <mc:AlternateContent xmlns:mc="http://schemas.openxmlformats.org/markup-compatibility/2006">
+    <mc:Choice xmlns:p14="http://schemas.microsoft.com/office/powerpoint/2010/main" Requires="p14">
+      <p:transition spd="slow" p14:dur="2000"/>
+    </mc:Choice>
+    <mc:Fallback>
+      <p:transition spd="slow"/>
+    </mc:Fallback>
+  </mc:AlternateContent>
   <p:timing>
     <p:tnLst>
       <p:par>
@@ -10089,6 +10451,111 @@
           <a:chExt cx="0" cy="0"/>
         </a:xfrm>
       </p:grpSpPr>
+      <p:pic>
+        <p:nvPicPr>
+          <p:cNvPr id="5" name="Picture 5"/>
+          <p:cNvPicPr>
+            <a:picLocks noChangeAspect="1" noChangeArrowheads="1"/>
+          </p:cNvPicPr>
+          <p:nvPr/>
+        </p:nvPicPr>
+        <p:blipFill>
+          <a:blip r:embed="rId3">
+            <a:duotone>
+              <a:schemeClr val="bg2">
+                <a:shade val="45000"/>
+                <a:satMod val="135000"/>
+              </a:schemeClr>
+              <a:prstClr val="white"/>
+            </a:duotone>
+            <a:extLst>
+              <a:ext uri="{28A0092B-C50C-407E-A947-70E740481C1C}">
+                <a14:useLocalDpi xmlns:a14="http://schemas.microsoft.com/office/drawing/2010/main" val="0"/>
+              </a:ext>
+            </a:extLst>
+          </a:blip>
+          <a:srcRect/>
+          <a:stretch>
+            <a:fillRect/>
+          </a:stretch>
+        </p:blipFill>
+        <p:spPr bwMode="auto">
+          <a:xfrm>
+            <a:off x="6263481" y="30783"/>
+            <a:ext cx="2161327" cy="1550186"/>
+          </a:xfrm>
+          <a:prstGeom prst="rect">
+            <a:avLst/>
+          </a:prstGeom>
+          <a:noFill/>
+          <a:ln>
+            <a:noFill/>
+          </a:ln>
+          <a:extLst>
+            <a:ext uri="{909E8E84-426E-40DD-AFC4-6F175D3DCCD1}">
+              <a14:hiddenFill xmlns:a14="http://schemas.microsoft.com/office/drawing/2010/main">
+                <a:solidFill>
+                  <a:srgbClr val="FFFFFF"/>
+                </a:solidFill>
+              </a14:hiddenFill>
+            </a:ext>
+            <a:ext uri="{91240B29-F687-4F45-9708-019B960494DF}">
+              <a14:hiddenLine xmlns:a14="http://schemas.microsoft.com/office/drawing/2010/main" w="9525">
+                <a:solidFill>
+                  <a:srgbClr val="000000"/>
+                </a:solidFill>
+                <a:miter lim="800000"/>
+                <a:headEnd/>
+                <a:tailEnd/>
+              </a14:hiddenLine>
+            </a:ext>
+          </a:extLst>
+        </p:spPr>
+      </p:pic>
+      <p:sp>
+        <p:nvSpPr>
+          <p:cNvPr id="6" name="Retângulo 5"/>
+          <p:cNvSpPr/>
+          <p:nvPr/>
+        </p:nvSpPr>
+        <p:spPr>
+          <a:xfrm>
+            <a:off x="7020272" y="1124744"/>
+            <a:ext cx="511324" cy="144016"/>
+          </a:xfrm>
+          <a:prstGeom prst="rect">
+            <a:avLst/>
+          </a:prstGeom>
+          <a:noFill/>
+          <a:ln w="57150">
+            <a:solidFill>
+              <a:srgbClr val="0070C0"/>
+            </a:solidFill>
+          </a:ln>
+        </p:spPr>
+        <p:style>
+          <a:lnRef idx="2">
+            <a:schemeClr val="accent6"/>
+          </a:lnRef>
+          <a:fillRef idx="1">
+            <a:schemeClr val="lt1"/>
+          </a:fillRef>
+          <a:effectRef idx="0">
+            <a:schemeClr val="accent6"/>
+          </a:effectRef>
+          <a:fontRef idx="minor">
+            <a:schemeClr val="dk1"/>
+          </a:fontRef>
+        </p:style>
+        <p:txBody>
+          <a:bodyPr rtlCol="0" anchor="ctr"/>
+          <a:lstStyle/>
+          <a:p>
+            <a:pPr algn="ctr"/>
+            <a:endParaRPr lang="pt-BR"/>
+          </a:p>
+        </p:txBody>
+      </p:sp>
       <p:sp>
         <p:nvSpPr>
           <p:cNvPr id="23554" name="Rectangle 2"/>
@@ -10116,10 +10583,18 @@
               <a:t> básicas do </a:t>
             </a:r>
             <a:r>
-              <a:rPr lang="pt-BR" i="1" dirty="0" err="1" smtClean="0"/>
+              <a:rPr lang="pt-BR" i="1" dirty="0" err="1" smtClean="0">
+                <a:solidFill>
+                  <a:srgbClr val="0070C0"/>
+                </a:solidFill>
+              </a:rPr>
               <a:t>keyframing</a:t>
             </a:r>
-            <a:endParaRPr lang="pt-BR" i="1" dirty="0" smtClean="0"/>
+            <a:endParaRPr lang="pt-BR" i="1" dirty="0" smtClean="0">
+              <a:solidFill>
+                <a:srgbClr val="0070C0"/>
+              </a:solidFill>
+            </a:endParaRPr>
           </a:p>
         </p:txBody>
       </p:sp>
@@ -10153,13 +10628,8 @@
             </a:r>
             <a:r>
               <a:rPr lang="pt-BR" sz="2400" dirty="0" smtClean="0"/>
-              <a:t> em </a:t>
-            </a:r>
-            <a:r>
-              <a:rPr lang="pt-BR" sz="2400" dirty="0" smtClean="0"/>
-              <a:t>si</a:t>
-            </a:r>
-            <a:endParaRPr lang="pt-BR" sz="2400" dirty="0" smtClean="0"/>
+              <a:t> em si</a:t>
+            </a:r>
           </a:p>
           <a:p>
             <a:pPr eaLnBrk="1" hangingPunct="1">
@@ -10215,7 +10685,7 @@
           <p:nvPr/>
         </p:nvPicPr>
         <p:blipFill>
-          <a:blip r:embed="rId3">
+          <a:blip r:embed="rId4">
             <a:extLst>
               <a:ext uri="{28A0092B-C50C-407E-A947-70E740481C1C}">
                 <a14:useLocalDpi xmlns:a14="http://schemas.microsoft.com/office/drawing/2010/main" val="0"/>
@@ -10540,6 +11010,111 @@
           </a:extLst>
         </p:spPr>
       </p:pic>
+      <p:pic>
+        <p:nvPicPr>
+          <p:cNvPr id="6" name="Picture 5"/>
+          <p:cNvPicPr>
+            <a:picLocks noChangeAspect="1" noChangeArrowheads="1"/>
+          </p:cNvPicPr>
+          <p:nvPr/>
+        </p:nvPicPr>
+        <p:blipFill>
+          <a:blip r:embed="rId4">
+            <a:duotone>
+              <a:schemeClr val="bg2">
+                <a:shade val="45000"/>
+                <a:satMod val="135000"/>
+              </a:schemeClr>
+              <a:prstClr val="white"/>
+            </a:duotone>
+            <a:extLst>
+              <a:ext uri="{28A0092B-C50C-407E-A947-70E740481C1C}">
+                <a14:useLocalDpi xmlns:a14="http://schemas.microsoft.com/office/drawing/2010/main" val="0"/>
+              </a:ext>
+            </a:extLst>
+          </a:blip>
+          <a:srcRect/>
+          <a:stretch>
+            <a:fillRect/>
+          </a:stretch>
+        </p:blipFill>
+        <p:spPr bwMode="auto">
+          <a:xfrm>
+            <a:off x="6263481" y="30783"/>
+            <a:ext cx="2161327" cy="1550186"/>
+          </a:xfrm>
+          <a:prstGeom prst="rect">
+            <a:avLst/>
+          </a:prstGeom>
+          <a:noFill/>
+          <a:ln>
+            <a:noFill/>
+          </a:ln>
+          <a:extLst>
+            <a:ext uri="{909E8E84-426E-40DD-AFC4-6F175D3DCCD1}">
+              <a14:hiddenFill xmlns:a14="http://schemas.microsoft.com/office/drawing/2010/main">
+                <a:solidFill>
+                  <a:srgbClr val="FFFFFF"/>
+                </a:solidFill>
+              </a14:hiddenFill>
+            </a:ext>
+            <a:ext uri="{91240B29-F687-4F45-9708-019B960494DF}">
+              <a14:hiddenLine xmlns:a14="http://schemas.microsoft.com/office/drawing/2010/main" w="9525">
+                <a:solidFill>
+                  <a:srgbClr val="000000"/>
+                </a:solidFill>
+                <a:miter lim="800000"/>
+                <a:headEnd/>
+                <a:tailEnd/>
+              </a14:hiddenLine>
+            </a:ext>
+          </a:extLst>
+        </p:spPr>
+      </p:pic>
+      <p:sp>
+        <p:nvSpPr>
+          <p:cNvPr id="7" name="Retângulo 6"/>
+          <p:cNvSpPr/>
+          <p:nvPr/>
+        </p:nvSpPr>
+        <p:spPr>
+          <a:xfrm>
+            <a:off x="7020272" y="1124744"/>
+            <a:ext cx="511324" cy="144016"/>
+          </a:xfrm>
+          <a:prstGeom prst="rect">
+            <a:avLst/>
+          </a:prstGeom>
+          <a:noFill/>
+          <a:ln w="57150">
+            <a:solidFill>
+              <a:srgbClr val="0070C0"/>
+            </a:solidFill>
+          </a:ln>
+        </p:spPr>
+        <p:style>
+          <a:lnRef idx="2">
+            <a:schemeClr val="accent6"/>
+          </a:lnRef>
+          <a:fillRef idx="1">
+            <a:schemeClr val="lt1"/>
+          </a:fillRef>
+          <a:effectRef idx="0">
+            <a:schemeClr val="accent6"/>
+          </a:effectRef>
+          <a:fontRef idx="minor">
+            <a:schemeClr val="dk1"/>
+          </a:fontRef>
+        </p:style>
+        <p:txBody>
+          <a:bodyPr rtlCol="0" anchor="ctr"/>
+          <a:lstStyle/>
+          <a:p>
+            <a:pPr algn="ctr"/>
+            <a:endParaRPr lang="pt-BR"/>
+          </a:p>
+        </p:txBody>
+      </p:sp>
     </p:spTree>
     <p:extLst>
       <p:ext uri="{BB962C8B-B14F-4D97-AF65-F5344CB8AC3E}">
@@ -10577,6 +11152,111 @@
           <a:chExt cx="0" cy="0"/>
         </a:xfrm>
       </p:grpSpPr>
+      <p:pic>
+        <p:nvPicPr>
+          <p:cNvPr id="4" name="Picture 5"/>
+          <p:cNvPicPr>
+            <a:picLocks noChangeAspect="1" noChangeArrowheads="1"/>
+          </p:cNvPicPr>
+          <p:nvPr/>
+        </p:nvPicPr>
+        <p:blipFill>
+          <a:blip r:embed="rId3">
+            <a:duotone>
+              <a:schemeClr val="bg2">
+                <a:shade val="45000"/>
+                <a:satMod val="135000"/>
+              </a:schemeClr>
+              <a:prstClr val="white"/>
+            </a:duotone>
+            <a:extLst>
+              <a:ext uri="{28A0092B-C50C-407E-A947-70E740481C1C}">
+                <a14:useLocalDpi xmlns:a14="http://schemas.microsoft.com/office/drawing/2010/main" val="0"/>
+              </a:ext>
+            </a:extLst>
+          </a:blip>
+          <a:srcRect/>
+          <a:stretch>
+            <a:fillRect/>
+          </a:stretch>
+        </p:blipFill>
+        <p:spPr bwMode="auto">
+          <a:xfrm>
+            <a:off x="6263481" y="30783"/>
+            <a:ext cx="2161327" cy="1550186"/>
+          </a:xfrm>
+          <a:prstGeom prst="rect">
+            <a:avLst/>
+          </a:prstGeom>
+          <a:noFill/>
+          <a:ln>
+            <a:noFill/>
+          </a:ln>
+          <a:extLst>
+            <a:ext uri="{909E8E84-426E-40DD-AFC4-6F175D3DCCD1}">
+              <a14:hiddenFill xmlns:a14="http://schemas.microsoft.com/office/drawing/2010/main">
+                <a:solidFill>
+                  <a:srgbClr val="FFFFFF"/>
+                </a:solidFill>
+              </a14:hiddenFill>
+            </a:ext>
+            <a:ext uri="{91240B29-F687-4F45-9708-019B960494DF}">
+              <a14:hiddenLine xmlns:a14="http://schemas.microsoft.com/office/drawing/2010/main" w="9525">
+                <a:solidFill>
+                  <a:srgbClr val="000000"/>
+                </a:solidFill>
+                <a:miter lim="800000"/>
+                <a:headEnd/>
+                <a:tailEnd/>
+              </a14:hiddenLine>
+            </a:ext>
+          </a:extLst>
+        </p:spPr>
+      </p:pic>
+      <p:sp>
+        <p:nvSpPr>
+          <p:cNvPr id="5" name="Retângulo 4"/>
+          <p:cNvSpPr/>
+          <p:nvPr/>
+        </p:nvSpPr>
+        <p:spPr>
+          <a:xfrm>
+            <a:off x="7020272" y="1124744"/>
+            <a:ext cx="511324" cy="144016"/>
+          </a:xfrm>
+          <a:prstGeom prst="rect">
+            <a:avLst/>
+          </a:prstGeom>
+          <a:noFill/>
+          <a:ln w="57150">
+            <a:solidFill>
+              <a:srgbClr val="0070C0"/>
+            </a:solidFill>
+          </a:ln>
+        </p:spPr>
+        <p:style>
+          <a:lnRef idx="2">
+            <a:schemeClr val="accent6"/>
+          </a:lnRef>
+          <a:fillRef idx="1">
+            <a:schemeClr val="lt1"/>
+          </a:fillRef>
+          <a:effectRef idx="0">
+            <a:schemeClr val="accent6"/>
+          </a:effectRef>
+          <a:fontRef idx="minor">
+            <a:schemeClr val="dk1"/>
+          </a:fontRef>
+        </p:style>
+        <p:txBody>
+          <a:bodyPr rtlCol="0" anchor="ctr"/>
+          <a:lstStyle/>
+          <a:p>
+            <a:pPr algn="ctr"/>
+            <a:endParaRPr lang="pt-BR"/>
+          </a:p>
+        </p:txBody>
+      </p:sp>
       <p:sp>
         <p:nvSpPr>
           <p:cNvPr id="25602" name="Rectangle 2"/>
@@ -10767,7 +11447,7 @@
         <p:spPr/>
         <p:txBody>
           <a:bodyPr>
-            <a:normAutofit/>
+            <a:normAutofit fontScale="92500" lnSpcReduction="20000"/>
           </a:bodyPr>
           <a:lstStyle/>
           <a:p>
@@ -10779,15 +11459,89 @@
           <a:p>
             <a:r>
               <a:rPr lang="pt-BR" sz="3200" dirty="0" smtClean="0"/>
-              <a:t>Tipos de criação de Animação</a:t>
-            </a:r>
-          </a:p>
-          <a:p>
+              <a:t>Tipos de criação de </a:t>
+            </a:r>
             <a:r>
               <a:rPr lang="pt-BR" sz="3200" dirty="0" smtClean="0"/>
-              <a:t>Técnicas de Animação</a:t>
-            </a:r>
-            <a:endParaRPr lang="pt-BR" sz="3200" dirty="0"/>
+              <a:t>Animação</a:t>
+            </a:r>
+          </a:p>
+          <a:p>
+            <a:pPr lvl="1"/>
+            <a:r>
+              <a:rPr lang="pt-BR" sz="3000" i="1" dirty="0" err="1" smtClean="0"/>
+              <a:t>Keyframes</a:t>
+            </a:r>
+            <a:endParaRPr lang="pt-BR" sz="3000" i="1" dirty="0" smtClean="0"/>
+          </a:p>
+          <a:p>
+            <a:pPr lvl="1"/>
+            <a:r>
+              <a:rPr lang="pt-BR" sz="3000" dirty="0" smtClean="0"/>
+              <a:t>Procedural</a:t>
+            </a:r>
+          </a:p>
+          <a:p>
+            <a:pPr lvl="1"/>
+            <a:r>
+              <a:rPr lang="pt-BR" sz="3000" dirty="0" smtClean="0"/>
+              <a:t>Dinâmica</a:t>
+            </a:r>
+          </a:p>
+          <a:p>
+            <a:pPr lvl="1"/>
+            <a:r>
+              <a:rPr lang="pt-BR" sz="3000" dirty="0" smtClean="0"/>
+              <a:t>Comportamental</a:t>
+            </a:r>
+          </a:p>
+          <a:p>
+            <a:pPr lvl="1"/>
+            <a:r>
+              <a:rPr lang="pt-BR" sz="3000" dirty="0" smtClean="0"/>
+              <a:t>Performance</a:t>
+            </a:r>
+          </a:p>
+          <a:p>
+            <a:pPr lvl="1"/>
+            <a:r>
+              <a:rPr lang="pt-BR" sz="3000" dirty="0" smtClean="0"/>
+              <a:t>Altíssimo nível</a:t>
+            </a:r>
+            <a:endParaRPr lang="pt-BR" sz="3000" dirty="0" smtClean="0"/>
+          </a:p>
+          <a:p>
+            <a:r>
+              <a:rPr lang="pt-BR" sz="3200" dirty="0" smtClean="0"/>
+              <a:t>Técnicas de </a:t>
+            </a:r>
+            <a:r>
+              <a:rPr lang="pt-BR" sz="3200" dirty="0" smtClean="0"/>
+              <a:t>Animação</a:t>
+            </a:r>
+          </a:p>
+          <a:p>
+            <a:pPr lvl="1"/>
+            <a:r>
+              <a:rPr lang="pt-BR" sz="3000" dirty="0" smtClean="0"/>
+              <a:t>Cinemática “</a:t>
+            </a:r>
+            <a:r>
+              <a:rPr lang="pt-BR" sz="3000" dirty="0" err="1" smtClean="0"/>
+              <a:t>Forward</a:t>
+            </a:r>
+            <a:r>
+              <a:rPr lang="pt-BR" sz="3000" dirty="0" smtClean="0"/>
+              <a:t>” (Direta)</a:t>
+            </a:r>
+          </a:p>
+          <a:p>
+            <a:pPr lvl="1"/>
+            <a:r>
+              <a:rPr lang="pt-BR" sz="3000" dirty="0" smtClean="0"/>
+              <a:t>Cinemática Inversa (IK)</a:t>
+            </a:r>
+            <a:endParaRPr lang="pt-BR" sz="3000" dirty="0"/>
           </a:p>
         </p:txBody>
       </p:sp>
@@ -11133,6 +11887,111 @@
           </a:p>
         </p:txBody>
       </p:sp>
+      <p:pic>
+        <p:nvPicPr>
+          <p:cNvPr id="4" name="Picture 5"/>
+          <p:cNvPicPr>
+            <a:picLocks noChangeAspect="1" noChangeArrowheads="1"/>
+          </p:cNvPicPr>
+          <p:nvPr/>
+        </p:nvPicPr>
+        <p:blipFill>
+          <a:blip r:embed="rId3">
+            <a:duotone>
+              <a:schemeClr val="bg2">
+                <a:shade val="45000"/>
+                <a:satMod val="135000"/>
+              </a:schemeClr>
+              <a:prstClr val="white"/>
+            </a:duotone>
+            <a:extLst>
+              <a:ext uri="{28A0092B-C50C-407E-A947-70E740481C1C}">
+                <a14:useLocalDpi xmlns:a14="http://schemas.microsoft.com/office/drawing/2010/main" val="0"/>
+              </a:ext>
+            </a:extLst>
+          </a:blip>
+          <a:srcRect/>
+          <a:stretch>
+            <a:fillRect/>
+          </a:stretch>
+        </p:blipFill>
+        <p:spPr bwMode="auto">
+          <a:xfrm>
+            <a:off x="6263481" y="30783"/>
+            <a:ext cx="2161327" cy="1550186"/>
+          </a:xfrm>
+          <a:prstGeom prst="rect">
+            <a:avLst/>
+          </a:prstGeom>
+          <a:noFill/>
+          <a:ln>
+            <a:noFill/>
+          </a:ln>
+          <a:extLst>
+            <a:ext uri="{909E8E84-426E-40DD-AFC4-6F175D3DCCD1}">
+              <a14:hiddenFill xmlns:a14="http://schemas.microsoft.com/office/drawing/2010/main">
+                <a:solidFill>
+                  <a:srgbClr val="FFFFFF"/>
+                </a:solidFill>
+              </a14:hiddenFill>
+            </a:ext>
+            <a:ext uri="{91240B29-F687-4F45-9708-019B960494DF}">
+              <a14:hiddenLine xmlns:a14="http://schemas.microsoft.com/office/drawing/2010/main" w="9525">
+                <a:solidFill>
+                  <a:srgbClr val="000000"/>
+                </a:solidFill>
+                <a:miter lim="800000"/>
+                <a:headEnd/>
+                <a:tailEnd/>
+              </a14:hiddenLine>
+            </a:ext>
+          </a:extLst>
+        </p:spPr>
+      </p:pic>
+      <p:sp>
+        <p:nvSpPr>
+          <p:cNvPr id="5" name="Retângulo 4"/>
+          <p:cNvSpPr/>
+          <p:nvPr/>
+        </p:nvSpPr>
+        <p:spPr>
+          <a:xfrm>
+            <a:off x="7020272" y="880254"/>
+            <a:ext cx="511324" cy="144016"/>
+          </a:xfrm>
+          <a:prstGeom prst="rect">
+            <a:avLst/>
+          </a:prstGeom>
+          <a:noFill/>
+          <a:ln w="57150">
+            <a:solidFill>
+              <a:srgbClr val="0070C0"/>
+            </a:solidFill>
+          </a:ln>
+        </p:spPr>
+        <p:style>
+          <a:lnRef idx="2">
+            <a:schemeClr val="accent6"/>
+          </a:lnRef>
+          <a:fillRef idx="1">
+            <a:schemeClr val="lt1"/>
+          </a:fillRef>
+          <a:effectRef idx="0">
+            <a:schemeClr val="accent6"/>
+          </a:effectRef>
+          <a:fontRef idx="minor">
+            <a:schemeClr val="dk1"/>
+          </a:fontRef>
+        </p:style>
+        <p:txBody>
+          <a:bodyPr rtlCol="0" anchor="ctr"/>
+          <a:lstStyle/>
+          <a:p>
+            <a:pPr algn="ctr"/>
+            <a:endParaRPr lang="pt-BR"/>
+          </a:p>
+        </p:txBody>
+      </p:sp>
     </p:spTree>
     <p:extLst>
       <p:ext uri="{BB962C8B-B14F-4D97-AF65-F5344CB8AC3E}">
@@ -11170,6 +12029,111 @@
           <a:chExt cx="0" cy="0"/>
         </a:xfrm>
       </p:grpSpPr>
+      <p:pic>
+        <p:nvPicPr>
+          <p:cNvPr id="4" name="Picture 5"/>
+          <p:cNvPicPr>
+            <a:picLocks noChangeAspect="1" noChangeArrowheads="1"/>
+          </p:cNvPicPr>
+          <p:nvPr/>
+        </p:nvPicPr>
+        <p:blipFill>
+          <a:blip r:embed="rId3">
+            <a:duotone>
+              <a:schemeClr val="bg2">
+                <a:shade val="45000"/>
+                <a:satMod val="135000"/>
+              </a:schemeClr>
+              <a:prstClr val="white"/>
+            </a:duotone>
+            <a:extLst>
+              <a:ext uri="{28A0092B-C50C-407E-A947-70E740481C1C}">
+                <a14:useLocalDpi xmlns:a14="http://schemas.microsoft.com/office/drawing/2010/main" val="0"/>
+              </a:ext>
+            </a:extLst>
+          </a:blip>
+          <a:srcRect/>
+          <a:stretch>
+            <a:fillRect/>
+          </a:stretch>
+        </p:blipFill>
+        <p:spPr bwMode="auto">
+          <a:xfrm>
+            <a:off x="6263481" y="30783"/>
+            <a:ext cx="2161327" cy="1550186"/>
+          </a:xfrm>
+          <a:prstGeom prst="rect">
+            <a:avLst/>
+          </a:prstGeom>
+          <a:noFill/>
+          <a:ln>
+            <a:noFill/>
+          </a:ln>
+          <a:extLst>
+            <a:ext uri="{909E8E84-426E-40DD-AFC4-6F175D3DCCD1}">
+              <a14:hiddenFill xmlns:a14="http://schemas.microsoft.com/office/drawing/2010/main">
+                <a:solidFill>
+                  <a:srgbClr val="FFFFFF"/>
+                </a:solidFill>
+              </a14:hiddenFill>
+            </a:ext>
+            <a:ext uri="{91240B29-F687-4F45-9708-019B960494DF}">
+              <a14:hiddenLine xmlns:a14="http://schemas.microsoft.com/office/drawing/2010/main" w="9525">
+                <a:solidFill>
+                  <a:srgbClr val="000000"/>
+                </a:solidFill>
+                <a:miter lim="800000"/>
+                <a:headEnd/>
+                <a:tailEnd/>
+              </a14:hiddenLine>
+            </a:ext>
+          </a:extLst>
+        </p:spPr>
+      </p:pic>
+      <p:sp>
+        <p:nvSpPr>
+          <p:cNvPr id="5" name="Retângulo 4"/>
+          <p:cNvSpPr/>
+          <p:nvPr/>
+        </p:nvSpPr>
+        <p:spPr>
+          <a:xfrm>
+            <a:off x="6901620" y="620688"/>
+            <a:ext cx="748629" cy="144016"/>
+          </a:xfrm>
+          <a:prstGeom prst="rect">
+            <a:avLst/>
+          </a:prstGeom>
+          <a:noFill/>
+          <a:ln w="57150">
+            <a:solidFill>
+              <a:srgbClr val="0070C0"/>
+            </a:solidFill>
+          </a:ln>
+        </p:spPr>
+        <p:style>
+          <a:lnRef idx="2">
+            <a:schemeClr val="accent6"/>
+          </a:lnRef>
+          <a:fillRef idx="1">
+            <a:schemeClr val="lt1"/>
+          </a:fillRef>
+          <a:effectRef idx="0">
+            <a:schemeClr val="accent6"/>
+          </a:effectRef>
+          <a:fontRef idx="minor">
+            <a:schemeClr val="dk1"/>
+          </a:fontRef>
+        </p:style>
+        <p:txBody>
+          <a:bodyPr rtlCol="0" anchor="ctr"/>
+          <a:lstStyle/>
+          <a:p>
+            <a:pPr algn="ctr"/>
+            <a:endParaRPr lang="pt-BR"/>
+          </a:p>
+        </p:txBody>
+      </p:sp>
       <p:sp>
         <p:nvSpPr>
           <p:cNvPr id="39938" name="Rectangle 2"/>
@@ -11360,6 +12324,111 @@
           <a:chExt cx="0" cy="0"/>
         </a:xfrm>
       </p:grpSpPr>
+      <p:pic>
+        <p:nvPicPr>
+          <p:cNvPr id="4" name="Picture 5"/>
+          <p:cNvPicPr>
+            <a:picLocks noChangeAspect="1" noChangeArrowheads="1"/>
+          </p:cNvPicPr>
+          <p:nvPr/>
+        </p:nvPicPr>
+        <p:blipFill>
+          <a:blip r:embed="rId3">
+            <a:duotone>
+              <a:schemeClr val="bg2">
+                <a:shade val="45000"/>
+                <a:satMod val="135000"/>
+              </a:schemeClr>
+              <a:prstClr val="white"/>
+            </a:duotone>
+            <a:extLst>
+              <a:ext uri="{28A0092B-C50C-407E-A947-70E740481C1C}">
+                <a14:useLocalDpi xmlns:a14="http://schemas.microsoft.com/office/drawing/2010/main" val="0"/>
+              </a:ext>
+            </a:extLst>
+          </a:blip>
+          <a:srcRect/>
+          <a:stretch>
+            <a:fillRect/>
+          </a:stretch>
+        </p:blipFill>
+        <p:spPr bwMode="auto">
+          <a:xfrm>
+            <a:off x="6263481" y="30783"/>
+            <a:ext cx="2161327" cy="1550186"/>
+          </a:xfrm>
+          <a:prstGeom prst="rect">
+            <a:avLst/>
+          </a:prstGeom>
+          <a:noFill/>
+          <a:ln>
+            <a:noFill/>
+          </a:ln>
+          <a:extLst>
+            <a:ext uri="{909E8E84-426E-40DD-AFC4-6F175D3DCCD1}">
+              <a14:hiddenFill xmlns:a14="http://schemas.microsoft.com/office/drawing/2010/main">
+                <a:solidFill>
+                  <a:srgbClr val="FFFFFF"/>
+                </a:solidFill>
+              </a14:hiddenFill>
+            </a:ext>
+            <a:ext uri="{91240B29-F687-4F45-9708-019B960494DF}">
+              <a14:hiddenLine xmlns:a14="http://schemas.microsoft.com/office/drawing/2010/main" w="9525">
+                <a:solidFill>
+                  <a:srgbClr val="000000"/>
+                </a:solidFill>
+                <a:miter lim="800000"/>
+                <a:headEnd/>
+                <a:tailEnd/>
+              </a14:hiddenLine>
+            </a:ext>
+          </a:extLst>
+        </p:spPr>
+      </p:pic>
+      <p:sp>
+        <p:nvSpPr>
+          <p:cNvPr id="5" name="Retângulo 4"/>
+          <p:cNvSpPr/>
+          <p:nvPr/>
+        </p:nvSpPr>
+        <p:spPr>
+          <a:xfrm>
+            <a:off x="6901620" y="620688"/>
+            <a:ext cx="748629" cy="144016"/>
+          </a:xfrm>
+          <a:prstGeom prst="rect">
+            <a:avLst/>
+          </a:prstGeom>
+          <a:noFill/>
+          <a:ln w="57150">
+            <a:solidFill>
+              <a:srgbClr val="0070C0"/>
+            </a:solidFill>
+          </a:ln>
+        </p:spPr>
+        <p:style>
+          <a:lnRef idx="2">
+            <a:schemeClr val="accent6"/>
+          </a:lnRef>
+          <a:fillRef idx="1">
+            <a:schemeClr val="lt1"/>
+          </a:fillRef>
+          <a:effectRef idx="0">
+            <a:schemeClr val="accent6"/>
+          </a:effectRef>
+          <a:fontRef idx="minor">
+            <a:schemeClr val="dk1"/>
+          </a:fontRef>
+        </p:style>
+        <p:txBody>
+          <a:bodyPr rtlCol="0" anchor="ctr"/>
+          <a:lstStyle/>
+          <a:p>
+            <a:pPr algn="ctr"/>
+            <a:endParaRPr lang="pt-BR"/>
+          </a:p>
+        </p:txBody>
+      </p:sp>
       <p:sp>
         <p:nvSpPr>
           <p:cNvPr id="40962" name="Rectangle 2"/>
@@ -11667,6 +12736,111 @@
           <a:chExt cx="0" cy="0"/>
         </a:xfrm>
       </p:grpSpPr>
+      <p:pic>
+        <p:nvPicPr>
+          <p:cNvPr id="4" name="Picture 5"/>
+          <p:cNvPicPr>
+            <a:picLocks noChangeAspect="1" noChangeArrowheads="1"/>
+          </p:cNvPicPr>
+          <p:nvPr/>
+        </p:nvPicPr>
+        <p:blipFill>
+          <a:blip r:embed="rId3">
+            <a:duotone>
+              <a:schemeClr val="bg2">
+                <a:shade val="45000"/>
+                <a:satMod val="135000"/>
+              </a:schemeClr>
+              <a:prstClr val="white"/>
+            </a:duotone>
+            <a:extLst>
+              <a:ext uri="{28A0092B-C50C-407E-A947-70E740481C1C}">
+                <a14:useLocalDpi xmlns:a14="http://schemas.microsoft.com/office/drawing/2010/main" val="0"/>
+              </a:ext>
+            </a:extLst>
+          </a:blip>
+          <a:srcRect/>
+          <a:stretch>
+            <a:fillRect/>
+          </a:stretch>
+        </p:blipFill>
+        <p:spPr bwMode="auto">
+          <a:xfrm>
+            <a:off x="6263481" y="30783"/>
+            <a:ext cx="2161327" cy="1550186"/>
+          </a:xfrm>
+          <a:prstGeom prst="rect">
+            <a:avLst/>
+          </a:prstGeom>
+          <a:noFill/>
+          <a:ln>
+            <a:noFill/>
+          </a:ln>
+          <a:extLst>
+            <a:ext uri="{909E8E84-426E-40DD-AFC4-6F175D3DCCD1}">
+              <a14:hiddenFill xmlns:a14="http://schemas.microsoft.com/office/drawing/2010/main">
+                <a:solidFill>
+                  <a:srgbClr val="FFFFFF"/>
+                </a:solidFill>
+              </a14:hiddenFill>
+            </a:ext>
+            <a:ext uri="{91240B29-F687-4F45-9708-019B960494DF}">
+              <a14:hiddenLine xmlns:a14="http://schemas.microsoft.com/office/drawing/2010/main" w="9525">
+                <a:solidFill>
+                  <a:srgbClr val="000000"/>
+                </a:solidFill>
+                <a:miter lim="800000"/>
+                <a:headEnd/>
+                <a:tailEnd/>
+              </a14:hiddenLine>
+            </a:ext>
+          </a:extLst>
+        </p:spPr>
+      </p:pic>
+      <p:sp>
+        <p:nvSpPr>
+          <p:cNvPr id="5" name="Retângulo 4"/>
+          <p:cNvSpPr/>
+          <p:nvPr/>
+        </p:nvSpPr>
+        <p:spPr>
+          <a:xfrm>
+            <a:off x="6321321" y="361684"/>
+            <a:ext cx="422582" cy="144016"/>
+          </a:xfrm>
+          <a:prstGeom prst="rect">
+            <a:avLst/>
+          </a:prstGeom>
+          <a:noFill/>
+          <a:ln w="57150">
+            <a:solidFill>
+              <a:srgbClr val="0070C0"/>
+            </a:solidFill>
+          </a:ln>
+        </p:spPr>
+        <p:style>
+          <a:lnRef idx="2">
+            <a:schemeClr val="accent6"/>
+          </a:lnRef>
+          <a:fillRef idx="1">
+            <a:schemeClr val="lt1"/>
+          </a:fillRef>
+          <a:effectRef idx="0">
+            <a:schemeClr val="accent6"/>
+          </a:effectRef>
+          <a:fontRef idx="minor">
+            <a:schemeClr val="dk1"/>
+          </a:fontRef>
+        </p:style>
+        <p:txBody>
+          <a:bodyPr rtlCol="0" anchor="ctr"/>
+          <a:lstStyle/>
+          <a:p>
+            <a:pPr algn="ctr"/>
+            <a:endParaRPr lang="pt-BR"/>
+          </a:p>
+        </p:txBody>
+      </p:sp>
       <p:sp>
         <p:nvSpPr>
           <p:cNvPr id="43010" name="Rectangle 2"/>
@@ -11905,9 +13079,114 @@
           <a:chExt cx="0" cy="0"/>
         </a:xfrm>
       </p:grpSpPr>
-      <p:sp>
-        <p:nvSpPr>
-          <p:cNvPr id="44034" name="Rectangle 2"/>
+      <p:pic>
+        <p:nvPicPr>
+          <p:cNvPr id="4" name="Picture 5"/>
+          <p:cNvPicPr>
+            <a:picLocks noChangeAspect="1" noChangeArrowheads="1"/>
+          </p:cNvPicPr>
+          <p:nvPr/>
+        </p:nvPicPr>
+        <p:blipFill>
+          <a:blip r:embed="rId4">
+            <a:duotone>
+              <a:schemeClr val="bg2">
+                <a:shade val="45000"/>
+                <a:satMod val="135000"/>
+              </a:schemeClr>
+              <a:prstClr val="white"/>
+            </a:duotone>
+            <a:extLst>
+              <a:ext uri="{28A0092B-C50C-407E-A947-70E740481C1C}">
+                <a14:useLocalDpi xmlns:a14="http://schemas.microsoft.com/office/drawing/2010/main" val="0"/>
+              </a:ext>
+            </a:extLst>
+          </a:blip>
+          <a:srcRect/>
+          <a:stretch>
+            <a:fillRect/>
+          </a:stretch>
+        </p:blipFill>
+        <p:spPr bwMode="auto">
+          <a:xfrm>
+            <a:off x="6263481" y="30783"/>
+            <a:ext cx="2161327" cy="1550186"/>
+          </a:xfrm>
+          <a:prstGeom prst="rect">
+            <a:avLst/>
+          </a:prstGeom>
+          <a:noFill/>
+          <a:ln>
+            <a:noFill/>
+          </a:ln>
+          <a:extLst>
+            <a:ext uri="{909E8E84-426E-40DD-AFC4-6F175D3DCCD1}">
+              <a14:hiddenFill xmlns:a14="http://schemas.microsoft.com/office/drawing/2010/main">
+                <a:solidFill>
+                  <a:srgbClr val="FFFFFF"/>
+                </a:solidFill>
+              </a14:hiddenFill>
+            </a:ext>
+            <a:ext uri="{91240B29-F687-4F45-9708-019B960494DF}">
+              <a14:hiddenLine xmlns:a14="http://schemas.microsoft.com/office/drawing/2010/main" w="9525">
+                <a:solidFill>
+                  <a:srgbClr val="000000"/>
+                </a:solidFill>
+                <a:miter lim="800000"/>
+                <a:headEnd/>
+                <a:tailEnd/>
+              </a14:hiddenLine>
+            </a:ext>
+          </a:extLst>
+        </p:spPr>
+      </p:pic>
+      <p:sp>
+        <p:nvSpPr>
+          <p:cNvPr id="5" name="Retângulo 4"/>
+          <p:cNvSpPr/>
+          <p:nvPr/>
+        </p:nvSpPr>
+        <p:spPr>
+          <a:xfrm>
+            <a:off x="6321321" y="361684"/>
+            <a:ext cx="422582" cy="144016"/>
+          </a:xfrm>
+          <a:prstGeom prst="rect">
+            <a:avLst/>
+          </a:prstGeom>
+          <a:noFill/>
+          <a:ln w="57150">
+            <a:solidFill>
+              <a:srgbClr val="0070C0"/>
+            </a:solidFill>
+          </a:ln>
+        </p:spPr>
+        <p:style>
+          <a:lnRef idx="2">
+            <a:schemeClr val="accent6"/>
+          </a:lnRef>
+          <a:fillRef idx="1">
+            <a:schemeClr val="lt1"/>
+          </a:fillRef>
+          <a:effectRef idx="0">
+            <a:schemeClr val="accent6"/>
+          </a:effectRef>
+          <a:fontRef idx="minor">
+            <a:schemeClr val="dk1"/>
+          </a:fontRef>
+        </p:style>
+        <p:txBody>
+          <a:bodyPr rtlCol="0" anchor="ctr"/>
+          <a:lstStyle/>
+          <a:p>
+            <a:pPr algn="ctr"/>
+            <a:endParaRPr lang="pt-BR"/>
+          </a:p>
+        </p:txBody>
+      </p:sp>
+      <p:sp>
+        <p:nvSpPr>
+          <p:cNvPr id="43010" name="Rectangle 2"/>
           <p:cNvSpPr>
             <a:spLocks noGrp="1" noRot="1" noChangeArrowheads="1"/>
           </p:cNvSpPr>
@@ -11924,121 +13203,67 @@
               <a:defRPr/>
             </a:pPr>
             <a:r>
-              <a:rPr lang="pt-BR" dirty="0" smtClean="0"/>
-              <a:t>Baseada em </a:t>
-            </a:r>
-            <a:r>
               <a:rPr lang="pt-BR" dirty="0" smtClean="0">
                 <a:solidFill>
                   <a:srgbClr val="0070C0"/>
                 </a:solidFill>
               </a:rPr>
-              <a:t>Performance</a:t>
+              <a:t>Animação Comportamental</a:t>
             </a:r>
           </a:p>
         </p:txBody>
       </p:sp>
-      <p:sp>
-        <p:nvSpPr>
-          <p:cNvPr id="44035" name="Rectangle 3"/>
-          <p:cNvSpPr>
-            <a:spLocks noGrp="1" noChangeArrowheads="1"/>
-          </p:cNvSpPr>
+      <p:pic>
+        <p:nvPicPr>
+          <p:cNvPr id="3" name="GUkjC-69vaw?rel=0"/>
+          <p:cNvPicPr>
+            <a:picLocks noGrp="1" noRot="1" noChangeAspect="1"/>
+          </p:cNvPicPr>
           <p:nvPr>
-            <p:ph type="body" idx="1"/>
+            <p:ph idx="1"/>
+            <a:videoFile r:link="rId1"/>
           </p:nvPr>
-        </p:nvSpPr>
-        <p:spPr/>
+        </p:nvPicPr>
+        <p:blipFill>
+          <a:blip r:embed="rId5"/>
+          <a:stretch>
+            <a:fillRect/>
+          </a:stretch>
+        </p:blipFill>
+        <p:spPr>
+          <a:xfrm>
+            <a:off x="1960612" y="2420888"/>
+            <a:ext cx="4572000" cy="2571750"/>
+          </a:xfrm>
+          <a:prstGeom prst="rect">
+            <a:avLst/>
+          </a:prstGeom>
+        </p:spPr>
+      </p:pic>
+      <p:sp>
+        <p:nvSpPr>
+          <p:cNvPr id="6" name="Retângulo 5"/>
+          <p:cNvSpPr/>
+          <p:nvPr/>
+        </p:nvSpPr>
+        <p:spPr>
+          <a:xfrm>
+            <a:off x="1643849" y="5141025"/>
+            <a:ext cx="5700295" cy="369332"/>
+          </a:xfrm>
+          <a:prstGeom prst="rect">
+            <a:avLst/>
+          </a:prstGeom>
+        </p:spPr>
         <p:txBody>
-          <a:bodyPr/>
+          <a:bodyPr wrap="square">
+            <a:spAutoFit/>
+          </a:bodyPr>
           <a:lstStyle/>
           <a:p>
-            <a:pPr eaLnBrk="1" hangingPunct="1">
-              <a:defRPr/>
-            </a:pPr>
-            <a:r>
-              <a:rPr lang="pt-BR" sz="2400" dirty="0" smtClean="0"/>
-              <a:t>Grava animação de ações da vida real</a:t>
-            </a:r>
-          </a:p>
-          <a:p>
-            <a:pPr lvl="1" eaLnBrk="1" hangingPunct="1">
-              <a:defRPr/>
-            </a:pPr>
-            <a:r>
-              <a:rPr lang="pt-BR" sz="2200" dirty="0" smtClean="0"/>
-              <a:t>Usa vídeos reais e tira movimento de objetos</a:t>
-            </a:r>
-          </a:p>
-          <a:p>
-            <a:pPr lvl="1" eaLnBrk="1" hangingPunct="1">
-              <a:defRPr/>
-            </a:pPr>
-            <a:r>
-              <a:rPr lang="pt-BR" sz="2200" dirty="0" smtClean="0"/>
-              <a:t>Usa dispositivos que pegam posição/orientação</a:t>
-            </a:r>
-          </a:p>
-          <a:p>
-            <a:pPr eaLnBrk="1" hangingPunct="1">
-              <a:defRPr/>
-            </a:pPr>
-            <a:r>
-              <a:rPr lang="pt-BR" sz="2400" i="1" dirty="0" smtClean="0"/>
-              <a:t>Motion capture</a:t>
-            </a:r>
-            <a:endParaRPr lang="pt-BR" sz="2800" i="1" dirty="0" smtClean="0"/>
-          </a:p>
-          <a:p>
-            <a:pPr lvl="1" eaLnBrk="1" hangingPunct="1">
-              <a:defRPr/>
-            </a:pPr>
-            <a:r>
-              <a:rPr lang="pt-BR" sz="2200" dirty="0" smtClean="0"/>
-              <a:t>Acompanha movimento de pontos no espaço, por meio magnético, ótico, </a:t>
-            </a:r>
-            <a:r>
-              <a:rPr lang="pt-BR" sz="2200" dirty="0" err="1" smtClean="0"/>
-              <a:t>etc</a:t>
-            </a:r>
-            <a:r>
-              <a:rPr lang="pt-BR" sz="2200" dirty="0" smtClean="0"/>
-              <a:t> (</a:t>
-            </a:r>
-            <a:r>
-              <a:rPr lang="pt-BR" sz="2200" dirty="0" err="1" smtClean="0"/>
-              <a:t>exo-esqueletos</a:t>
-            </a:r>
-            <a:r>
-              <a:rPr lang="pt-BR" sz="2200" dirty="0" smtClean="0"/>
-              <a:t>, face ou rosto)</a:t>
-            </a:r>
-          </a:p>
-          <a:p>
-            <a:pPr lvl="1" eaLnBrk="1" hangingPunct="1">
-              <a:defRPr/>
-            </a:pPr>
-            <a:r>
-              <a:rPr lang="pt-BR" sz="2200" dirty="0" smtClean="0"/>
-              <a:t>Converte para espaço ângulo-juntas</a:t>
-            </a:r>
-          </a:p>
-          <a:p>
-            <a:pPr lvl="1" eaLnBrk="1" hangingPunct="1">
-              <a:defRPr/>
-            </a:pPr>
-            <a:r>
-              <a:rPr lang="pt-BR" sz="2200" dirty="0" smtClean="0"/>
-              <a:t>Usa ângulos para derivar modelo 3D articulado</a:t>
-            </a:r>
-          </a:p>
-          <a:p>
-            <a:pPr lvl="1" eaLnBrk="1" hangingPunct="1">
-              <a:defRPr/>
-            </a:pPr>
-            <a:r>
-              <a:rPr lang="pt-BR" sz="2200" dirty="0" smtClean="0"/>
-              <a:t>Caminhos do movimento podem ser modificados</a:t>
+            <a:r>
+              <a:rPr lang="pt-BR" dirty="0"/>
+              <a:t>https://www.youtube.com/watch?v=GUkjC-69vaw</a:t>
             </a:r>
           </a:p>
         </p:txBody>
@@ -12046,7 +13271,7 @@
     </p:spTree>
     <p:extLst>
       <p:ext uri="{BB962C8B-B14F-4D97-AF65-F5344CB8AC3E}">
-        <p14:creationId xmlns:p14="http://schemas.microsoft.com/office/powerpoint/2010/main" val="3891102901"/>
+        <p14:creationId xmlns:p14="http://schemas.microsoft.com/office/powerpoint/2010/main" val="3698093727"/>
       </p:ext>
     </p:extLst>
   </p:cSld>
@@ -12080,9 +13305,114 @@
           <a:chExt cx="0" cy="0"/>
         </a:xfrm>
       </p:grpSpPr>
-      <p:sp>
-        <p:nvSpPr>
-          <p:cNvPr id="46082" name="Rectangle 2"/>
+      <p:pic>
+        <p:nvPicPr>
+          <p:cNvPr id="4" name="Picture 5"/>
+          <p:cNvPicPr>
+            <a:picLocks noChangeAspect="1" noChangeArrowheads="1"/>
+          </p:cNvPicPr>
+          <p:nvPr/>
+        </p:nvPicPr>
+        <p:blipFill>
+          <a:blip r:embed="rId3">
+            <a:duotone>
+              <a:schemeClr val="bg2">
+                <a:shade val="45000"/>
+                <a:satMod val="135000"/>
+              </a:schemeClr>
+              <a:prstClr val="white"/>
+            </a:duotone>
+            <a:extLst>
+              <a:ext uri="{28A0092B-C50C-407E-A947-70E740481C1C}">
+                <a14:useLocalDpi xmlns:a14="http://schemas.microsoft.com/office/drawing/2010/main" val="0"/>
+              </a:ext>
+            </a:extLst>
+          </a:blip>
+          <a:srcRect/>
+          <a:stretch>
+            <a:fillRect/>
+          </a:stretch>
+        </p:blipFill>
+        <p:spPr bwMode="auto">
+          <a:xfrm>
+            <a:off x="6263481" y="30783"/>
+            <a:ext cx="2161327" cy="1550186"/>
+          </a:xfrm>
+          <a:prstGeom prst="rect">
+            <a:avLst/>
+          </a:prstGeom>
+          <a:noFill/>
+          <a:ln>
+            <a:noFill/>
+          </a:ln>
+          <a:extLst>
+            <a:ext uri="{909E8E84-426E-40DD-AFC4-6F175D3DCCD1}">
+              <a14:hiddenFill xmlns:a14="http://schemas.microsoft.com/office/drawing/2010/main">
+                <a:solidFill>
+                  <a:srgbClr val="FFFFFF"/>
+                </a:solidFill>
+              </a14:hiddenFill>
+            </a:ext>
+            <a:ext uri="{91240B29-F687-4F45-9708-019B960494DF}">
+              <a14:hiddenLine xmlns:a14="http://schemas.microsoft.com/office/drawing/2010/main" w="9525">
+                <a:solidFill>
+                  <a:srgbClr val="000000"/>
+                </a:solidFill>
+                <a:miter lim="800000"/>
+                <a:headEnd/>
+                <a:tailEnd/>
+              </a14:hiddenLine>
+            </a:ext>
+          </a:extLst>
+        </p:spPr>
+      </p:pic>
+      <p:sp>
+        <p:nvSpPr>
+          <p:cNvPr id="5" name="Retângulo 4"/>
+          <p:cNvSpPr/>
+          <p:nvPr/>
+        </p:nvSpPr>
+        <p:spPr>
+          <a:xfrm>
+            <a:off x="6967751" y="361684"/>
+            <a:ext cx="748629" cy="144016"/>
+          </a:xfrm>
+          <a:prstGeom prst="rect">
+            <a:avLst/>
+          </a:prstGeom>
+          <a:noFill/>
+          <a:ln w="57150">
+            <a:solidFill>
+              <a:srgbClr val="0070C0"/>
+            </a:solidFill>
+          </a:ln>
+        </p:spPr>
+        <p:style>
+          <a:lnRef idx="2">
+            <a:schemeClr val="accent6"/>
+          </a:lnRef>
+          <a:fillRef idx="1">
+            <a:schemeClr val="lt1"/>
+          </a:fillRef>
+          <a:effectRef idx="0">
+            <a:schemeClr val="accent6"/>
+          </a:effectRef>
+          <a:fontRef idx="minor">
+            <a:schemeClr val="dk1"/>
+          </a:fontRef>
+        </p:style>
+        <p:txBody>
+          <a:bodyPr rtlCol="0" anchor="ctr"/>
+          <a:lstStyle/>
+          <a:p>
+            <a:pPr algn="ctr"/>
+            <a:endParaRPr lang="pt-BR"/>
+          </a:p>
+        </p:txBody>
+      </p:sp>
+      <p:sp>
+        <p:nvSpPr>
+          <p:cNvPr id="44034" name="Rectangle 2"/>
           <p:cNvSpPr>
             <a:spLocks noGrp="1" noRot="1" noChangeArrowheads="1"/>
           </p:cNvSpPr>
@@ -12100,7 +13430,7 @@
             </a:pPr>
             <a:r>
               <a:rPr lang="pt-BR" dirty="0" smtClean="0"/>
-              <a:t>Animação em </a:t>
+              <a:t>Baseada em </a:t>
             </a:r>
             <a:r>
               <a:rPr lang="pt-BR" dirty="0" smtClean="0">
@@ -12108,14 +13438,14 @@
                   <a:srgbClr val="0070C0"/>
                 </a:solidFill>
               </a:rPr>
-              <a:t>“alto nível”</a:t>
+              <a:t>Performance</a:t>
             </a:r>
           </a:p>
         </p:txBody>
       </p:sp>
       <p:sp>
         <p:nvSpPr>
-          <p:cNvPr id="46083" name="Rectangle 3"/>
+          <p:cNvPr id="44035" name="Rectangle 3"/>
           <p:cNvSpPr>
             <a:spLocks noGrp="1" noChangeArrowheads="1"/>
           </p:cNvSpPr>
@@ -12123,103 +13453,97 @@
             <p:ph type="body" idx="1"/>
           </p:nvPr>
         </p:nvSpPr>
-        <p:spPr>
-          <a:xfrm>
-            <a:off x="323850" y="1700213"/>
-            <a:ext cx="8424863" cy="4968875"/>
-          </a:xfrm>
-        </p:spPr>
+        <p:spPr/>
         <p:txBody>
           <a:bodyPr/>
           <a:lstStyle/>
           <a:p>
             <a:pPr eaLnBrk="1" hangingPunct="1">
-              <a:lnSpc>
-                <a:spcPct val="90000"/>
-              </a:lnSpc>
               <a:defRPr/>
             </a:pPr>
             <a:r>
-              <a:rPr lang="pt-BR" sz="2400" dirty="0" err="1" smtClean="0"/>
-              <a:t>Idéia</a:t>
-            </a:r>
-            <a:r>
               <a:rPr lang="pt-BR" sz="2400" dirty="0" smtClean="0"/>
-              <a:t> principal: juntar animações complexas de uma biblioteca de movimentos</a:t>
-            </a:r>
-          </a:p>
-          <a:p>
-            <a:pPr eaLnBrk="1" hangingPunct="1">
-              <a:lnSpc>
-                <a:spcPct val="90000"/>
-              </a:lnSpc>
+              <a:t>Grava animação de ações da vida real</a:t>
+            </a:r>
+          </a:p>
+          <a:p>
+            <a:pPr lvl="1" eaLnBrk="1" hangingPunct="1">
               <a:defRPr/>
             </a:pPr>
             <a:r>
-              <a:rPr lang="pt-BR" sz="2400" dirty="0" smtClean="0"/>
-              <a:t>Linguagens de script</a:t>
-            </a:r>
-            <a:endParaRPr lang="pt-BR" dirty="0" smtClean="0"/>
+              <a:rPr lang="pt-BR" sz="2200" dirty="0" smtClean="0"/>
+              <a:t>Usa vídeos reais e tira movimento de objetos</a:t>
+            </a:r>
           </a:p>
           <a:p>
             <a:pPr lvl="1" eaLnBrk="1" hangingPunct="1">
-              <a:lnSpc>
-                <a:spcPct val="90000"/>
-              </a:lnSpc>
               <a:defRPr/>
             </a:pPr>
             <a:r>
-              <a:rPr lang="pt-BR" dirty="0" smtClean="0"/>
-              <a:t>Descreve os eventos</a:t>
-            </a:r>
-          </a:p>
-          <a:p>
-            <a:pPr lvl="1" eaLnBrk="1" hangingPunct="1">
-              <a:lnSpc>
-                <a:spcPct val="90000"/>
-              </a:lnSpc>
+              <a:rPr lang="pt-BR" sz="2200" dirty="0" smtClean="0"/>
+              <a:t>Usa dispositivos que pegam posição/orientação</a:t>
+            </a:r>
+          </a:p>
+          <a:p>
+            <a:pPr eaLnBrk="1" hangingPunct="1">
               <a:defRPr/>
             </a:pPr>
             <a:r>
-              <a:rPr lang="pt-BR" dirty="0" smtClean="0"/>
-              <a:t>Descreve suas sequências</a:t>
-            </a:r>
-          </a:p>
-          <a:p>
-            <a:pPr eaLnBrk="1" hangingPunct="1">
-              <a:lnSpc>
-                <a:spcPct val="90000"/>
-              </a:lnSpc>
+              <a:rPr lang="pt-BR" sz="2400" i="1" dirty="0" smtClean="0"/>
+              <a:t>Motion capture</a:t>
+            </a:r>
+            <a:endParaRPr lang="pt-BR" sz="2800" i="1" dirty="0" smtClean="0"/>
+          </a:p>
+          <a:p>
+            <a:pPr lvl="1" eaLnBrk="1" hangingPunct="1">
               <a:defRPr/>
             </a:pPr>
             <a:r>
-              <a:rPr lang="pt-BR" sz="2400" dirty="0" smtClean="0"/>
-              <a:t>Animação a “nível de tarefa”</a:t>
-            </a:r>
-            <a:endParaRPr lang="pt-BR" dirty="0" smtClean="0"/>
+              <a:rPr lang="pt-BR" sz="2200" dirty="0" smtClean="0"/>
+              <a:t>Acompanha movimento de pontos no espaço, por meio magnético, ótico, </a:t>
+            </a:r>
+            <a:r>
+              <a:rPr lang="pt-BR" sz="2200" dirty="0" err="1" smtClean="0"/>
+              <a:t>etc</a:t>
+            </a:r>
+            <a:r>
+              <a:rPr lang="pt-BR" sz="2200" dirty="0" smtClean="0"/>
+              <a:t> (</a:t>
+            </a:r>
+            <a:r>
+              <a:rPr lang="pt-BR" sz="2200" dirty="0" err="1" smtClean="0"/>
+              <a:t>exo-esqueletos</a:t>
+            </a:r>
+            <a:r>
+              <a:rPr lang="pt-BR" sz="2200" dirty="0" smtClean="0"/>
+              <a:t>, face ou rosto)</a:t>
+            </a:r>
           </a:p>
           <a:p>
             <a:pPr lvl="1" eaLnBrk="1" hangingPunct="1">
-              <a:lnSpc>
-                <a:spcPct val="90000"/>
-              </a:lnSpc>
               <a:defRPr/>
             </a:pPr>
             <a:r>
-              <a:rPr lang="pt-BR" dirty="0" smtClean="0"/>
-              <a:t>Vá à cozinha para um bolo, beba líquido, faça o cachorro andar</a:t>
-            </a:r>
-          </a:p>
-          <a:p>
-            <a:pPr eaLnBrk="1" hangingPunct="1">
-              <a:lnSpc>
-                <a:spcPct val="90000"/>
-              </a:lnSpc>
+              <a:rPr lang="pt-BR" sz="2200" dirty="0" smtClean="0"/>
+              <a:t>Converte para espaço ângulo-juntas</a:t>
+            </a:r>
+          </a:p>
+          <a:p>
+            <a:pPr lvl="1" eaLnBrk="1" hangingPunct="1">
               <a:defRPr/>
             </a:pPr>
             <a:r>
-              <a:rPr lang="pt-BR" sz="2400" dirty="0" smtClean="0"/>
-              <a:t>Juntar IA com animação comportamental</a:t>
+              <a:rPr lang="pt-BR" sz="2200" dirty="0" smtClean="0"/>
+              <a:t>Usa ângulos para derivar modelo 3D articulado</a:t>
+            </a:r>
+          </a:p>
+          <a:p>
+            <a:pPr lvl="1" eaLnBrk="1" hangingPunct="1">
+              <a:defRPr/>
+            </a:pPr>
+            <a:r>
+              <a:rPr lang="pt-BR" sz="2200" dirty="0" smtClean="0"/>
+              <a:t>Caminhos do movimento podem ser modificados</a:t>
             </a:r>
           </a:p>
         </p:txBody>
@@ -12227,7 +13551,7 @@
     </p:spTree>
     <p:extLst>
       <p:ext uri="{BB962C8B-B14F-4D97-AF65-F5344CB8AC3E}">
-        <p14:creationId xmlns:p14="http://schemas.microsoft.com/office/powerpoint/2010/main" val="3413531441"/>
+        <p14:creationId xmlns:p14="http://schemas.microsoft.com/office/powerpoint/2010/main" val="3891102901"/>
       </p:ext>
     </p:extLst>
   </p:cSld>
@@ -12261,11 +13585,116 @@
           <a:chExt cx="0" cy="0"/>
         </a:xfrm>
       </p:grpSpPr>
-      <p:sp>
-        <p:nvSpPr>
-          <p:cNvPr id="4" name="Título 3"/>
+      <p:pic>
+        <p:nvPicPr>
+          <p:cNvPr id="4" name="Picture 5"/>
+          <p:cNvPicPr>
+            <a:picLocks noChangeAspect="1" noChangeArrowheads="1"/>
+          </p:cNvPicPr>
+          <p:nvPr/>
+        </p:nvPicPr>
+        <p:blipFill>
+          <a:blip r:embed="rId3">
+            <a:duotone>
+              <a:schemeClr val="bg2">
+                <a:shade val="45000"/>
+                <a:satMod val="135000"/>
+              </a:schemeClr>
+              <a:prstClr val="white"/>
+            </a:duotone>
+            <a:extLst>
+              <a:ext uri="{28A0092B-C50C-407E-A947-70E740481C1C}">
+                <a14:useLocalDpi xmlns:a14="http://schemas.microsoft.com/office/drawing/2010/main" val="0"/>
+              </a:ext>
+            </a:extLst>
+          </a:blip>
+          <a:srcRect/>
+          <a:stretch>
+            <a:fillRect/>
+          </a:stretch>
+        </p:blipFill>
+        <p:spPr bwMode="auto">
+          <a:xfrm>
+            <a:off x="6263481" y="30783"/>
+            <a:ext cx="2161327" cy="1550186"/>
+          </a:xfrm>
+          <a:prstGeom prst="rect">
+            <a:avLst/>
+          </a:prstGeom>
+          <a:noFill/>
+          <a:ln>
+            <a:noFill/>
+          </a:ln>
+          <a:extLst>
+            <a:ext uri="{909E8E84-426E-40DD-AFC4-6F175D3DCCD1}">
+              <a14:hiddenFill xmlns:a14="http://schemas.microsoft.com/office/drawing/2010/main">
+                <a:solidFill>
+                  <a:srgbClr val="FFFFFF"/>
+                </a:solidFill>
+              </a14:hiddenFill>
+            </a:ext>
+            <a:ext uri="{91240B29-F687-4F45-9708-019B960494DF}">
+              <a14:hiddenLine xmlns:a14="http://schemas.microsoft.com/office/drawing/2010/main" w="9525">
+                <a:solidFill>
+                  <a:srgbClr val="000000"/>
+                </a:solidFill>
+                <a:miter lim="800000"/>
+                <a:headEnd/>
+                <a:tailEnd/>
+              </a14:hiddenLine>
+            </a:ext>
+          </a:extLst>
+        </p:spPr>
+      </p:pic>
+      <p:sp>
+        <p:nvSpPr>
+          <p:cNvPr id="5" name="Retângulo 4"/>
+          <p:cNvSpPr/>
+          <p:nvPr/>
+        </p:nvSpPr>
+        <p:spPr>
+          <a:xfrm>
+            <a:off x="6843853" y="59138"/>
+            <a:ext cx="996425" cy="144016"/>
+          </a:xfrm>
+          <a:prstGeom prst="rect">
+            <a:avLst/>
+          </a:prstGeom>
+          <a:noFill/>
+          <a:ln w="57150">
+            <a:solidFill>
+              <a:srgbClr val="0070C0"/>
+            </a:solidFill>
+          </a:ln>
+        </p:spPr>
+        <p:style>
+          <a:lnRef idx="2">
+            <a:schemeClr val="accent6"/>
+          </a:lnRef>
+          <a:fillRef idx="1">
+            <a:schemeClr val="lt1"/>
+          </a:fillRef>
+          <a:effectRef idx="0">
+            <a:schemeClr val="accent6"/>
+          </a:effectRef>
+          <a:fontRef idx="minor">
+            <a:schemeClr val="dk1"/>
+          </a:fontRef>
+        </p:style>
+        <p:txBody>
+          <a:bodyPr rtlCol="0" anchor="ctr"/>
+          <a:lstStyle/>
+          <a:p>
+            <a:pPr algn="ctr"/>
+            <a:endParaRPr lang="pt-BR"/>
+          </a:p>
+        </p:txBody>
+      </p:sp>
+      <p:sp>
+        <p:nvSpPr>
+          <p:cNvPr id="46082" name="Rectangle 2"/>
           <p:cNvSpPr>
-            <a:spLocks noGrp="1"/>
+            <a:spLocks noGrp="1" noRot="1" noChangeArrowheads="1"/>
           </p:cNvSpPr>
           <p:nvPr>
             <p:ph type="title"/>
@@ -12276,43 +13705,160 @@
           <a:bodyPr/>
           <a:lstStyle/>
           <a:p>
+            <a:pPr eaLnBrk="1" hangingPunct="1">
+              <a:defRPr/>
+            </a:pPr>
             <a:r>
               <a:rPr lang="pt-BR" dirty="0" smtClean="0"/>
-              <a:t>Técnicas de Animação</a:t>
-            </a:r>
-            <a:endParaRPr lang="pt-BR" dirty="0"/>
+              <a:t>Animação em </a:t>
+            </a:r>
+            <a:r>
+              <a:rPr lang="pt-BR" dirty="0" smtClean="0">
+                <a:solidFill>
+                  <a:srgbClr val="0070C0"/>
+                </a:solidFill>
+              </a:rPr>
+              <a:t>“Alto Nível</a:t>
+            </a:r>
+            <a:r>
+              <a:rPr lang="pt-BR" dirty="0" smtClean="0">
+                <a:solidFill>
+                  <a:srgbClr val="0070C0"/>
+                </a:solidFill>
+              </a:rPr>
+              <a:t>”</a:t>
+            </a:r>
           </a:p>
         </p:txBody>
       </p:sp>
       <p:sp>
         <p:nvSpPr>
-          <p:cNvPr id="5" name="Espaço Reservado para Texto 4"/>
+          <p:cNvPr id="46083" name="Rectangle 3"/>
           <p:cNvSpPr>
-            <a:spLocks noGrp="1"/>
+            <a:spLocks noGrp="1" noChangeArrowheads="1"/>
           </p:cNvSpPr>
           <p:nvPr>
             <p:ph type="body" idx="1"/>
           </p:nvPr>
         </p:nvSpPr>
-        <p:spPr/>
+        <p:spPr>
+          <a:xfrm>
+            <a:off x="323850" y="1700213"/>
+            <a:ext cx="8424863" cy="4968875"/>
+          </a:xfrm>
+        </p:spPr>
         <p:txBody>
           <a:bodyPr/>
           <a:lstStyle/>
           <a:p>
-            <a:endParaRPr lang="pt-BR" dirty="0"/>
+            <a:pPr eaLnBrk="1" hangingPunct="1">
+              <a:lnSpc>
+                <a:spcPct val="90000"/>
+              </a:lnSpc>
+              <a:defRPr/>
+            </a:pPr>
+            <a:r>
+              <a:rPr lang="pt-BR" sz="2400" dirty="0" err="1" smtClean="0"/>
+              <a:t>Idéia</a:t>
+            </a:r>
+            <a:r>
+              <a:rPr lang="pt-BR" sz="2400" dirty="0" smtClean="0"/>
+              <a:t> principal: juntar animações complexas de uma biblioteca de movimentos</a:t>
+            </a:r>
+          </a:p>
+          <a:p>
+            <a:pPr eaLnBrk="1" hangingPunct="1">
+              <a:lnSpc>
+                <a:spcPct val="90000"/>
+              </a:lnSpc>
+              <a:defRPr/>
+            </a:pPr>
+            <a:r>
+              <a:rPr lang="pt-BR" sz="2400" dirty="0" smtClean="0"/>
+              <a:t>Linguagens de script</a:t>
+            </a:r>
+            <a:endParaRPr lang="pt-BR" dirty="0" smtClean="0"/>
+          </a:p>
+          <a:p>
+            <a:pPr lvl="1" eaLnBrk="1" hangingPunct="1">
+              <a:lnSpc>
+                <a:spcPct val="90000"/>
+              </a:lnSpc>
+              <a:defRPr/>
+            </a:pPr>
+            <a:r>
+              <a:rPr lang="pt-BR" dirty="0" smtClean="0"/>
+              <a:t>Descreve os eventos</a:t>
+            </a:r>
+          </a:p>
+          <a:p>
+            <a:pPr lvl="1" eaLnBrk="1" hangingPunct="1">
+              <a:lnSpc>
+                <a:spcPct val="90000"/>
+              </a:lnSpc>
+              <a:defRPr/>
+            </a:pPr>
+            <a:r>
+              <a:rPr lang="pt-BR" dirty="0" smtClean="0"/>
+              <a:t>Descreve suas sequências</a:t>
+            </a:r>
+          </a:p>
+          <a:p>
+            <a:pPr eaLnBrk="1" hangingPunct="1">
+              <a:lnSpc>
+                <a:spcPct val="90000"/>
+              </a:lnSpc>
+              <a:defRPr/>
+            </a:pPr>
+            <a:r>
+              <a:rPr lang="pt-BR" sz="2400" dirty="0" smtClean="0"/>
+              <a:t>Animação a “nível de tarefa”</a:t>
+            </a:r>
+            <a:endParaRPr lang="pt-BR" dirty="0" smtClean="0"/>
+          </a:p>
+          <a:p>
+            <a:pPr lvl="1" eaLnBrk="1" hangingPunct="1">
+              <a:lnSpc>
+                <a:spcPct val="90000"/>
+              </a:lnSpc>
+              <a:defRPr/>
+            </a:pPr>
+            <a:r>
+              <a:rPr lang="pt-BR" dirty="0" smtClean="0"/>
+              <a:t>Vá à cozinha para um bolo, beba líquido, faça o cachorro andar</a:t>
+            </a:r>
+          </a:p>
+          <a:p>
+            <a:pPr eaLnBrk="1" hangingPunct="1">
+              <a:lnSpc>
+                <a:spcPct val="90000"/>
+              </a:lnSpc>
+              <a:defRPr/>
+            </a:pPr>
+            <a:r>
+              <a:rPr lang="pt-BR" sz="2400" dirty="0" smtClean="0"/>
+              <a:t>Juntar IA com animação comportamental</a:t>
+            </a:r>
           </a:p>
         </p:txBody>
       </p:sp>
     </p:spTree>
     <p:extLst>
       <p:ext uri="{BB962C8B-B14F-4D97-AF65-F5344CB8AC3E}">
-        <p14:creationId xmlns:p14="http://schemas.microsoft.com/office/powerpoint/2010/main" val="1199425444"/>
+        <p14:creationId xmlns:p14="http://schemas.microsoft.com/office/powerpoint/2010/main" val="3413531441"/>
       </p:ext>
     </p:extLst>
   </p:cSld>
   <p:clrMapOvr>
     <a:masterClrMapping/>
   </p:clrMapOvr>
+  <p:timing>
+    <p:tnLst>
+      <p:par>
+        <p:cTn id="1" dur="indefinite" restart="never" nodeType="tmRoot"/>
+      </p:par>
+    </p:tnLst>
+  </p:timing>
 </p:sld>
 </file>
 
@@ -12350,6 +13896,78 @@
           <a:p>
             <a:r>
               <a:rPr lang="pt-BR" dirty="0" smtClean="0"/>
+              <a:t>Técnicas de Animação</a:t>
+            </a:r>
+            <a:endParaRPr lang="pt-BR" dirty="0"/>
+          </a:p>
+        </p:txBody>
+      </p:sp>
+      <p:sp>
+        <p:nvSpPr>
+          <p:cNvPr id="5" name="Espaço Reservado para Texto 4"/>
+          <p:cNvSpPr>
+            <a:spLocks noGrp="1"/>
+          </p:cNvSpPr>
+          <p:nvPr>
+            <p:ph type="body" idx="1"/>
+          </p:nvPr>
+        </p:nvSpPr>
+        <p:spPr/>
+        <p:txBody>
+          <a:bodyPr/>
+          <a:lstStyle/>
+          <a:p>
+            <a:endParaRPr lang="pt-BR" dirty="0"/>
+          </a:p>
+        </p:txBody>
+      </p:sp>
+    </p:spTree>
+    <p:extLst>
+      <p:ext uri="{BB962C8B-B14F-4D97-AF65-F5344CB8AC3E}">
+        <p14:creationId xmlns:p14="http://schemas.microsoft.com/office/powerpoint/2010/main" val="1199425444"/>
+      </p:ext>
+    </p:extLst>
+  </p:cSld>
+  <p:clrMapOvr>
+    <a:masterClrMapping/>
+  </p:clrMapOvr>
+</p:sld>
+</file>
+
+<file path=ppt/slides/slide29.xml><?xml version="1.0" encoding="utf-8"?>
+<p:sld xmlns:a="http://schemas.openxmlformats.org/drawingml/2006/main" xmlns:r="http://schemas.openxmlformats.org/officeDocument/2006/relationships" xmlns:p="http://schemas.openxmlformats.org/presentationml/2006/main">
+  <p:cSld>
+    <p:spTree>
+      <p:nvGrpSpPr>
+        <p:cNvPr id="1" name=""/>
+        <p:cNvGrpSpPr/>
+        <p:nvPr/>
+      </p:nvGrpSpPr>
+      <p:grpSpPr>
+        <a:xfrm>
+          <a:off x="0" y="0"/>
+          <a:ext cx="0" cy="0"/>
+          <a:chOff x="0" y="0"/>
+          <a:chExt cx="0" cy="0"/>
+        </a:xfrm>
+      </p:grpSpPr>
+      <p:sp>
+        <p:nvSpPr>
+          <p:cNvPr id="4" name="Título 3"/>
+          <p:cNvSpPr>
+            <a:spLocks noGrp="1"/>
+          </p:cNvSpPr>
+          <p:nvPr>
+            <p:ph type="title"/>
+          </p:nvPr>
+        </p:nvSpPr>
+        <p:spPr/>
+        <p:txBody>
+          <a:bodyPr/>
+          <a:lstStyle/>
+          <a:p>
+            <a:r>
+              <a:rPr lang="pt-BR" dirty="0" smtClean="0"/>
               <a:t>Hierarquias e Articulações</a:t>
             </a:r>
             <a:endParaRPr lang="pt-BR" dirty="0"/>
@@ -12458,7 +14076,79 @@
 </p:sld>
 </file>
 
-<file path=ppt/slides/slide29.xml><?xml version="1.0" encoding="utf-8"?>
+<file path=ppt/slides/slide3.xml><?xml version="1.0" encoding="utf-8"?>
+<p:sld xmlns:a="http://schemas.openxmlformats.org/drawingml/2006/main" xmlns:r="http://schemas.openxmlformats.org/officeDocument/2006/relationships" xmlns:p="http://schemas.openxmlformats.org/presentationml/2006/main">
+  <p:cSld>
+    <p:spTree>
+      <p:nvGrpSpPr>
+        <p:cNvPr id="1" name=""/>
+        <p:cNvGrpSpPr/>
+        <p:nvPr/>
+      </p:nvGrpSpPr>
+      <p:grpSpPr>
+        <a:xfrm>
+          <a:off x="0" y="0"/>
+          <a:ext cx="0" cy="0"/>
+          <a:chOff x="0" y="0"/>
+          <a:chExt cx="0" cy="0"/>
+        </a:xfrm>
+      </p:grpSpPr>
+      <p:sp>
+        <p:nvSpPr>
+          <p:cNvPr id="4" name="Título 3"/>
+          <p:cNvSpPr>
+            <a:spLocks noGrp="1"/>
+          </p:cNvSpPr>
+          <p:nvPr>
+            <p:ph type="title"/>
+          </p:nvPr>
+        </p:nvSpPr>
+        <p:spPr/>
+        <p:txBody>
+          <a:bodyPr/>
+          <a:lstStyle/>
+          <a:p>
+            <a:r>
+              <a:rPr lang="pt-BR" dirty="0" smtClean="0"/>
+              <a:t>Princípios da Animação</a:t>
+            </a:r>
+            <a:endParaRPr lang="pt-BR" dirty="0"/>
+          </a:p>
+        </p:txBody>
+      </p:sp>
+      <p:sp>
+        <p:nvSpPr>
+          <p:cNvPr id="5" name="Espaço Reservado para Texto 4"/>
+          <p:cNvSpPr>
+            <a:spLocks noGrp="1"/>
+          </p:cNvSpPr>
+          <p:nvPr>
+            <p:ph type="body" idx="1"/>
+          </p:nvPr>
+        </p:nvSpPr>
+        <p:spPr/>
+        <p:txBody>
+          <a:bodyPr/>
+          <a:lstStyle/>
+          <a:p>
+            <a:endParaRPr lang="pt-BR"/>
+          </a:p>
+        </p:txBody>
+      </p:sp>
+    </p:spTree>
+    <p:extLst>
+      <p:ext uri="{BB962C8B-B14F-4D97-AF65-F5344CB8AC3E}">
+        <p14:creationId xmlns:p14="http://schemas.microsoft.com/office/powerpoint/2010/main" val="2992118986"/>
+      </p:ext>
+    </p:extLst>
+  </p:cSld>
+  <p:clrMapOvr>
+    <a:masterClrMapping/>
+  </p:clrMapOvr>
+</p:sld>
+</file>
+
+<file path=ppt/slides/slide30.xml><?xml version="1.0" encoding="utf-8"?>
 <p:sld xmlns:a="http://schemas.openxmlformats.org/drawingml/2006/main" xmlns:r="http://schemas.openxmlformats.org/officeDocument/2006/relationships" xmlns:p="http://schemas.openxmlformats.org/presentationml/2006/main">
   <p:cSld>
     <p:spTree>
@@ -12624,79 +14314,7 @@
 </p:sld>
 </file>
 
-<file path=ppt/slides/slide3.xml><?xml version="1.0" encoding="utf-8"?>
-<p:sld xmlns:a="http://schemas.openxmlformats.org/drawingml/2006/main" xmlns:r="http://schemas.openxmlformats.org/officeDocument/2006/relationships" xmlns:p="http://schemas.openxmlformats.org/presentationml/2006/main">
-  <p:cSld>
-    <p:spTree>
-      <p:nvGrpSpPr>
-        <p:cNvPr id="1" name=""/>
-        <p:cNvGrpSpPr/>
-        <p:nvPr/>
-      </p:nvGrpSpPr>
-      <p:grpSpPr>
-        <a:xfrm>
-          <a:off x="0" y="0"/>
-          <a:ext cx="0" cy="0"/>
-          <a:chOff x="0" y="0"/>
-          <a:chExt cx="0" cy="0"/>
-        </a:xfrm>
-      </p:grpSpPr>
-      <p:sp>
-        <p:nvSpPr>
-          <p:cNvPr id="4" name="Título 3"/>
-          <p:cNvSpPr>
-            <a:spLocks noGrp="1"/>
-          </p:cNvSpPr>
-          <p:nvPr>
-            <p:ph type="title"/>
-          </p:nvPr>
-        </p:nvSpPr>
-        <p:spPr/>
-        <p:txBody>
-          <a:bodyPr/>
-          <a:lstStyle/>
-          <a:p>
-            <a:r>
-              <a:rPr lang="pt-BR" dirty="0" smtClean="0"/>
-              <a:t>Princípios da Animação</a:t>
-            </a:r>
-            <a:endParaRPr lang="pt-BR" dirty="0"/>
-          </a:p>
-        </p:txBody>
-      </p:sp>
-      <p:sp>
-        <p:nvSpPr>
-          <p:cNvPr id="5" name="Espaço Reservado para Texto 4"/>
-          <p:cNvSpPr>
-            <a:spLocks noGrp="1"/>
-          </p:cNvSpPr>
-          <p:nvPr>
-            <p:ph type="body" idx="1"/>
-          </p:nvPr>
-        </p:nvSpPr>
-        <p:spPr/>
-        <p:txBody>
-          <a:bodyPr/>
-          <a:lstStyle/>
-          <a:p>
-            <a:endParaRPr lang="pt-BR"/>
-          </a:p>
-        </p:txBody>
-      </p:sp>
-    </p:spTree>
-    <p:extLst>
-      <p:ext uri="{BB962C8B-B14F-4D97-AF65-F5344CB8AC3E}">
-        <p14:creationId xmlns:p14="http://schemas.microsoft.com/office/powerpoint/2010/main" val="2992118986"/>
-      </p:ext>
-    </p:extLst>
-  </p:cSld>
-  <p:clrMapOvr>
-    <a:masterClrMapping/>
-  </p:clrMapOvr>
-</p:sld>
-</file>
-
-<file path=ppt/slides/slide30.xml><?xml version="1.0" encoding="utf-8"?>
+<file path=ppt/slides/slide31.xml><?xml version="1.0" encoding="utf-8"?>
 <p:sld xmlns:a="http://schemas.openxmlformats.org/drawingml/2006/main" xmlns:r="http://schemas.openxmlformats.org/officeDocument/2006/relationships" xmlns:p="http://schemas.openxmlformats.org/presentationml/2006/main">
   <p:cSld>
     <p:spTree>
@@ -13097,7 +14715,7 @@
 </p:sld>
 </file>
 
-<file path=ppt/slides/slide31.xml><?xml version="1.0" encoding="utf-8"?>
+<file path=ppt/slides/slide32.xml><?xml version="1.0" encoding="utf-8"?>
 <p:sld xmlns:a="http://schemas.openxmlformats.org/drawingml/2006/main" xmlns:r="http://schemas.openxmlformats.org/officeDocument/2006/relationships" xmlns:p="http://schemas.openxmlformats.org/presentationml/2006/main">
   <p:cSld>
     <p:spTree>
